--- a/git&sourceTree_crud.pptx
+++ b/git&sourceTree_crud.pptx
@@ -5,10 +5,10 @@
     <p:sldMasterId id="2147483679" r:id="rId1"/>
   </p:sldMasterIdLst>
   <p:notesMasterIdLst>
-    <p:notesMasterId r:id="rId38"/>
+    <p:notesMasterId r:id="rId39"/>
   </p:notesMasterIdLst>
   <p:handoutMasterIdLst>
-    <p:handoutMasterId r:id="rId39"/>
+    <p:handoutMasterId r:id="rId40"/>
   </p:handoutMasterIdLst>
   <p:sldIdLst>
     <p:sldId id="303" r:id="rId2"/>
@@ -38,15 +38,16 @@
     <p:sldId id="373" r:id="rId26"/>
     <p:sldId id="368" r:id="rId27"/>
     <p:sldId id="369" r:id="rId28"/>
-    <p:sldId id="377" r:id="rId29"/>
-    <p:sldId id="379" r:id="rId30"/>
-    <p:sldId id="380" r:id="rId31"/>
-    <p:sldId id="383" r:id="rId32"/>
-    <p:sldId id="382" r:id="rId33"/>
-    <p:sldId id="384" r:id="rId34"/>
-    <p:sldId id="378" r:id="rId35"/>
-    <p:sldId id="370" r:id="rId36"/>
-    <p:sldId id="347" r:id="rId37"/>
+    <p:sldId id="385" r:id="rId29"/>
+    <p:sldId id="377" r:id="rId30"/>
+    <p:sldId id="379" r:id="rId31"/>
+    <p:sldId id="380" r:id="rId32"/>
+    <p:sldId id="383" r:id="rId33"/>
+    <p:sldId id="382" r:id="rId34"/>
+    <p:sldId id="384" r:id="rId35"/>
+    <p:sldId id="378" r:id="rId36"/>
+    <p:sldId id="370" r:id="rId37"/>
+    <p:sldId id="347" r:id="rId38"/>
   </p:sldIdLst>
   <p:sldSz cx="12192000" cy="6858000"/>
   <p:notesSz cx="6797675" cy="9926638"/>
@@ -177,6 +178,7 @@
             <p14:sldId id="373"/>
             <p14:sldId id="368"/>
             <p14:sldId id="369"/>
+            <p14:sldId id="385"/>
             <p14:sldId id="377"/>
             <p14:sldId id="379"/>
             <p14:sldId id="380"/>
@@ -206,6 +208,13 @@
     <p:extLst>
       <p:ext uri="{19B8F6BF-5375-455C-9EA6-DF929625EA0E}">
         <p15:presenceInfo xmlns:p15="http://schemas.microsoft.com/office/powerpoint/2012/main" userId="970ba5a00514c53a" providerId="Windows Live"/>
+      </p:ext>
+    </p:extLst>
+  </p:cmAuthor>
+  <p:cmAuthor id="2" name="mjkim8038" initials="m" lastIdx="1" clrIdx="1">
+    <p:extLst>
+      <p:ext uri="{19B8F6BF-5375-455C-9EA6-DF929625EA0E}">
+        <p15:presenceInfo xmlns:p15="http://schemas.microsoft.com/office/powerpoint/2012/main" userId="mjkim8038" providerId="None"/>
       </p:ext>
     </p:extLst>
   </p:cmAuthor>
@@ -239,7 +248,7 @@
           <p:cNvPr id="2" name="머리글 개체 틀 1">
             <a:extLst>
               <a:ext uri="{FF2B5EF4-FFF2-40B4-BE49-F238E27FC236}">
-                <a16:creationId xmlns="" xmlns:a16="http://schemas.microsoft.com/office/drawing/2014/main" id="{C93A5831-2ED3-B44F-B80D-28EF3767B7B2}"/>
+                <a16:creationId xmlns:a16="http://schemas.microsoft.com/office/drawing/2014/main" xmlns="" id="{C93A5831-2ED3-B44F-B80D-28EF3767B7B2}"/>
               </a:ext>
             </a:extLst>
           </p:cNvPr>
@@ -279,7 +288,7 @@
           <p:cNvPr id="3" name="날짜 개체 틀 2">
             <a:extLst>
               <a:ext uri="{FF2B5EF4-FFF2-40B4-BE49-F238E27FC236}">
-                <a16:creationId xmlns="" xmlns:a16="http://schemas.microsoft.com/office/drawing/2014/main" id="{0C5BD412-B69B-E043-82E6-834A303D3CE2}"/>
+                <a16:creationId xmlns:a16="http://schemas.microsoft.com/office/drawing/2014/main" xmlns="" id="{0C5BD412-B69B-E043-82E6-834A303D3CE2}"/>
               </a:ext>
             </a:extLst>
           </p:cNvPr>
@@ -312,7 +321,7 @@
                 <a:latin typeface="맑은 고딕" panose="020B0503020000020004" pitchFamily="50" charset="-127"/>
                 <a:ea typeface="맑은 고딕" panose="020B0503020000020004" pitchFamily="50" charset="-127"/>
               </a:rPr>
-              <a:t>2021-06-03</a:t>
+              <a:t>2021-06-09</a:t>
             </a:fld>
             <a:endParaRPr kumimoji="1" lang="ko-KR" altLang="en-US" dirty="0">
               <a:latin typeface="맑은 고딕" panose="020B0503020000020004" pitchFamily="50" charset="-127"/>
@@ -326,7 +335,7 @@
           <p:cNvPr id="4" name="바닥글 개체 틀 3">
             <a:extLst>
               <a:ext uri="{FF2B5EF4-FFF2-40B4-BE49-F238E27FC236}">
-                <a16:creationId xmlns="" xmlns:a16="http://schemas.microsoft.com/office/drawing/2014/main" id="{33EAD98E-668D-664A-A871-0EE8576F4345}"/>
+                <a16:creationId xmlns:a16="http://schemas.microsoft.com/office/drawing/2014/main" xmlns="" id="{33EAD98E-668D-664A-A871-0EE8576F4345}"/>
               </a:ext>
             </a:extLst>
           </p:cNvPr>
@@ -366,7 +375,7 @@
           <p:cNvPr id="5" name="슬라이드 번호 개체 틀 4">
             <a:extLst>
               <a:ext uri="{FF2B5EF4-FFF2-40B4-BE49-F238E27FC236}">
-                <a16:creationId xmlns="" xmlns:a16="http://schemas.microsoft.com/office/drawing/2014/main" id="{0CEA24C6-37C6-8C42-A253-B68C0FD59DED}"/>
+                <a16:creationId xmlns:a16="http://schemas.microsoft.com/office/drawing/2014/main" xmlns="" id="{0CEA24C6-37C6-8C42-A253-B68C0FD59DED}"/>
               </a:ext>
             </a:extLst>
           </p:cNvPr>
@@ -508,7 +517,7 @@
             <a:fld id="{EC2319B5-2194-8C4E-8BB2-DDEA4965297E}" type="datetimeFigureOut">
               <a:rPr kumimoji="1" lang="ko-KR" altLang="en-US" smtClean="0"/>
               <a:pPr/>
-              <a:t>2021-06-03</a:t>
+              <a:t>2021-06-09</a:t>
             </a:fld>
             <a:endParaRPr kumimoji="1" lang="ko-KR" altLang="en-US" dirty="0"/>
           </a:p>
@@ -2492,12 +2501,7 @@
             <p:ph type="sldImg"/>
           </p:nvPr>
         </p:nvSpPr>
-        <p:spPr>
-          <a:xfrm>
-            <a:off x="422275" y="1241425"/>
-            <a:ext cx="5953125" cy="3349625"/>
-          </a:xfrm>
-        </p:spPr>
+        <p:spPr/>
       </p:sp>
       <p:sp>
         <p:nvSpPr>
@@ -2514,7 +2518,7 @@
           <a:bodyPr/>
           <a:lstStyle/>
           <a:p>
-            <a:endParaRPr kumimoji="1" lang="ko-KR" altLang="en-US" dirty="0"/>
+            <a:endParaRPr lang="ko-KR" altLang="en-US"/>
           </a:p>
         </p:txBody>
       </p:sp>
@@ -2525,7 +2529,7 @@
             <a:spLocks noGrp="1"/>
           </p:cNvSpPr>
           <p:nvPr>
-            <p:ph type="sldNum" sz="quarter" idx="5"/>
+            <p:ph type="sldNum" sz="quarter" idx="10"/>
           </p:nvPr>
         </p:nvSpPr>
         <p:spPr/>
@@ -2535,16 +2539,17 @@
           <a:p>
             <a:fld id="{3EA78759-A36B-0749-837C-5E6C8189DD6D}" type="slidenum">
               <a:rPr kumimoji="1" lang="ko-KR" altLang="en-US" smtClean="0"/>
+              <a:pPr/>
               <a:t>28</a:t>
             </a:fld>
-            <a:endParaRPr kumimoji="1" lang="ko-KR" altLang="en-US"/>
+            <a:endParaRPr kumimoji="1" lang="ko-KR" altLang="en-US" dirty="0"/>
           </a:p>
         </p:txBody>
       </p:sp>
     </p:spTree>
     <p:extLst>
       <p:ext uri="{BB962C8B-B14F-4D97-AF65-F5344CB8AC3E}">
-        <p14:creationId xmlns:p14="http://schemas.microsoft.com/office/powerpoint/2010/main" val="2128621911"/>
+        <p14:creationId xmlns:p14="http://schemas.microsoft.com/office/powerpoint/2010/main" val="3291945427"/>
       </p:ext>
     </p:extLst>
   </p:cSld>
@@ -2581,7 +2586,12 @@
             <p:ph type="sldImg"/>
           </p:nvPr>
         </p:nvSpPr>
-        <p:spPr/>
+        <p:spPr>
+          <a:xfrm>
+            <a:off x="422275" y="1241425"/>
+            <a:ext cx="5953125" cy="3349625"/>
+          </a:xfrm>
+        </p:spPr>
       </p:sp>
       <p:sp>
         <p:nvSpPr>
@@ -2598,7 +2608,7 @@
           <a:bodyPr/>
           <a:lstStyle/>
           <a:p>
-            <a:endParaRPr lang="ko-KR" altLang="en-US"/>
+            <a:endParaRPr kumimoji="1" lang="ko-KR" altLang="en-US" dirty="0"/>
           </a:p>
         </p:txBody>
       </p:sp>
@@ -2609,7 +2619,7 @@
             <a:spLocks noGrp="1"/>
           </p:cNvSpPr>
           <p:nvPr>
-            <p:ph type="sldNum" sz="quarter" idx="10"/>
+            <p:ph type="sldNum" sz="quarter" idx="5"/>
           </p:nvPr>
         </p:nvSpPr>
         <p:spPr/>
@@ -2619,17 +2629,16 @@
           <a:p>
             <a:fld id="{3EA78759-A36B-0749-837C-5E6C8189DD6D}" type="slidenum">
               <a:rPr kumimoji="1" lang="ko-KR" altLang="en-US" smtClean="0"/>
-              <a:pPr/>
               <a:t>29</a:t>
             </a:fld>
-            <a:endParaRPr kumimoji="1" lang="ko-KR" altLang="en-US" dirty="0"/>
+            <a:endParaRPr kumimoji="1" lang="ko-KR" altLang="en-US"/>
           </a:p>
         </p:txBody>
       </p:sp>
     </p:spTree>
     <p:extLst>
       <p:ext uri="{BB962C8B-B14F-4D97-AF65-F5344CB8AC3E}">
-        <p14:creationId xmlns:p14="http://schemas.microsoft.com/office/powerpoint/2010/main" val="2476694084"/>
+        <p14:creationId xmlns:p14="http://schemas.microsoft.com/office/powerpoint/2010/main" val="2128621911"/>
       </p:ext>
     </p:extLst>
   </p:cSld>
@@ -2803,7 +2812,7 @@
     </p:spTree>
     <p:extLst>
       <p:ext uri="{BB962C8B-B14F-4D97-AF65-F5344CB8AC3E}">
-        <p14:creationId xmlns:p14="http://schemas.microsoft.com/office/powerpoint/2010/main" val="1987681412"/>
+        <p14:creationId xmlns:p14="http://schemas.microsoft.com/office/powerpoint/2010/main" val="2476694084"/>
       </p:ext>
     </p:extLst>
   </p:cSld>
@@ -2888,7 +2897,7 @@
     </p:spTree>
     <p:extLst>
       <p:ext uri="{BB962C8B-B14F-4D97-AF65-F5344CB8AC3E}">
-        <p14:creationId xmlns:p14="http://schemas.microsoft.com/office/powerpoint/2010/main" val="1500659304"/>
+        <p14:creationId xmlns:p14="http://schemas.microsoft.com/office/powerpoint/2010/main" val="1987681412"/>
       </p:ext>
     </p:extLst>
   </p:cSld>
@@ -2973,7 +2982,7 @@
     </p:spTree>
     <p:extLst>
       <p:ext uri="{BB962C8B-B14F-4D97-AF65-F5344CB8AC3E}">
-        <p14:creationId xmlns:p14="http://schemas.microsoft.com/office/powerpoint/2010/main" val="2406020594"/>
+        <p14:creationId xmlns:p14="http://schemas.microsoft.com/office/powerpoint/2010/main" val="1500659304"/>
       </p:ext>
     </p:extLst>
   </p:cSld>
@@ -3058,6 +3067,91 @@
     </p:spTree>
     <p:extLst>
       <p:ext uri="{BB962C8B-B14F-4D97-AF65-F5344CB8AC3E}">
+        <p14:creationId xmlns:p14="http://schemas.microsoft.com/office/powerpoint/2010/main" val="2406020594"/>
+      </p:ext>
+    </p:extLst>
+  </p:cSld>
+  <p:clrMapOvr>
+    <a:masterClrMapping/>
+  </p:clrMapOvr>
+</p:notes>
+</file>
+
+<file path=ppt/notesSlides/notesSlide34.xml><?xml version="1.0" encoding="utf-8"?>
+<p:notes xmlns:a="http://schemas.openxmlformats.org/drawingml/2006/main" xmlns:r="http://schemas.openxmlformats.org/officeDocument/2006/relationships" xmlns:p="http://schemas.openxmlformats.org/presentationml/2006/main">
+  <p:cSld>
+    <p:spTree>
+      <p:nvGrpSpPr>
+        <p:cNvPr id="1" name=""/>
+        <p:cNvGrpSpPr/>
+        <p:nvPr/>
+      </p:nvGrpSpPr>
+      <p:grpSpPr>
+        <a:xfrm>
+          <a:off x="0" y="0"/>
+          <a:ext cx="0" cy="0"/>
+          <a:chOff x="0" y="0"/>
+          <a:chExt cx="0" cy="0"/>
+        </a:xfrm>
+      </p:grpSpPr>
+      <p:sp>
+        <p:nvSpPr>
+          <p:cNvPr id="2" name="슬라이드 이미지 개체 틀 1"/>
+          <p:cNvSpPr>
+            <a:spLocks noGrp="1" noRot="1" noChangeAspect="1"/>
+          </p:cNvSpPr>
+          <p:nvPr>
+            <p:ph type="sldImg"/>
+          </p:nvPr>
+        </p:nvSpPr>
+        <p:spPr/>
+      </p:sp>
+      <p:sp>
+        <p:nvSpPr>
+          <p:cNvPr id="3" name="슬라이드 노트 개체 틀 2"/>
+          <p:cNvSpPr>
+            <a:spLocks noGrp="1"/>
+          </p:cNvSpPr>
+          <p:nvPr>
+            <p:ph type="body" idx="1"/>
+          </p:nvPr>
+        </p:nvSpPr>
+        <p:spPr/>
+        <p:txBody>
+          <a:bodyPr/>
+          <a:lstStyle/>
+          <a:p>
+            <a:endParaRPr lang="ko-KR" altLang="en-US"/>
+          </a:p>
+        </p:txBody>
+      </p:sp>
+      <p:sp>
+        <p:nvSpPr>
+          <p:cNvPr id="4" name="슬라이드 번호 개체 틀 3"/>
+          <p:cNvSpPr>
+            <a:spLocks noGrp="1"/>
+          </p:cNvSpPr>
+          <p:nvPr>
+            <p:ph type="sldNum" sz="quarter" idx="10"/>
+          </p:nvPr>
+        </p:nvSpPr>
+        <p:spPr/>
+        <p:txBody>
+          <a:bodyPr/>
+          <a:lstStyle/>
+          <a:p>
+            <a:fld id="{3EA78759-A36B-0749-837C-5E6C8189DD6D}" type="slidenum">
+              <a:rPr kumimoji="1" lang="ko-KR" altLang="en-US" smtClean="0"/>
+              <a:pPr/>
+              <a:t>34</a:t>
+            </a:fld>
+            <a:endParaRPr kumimoji="1" lang="ko-KR" altLang="en-US" dirty="0"/>
+          </a:p>
+        </p:txBody>
+      </p:sp>
+    </p:spTree>
+    <p:extLst>
+      <p:ext uri="{BB962C8B-B14F-4D97-AF65-F5344CB8AC3E}">
         <p14:creationId xmlns:p14="http://schemas.microsoft.com/office/powerpoint/2010/main" val="3955603932"/>
       </p:ext>
     </p:extLst>
@@ -3068,7 +3162,7 @@
 </p:notes>
 </file>
 
-<file path=ppt/notesSlides/notesSlide34.xml><?xml version="1.0" encoding="utf-8"?>
+<file path=ppt/notesSlides/notesSlide35.xml><?xml version="1.0" encoding="utf-8"?>
 <p:notes xmlns:a="http://schemas.openxmlformats.org/drawingml/2006/main" xmlns:r="http://schemas.openxmlformats.org/officeDocument/2006/relationships" xmlns:p="http://schemas.openxmlformats.org/presentationml/2006/main">
   <p:cSld>
     <p:spTree>
@@ -3138,7 +3232,7 @@
           <a:p>
             <a:fld id="{3EA78759-A36B-0749-837C-5E6C8189DD6D}" type="slidenum">
               <a:rPr kumimoji="1" lang="ko-KR" altLang="en-US" smtClean="0"/>
-              <a:t>34</a:t>
+              <a:t>35</a:t>
             </a:fld>
             <a:endParaRPr kumimoji="1" lang="ko-KR" altLang="en-US"/>
           </a:p>
@@ -3148,91 +3242,6 @@
     <p:extLst>
       <p:ext uri="{BB962C8B-B14F-4D97-AF65-F5344CB8AC3E}">
         <p14:creationId xmlns:p14="http://schemas.microsoft.com/office/powerpoint/2010/main" val="1024292523"/>
-      </p:ext>
-    </p:extLst>
-  </p:cSld>
-  <p:clrMapOvr>
-    <a:masterClrMapping/>
-  </p:clrMapOvr>
-</p:notes>
-</file>
-
-<file path=ppt/notesSlides/notesSlide35.xml><?xml version="1.0" encoding="utf-8"?>
-<p:notes xmlns:a="http://schemas.openxmlformats.org/drawingml/2006/main" xmlns:r="http://schemas.openxmlformats.org/officeDocument/2006/relationships" xmlns:p="http://schemas.openxmlformats.org/presentationml/2006/main">
-  <p:cSld>
-    <p:spTree>
-      <p:nvGrpSpPr>
-        <p:cNvPr id="1" name=""/>
-        <p:cNvGrpSpPr/>
-        <p:nvPr/>
-      </p:nvGrpSpPr>
-      <p:grpSpPr>
-        <a:xfrm>
-          <a:off x="0" y="0"/>
-          <a:ext cx="0" cy="0"/>
-          <a:chOff x="0" y="0"/>
-          <a:chExt cx="0" cy="0"/>
-        </a:xfrm>
-      </p:grpSpPr>
-      <p:sp>
-        <p:nvSpPr>
-          <p:cNvPr id="2" name="슬라이드 이미지 개체 틀 1"/>
-          <p:cNvSpPr>
-            <a:spLocks noGrp="1" noRot="1" noChangeAspect="1"/>
-          </p:cNvSpPr>
-          <p:nvPr>
-            <p:ph type="sldImg"/>
-          </p:nvPr>
-        </p:nvSpPr>
-        <p:spPr/>
-      </p:sp>
-      <p:sp>
-        <p:nvSpPr>
-          <p:cNvPr id="3" name="슬라이드 노트 개체 틀 2"/>
-          <p:cNvSpPr>
-            <a:spLocks noGrp="1"/>
-          </p:cNvSpPr>
-          <p:nvPr>
-            <p:ph type="body" idx="1"/>
-          </p:nvPr>
-        </p:nvSpPr>
-        <p:spPr/>
-        <p:txBody>
-          <a:bodyPr/>
-          <a:lstStyle/>
-          <a:p>
-            <a:endParaRPr lang="ko-KR" altLang="en-US"/>
-          </a:p>
-        </p:txBody>
-      </p:sp>
-      <p:sp>
-        <p:nvSpPr>
-          <p:cNvPr id="4" name="슬라이드 번호 개체 틀 3"/>
-          <p:cNvSpPr>
-            <a:spLocks noGrp="1"/>
-          </p:cNvSpPr>
-          <p:nvPr>
-            <p:ph type="sldNum" sz="quarter" idx="10"/>
-          </p:nvPr>
-        </p:nvSpPr>
-        <p:spPr/>
-        <p:txBody>
-          <a:bodyPr/>
-          <a:lstStyle/>
-          <a:p>
-            <a:fld id="{3EA78759-A36B-0749-837C-5E6C8189DD6D}" type="slidenum">
-              <a:rPr kumimoji="1" lang="ko-KR" altLang="en-US" smtClean="0"/>
-              <a:pPr/>
-              <a:t>35</a:t>
-            </a:fld>
-            <a:endParaRPr kumimoji="1" lang="ko-KR" altLang="en-US" dirty="0"/>
-          </a:p>
-        </p:txBody>
-      </p:sp>
-    </p:spTree>
-    <p:extLst>
-      <p:ext uri="{BB962C8B-B14F-4D97-AF65-F5344CB8AC3E}">
-        <p14:creationId xmlns:p14="http://schemas.microsoft.com/office/powerpoint/2010/main" val="4018871306"/>
       </p:ext>
     </p:extLst>
   </p:cSld>
@@ -3309,6 +3318,91 @@
               <a:rPr kumimoji="1" lang="ko-KR" altLang="en-US" smtClean="0"/>
               <a:pPr/>
               <a:t>36</a:t>
+            </a:fld>
+            <a:endParaRPr kumimoji="1" lang="ko-KR" altLang="en-US" dirty="0"/>
+          </a:p>
+        </p:txBody>
+      </p:sp>
+    </p:spTree>
+    <p:extLst>
+      <p:ext uri="{BB962C8B-B14F-4D97-AF65-F5344CB8AC3E}">
+        <p14:creationId xmlns:p14="http://schemas.microsoft.com/office/powerpoint/2010/main" val="4018871306"/>
+      </p:ext>
+    </p:extLst>
+  </p:cSld>
+  <p:clrMapOvr>
+    <a:masterClrMapping/>
+  </p:clrMapOvr>
+</p:notes>
+</file>
+
+<file path=ppt/notesSlides/notesSlide37.xml><?xml version="1.0" encoding="utf-8"?>
+<p:notes xmlns:a="http://schemas.openxmlformats.org/drawingml/2006/main" xmlns:r="http://schemas.openxmlformats.org/officeDocument/2006/relationships" xmlns:p="http://schemas.openxmlformats.org/presentationml/2006/main">
+  <p:cSld>
+    <p:spTree>
+      <p:nvGrpSpPr>
+        <p:cNvPr id="1" name=""/>
+        <p:cNvGrpSpPr/>
+        <p:nvPr/>
+      </p:nvGrpSpPr>
+      <p:grpSpPr>
+        <a:xfrm>
+          <a:off x="0" y="0"/>
+          <a:ext cx="0" cy="0"/>
+          <a:chOff x="0" y="0"/>
+          <a:chExt cx="0" cy="0"/>
+        </a:xfrm>
+      </p:grpSpPr>
+      <p:sp>
+        <p:nvSpPr>
+          <p:cNvPr id="2" name="슬라이드 이미지 개체 틀 1"/>
+          <p:cNvSpPr>
+            <a:spLocks noGrp="1" noRot="1" noChangeAspect="1"/>
+          </p:cNvSpPr>
+          <p:nvPr>
+            <p:ph type="sldImg"/>
+          </p:nvPr>
+        </p:nvSpPr>
+        <p:spPr/>
+      </p:sp>
+      <p:sp>
+        <p:nvSpPr>
+          <p:cNvPr id="3" name="슬라이드 노트 개체 틀 2"/>
+          <p:cNvSpPr>
+            <a:spLocks noGrp="1"/>
+          </p:cNvSpPr>
+          <p:nvPr>
+            <p:ph type="body" idx="1"/>
+          </p:nvPr>
+        </p:nvSpPr>
+        <p:spPr/>
+        <p:txBody>
+          <a:bodyPr/>
+          <a:lstStyle/>
+          <a:p>
+            <a:endParaRPr lang="ko-KR" altLang="en-US"/>
+          </a:p>
+        </p:txBody>
+      </p:sp>
+      <p:sp>
+        <p:nvSpPr>
+          <p:cNvPr id="4" name="슬라이드 번호 개체 틀 3"/>
+          <p:cNvSpPr>
+            <a:spLocks noGrp="1"/>
+          </p:cNvSpPr>
+          <p:nvPr>
+            <p:ph type="sldNum" sz="quarter" idx="10"/>
+          </p:nvPr>
+        </p:nvSpPr>
+        <p:spPr/>
+        <p:txBody>
+          <a:bodyPr/>
+          <a:lstStyle/>
+          <a:p>
+            <a:fld id="{3EA78759-A36B-0749-837C-5E6C8189DD6D}" type="slidenum">
+              <a:rPr kumimoji="1" lang="ko-KR" altLang="en-US" smtClean="0"/>
+              <a:pPr/>
+              <a:t>37</a:t>
             </a:fld>
             <a:endParaRPr kumimoji="1" lang="ko-KR" altLang="en-US" dirty="0"/>
           </a:p>
@@ -3859,7 +3953,7 @@
           <p:cNvPr id="564" name="한쪽 모서리는 잘리고 다른 쪽 모서리는 둥근 사각형 563">
             <a:extLst>
               <a:ext uri="{FF2B5EF4-FFF2-40B4-BE49-F238E27FC236}">
-                <a16:creationId xmlns="" xmlns:a16="http://schemas.microsoft.com/office/drawing/2014/main" id="{1861784B-D1F6-5A4E-A78A-D9B7D42531ED}"/>
+                <a16:creationId xmlns:a16="http://schemas.microsoft.com/office/drawing/2014/main" xmlns="" id="{1861784B-D1F6-5A4E-A78A-D9B7D42531ED}"/>
               </a:ext>
             </a:extLst>
           </p:cNvPr>
@@ -3941,7 +4035,7 @@
           <p:cNvPr id="569" name="그룹 568">
             <a:extLst>
               <a:ext uri="{FF2B5EF4-FFF2-40B4-BE49-F238E27FC236}">
-                <a16:creationId xmlns="" xmlns:a16="http://schemas.microsoft.com/office/drawing/2014/main" id="{F154A69B-38F1-0C41-8960-6B963285E175}"/>
+                <a16:creationId xmlns:a16="http://schemas.microsoft.com/office/drawing/2014/main" xmlns="" id="{F154A69B-38F1-0C41-8960-6B963285E175}"/>
               </a:ext>
             </a:extLst>
           </p:cNvPr>
@@ -3961,7 +4055,7 @@
             <p:cNvPr id="570" name="그룹 569">
               <a:extLst>
                 <a:ext uri="{FF2B5EF4-FFF2-40B4-BE49-F238E27FC236}">
-                  <a16:creationId xmlns="" xmlns:a16="http://schemas.microsoft.com/office/drawing/2014/main" id="{A417ADE4-0B5D-374F-B335-B32EB20E9F56}"/>
+                  <a16:creationId xmlns:a16="http://schemas.microsoft.com/office/drawing/2014/main" xmlns="" id="{A417ADE4-0B5D-374F-B335-B32EB20E9F56}"/>
                 </a:ext>
               </a:extLst>
             </p:cNvPr>
@@ -3981,7 +4075,7 @@
               <p:cNvPr id="572" name="그룹 571">
                 <a:extLst>
                   <a:ext uri="{FF2B5EF4-FFF2-40B4-BE49-F238E27FC236}">
-                    <a16:creationId xmlns="" xmlns:a16="http://schemas.microsoft.com/office/drawing/2014/main" id="{E08D6345-2479-C748-A59A-AE1609D8F8CD}"/>
+                    <a16:creationId xmlns:a16="http://schemas.microsoft.com/office/drawing/2014/main" xmlns="" id="{E08D6345-2479-C748-A59A-AE1609D8F8CD}"/>
                   </a:ext>
                 </a:extLst>
               </p:cNvPr>
@@ -4001,7 +4095,7 @@
                 <p:cNvPr id="709" name="그룹 708">
                   <a:extLst>
                     <a:ext uri="{FF2B5EF4-FFF2-40B4-BE49-F238E27FC236}">
-                      <a16:creationId xmlns="" xmlns:a16="http://schemas.microsoft.com/office/drawing/2014/main" id="{ED5C3F1B-E88A-3A4E-93CD-F1EA3142B3AD}"/>
+                      <a16:creationId xmlns:a16="http://schemas.microsoft.com/office/drawing/2014/main" xmlns="" id="{ED5C3F1B-E88A-3A4E-93CD-F1EA3142B3AD}"/>
                     </a:ext>
                   </a:extLst>
                 </p:cNvPr>
@@ -4021,7 +4115,7 @@
                   <p:cNvPr id="828" name="그림 827">
                     <a:extLst>
                       <a:ext uri="{FF2B5EF4-FFF2-40B4-BE49-F238E27FC236}">
-                        <a16:creationId xmlns="" xmlns:a16="http://schemas.microsoft.com/office/drawing/2014/main" id="{1B0F0F9C-A744-3547-A771-DA2714C68B0D}"/>
+                        <a16:creationId xmlns:a16="http://schemas.microsoft.com/office/drawing/2014/main" xmlns="" id="{1B0F0F9C-A744-3547-A771-DA2714C68B0D}"/>
                       </a:ext>
                     </a:extLst>
                   </p:cNvPr>
@@ -4057,7 +4151,7 @@
                   <p:cNvPr id="829" name="그림 828">
                     <a:extLst>
                       <a:ext uri="{FF2B5EF4-FFF2-40B4-BE49-F238E27FC236}">
-                        <a16:creationId xmlns="" xmlns:a16="http://schemas.microsoft.com/office/drawing/2014/main" id="{66CB6897-6436-4043-87C1-FCE8D511C706}"/>
+                        <a16:creationId xmlns:a16="http://schemas.microsoft.com/office/drawing/2014/main" xmlns="" id="{66CB6897-6436-4043-87C1-FCE8D511C706}"/>
                       </a:ext>
                     </a:extLst>
                   </p:cNvPr>
@@ -4093,7 +4187,7 @@
                   <p:cNvPr id="830" name="그림 829">
                     <a:extLst>
                       <a:ext uri="{FF2B5EF4-FFF2-40B4-BE49-F238E27FC236}">
-                        <a16:creationId xmlns="" xmlns:a16="http://schemas.microsoft.com/office/drawing/2014/main" id="{9ABB0347-2DC9-014E-A570-EDB1ACDFE860}"/>
+                        <a16:creationId xmlns:a16="http://schemas.microsoft.com/office/drawing/2014/main" xmlns="" id="{9ABB0347-2DC9-014E-A570-EDB1ACDFE860}"/>
                       </a:ext>
                     </a:extLst>
                   </p:cNvPr>
@@ -4129,7 +4223,7 @@
                   <p:cNvPr id="831" name="그림 830">
                     <a:extLst>
                       <a:ext uri="{FF2B5EF4-FFF2-40B4-BE49-F238E27FC236}">
-                        <a16:creationId xmlns="" xmlns:a16="http://schemas.microsoft.com/office/drawing/2014/main" id="{A52AE44E-894D-D74B-9CF2-9955FAFEB239}"/>
+                        <a16:creationId xmlns:a16="http://schemas.microsoft.com/office/drawing/2014/main" xmlns="" id="{A52AE44E-894D-D74B-9CF2-9955FAFEB239}"/>
                       </a:ext>
                     </a:extLst>
                   </p:cNvPr>
@@ -4165,7 +4259,7 @@
                   <p:cNvPr id="832" name="그림 831">
                     <a:extLst>
                       <a:ext uri="{FF2B5EF4-FFF2-40B4-BE49-F238E27FC236}">
-                        <a16:creationId xmlns="" xmlns:a16="http://schemas.microsoft.com/office/drawing/2014/main" id="{FF6D079E-E52E-8040-99DC-35F34E71B2DB}"/>
+                        <a16:creationId xmlns:a16="http://schemas.microsoft.com/office/drawing/2014/main" xmlns="" id="{FF6D079E-E52E-8040-99DC-35F34E71B2DB}"/>
                       </a:ext>
                     </a:extLst>
                   </p:cNvPr>
@@ -4201,7 +4295,7 @@
                   <p:cNvPr id="833" name="그림 832">
                     <a:extLst>
                       <a:ext uri="{FF2B5EF4-FFF2-40B4-BE49-F238E27FC236}">
-                        <a16:creationId xmlns="" xmlns:a16="http://schemas.microsoft.com/office/drawing/2014/main" id="{4E784E8D-346B-6649-9218-676E341BE3CE}"/>
+                        <a16:creationId xmlns:a16="http://schemas.microsoft.com/office/drawing/2014/main" xmlns="" id="{4E784E8D-346B-6649-9218-676E341BE3CE}"/>
                       </a:ext>
                     </a:extLst>
                   </p:cNvPr>
@@ -4237,7 +4331,7 @@
                   <p:cNvPr id="834" name="그림 833">
                     <a:extLst>
                       <a:ext uri="{FF2B5EF4-FFF2-40B4-BE49-F238E27FC236}">
-                        <a16:creationId xmlns="" xmlns:a16="http://schemas.microsoft.com/office/drawing/2014/main" id="{B31D23B1-EA75-B54B-9F90-F2E011E88828}"/>
+                        <a16:creationId xmlns:a16="http://schemas.microsoft.com/office/drawing/2014/main" xmlns="" id="{B31D23B1-EA75-B54B-9F90-F2E011E88828}"/>
                       </a:ext>
                     </a:extLst>
                   </p:cNvPr>
@@ -4273,7 +4367,7 @@
                   <p:cNvPr id="835" name="그림 834">
                     <a:extLst>
                       <a:ext uri="{FF2B5EF4-FFF2-40B4-BE49-F238E27FC236}">
-                        <a16:creationId xmlns="" xmlns:a16="http://schemas.microsoft.com/office/drawing/2014/main" id="{226D0686-79DA-C24D-9D92-2E2A0CBF2DD0}"/>
+                        <a16:creationId xmlns:a16="http://schemas.microsoft.com/office/drawing/2014/main" xmlns="" id="{226D0686-79DA-C24D-9D92-2E2A0CBF2DD0}"/>
                       </a:ext>
                     </a:extLst>
                   </p:cNvPr>
@@ -4309,7 +4403,7 @@
                   <p:cNvPr id="836" name="그림 835">
                     <a:extLst>
                       <a:ext uri="{FF2B5EF4-FFF2-40B4-BE49-F238E27FC236}">
-                        <a16:creationId xmlns="" xmlns:a16="http://schemas.microsoft.com/office/drawing/2014/main" id="{3CA77939-0241-AB4E-A9A0-BFEC3F5B1222}"/>
+                        <a16:creationId xmlns:a16="http://schemas.microsoft.com/office/drawing/2014/main" xmlns="" id="{3CA77939-0241-AB4E-A9A0-BFEC3F5B1222}"/>
                       </a:ext>
                     </a:extLst>
                   </p:cNvPr>
@@ -4345,7 +4439,7 @@
                   <p:cNvPr id="837" name="그림 836">
                     <a:extLst>
                       <a:ext uri="{FF2B5EF4-FFF2-40B4-BE49-F238E27FC236}">
-                        <a16:creationId xmlns="" xmlns:a16="http://schemas.microsoft.com/office/drawing/2014/main" id="{0CF3F8D3-69BD-2D41-B40E-D8A489B0C4F0}"/>
+                        <a16:creationId xmlns:a16="http://schemas.microsoft.com/office/drawing/2014/main" xmlns="" id="{0CF3F8D3-69BD-2D41-B40E-D8A489B0C4F0}"/>
                       </a:ext>
                     </a:extLst>
                   </p:cNvPr>
@@ -4381,7 +4475,7 @@
                   <p:cNvPr id="838" name="그림 837">
                     <a:extLst>
                       <a:ext uri="{FF2B5EF4-FFF2-40B4-BE49-F238E27FC236}">
-                        <a16:creationId xmlns="" xmlns:a16="http://schemas.microsoft.com/office/drawing/2014/main" id="{10AF67CF-EC6E-0741-B7F2-1820809C90DC}"/>
+                        <a16:creationId xmlns:a16="http://schemas.microsoft.com/office/drawing/2014/main" xmlns="" id="{10AF67CF-EC6E-0741-B7F2-1820809C90DC}"/>
                       </a:ext>
                     </a:extLst>
                   </p:cNvPr>
@@ -4417,7 +4511,7 @@
                   <p:cNvPr id="839" name="그림 838">
                     <a:extLst>
                       <a:ext uri="{FF2B5EF4-FFF2-40B4-BE49-F238E27FC236}">
-                        <a16:creationId xmlns="" xmlns:a16="http://schemas.microsoft.com/office/drawing/2014/main" id="{79F1A818-B69E-044D-B650-40BBAE63D93D}"/>
+                        <a16:creationId xmlns:a16="http://schemas.microsoft.com/office/drawing/2014/main" xmlns="" id="{79F1A818-B69E-044D-B650-40BBAE63D93D}"/>
                       </a:ext>
                     </a:extLst>
                   </p:cNvPr>
@@ -4453,7 +4547,7 @@
                   <p:cNvPr id="840" name="그림 839">
                     <a:extLst>
                       <a:ext uri="{FF2B5EF4-FFF2-40B4-BE49-F238E27FC236}">
-                        <a16:creationId xmlns="" xmlns:a16="http://schemas.microsoft.com/office/drawing/2014/main" id="{A5291780-EED5-C04B-922B-264C8880F4C4}"/>
+                        <a16:creationId xmlns:a16="http://schemas.microsoft.com/office/drawing/2014/main" xmlns="" id="{A5291780-EED5-C04B-922B-264C8880F4C4}"/>
                       </a:ext>
                     </a:extLst>
                   </p:cNvPr>
@@ -4489,7 +4583,7 @@
                   <p:cNvPr id="841" name="그림 840">
                     <a:extLst>
                       <a:ext uri="{FF2B5EF4-FFF2-40B4-BE49-F238E27FC236}">
-                        <a16:creationId xmlns="" xmlns:a16="http://schemas.microsoft.com/office/drawing/2014/main" id="{92CE2E07-DBA8-3F42-B0B5-C67EFC22463E}"/>
+                        <a16:creationId xmlns:a16="http://schemas.microsoft.com/office/drawing/2014/main" xmlns="" id="{92CE2E07-DBA8-3F42-B0B5-C67EFC22463E}"/>
                       </a:ext>
                     </a:extLst>
                   </p:cNvPr>
@@ -4525,7 +4619,7 @@
                   <p:cNvPr id="842" name="그림 841">
                     <a:extLst>
                       <a:ext uri="{FF2B5EF4-FFF2-40B4-BE49-F238E27FC236}">
-                        <a16:creationId xmlns="" xmlns:a16="http://schemas.microsoft.com/office/drawing/2014/main" id="{DD165193-69C8-C548-AC7F-C0A5173AF9E3}"/>
+                        <a16:creationId xmlns:a16="http://schemas.microsoft.com/office/drawing/2014/main" xmlns="" id="{DD165193-69C8-C548-AC7F-C0A5173AF9E3}"/>
                       </a:ext>
                     </a:extLst>
                   </p:cNvPr>
@@ -4561,7 +4655,7 @@
                   <p:cNvPr id="843" name="그림 842">
                     <a:extLst>
                       <a:ext uri="{FF2B5EF4-FFF2-40B4-BE49-F238E27FC236}">
-                        <a16:creationId xmlns="" xmlns:a16="http://schemas.microsoft.com/office/drawing/2014/main" id="{F5F962C4-813F-C642-890E-7343A5AD5347}"/>
+                        <a16:creationId xmlns:a16="http://schemas.microsoft.com/office/drawing/2014/main" xmlns="" id="{F5F962C4-813F-C642-890E-7343A5AD5347}"/>
                       </a:ext>
                     </a:extLst>
                   </p:cNvPr>
@@ -4598,7 +4692,7 @@
                 <p:cNvPr id="710" name="그룹 709">
                   <a:extLst>
                     <a:ext uri="{FF2B5EF4-FFF2-40B4-BE49-F238E27FC236}">
-                      <a16:creationId xmlns="" xmlns:a16="http://schemas.microsoft.com/office/drawing/2014/main" id="{D74C2DEF-1DCA-BF46-9E81-C1524A1636FA}"/>
+                      <a16:creationId xmlns:a16="http://schemas.microsoft.com/office/drawing/2014/main" xmlns="" id="{D74C2DEF-1DCA-BF46-9E81-C1524A1636FA}"/>
                     </a:ext>
                   </a:extLst>
                 </p:cNvPr>
@@ -4618,7 +4712,7 @@
                   <p:cNvPr id="812" name="그림 811">
                     <a:extLst>
                       <a:ext uri="{FF2B5EF4-FFF2-40B4-BE49-F238E27FC236}">
-                        <a16:creationId xmlns="" xmlns:a16="http://schemas.microsoft.com/office/drawing/2014/main" id="{8F4E99E8-CE60-6E49-AA6B-E49443ED72E3}"/>
+                        <a16:creationId xmlns:a16="http://schemas.microsoft.com/office/drawing/2014/main" xmlns="" id="{8F4E99E8-CE60-6E49-AA6B-E49443ED72E3}"/>
                       </a:ext>
                     </a:extLst>
                   </p:cNvPr>
@@ -4654,7 +4748,7 @@
                   <p:cNvPr id="813" name="그림 812">
                     <a:extLst>
                       <a:ext uri="{FF2B5EF4-FFF2-40B4-BE49-F238E27FC236}">
-                        <a16:creationId xmlns="" xmlns:a16="http://schemas.microsoft.com/office/drawing/2014/main" id="{B268003B-DC3F-CC41-B548-375A56D98AB7}"/>
+                        <a16:creationId xmlns:a16="http://schemas.microsoft.com/office/drawing/2014/main" xmlns="" id="{B268003B-DC3F-CC41-B548-375A56D98AB7}"/>
                       </a:ext>
                     </a:extLst>
                   </p:cNvPr>
@@ -4690,7 +4784,7 @@
                   <p:cNvPr id="814" name="그림 813">
                     <a:extLst>
                       <a:ext uri="{FF2B5EF4-FFF2-40B4-BE49-F238E27FC236}">
-                        <a16:creationId xmlns="" xmlns:a16="http://schemas.microsoft.com/office/drawing/2014/main" id="{EA04E93E-B4C9-544F-B127-A2EDBF509939}"/>
+                        <a16:creationId xmlns:a16="http://schemas.microsoft.com/office/drawing/2014/main" xmlns="" id="{EA04E93E-B4C9-544F-B127-A2EDBF509939}"/>
                       </a:ext>
                     </a:extLst>
                   </p:cNvPr>
@@ -4726,7 +4820,7 @@
                   <p:cNvPr id="815" name="그림 814">
                     <a:extLst>
                       <a:ext uri="{FF2B5EF4-FFF2-40B4-BE49-F238E27FC236}">
-                        <a16:creationId xmlns="" xmlns:a16="http://schemas.microsoft.com/office/drawing/2014/main" id="{3414AE39-0C2E-564A-B8EB-3FC64852D99E}"/>
+                        <a16:creationId xmlns:a16="http://schemas.microsoft.com/office/drawing/2014/main" xmlns="" id="{3414AE39-0C2E-564A-B8EB-3FC64852D99E}"/>
                       </a:ext>
                     </a:extLst>
                   </p:cNvPr>
@@ -4762,7 +4856,7 @@
                   <p:cNvPr id="816" name="그림 815">
                     <a:extLst>
                       <a:ext uri="{FF2B5EF4-FFF2-40B4-BE49-F238E27FC236}">
-                        <a16:creationId xmlns="" xmlns:a16="http://schemas.microsoft.com/office/drawing/2014/main" id="{9B9BD6BB-F6DE-394A-9A4D-E9624EF82385}"/>
+                        <a16:creationId xmlns:a16="http://schemas.microsoft.com/office/drawing/2014/main" xmlns="" id="{9B9BD6BB-F6DE-394A-9A4D-E9624EF82385}"/>
                       </a:ext>
                     </a:extLst>
                   </p:cNvPr>
@@ -4798,7 +4892,7 @@
                   <p:cNvPr id="817" name="그림 816">
                     <a:extLst>
                       <a:ext uri="{FF2B5EF4-FFF2-40B4-BE49-F238E27FC236}">
-                        <a16:creationId xmlns="" xmlns:a16="http://schemas.microsoft.com/office/drawing/2014/main" id="{9BDCF40B-4CCF-AA40-9771-787E5AD9F5CE}"/>
+                        <a16:creationId xmlns:a16="http://schemas.microsoft.com/office/drawing/2014/main" xmlns="" id="{9BDCF40B-4CCF-AA40-9771-787E5AD9F5CE}"/>
                       </a:ext>
                     </a:extLst>
                   </p:cNvPr>
@@ -4834,7 +4928,7 @@
                   <p:cNvPr id="818" name="그림 817">
                     <a:extLst>
                       <a:ext uri="{FF2B5EF4-FFF2-40B4-BE49-F238E27FC236}">
-                        <a16:creationId xmlns="" xmlns:a16="http://schemas.microsoft.com/office/drawing/2014/main" id="{797A4975-45C1-BB46-9E6D-C91A81E412C4}"/>
+                        <a16:creationId xmlns:a16="http://schemas.microsoft.com/office/drawing/2014/main" xmlns="" id="{797A4975-45C1-BB46-9E6D-C91A81E412C4}"/>
                       </a:ext>
                     </a:extLst>
                   </p:cNvPr>
@@ -4870,7 +4964,7 @@
                   <p:cNvPr id="819" name="그림 818">
                     <a:extLst>
                       <a:ext uri="{FF2B5EF4-FFF2-40B4-BE49-F238E27FC236}">
-                        <a16:creationId xmlns="" xmlns:a16="http://schemas.microsoft.com/office/drawing/2014/main" id="{3E94D4B5-CC4C-F44E-BA02-1FFCD5A4400C}"/>
+                        <a16:creationId xmlns:a16="http://schemas.microsoft.com/office/drawing/2014/main" xmlns="" id="{3E94D4B5-CC4C-F44E-BA02-1FFCD5A4400C}"/>
                       </a:ext>
                     </a:extLst>
                   </p:cNvPr>
@@ -4906,7 +5000,7 @@
                   <p:cNvPr id="820" name="그림 819">
                     <a:extLst>
                       <a:ext uri="{FF2B5EF4-FFF2-40B4-BE49-F238E27FC236}">
-                        <a16:creationId xmlns="" xmlns:a16="http://schemas.microsoft.com/office/drawing/2014/main" id="{5FFBD0D2-3C5B-E142-8490-76F070C5E383}"/>
+                        <a16:creationId xmlns:a16="http://schemas.microsoft.com/office/drawing/2014/main" xmlns="" id="{5FFBD0D2-3C5B-E142-8490-76F070C5E383}"/>
                       </a:ext>
                     </a:extLst>
                   </p:cNvPr>
@@ -4942,7 +5036,7 @@
                   <p:cNvPr id="821" name="그림 820">
                     <a:extLst>
                       <a:ext uri="{FF2B5EF4-FFF2-40B4-BE49-F238E27FC236}">
-                        <a16:creationId xmlns="" xmlns:a16="http://schemas.microsoft.com/office/drawing/2014/main" id="{1D59C628-1C6A-9349-8996-637237800583}"/>
+                        <a16:creationId xmlns:a16="http://schemas.microsoft.com/office/drawing/2014/main" xmlns="" id="{1D59C628-1C6A-9349-8996-637237800583}"/>
                       </a:ext>
                     </a:extLst>
                   </p:cNvPr>
@@ -4978,7 +5072,7 @@
                   <p:cNvPr id="822" name="그림 821">
                     <a:extLst>
                       <a:ext uri="{FF2B5EF4-FFF2-40B4-BE49-F238E27FC236}">
-                        <a16:creationId xmlns="" xmlns:a16="http://schemas.microsoft.com/office/drawing/2014/main" id="{6CB89588-4818-3B44-A186-7C026CF38DEE}"/>
+                        <a16:creationId xmlns:a16="http://schemas.microsoft.com/office/drawing/2014/main" xmlns="" id="{6CB89588-4818-3B44-A186-7C026CF38DEE}"/>
                       </a:ext>
                     </a:extLst>
                   </p:cNvPr>
@@ -5014,7 +5108,7 @@
                   <p:cNvPr id="823" name="그림 822">
                     <a:extLst>
                       <a:ext uri="{FF2B5EF4-FFF2-40B4-BE49-F238E27FC236}">
-                        <a16:creationId xmlns="" xmlns:a16="http://schemas.microsoft.com/office/drawing/2014/main" id="{8D354928-AF0E-F04D-B167-E52F014AEB5E}"/>
+                        <a16:creationId xmlns:a16="http://schemas.microsoft.com/office/drawing/2014/main" xmlns="" id="{8D354928-AF0E-F04D-B167-E52F014AEB5E}"/>
                       </a:ext>
                     </a:extLst>
                   </p:cNvPr>
@@ -5050,7 +5144,7 @@
                   <p:cNvPr id="824" name="그림 823">
                     <a:extLst>
                       <a:ext uri="{FF2B5EF4-FFF2-40B4-BE49-F238E27FC236}">
-                        <a16:creationId xmlns="" xmlns:a16="http://schemas.microsoft.com/office/drawing/2014/main" id="{C6429A86-A9B5-2545-ABB1-00AD22BB810C}"/>
+                        <a16:creationId xmlns:a16="http://schemas.microsoft.com/office/drawing/2014/main" xmlns="" id="{C6429A86-A9B5-2545-ABB1-00AD22BB810C}"/>
                       </a:ext>
                     </a:extLst>
                   </p:cNvPr>
@@ -5086,7 +5180,7 @@
                   <p:cNvPr id="825" name="그림 824">
                     <a:extLst>
                       <a:ext uri="{FF2B5EF4-FFF2-40B4-BE49-F238E27FC236}">
-                        <a16:creationId xmlns="" xmlns:a16="http://schemas.microsoft.com/office/drawing/2014/main" id="{712E9728-A847-1747-AAC7-6A442242AB03}"/>
+                        <a16:creationId xmlns:a16="http://schemas.microsoft.com/office/drawing/2014/main" xmlns="" id="{712E9728-A847-1747-AAC7-6A442242AB03}"/>
                       </a:ext>
                     </a:extLst>
                   </p:cNvPr>
@@ -5122,7 +5216,7 @@
                   <p:cNvPr id="826" name="그림 825">
                     <a:extLst>
                       <a:ext uri="{FF2B5EF4-FFF2-40B4-BE49-F238E27FC236}">
-                        <a16:creationId xmlns="" xmlns:a16="http://schemas.microsoft.com/office/drawing/2014/main" id="{4C300D71-5291-CA44-AB76-7C4AF352BF84}"/>
+                        <a16:creationId xmlns:a16="http://schemas.microsoft.com/office/drawing/2014/main" xmlns="" id="{4C300D71-5291-CA44-AB76-7C4AF352BF84}"/>
                       </a:ext>
                     </a:extLst>
                   </p:cNvPr>
@@ -5158,7 +5252,7 @@
                   <p:cNvPr id="827" name="그림 826">
                     <a:extLst>
                       <a:ext uri="{FF2B5EF4-FFF2-40B4-BE49-F238E27FC236}">
-                        <a16:creationId xmlns="" xmlns:a16="http://schemas.microsoft.com/office/drawing/2014/main" id="{615AF00E-FEA5-A54F-9655-ED3B87BA23C6}"/>
+                        <a16:creationId xmlns:a16="http://schemas.microsoft.com/office/drawing/2014/main" xmlns="" id="{615AF00E-FEA5-A54F-9655-ED3B87BA23C6}"/>
                       </a:ext>
                     </a:extLst>
                   </p:cNvPr>
@@ -5195,7 +5289,7 @@
                 <p:cNvPr id="711" name="그룹 710">
                   <a:extLst>
                     <a:ext uri="{FF2B5EF4-FFF2-40B4-BE49-F238E27FC236}">
-                      <a16:creationId xmlns="" xmlns:a16="http://schemas.microsoft.com/office/drawing/2014/main" id="{E00231A8-CD8C-2E4F-95A7-0EA93D87532D}"/>
+                      <a16:creationId xmlns:a16="http://schemas.microsoft.com/office/drawing/2014/main" xmlns="" id="{E00231A8-CD8C-2E4F-95A7-0EA93D87532D}"/>
                     </a:ext>
                   </a:extLst>
                 </p:cNvPr>
@@ -5215,7 +5309,7 @@
                   <p:cNvPr id="796" name="그림 795">
                     <a:extLst>
                       <a:ext uri="{FF2B5EF4-FFF2-40B4-BE49-F238E27FC236}">
-                        <a16:creationId xmlns="" xmlns:a16="http://schemas.microsoft.com/office/drawing/2014/main" id="{F9C5C8BC-8E1E-CA43-81C9-617F0D80A6BA}"/>
+                        <a16:creationId xmlns:a16="http://schemas.microsoft.com/office/drawing/2014/main" xmlns="" id="{F9C5C8BC-8E1E-CA43-81C9-617F0D80A6BA}"/>
                       </a:ext>
                     </a:extLst>
                   </p:cNvPr>
@@ -5251,7 +5345,7 @@
                   <p:cNvPr id="797" name="그림 796">
                     <a:extLst>
                       <a:ext uri="{FF2B5EF4-FFF2-40B4-BE49-F238E27FC236}">
-                        <a16:creationId xmlns="" xmlns:a16="http://schemas.microsoft.com/office/drawing/2014/main" id="{EB76AD2A-7CEC-F241-B200-2628CEB101FC}"/>
+                        <a16:creationId xmlns:a16="http://schemas.microsoft.com/office/drawing/2014/main" xmlns="" id="{EB76AD2A-7CEC-F241-B200-2628CEB101FC}"/>
                       </a:ext>
                     </a:extLst>
                   </p:cNvPr>
@@ -5287,7 +5381,7 @@
                   <p:cNvPr id="798" name="그림 797">
                     <a:extLst>
                       <a:ext uri="{FF2B5EF4-FFF2-40B4-BE49-F238E27FC236}">
-                        <a16:creationId xmlns="" xmlns:a16="http://schemas.microsoft.com/office/drawing/2014/main" id="{85203F6D-47E5-FE4E-AC29-58D784EFA6C1}"/>
+                        <a16:creationId xmlns:a16="http://schemas.microsoft.com/office/drawing/2014/main" xmlns="" id="{85203F6D-47E5-FE4E-AC29-58D784EFA6C1}"/>
                       </a:ext>
                     </a:extLst>
                   </p:cNvPr>
@@ -5323,7 +5417,7 @@
                   <p:cNvPr id="799" name="그림 798">
                     <a:extLst>
                       <a:ext uri="{FF2B5EF4-FFF2-40B4-BE49-F238E27FC236}">
-                        <a16:creationId xmlns="" xmlns:a16="http://schemas.microsoft.com/office/drawing/2014/main" id="{D8E0491F-7111-1D4B-A46C-4ADEC8F0D26B}"/>
+                        <a16:creationId xmlns:a16="http://schemas.microsoft.com/office/drawing/2014/main" xmlns="" id="{D8E0491F-7111-1D4B-A46C-4ADEC8F0D26B}"/>
                       </a:ext>
                     </a:extLst>
                   </p:cNvPr>
@@ -5359,7 +5453,7 @@
                   <p:cNvPr id="800" name="그림 799">
                     <a:extLst>
                       <a:ext uri="{FF2B5EF4-FFF2-40B4-BE49-F238E27FC236}">
-                        <a16:creationId xmlns="" xmlns:a16="http://schemas.microsoft.com/office/drawing/2014/main" id="{699BD591-887C-604F-B340-68FA080681B2}"/>
+                        <a16:creationId xmlns:a16="http://schemas.microsoft.com/office/drawing/2014/main" xmlns="" id="{699BD591-887C-604F-B340-68FA080681B2}"/>
                       </a:ext>
                     </a:extLst>
                   </p:cNvPr>
@@ -5395,7 +5489,7 @@
                   <p:cNvPr id="801" name="그림 800">
                     <a:extLst>
                       <a:ext uri="{FF2B5EF4-FFF2-40B4-BE49-F238E27FC236}">
-                        <a16:creationId xmlns="" xmlns:a16="http://schemas.microsoft.com/office/drawing/2014/main" id="{52B68F28-7B87-9446-B341-2E3E8CDAC52A}"/>
+                        <a16:creationId xmlns:a16="http://schemas.microsoft.com/office/drawing/2014/main" xmlns="" id="{52B68F28-7B87-9446-B341-2E3E8CDAC52A}"/>
                       </a:ext>
                     </a:extLst>
                   </p:cNvPr>
@@ -5431,7 +5525,7 @@
                   <p:cNvPr id="802" name="그림 801">
                     <a:extLst>
                       <a:ext uri="{FF2B5EF4-FFF2-40B4-BE49-F238E27FC236}">
-                        <a16:creationId xmlns="" xmlns:a16="http://schemas.microsoft.com/office/drawing/2014/main" id="{05EF509B-E202-284C-A4D2-EB6DA3745C62}"/>
+                        <a16:creationId xmlns:a16="http://schemas.microsoft.com/office/drawing/2014/main" xmlns="" id="{05EF509B-E202-284C-A4D2-EB6DA3745C62}"/>
                       </a:ext>
                     </a:extLst>
                   </p:cNvPr>
@@ -5467,7 +5561,7 @@
                   <p:cNvPr id="803" name="그림 802">
                     <a:extLst>
                       <a:ext uri="{FF2B5EF4-FFF2-40B4-BE49-F238E27FC236}">
-                        <a16:creationId xmlns="" xmlns:a16="http://schemas.microsoft.com/office/drawing/2014/main" id="{4E44CD82-26ED-A84B-972F-EDCBB50E6528}"/>
+                        <a16:creationId xmlns:a16="http://schemas.microsoft.com/office/drawing/2014/main" xmlns="" id="{4E44CD82-26ED-A84B-972F-EDCBB50E6528}"/>
                       </a:ext>
                     </a:extLst>
                   </p:cNvPr>
@@ -5503,7 +5597,7 @@
                   <p:cNvPr id="804" name="그림 803">
                     <a:extLst>
                       <a:ext uri="{FF2B5EF4-FFF2-40B4-BE49-F238E27FC236}">
-                        <a16:creationId xmlns="" xmlns:a16="http://schemas.microsoft.com/office/drawing/2014/main" id="{945361E1-085E-4F4F-9766-3494D375B729}"/>
+                        <a16:creationId xmlns:a16="http://schemas.microsoft.com/office/drawing/2014/main" xmlns="" id="{945361E1-085E-4F4F-9766-3494D375B729}"/>
                       </a:ext>
                     </a:extLst>
                   </p:cNvPr>
@@ -5539,7 +5633,7 @@
                   <p:cNvPr id="805" name="그림 804">
                     <a:extLst>
                       <a:ext uri="{FF2B5EF4-FFF2-40B4-BE49-F238E27FC236}">
-                        <a16:creationId xmlns="" xmlns:a16="http://schemas.microsoft.com/office/drawing/2014/main" id="{FB02C959-49FA-AC45-80C3-FFD21BED120A}"/>
+                        <a16:creationId xmlns:a16="http://schemas.microsoft.com/office/drawing/2014/main" xmlns="" id="{FB02C959-49FA-AC45-80C3-FFD21BED120A}"/>
                       </a:ext>
                     </a:extLst>
                   </p:cNvPr>
@@ -5575,7 +5669,7 @@
                   <p:cNvPr id="806" name="그림 805">
                     <a:extLst>
                       <a:ext uri="{FF2B5EF4-FFF2-40B4-BE49-F238E27FC236}">
-                        <a16:creationId xmlns="" xmlns:a16="http://schemas.microsoft.com/office/drawing/2014/main" id="{8CE59C52-E28B-B242-BAB0-5B10D4BDC8F2}"/>
+                        <a16:creationId xmlns:a16="http://schemas.microsoft.com/office/drawing/2014/main" xmlns="" id="{8CE59C52-E28B-B242-BAB0-5B10D4BDC8F2}"/>
                       </a:ext>
                     </a:extLst>
                   </p:cNvPr>
@@ -5611,7 +5705,7 @@
                   <p:cNvPr id="807" name="그림 806">
                     <a:extLst>
                       <a:ext uri="{FF2B5EF4-FFF2-40B4-BE49-F238E27FC236}">
-                        <a16:creationId xmlns="" xmlns:a16="http://schemas.microsoft.com/office/drawing/2014/main" id="{F6DE0F3C-241F-7345-8DA2-055BF5A56DB5}"/>
+                        <a16:creationId xmlns:a16="http://schemas.microsoft.com/office/drawing/2014/main" xmlns="" id="{F6DE0F3C-241F-7345-8DA2-055BF5A56DB5}"/>
                       </a:ext>
                     </a:extLst>
                   </p:cNvPr>
@@ -5647,7 +5741,7 @@
                   <p:cNvPr id="808" name="그림 807">
                     <a:extLst>
                       <a:ext uri="{FF2B5EF4-FFF2-40B4-BE49-F238E27FC236}">
-                        <a16:creationId xmlns="" xmlns:a16="http://schemas.microsoft.com/office/drawing/2014/main" id="{5C368CAF-01CD-444B-BB5C-C49AA7CFEA81}"/>
+                        <a16:creationId xmlns:a16="http://schemas.microsoft.com/office/drawing/2014/main" xmlns="" id="{5C368CAF-01CD-444B-BB5C-C49AA7CFEA81}"/>
                       </a:ext>
                     </a:extLst>
                   </p:cNvPr>
@@ -5683,7 +5777,7 @@
                   <p:cNvPr id="809" name="그림 808">
                     <a:extLst>
                       <a:ext uri="{FF2B5EF4-FFF2-40B4-BE49-F238E27FC236}">
-                        <a16:creationId xmlns="" xmlns:a16="http://schemas.microsoft.com/office/drawing/2014/main" id="{5650ECB2-1978-0D46-B576-28652D97AE53}"/>
+                        <a16:creationId xmlns:a16="http://schemas.microsoft.com/office/drawing/2014/main" xmlns="" id="{5650ECB2-1978-0D46-B576-28652D97AE53}"/>
                       </a:ext>
                     </a:extLst>
                   </p:cNvPr>
@@ -5719,7 +5813,7 @@
                   <p:cNvPr id="810" name="그림 809">
                     <a:extLst>
                       <a:ext uri="{FF2B5EF4-FFF2-40B4-BE49-F238E27FC236}">
-                        <a16:creationId xmlns="" xmlns:a16="http://schemas.microsoft.com/office/drawing/2014/main" id="{3B41210F-9B82-ED41-8D27-7A47FF545825}"/>
+                        <a16:creationId xmlns:a16="http://schemas.microsoft.com/office/drawing/2014/main" xmlns="" id="{3B41210F-9B82-ED41-8D27-7A47FF545825}"/>
                       </a:ext>
                     </a:extLst>
                   </p:cNvPr>
@@ -5755,7 +5849,7 @@
                   <p:cNvPr id="811" name="그림 810">
                     <a:extLst>
                       <a:ext uri="{FF2B5EF4-FFF2-40B4-BE49-F238E27FC236}">
-                        <a16:creationId xmlns="" xmlns:a16="http://schemas.microsoft.com/office/drawing/2014/main" id="{61710218-8EA2-F04D-802B-CD2F56BE4E28}"/>
+                        <a16:creationId xmlns:a16="http://schemas.microsoft.com/office/drawing/2014/main" xmlns="" id="{61710218-8EA2-F04D-802B-CD2F56BE4E28}"/>
                       </a:ext>
                     </a:extLst>
                   </p:cNvPr>
@@ -5792,7 +5886,7 @@
                 <p:cNvPr id="712" name="그룹 711">
                   <a:extLst>
                     <a:ext uri="{FF2B5EF4-FFF2-40B4-BE49-F238E27FC236}">
-                      <a16:creationId xmlns="" xmlns:a16="http://schemas.microsoft.com/office/drawing/2014/main" id="{D2933E4C-CD05-A342-AA37-863EB17D747E}"/>
+                      <a16:creationId xmlns:a16="http://schemas.microsoft.com/office/drawing/2014/main" xmlns="" id="{D2933E4C-CD05-A342-AA37-863EB17D747E}"/>
                     </a:ext>
                   </a:extLst>
                 </p:cNvPr>
@@ -5812,7 +5906,7 @@
                   <p:cNvPr id="780" name="그림 779">
                     <a:extLst>
                       <a:ext uri="{FF2B5EF4-FFF2-40B4-BE49-F238E27FC236}">
-                        <a16:creationId xmlns="" xmlns:a16="http://schemas.microsoft.com/office/drawing/2014/main" id="{472CD76C-7771-D846-A72C-CF87F9872CEC}"/>
+                        <a16:creationId xmlns:a16="http://schemas.microsoft.com/office/drawing/2014/main" xmlns="" id="{472CD76C-7771-D846-A72C-CF87F9872CEC}"/>
                       </a:ext>
                     </a:extLst>
                   </p:cNvPr>
@@ -5848,7 +5942,7 @@
                   <p:cNvPr id="781" name="그림 780">
                     <a:extLst>
                       <a:ext uri="{FF2B5EF4-FFF2-40B4-BE49-F238E27FC236}">
-                        <a16:creationId xmlns="" xmlns:a16="http://schemas.microsoft.com/office/drawing/2014/main" id="{03F7D1D1-82DD-DD44-90D6-0B070DBE13DE}"/>
+                        <a16:creationId xmlns:a16="http://schemas.microsoft.com/office/drawing/2014/main" xmlns="" id="{03F7D1D1-82DD-DD44-90D6-0B070DBE13DE}"/>
                       </a:ext>
                     </a:extLst>
                   </p:cNvPr>
@@ -5884,7 +5978,7 @@
                   <p:cNvPr id="782" name="그림 781">
                     <a:extLst>
                       <a:ext uri="{FF2B5EF4-FFF2-40B4-BE49-F238E27FC236}">
-                        <a16:creationId xmlns="" xmlns:a16="http://schemas.microsoft.com/office/drawing/2014/main" id="{CB6EDE07-A7FF-0B40-AB96-44E2EB783E25}"/>
+                        <a16:creationId xmlns:a16="http://schemas.microsoft.com/office/drawing/2014/main" xmlns="" id="{CB6EDE07-A7FF-0B40-AB96-44E2EB783E25}"/>
                       </a:ext>
                     </a:extLst>
                   </p:cNvPr>
@@ -5920,7 +6014,7 @@
                   <p:cNvPr id="783" name="그림 782">
                     <a:extLst>
                       <a:ext uri="{FF2B5EF4-FFF2-40B4-BE49-F238E27FC236}">
-                        <a16:creationId xmlns="" xmlns:a16="http://schemas.microsoft.com/office/drawing/2014/main" id="{56215BC2-0838-0E41-BBD1-21425E1EC2EA}"/>
+                        <a16:creationId xmlns:a16="http://schemas.microsoft.com/office/drawing/2014/main" xmlns="" id="{56215BC2-0838-0E41-BBD1-21425E1EC2EA}"/>
                       </a:ext>
                     </a:extLst>
                   </p:cNvPr>
@@ -5956,7 +6050,7 @@
                   <p:cNvPr id="784" name="그림 783">
                     <a:extLst>
                       <a:ext uri="{FF2B5EF4-FFF2-40B4-BE49-F238E27FC236}">
-                        <a16:creationId xmlns="" xmlns:a16="http://schemas.microsoft.com/office/drawing/2014/main" id="{D6FAAEE3-1047-2341-90DF-7588D6BC5176}"/>
+                        <a16:creationId xmlns:a16="http://schemas.microsoft.com/office/drawing/2014/main" xmlns="" id="{D6FAAEE3-1047-2341-90DF-7588D6BC5176}"/>
                       </a:ext>
                     </a:extLst>
                   </p:cNvPr>
@@ -5992,7 +6086,7 @@
                   <p:cNvPr id="785" name="그림 784">
                     <a:extLst>
                       <a:ext uri="{FF2B5EF4-FFF2-40B4-BE49-F238E27FC236}">
-                        <a16:creationId xmlns="" xmlns:a16="http://schemas.microsoft.com/office/drawing/2014/main" id="{A006D6ED-F054-A74E-910C-A4603AE66E63}"/>
+                        <a16:creationId xmlns:a16="http://schemas.microsoft.com/office/drawing/2014/main" xmlns="" id="{A006D6ED-F054-A74E-910C-A4603AE66E63}"/>
                       </a:ext>
                     </a:extLst>
                   </p:cNvPr>
@@ -6028,7 +6122,7 @@
                   <p:cNvPr id="786" name="그림 785">
                     <a:extLst>
                       <a:ext uri="{FF2B5EF4-FFF2-40B4-BE49-F238E27FC236}">
-                        <a16:creationId xmlns="" xmlns:a16="http://schemas.microsoft.com/office/drawing/2014/main" id="{33E2BAE2-B1EE-C849-A626-D5D0B60F6B2E}"/>
+                        <a16:creationId xmlns:a16="http://schemas.microsoft.com/office/drawing/2014/main" xmlns="" id="{33E2BAE2-B1EE-C849-A626-D5D0B60F6B2E}"/>
                       </a:ext>
                     </a:extLst>
                   </p:cNvPr>
@@ -6064,7 +6158,7 @@
                   <p:cNvPr id="787" name="그림 786">
                     <a:extLst>
                       <a:ext uri="{FF2B5EF4-FFF2-40B4-BE49-F238E27FC236}">
-                        <a16:creationId xmlns="" xmlns:a16="http://schemas.microsoft.com/office/drawing/2014/main" id="{E6B60656-5FBB-2F42-A9F1-94AAE64EAB9C}"/>
+                        <a16:creationId xmlns:a16="http://schemas.microsoft.com/office/drawing/2014/main" xmlns="" id="{E6B60656-5FBB-2F42-A9F1-94AAE64EAB9C}"/>
                       </a:ext>
                     </a:extLst>
                   </p:cNvPr>
@@ -6100,7 +6194,7 @@
                   <p:cNvPr id="788" name="그림 787">
                     <a:extLst>
                       <a:ext uri="{FF2B5EF4-FFF2-40B4-BE49-F238E27FC236}">
-                        <a16:creationId xmlns="" xmlns:a16="http://schemas.microsoft.com/office/drawing/2014/main" id="{549BC8A0-9BEF-274A-B7F2-CE9FD00B0C5F}"/>
+                        <a16:creationId xmlns:a16="http://schemas.microsoft.com/office/drawing/2014/main" xmlns="" id="{549BC8A0-9BEF-274A-B7F2-CE9FD00B0C5F}"/>
                       </a:ext>
                     </a:extLst>
                   </p:cNvPr>
@@ -6136,7 +6230,7 @@
                   <p:cNvPr id="789" name="그림 788">
                     <a:extLst>
                       <a:ext uri="{FF2B5EF4-FFF2-40B4-BE49-F238E27FC236}">
-                        <a16:creationId xmlns="" xmlns:a16="http://schemas.microsoft.com/office/drawing/2014/main" id="{EF3370D4-80A3-1A48-8F52-9FAE3C5F287B}"/>
+                        <a16:creationId xmlns:a16="http://schemas.microsoft.com/office/drawing/2014/main" xmlns="" id="{EF3370D4-80A3-1A48-8F52-9FAE3C5F287B}"/>
                       </a:ext>
                     </a:extLst>
                   </p:cNvPr>
@@ -6172,7 +6266,7 @@
                   <p:cNvPr id="790" name="그림 789">
                     <a:extLst>
                       <a:ext uri="{FF2B5EF4-FFF2-40B4-BE49-F238E27FC236}">
-                        <a16:creationId xmlns="" xmlns:a16="http://schemas.microsoft.com/office/drawing/2014/main" id="{92F63411-8D2E-7741-BFEE-515D7509480A}"/>
+                        <a16:creationId xmlns:a16="http://schemas.microsoft.com/office/drawing/2014/main" xmlns="" id="{92F63411-8D2E-7741-BFEE-515D7509480A}"/>
                       </a:ext>
                     </a:extLst>
                   </p:cNvPr>
@@ -6208,7 +6302,7 @@
                   <p:cNvPr id="791" name="그림 790">
                     <a:extLst>
                       <a:ext uri="{FF2B5EF4-FFF2-40B4-BE49-F238E27FC236}">
-                        <a16:creationId xmlns="" xmlns:a16="http://schemas.microsoft.com/office/drawing/2014/main" id="{D87B1522-4123-DD4E-BFB1-B9E507869914}"/>
+                        <a16:creationId xmlns:a16="http://schemas.microsoft.com/office/drawing/2014/main" xmlns="" id="{D87B1522-4123-DD4E-BFB1-B9E507869914}"/>
                       </a:ext>
                     </a:extLst>
                   </p:cNvPr>
@@ -6244,7 +6338,7 @@
                   <p:cNvPr id="792" name="그림 791">
                     <a:extLst>
                       <a:ext uri="{FF2B5EF4-FFF2-40B4-BE49-F238E27FC236}">
-                        <a16:creationId xmlns="" xmlns:a16="http://schemas.microsoft.com/office/drawing/2014/main" id="{DBE3E02D-7AEA-6C4B-BE7F-5BD08E8C5A4D}"/>
+                        <a16:creationId xmlns:a16="http://schemas.microsoft.com/office/drawing/2014/main" xmlns="" id="{DBE3E02D-7AEA-6C4B-BE7F-5BD08E8C5A4D}"/>
                       </a:ext>
                     </a:extLst>
                   </p:cNvPr>
@@ -6280,7 +6374,7 @@
                   <p:cNvPr id="793" name="그림 792">
                     <a:extLst>
                       <a:ext uri="{FF2B5EF4-FFF2-40B4-BE49-F238E27FC236}">
-                        <a16:creationId xmlns="" xmlns:a16="http://schemas.microsoft.com/office/drawing/2014/main" id="{E1C9E86D-F8CC-1449-A432-649E8C6AFBA5}"/>
+                        <a16:creationId xmlns:a16="http://schemas.microsoft.com/office/drawing/2014/main" xmlns="" id="{E1C9E86D-F8CC-1449-A432-649E8C6AFBA5}"/>
                       </a:ext>
                     </a:extLst>
                   </p:cNvPr>
@@ -6316,7 +6410,7 @@
                   <p:cNvPr id="794" name="그림 793">
                     <a:extLst>
                       <a:ext uri="{FF2B5EF4-FFF2-40B4-BE49-F238E27FC236}">
-                        <a16:creationId xmlns="" xmlns:a16="http://schemas.microsoft.com/office/drawing/2014/main" id="{B1FEA5F0-F1E6-874D-B9A3-AAD65DAB1BD9}"/>
+                        <a16:creationId xmlns:a16="http://schemas.microsoft.com/office/drawing/2014/main" xmlns="" id="{B1FEA5F0-F1E6-874D-B9A3-AAD65DAB1BD9}"/>
                       </a:ext>
                     </a:extLst>
                   </p:cNvPr>
@@ -6352,7 +6446,7 @@
                   <p:cNvPr id="795" name="그림 794">
                     <a:extLst>
                       <a:ext uri="{FF2B5EF4-FFF2-40B4-BE49-F238E27FC236}">
-                        <a16:creationId xmlns="" xmlns:a16="http://schemas.microsoft.com/office/drawing/2014/main" id="{79DD72D2-940F-0345-984D-5977998F0420}"/>
+                        <a16:creationId xmlns:a16="http://schemas.microsoft.com/office/drawing/2014/main" xmlns="" id="{79DD72D2-940F-0345-984D-5977998F0420}"/>
                       </a:ext>
                     </a:extLst>
                   </p:cNvPr>
@@ -6389,7 +6483,7 @@
                 <p:cNvPr id="713" name="그룹 712">
                   <a:extLst>
                     <a:ext uri="{FF2B5EF4-FFF2-40B4-BE49-F238E27FC236}">
-                      <a16:creationId xmlns="" xmlns:a16="http://schemas.microsoft.com/office/drawing/2014/main" id="{22381D23-AFA1-8F4E-A554-6846090E1C95}"/>
+                      <a16:creationId xmlns:a16="http://schemas.microsoft.com/office/drawing/2014/main" xmlns="" id="{22381D23-AFA1-8F4E-A554-6846090E1C95}"/>
                     </a:ext>
                   </a:extLst>
                 </p:cNvPr>
@@ -6409,7 +6503,7 @@
                   <p:cNvPr id="765" name="그림 764">
                     <a:extLst>
                       <a:ext uri="{FF2B5EF4-FFF2-40B4-BE49-F238E27FC236}">
-                        <a16:creationId xmlns="" xmlns:a16="http://schemas.microsoft.com/office/drawing/2014/main" id="{DED8D3A7-387F-714D-9B60-CF1E36608867}"/>
+                        <a16:creationId xmlns:a16="http://schemas.microsoft.com/office/drawing/2014/main" xmlns="" id="{DED8D3A7-387F-714D-9B60-CF1E36608867}"/>
                       </a:ext>
                     </a:extLst>
                   </p:cNvPr>
@@ -6445,7 +6539,7 @@
                   <p:cNvPr id="766" name="그림 765">
                     <a:extLst>
                       <a:ext uri="{FF2B5EF4-FFF2-40B4-BE49-F238E27FC236}">
-                        <a16:creationId xmlns="" xmlns:a16="http://schemas.microsoft.com/office/drawing/2014/main" id="{1010AC11-A2E6-A247-AD53-B30CED97981B}"/>
+                        <a16:creationId xmlns:a16="http://schemas.microsoft.com/office/drawing/2014/main" xmlns="" id="{1010AC11-A2E6-A247-AD53-B30CED97981B}"/>
                       </a:ext>
                     </a:extLst>
                   </p:cNvPr>
@@ -6481,7 +6575,7 @@
                   <p:cNvPr id="767" name="그림 766">
                     <a:extLst>
                       <a:ext uri="{FF2B5EF4-FFF2-40B4-BE49-F238E27FC236}">
-                        <a16:creationId xmlns="" xmlns:a16="http://schemas.microsoft.com/office/drawing/2014/main" id="{E2A9E3D1-66FC-BE43-83EB-7E0AA97CB709}"/>
+                        <a16:creationId xmlns:a16="http://schemas.microsoft.com/office/drawing/2014/main" xmlns="" id="{E2A9E3D1-66FC-BE43-83EB-7E0AA97CB709}"/>
                       </a:ext>
                     </a:extLst>
                   </p:cNvPr>
@@ -6517,7 +6611,7 @@
                   <p:cNvPr id="768" name="그림 767">
                     <a:extLst>
                       <a:ext uri="{FF2B5EF4-FFF2-40B4-BE49-F238E27FC236}">
-                        <a16:creationId xmlns="" xmlns:a16="http://schemas.microsoft.com/office/drawing/2014/main" id="{6872487A-906F-2941-BB33-5B3E2957CAAC}"/>
+                        <a16:creationId xmlns:a16="http://schemas.microsoft.com/office/drawing/2014/main" xmlns="" id="{6872487A-906F-2941-BB33-5B3E2957CAAC}"/>
                       </a:ext>
                     </a:extLst>
                   </p:cNvPr>
@@ -6553,7 +6647,7 @@
                   <p:cNvPr id="769" name="그림 768">
                     <a:extLst>
                       <a:ext uri="{FF2B5EF4-FFF2-40B4-BE49-F238E27FC236}">
-                        <a16:creationId xmlns="" xmlns:a16="http://schemas.microsoft.com/office/drawing/2014/main" id="{D6A86A53-B8B5-4347-A0C2-3E121C57BD71}"/>
+                        <a16:creationId xmlns:a16="http://schemas.microsoft.com/office/drawing/2014/main" xmlns="" id="{D6A86A53-B8B5-4347-A0C2-3E121C57BD71}"/>
                       </a:ext>
                     </a:extLst>
                   </p:cNvPr>
@@ -6589,7 +6683,7 @@
                   <p:cNvPr id="770" name="그림 769">
                     <a:extLst>
                       <a:ext uri="{FF2B5EF4-FFF2-40B4-BE49-F238E27FC236}">
-                        <a16:creationId xmlns="" xmlns:a16="http://schemas.microsoft.com/office/drawing/2014/main" id="{48F63D70-CCC4-BD4D-AF67-B586B64B9A57}"/>
+                        <a16:creationId xmlns:a16="http://schemas.microsoft.com/office/drawing/2014/main" xmlns="" id="{48F63D70-CCC4-BD4D-AF67-B586B64B9A57}"/>
                       </a:ext>
                     </a:extLst>
                   </p:cNvPr>
@@ -6625,7 +6719,7 @@
                   <p:cNvPr id="771" name="그림 770">
                     <a:extLst>
                       <a:ext uri="{FF2B5EF4-FFF2-40B4-BE49-F238E27FC236}">
-                        <a16:creationId xmlns="" xmlns:a16="http://schemas.microsoft.com/office/drawing/2014/main" id="{165155EE-8839-ED4E-90F2-E24D378829D0}"/>
+                        <a16:creationId xmlns:a16="http://schemas.microsoft.com/office/drawing/2014/main" xmlns="" id="{165155EE-8839-ED4E-90F2-E24D378829D0}"/>
                       </a:ext>
                     </a:extLst>
                   </p:cNvPr>
@@ -6661,7 +6755,7 @@
                   <p:cNvPr id="772" name="그림 771">
                     <a:extLst>
                       <a:ext uri="{FF2B5EF4-FFF2-40B4-BE49-F238E27FC236}">
-                        <a16:creationId xmlns="" xmlns:a16="http://schemas.microsoft.com/office/drawing/2014/main" id="{18942DEA-598A-A347-9493-482E3C11B325}"/>
+                        <a16:creationId xmlns:a16="http://schemas.microsoft.com/office/drawing/2014/main" xmlns="" id="{18942DEA-598A-A347-9493-482E3C11B325}"/>
                       </a:ext>
                     </a:extLst>
                   </p:cNvPr>
@@ -6697,7 +6791,7 @@
                   <p:cNvPr id="773" name="그림 772">
                     <a:extLst>
                       <a:ext uri="{FF2B5EF4-FFF2-40B4-BE49-F238E27FC236}">
-                        <a16:creationId xmlns="" xmlns:a16="http://schemas.microsoft.com/office/drawing/2014/main" id="{92751970-9231-9745-A525-D71ED8DB57BA}"/>
+                        <a16:creationId xmlns:a16="http://schemas.microsoft.com/office/drawing/2014/main" xmlns="" id="{92751970-9231-9745-A525-D71ED8DB57BA}"/>
                       </a:ext>
                     </a:extLst>
                   </p:cNvPr>
@@ -6733,7 +6827,7 @@
                   <p:cNvPr id="774" name="그림 773">
                     <a:extLst>
                       <a:ext uri="{FF2B5EF4-FFF2-40B4-BE49-F238E27FC236}">
-                        <a16:creationId xmlns="" xmlns:a16="http://schemas.microsoft.com/office/drawing/2014/main" id="{40EA2611-9BB6-674E-AD3D-D5C8EB6BF811}"/>
+                        <a16:creationId xmlns:a16="http://schemas.microsoft.com/office/drawing/2014/main" xmlns="" id="{40EA2611-9BB6-674E-AD3D-D5C8EB6BF811}"/>
                       </a:ext>
                     </a:extLst>
                   </p:cNvPr>
@@ -6769,7 +6863,7 @@
                   <p:cNvPr id="775" name="그림 774">
                     <a:extLst>
                       <a:ext uri="{FF2B5EF4-FFF2-40B4-BE49-F238E27FC236}">
-                        <a16:creationId xmlns="" xmlns:a16="http://schemas.microsoft.com/office/drawing/2014/main" id="{E70005ED-6525-DD4D-AFDD-7AC9FC75D1F8}"/>
+                        <a16:creationId xmlns:a16="http://schemas.microsoft.com/office/drawing/2014/main" xmlns="" id="{E70005ED-6525-DD4D-AFDD-7AC9FC75D1F8}"/>
                       </a:ext>
                     </a:extLst>
                   </p:cNvPr>
@@ -6805,7 +6899,7 @@
                   <p:cNvPr id="776" name="그림 775">
                     <a:extLst>
                       <a:ext uri="{FF2B5EF4-FFF2-40B4-BE49-F238E27FC236}">
-                        <a16:creationId xmlns="" xmlns:a16="http://schemas.microsoft.com/office/drawing/2014/main" id="{D99A01C1-5FB2-4B40-8BC3-CD12008695E2}"/>
+                        <a16:creationId xmlns:a16="http://schemas.microsoft.com/office/drawing/2014/main" xmlns="" id="{D99A01C1-5FB2-4B40-8BC3-CD12008695E2}"/>
                       </a:ext>
                     </a:extLst>
                   </p:cNvPr>
@@ -6841,7 +6935,7 @@
                   <p:cNvPr id="777" name="그림 776">
                     <a:extLst>
                       <a:ext uri="{FF2B5EF4-FFF2-40B4-BE49-F238E27FC236}">
-                        <a16:creationId xmlns="" xmlns:a16="http://schemas.microsoft.com/office/drawing/2014/main" id="{991AF595-084E-7548-8847-0E488CD948C8}"/>
+                        <a16:creationId xmlns:a16="http://schemas.microsoft.com/office/drawing/2014/main" xmlns="" id="{991AF595-084E-7548-8847-0E488CD948C8}"/>
                       </a:ext>
                     </a:extLst>
                   </p:cNvPr>
@@ -6877,7 +6971,7 @@
                   <p:cNvPr id="778" name="그림 777">
                     <a:extLst>
                       <a:ext uri="{FF2B5EF4-FFF2-40B4-BE49-F238E27FC236}">
-                        <a16:creationId xmlns="" xmlns:a16="http://schemas.microsoft.com/office/drawing/2014/main" id="{886E6957-8699-7740-911E-A6C5B7657B80}"/>
+                        <a16:creationId xmlns:a16="http://schemas.microsoft.com/office/drawing/2014/main" xmlns="" id="{886E6957-8699-7740-911E-A6C5B7657B80}"/>
                       </a:ext>
                     </a:extLst>
                   </p:cNvPr>
@@ -6913,7 +7007,7 @@
                   <p:cNvPr id="779" name="그림 778">
                     <a:extLst>
                       <a:ext uri="{FF2B5EF4-FFF2-40B4-BE49-F238E27FC236}">
-                        <a16:creationId xmlns="" xmlns:a16="http://schemas.microsoft.com/office/drawing/2014/main" id="{BD7C63C7-6B82-A245-BCED-5A95C3FC9D83}"/>
+                        <a16:creationId xmlns:a16="http://schemas.microsoft.com/office/drawing/2014/main" xmlns="" id="{BD7C63C7-6B82-A245-BCED-5A95C3FC9D83}"/>
                       </a:ext>
                     </a:extLst>
                   </p:cNvPr>
@@ -6950,7 +7044,7 @@
                 <p:cNvPr id="714" name="그룹 713">
                   <a:extLst>
                     <a:ext uri="{FF2B5EF4-FFF2-40B4-BE49-F238E27FC236}">
-                      <a16:creationId xmlns="" xmlns:a16="http://schemas.microsoft.com/office/drawing/2014/main" id="{FA6F9386-475F-9B4E-8A24-AD50C2B4281E}"/>
+                      <a16:creationId xmlns:a16="http://schemas.microsoft.com/office/drawing/2014/main" xmlns="" id="{FA6F9386-475F-9B4E-8A24-AD50C2B4281E}"/>
                     </a:ext>
                   </a:extLst>
                 </p:cNvPr>
@@ -6970,7 +7064,7 @@
                   <p:cNvPr id="749" name="그림 748">
                     <a:extLst>
                       <a:ext uri="{FF2B5EF4-FFF2-40B4-BE49-F238E27FC236}">
-                        <a16:creationId xmlns="" xmlns:a16="http://schemas.microsoft.com/office/drawing/2014/main" id="{04785AC4-208D-0843-82A4-98994D2888B9}"/>
+                        <a16:creationId xmlns:a16="http://schemas.microsoft.com/office/drawing/2014/main" xmlns="" id="{04785AC4-208D-0843-82A4-98994D2888B9}"/>
                       </a:ext>
                     </a:extLst>
                   </p:cNvPr>
@@ -7006,7 +7100,7 @@
                   <p:cNvPr id="750" name="그림 749">
                     <a:extLst>
                       <a:ext uri="{FF2B5EF4-FFF2-40B4-BE49-F238E27FC236}">
-                        <a16:creationId xmlns="" xmlns:a16="http://schemas.microsoft.com/office/drawing/2014/main" id="{8F45A572-ED3C-5E4E-9100-5254B84DE862}"/>
+                        <a16:creationId xmlns:a16="http://schemas.microsoft.com/office/drawing/2014/main" xmlns="" id="{8F45A572-ED3C-5E4E-9100-5254B84DE862}"/>
                       </a:ext>
                     </a:extLst>
                   </p:cNvPr>
@@ -7042,7 +7136,7 @@
                   <p:cNvPr id="751" name="그림 750">
                     <a:extLst>
                       <a:ext uri="{FF2B5EF4-FFF2-40B4-BE49-F238E27FC236}">
-                        <a16:creationId xmlns="" xmlns:a16="http://schemas.microsoft.com/office/drawing/2014/main" id="{42F392E6-F2E5-1C47-80B4-C1F441A8B0CA}"/>
+                        <a16:creationId xmlns:a16="http://schemas.microsoft.com/office/drawing/2014/main" xmlns="" id="{42F392E6-F2E5-1C47-80B4-C1F441A8B0CA}"/>
                       </a:ext>
                     </a:extLst>
                   </p:cNvPr>
@@ -7078,7 +7172,7 @@
                   <p:cNvPr id="752" name="그림 751">
                     <a:extLst>
                       <a:ext uri="{FF2B5EF4-FFF2-40B4-BE49-F238E27FC236}">
-                        <a16:creationId xmlns="" xmlns:a16="http://schemas.microsoft.com/office/drawing/2014/main" id="{CDB2B113-55D3-E54F-9B9C-3719349B415C}"/>
+                        <a16:creationId xmlns:a16="http://schemas.microsoft.com/office/drawing/2014/main" xmlns="" id="{CDB2B113-55D3-E54F-9B9C-3719349B415C}"/>
                       </a:ext>
                     </a:extLst>
                   </p:cNvPr>
@@ -7114,7 +7208,7 @@
                   <p:cNvPr id="753" name="그림 752">
                     <a:extLst>
                       <a:ext uri="{FF2B5EF4-FFF2-40B4-BE49-F238E27FC236}">
-                        <a16:creationId xmlns="" xmlns:a16="http://schemas.microsoft.com/office/drawing/2014/main" id="{335F72B1-5235-9448-A542-73F8EE8AABBC}"/>
+                        <a16:creationId xmlns:a16="http://schemas.microsoft.com/office/drawing/2014/main" xmlns="" id="{335F72B1-5235-9448-A542-73F8EE8AABBC}"/>
                       </a:ext>
                     </a:extLst>
                   </p:cNvPr>
@@ -7150,7 +7244,7 @@
                   <p:cNvPr id="754" name="그림 753">
                     <a:extLst>
                       <a:ext uri="{FF2B5EF4-FFF2-40B4-BE49-F238E27FC236}">
-                        <a16:creationId xmlns="" xmlns:a16="http://schemas.microsoft.com/office/drawing/2014/main" id="{D6B4B3B0-5FFA-4F47-9795-434563A1E2BE}"/>
+                        <a16:creationId xmlns:a16="http://schemas.microsoft.com/office/drawing/2014/main" xmlns="" id="{D6B4B3B0-5FFA-4F47-9795-434563A1E2BE}"/>
                       </a:ext>
                     </a:extLst>
                   </p:cNvPr>
@@ -7186,7 +7280,7 @@
                   <p:cNvPr id="755" name="그림 754">
                     <a:extLst>
                       <a:ext uri="{FF2B5EF4-FFF2-40B4-BE49-F238E27FC236}">
-                        <a16:creationId xmlns="" xmlns:a16="http://schemas.microsoft.com/office/drawing/2014/main" id="{0C0A8A23-8093-EE46-87CE-2FA8B60187D3}"/>
+                        <a16:creationId xmlns:a16="http://schemas.microsoft.com/office/drawing/2014/main" xmlns="" id="{0C0A8A23-8093-EE46-87CE-2FA8B60187D3}"/>
                       </a:ext>
                     </a:extLst>
                   </p:cNvPr>
@@ -7222,7 +7316,7 @@
                   <p:cNvPr id="756" name="그림 755">
                     <a:extLst>
                       <a:ext uri="{FF2B5EF4-FFF2-40B4-BE49-F238E27FC236}">
-                        <a16:creationId xmlns="" xmlns:a16="http://schemas.microsoft.com/office/drawing/2014/main" id="{CEE45A4D-2084-6244-95E2-918601DCA1FD}"/>
+                        <a16:creationId xmlns:a16="http://schemas.microsoft.com/office/drawing/2014/main" xmlns="" id="{CEE45A4D-2084-6244-95E2-918601DCA1FD}"/>
                       </a:ext>
                     </a:extLst>
                   </p:cNvPr>
@@ -7258,7 +7352,7 @@
                   <p:cNvPr id="757" name="그림 756">
                     <a:extLst>
                       <a:ext uri="{FF2B5EF4-FFF2-40B4-BE49-F238E27FC236}">
-                        <a16:creationId xmlns="" xmlns:a16="http://schemas.microsoft.com/office/drawing/2014/main" id="{C25D38AC-9FF7-AB48-A0B8-82FCFF1BF3F1}"/>
+                        <a16:creationId xmlns:a16="http://schemas.microsoft.com/office/drawing/2014/main" xmlns="" id="{C25D38AC-9FF7-AB48-A0B8-82FCFF1BF3F1}"/>
                       </a:ext>
                     </a:extLst>
                   </p:cNvPr>
@@ -7294,7 +7388,7 @@
                   <p:cNvPr id="758" name="그림 757">
                     <a:extLst>
                       <a:ext uri="{FF2B5EF4-FFF2-40B4-BE49-F238E27FC236}">
-                        <a16:creationId xmlns="" xmlns:a16="http://schemas.microsoft.com/office/drawing/2014/main" id="{461EA339-CECC-9343-B8C5-2C50B515D21A}"/>
+                        <a16:creationId xmlns:a16="http://schemas.microsoft.com/office/drawing/2014/main" xmlns="" id="{461EA339-CECC-9343-B8C5-2C50B515D21A}"/>
                       </a:ext>
                     </a:extLst>
                   </p:cNvPr>
@@ -7330,7 +7424,7 @@
                   <p:cNvPr id="759" name="그림 758">
                     <a:extLst>
                       <a:ext uri="{FF2B5EF4-FFF2-40B4-BE49-F238E27FC236}">
-                        <a16:creationId xmlns="" xmlns:a16="http://schemas.microsoft.com/office/drawing/2014/main" id="{50F1439C-0BB7-144F-B5C9-4443ED09D315}"/>
+                        <a16:creationId xmlns:a16="http://schemas.microsoft.com/office/drawing/2014/main" xmlns="" id="{50F1439C-0BB7-144F-B5C9-4443ED09D315}"/>
                       </a:ext>
                     </a:extLst>
                   </p:cNvPr>
@@ -7366,7 +7460,7 @@
                   <p:cNvPr id="760" name="그림 759">
                     <a:extLst>
                       <a:ext uri="{FF2B5EF4-FFF2-40B4-BE49-F238E27FC236}">
-                        <a16:creationId xmlns="" xmlns:a16="http://schemas.microsoft.com/office/drawing/2014/main" id="{A56BB9AB-1691-A545-8736-3376DBA6AFB6}"/>
+                        <a16:creationId xmlns:a16="http://schemas.microsoft.com/office/drawing/2014/main" xmlns="" id="{A56BB9AB-1691-A545-8736-3376DBA6AFB6}"/>
                       </a:ext>
                     </a:extLst>
                   </p:cNvPr>
@@ -7402,7 +7496,7 @@
                   <p:cNvPr id="761" name="그림 760">
                     <a:extLst>
                       <a:ext uri="{FF2B5EF4-FFF2-40B4-BE49-F238E27FC236}">
-                        <a16:creationId xmlns="" xmlns:a16="http://schemas.microsoft.com/office/drawing/2014/main" id="{3D1FB123-6FDD-FD41-8497-EB5527D1C68D}"/>
+                        <a16:creationId xmlns:a16="http://schemas.microsoft.com/office/drawing/2014/main" xmlns="" id="{3D1FB123-6FDD-FD41-8497-EB5527D1C68D}"/>
                       </a:ext>
                     </a:extLst>
                   </p:cNvPr>
@@ -7438,7 +7532,7 @@
                   <p:cNvPr id="762" name="그림 761">
                     <a:extLst>
                       <a:ext uri="{FF2B5EF4-FFF2-40B4-BE49-F238E27FC236}">
-                        <a16:creationId xmlns="" xmlns:a16="http://schemas.microsoft.com/office/drawing/2014/main" id="{D6DCE459-854F-C847-8D79-0ED8715E4AA2}"/>
+                        <a16:creationId xmlns:a16="http://schemas.microsoft.com/office/drawing/2014/main" xmlns="" id="{D6DCE459-854F-C847-8D79-0ED8715E4AA2}"/>
                       </a:ext>
                     </a:extLst>
                   </p:cNvPr>
@@ -7474,7 +7568,7 @@
                   <p:cNvPr id="763" name="그림 762">
                     <a:extLst>
                       <a:ext uri="{FF2B5EF4-FFF2-40B4-BE49-F238E27FC236}">
-                        <a16:creationId xmlns="" xmlns:a16="http://schemas.microsoft.com/office/drawing/2014/main" id="{2C2C62EB-FD78-EF41-8DF6-76A03A1273FF}"/>
+                        <a16:creationId xmlns:a16="http://schemas.microsoft.com/office/drawing/2014/main" xmlns="" id="{2C2C62EB-FD78-EF41-8DF6-76A03A1273FF}"/>
                       </a:ext>
                     </a:extLst>
                   </p:cNvPr>
@@ -7510,7 +7604,7 @@
                   <p:cNvPr id="764" name="그림 763">
                     <a:extLst>
                       <a:ext uri="{FF2B5EF4-FFF2-40B4-BE49-F238E27FC236}">
-                        <a16:creationId xmlns="" xmlns:a16="http://schemas.microsoft.com/office/drawing/2014/main" id="{67A571D6-1596-CF43-B2E4-176309D1D405}"/>
+                        <a16:creationId xmlns:a16="http://schemas.microsoft.com/office/drawing/2014/main" xmlns="" id="{67A571D6-1596-CF43-B2E4-176309D1D405}"/>
                       </a:ext>
                     </a:extLst>
                   </p:cNvPr>
@@ -7547,7 +7641,7 @@
                 <p:cNvPr id="715" name="그룹 714">
                   <a:extLst>
                     <a:ext uri="{FF2B5EF4-FFF2-40B4-BE49-F238E27FC236}">
-                      <a16:creationId xmlns="" xmlns:a16="http://schemas.microsoft.com/office/drawing/2014/main" id="{D9CBCFC1-D770-F148-813A-902BF4112AC8}"/>
+                      <a16:creationId xmlns:a16="http://schemas.microsoft.com/office/drawing/2014/main" xmlns="" id="{D9CBCFC1-D770-F148-813A-902BF4112AC8}"/>
                     </a:ext>
                   </a:extLst>
                 </p:cNvPr>
@@ -7567,7 +7661,7 @@
                   <p:cNvPr id="733" name="그림 732">
                     <a:extLst>
                       <a:ext uri="{FF2B5EF4-FFF2-40B4-BE49-F238E27FC236}">
-                        <a16:creationId xmlns="" xmlns:a16="http://schemas.microsoft.com/office/drawing/2014/main" id="{7A322EFF-9FDA-E74D-83D5-32409AC98427}"/>
+                        <a16:creationId xmlns:a16="http://schemas.microsoft.com/office/drawing/2014/main" xmlns="" id="{7A322EFF-9FDA-E74D-83D5-32409AC98427}"/>
                       </a:ext>
                     </a:extLst>
                   </p:cNvPr>
@@ -7603,7 +7697,7 @@
                   <p:cNvPr id="734" name="그림 733">
                     <a:extLst>
                       <a:ext uri="{FF2B5EF4-FFF2-40B4-BE49-F238E27FC236}">
-                        <a16:creationId xmlns="" xmlns:a16="http://schemas.microsoft.com/office/drawing/2014/main" id="{081BAAF8-98FA-F448-B929-80124E91C30A}"/>
+                        <a16:creationId xmlns:a16="http://schemas.microsoft.com/office/drawing/2014/main" xmlns="" id="{081BAAF8-98FA-F448-B929-80124E91C30A}"/>
                       </a:ext>
                     </a:extLst>
                   </p:cNvPr>
@@ -7639,7 +7733,7 @@
                   <p:cNvPr id="735" name="그림 734">
                     <a:extLst>
                       <a:ext uri="{FF2B5EF4-FFF2-40B4-BE49-F238E27FC236}">
-                        <a16:creationId xmlns="" xmlns:a16="http://schemas.microsoft.com/office/drawing/2014/main" id="{CC9C3412-5C71-B54B-A0FC-75089124A55B}"/>
+                        <a16:creationId xmlns:a16="http://schemas.microsoft.com/office/drawing/2014/main" xmlns="" id="{CC9C3412-5C71-B54B-A0FC-75089124A55B}"/>
                       </a:ext>
                     </a:extLst>
                   </p:cNvPr>
@@ -7675,7 +7769,7 @@
                   <p:cNvPr id="736" name="그림 735">
                     <a:extLst>
                       <a:ext uri="{FF2B5EF4-FFF2-40B4-BE49-F238E27FC236}">
-                        <a16:creationId xmlns="" xmlns:a16="http://schemas.microsoft.com/office/drawing/2014/main" id="{23E74B9E-79D1-404A-81CE-92BE265AEFBF}"/>
+                        <a16:creationId xmlns:a16="http://schemas.microsoft.com/office/drawing/2014/main" xmlns="" id="{23E74B9E-79D1-404A-81CE-92BE265AEFBF}"/>
                       </a:ext>
                     </a:extLst>
                   </p:cNvPr>
@@ -7711,7 +7805,7 @@
                   <p:cNvPr id="737" name="그림 736">
                     <a:extLst>
                       <a:ext uri="{FF2B5EF4-FFF2-40B4-BE49-F238E27FC236}">
-                        <a16:creationId xmlns="" xmlns:a16="http://schemas.microsoft.com/office/drawing/2014/main" id="{E241B8BA-0E72-A645-9846-8257A7B9B2BD}"/>
+                        <a16:creationId xmlns:a16="http://schemas.microsoft.com/office/drawing/2014/main" xmlns="" id="{E241B8BA-0E72-A645-9846-8257A7B9B2BD}"/>
                       </a:ext>
                     </a:extLst>
                   </p:cNvPr>
@@ -7747,7 +7841,7 @@
                   <p:cNvPr id="738" name="그림 737">
                     <a:extLst>
                       <a:ext uri="{FF2B5EF4-FFF2-40B4-BE49-F238E27FC236}">
-                        <a16:creationId xmlns="" xmlns:a16="http://schemas.microsoft.com/office/drawing/2014/main" id="{85F3BF56-C803-074F-9EC6-7834F97E1254}"/>
+                        <a16:creationId xmlns:a16="http://schemas.microsoft.com/office/drawing/2014/main" xmlns="" id="{85F3BF56-C803-074F-9EC6-7834F97E1254}"/>
                       </a:ext>
                     </a:extLst>
                   </p:cNvPr>
@@ -7783,7 +7877,7 @@
                   <p:cNvPr id="739" name="그림 738">
                     <a:extLst>
                       <a:ext uri="{FF2B5EF4-FFF2-40B4-BE49-F238E27FC236}">
-                        <a16:creationId xmlns="" xmlns:a16="http://schemas.microsoft.com/office/drawing/2014/main" id="{32AD80A3-46D8-7B41-A8BE-997A7C3881C3}"/>
+                        <a16:creationId xmlns:a16="http://schemas.microsoft.com/office/drawing/2014/main" xmlns="" id="{32AD80A3-46D8-7B41-A8BE-997A7C3881C3}"/>
                       </a:ext>
                     </a:extLst>
                   </p:cNvPr>
@@ -7819,7 +7913,7 @@
                   <p:cNvPr id="740" name="그림 739">
                     <a:extLst>
                       <a:ext uri="{FF2B5EF4-FFF2-40B4-BE49-F238E27FC236}">
-                        <a16:creationId xmlns="" xmlns:a16="http://schemas.microsoft.com/office/drawing/2014/main" id="{36264382-AAEE-B240-9050-1F7F2A0BADF7}"/>
+                        <a16:creationId xmlns:a16="http://schemas.microsoft.com/office/drawing/2014/main" xmlns="" id="{36264382-AAEE-B240-9050-1F7F2A0BADF7}"/>
                       </a:ext>
                     </a:extLst>
                   </p:cNvPr>
@@ -7855,7 +7949,7 @@
                   <p:cNvPr id="741" name="그림 740">
                     <a:extLst>
                       <a:ext uri="{FF2B5EF4-FFF2-40B4-BE49-F238E27FC236}">
-                        <a16:creationId xmlns="" xmlns:a16="http://schemas.microsoft.com/office/drawing/2014/main" id="{79A8301D-C8E9-BA42-9470-C8C342036627}"/>
+                        <a16:creationId xmlns:a16="http://schemas.microsoft.com/office/drawing/2014/main" xmlns="" id="{79A8301D-C8E9-BA42-9470-C8C342036627}"/>
                       </a:ext>
                     </a:extLst>
                   </p:cNvPr>
@@ -7891,7 +7985,7 @@
                   <p:cNvPr id="742" name="그림 741">
                     <a:extLst>
                       <a:ext uri="{FF2B5EF4-FFF2-40B4-BE49-F238E27FC236}">
-                        <a16:creationId xmlns="" xmlns:a16="http://schemas.microsoft.com/office/drawing/2014/main" id="{0A1EC0A0-2864-0945-904D-EFEB8BF0EA1E}"/>
+                        <a16:creationId xmlns:a16="http://schemas.microsoft.com/office/drawing/2014/main" xmlns="" id="{0A1EC0A0-2864-0945-904D-EFEB8BF0EA1E}"/>
                       </a:ext>
                     </a:extLst>
                   </p:cNvPr>
@@ -7927,7 +8021,7 @@
                   <p:cNvPr id="743" name="그림 742">
                     <a:extLst>
                       <a:ext uri="{FF2B5EF4-FFF2-40B4-BE49-F238E27FC236}">
-                        <a16:creationId xmlns="" xmlns:a16="http://schemas.microsoft.com/office/drawing/2014/main" id="{8F5DF3FE-006F-EE48-9806-8F0F9CFB68E4}"/>
+                        <a16:creationId xmlns:a16="http://schemas.microsoft.com/office/drawing/2014/main" xmlns="" id="{8F5DF3FE-006F-EE48-9806-8F0F9CFB68E4}"/>
                       </a:ext>
                     </a:extLst>
                   </p:cNvPr>
@@ -7963,7 +8057,7 @@
                   <p:cNvPr id="744" name="그림 743">
                     <a:extLst>
                       <a:ext uri="{FF2B5EF4-FFF2-40B4-BE49-F238E27FC236}">
-                        <a16:creationId xmlns="" xmlns:a16="http://schemas.microsoft.com/office/drawing/2014/main" id="{432FEF4E-3DFE-2242-B499-D238F6788864}"/>
+                        <a16:creationId xmlns:a16="http://schemas.microsoft.com/office/drawing/2014/main" xmlns="" id="{432FEF4E-3DFE-2242-B499-D238F6788864}"/>
                       </a:ext>
                     </a:extLst>
                   </p:cNvPr>
@@ -7999,7 +8093,7 @@
                   <p:cNvPr id="745" name="그림 744">
                     <a:extLst>
                       <a:ext uri="{FF2B5EF4-FFF2-40B4-BE49-F238E27FC236}">
-                        <a16:creationId xmlns="" xmlns:a16="http://schemas.microsoft.com/office/drawing/2014/main" id="{D73A41C5-97D2-D643-9977-0971DD5847DE}"/>
+                        <a16:creationId xmlns:a16="http://schemas.microsoft.com/office/drawing/2014/main" xmlns="" id="{D73A41C5-97D2-D643-9977-0971DD5847DE}"/>
                       </a:ext>
                     </a:extLst>
                   </p:cNvPr>
@@ -8035,7 +8129,7 @@
                   <p:cNvPr id="746" name="그림 745">
                     <a:extLst>
                       <a:ext uri="{FF2B5EF4-FFF2-40B4-BE49-F238E27FC236}">
-                        <a16:creationId xmlns="" xmlns:a16="http://schemas.microsoft.com/office/drawing/2014/main" id="{E7ED962B-0EFF-5F4E-821A-6E572DB70BD3}"/>
+                        <a16:creationId xmlns:a16="http://schemas.microsoft.com/office/drawing/2014/main" xmlns="" id="{E7ED962B-0EFF-5F4E-821A-6E572DB70BD3}"/>
                       </a:ext>
                     </a:extLst>
                   </p:cNvPr>
@@ -8071,7 +8165,7 @@
                   <p:cNvPr id="747" name="그림 746">
                     <a:extLst>
                       <a:ext uri="{FF2B5EF4-FFF2-40B4-BE49-F238E27FC236}">
-                        <a16:creationId xmlns="" xmlns:a16="http://schemas.microsoft.com/office/drawing/2014/main" id="{67592EB5-37AF-5846-9DA6-26D7A66B8011}"/>
+                        <a16:creationId xmlns:a16="http://schemas.microsoft.com/office/drawing/2014/main" xmlns="" id="{67592EB5-37AF-5846-9DA6-26D7A66B8011}"/>
                       </a:ext>
                     </a:extLst>
                   </p:cNvPr>
@@ -8107,7 +8201,7 @@
                   <p:cNvPr id="748" name="그림 747">
                     <a:extLst>
                       <a:ext uri="{FF2B5EF4-FFF2-40B4-BE49-F238E27FC236}">
-                        <a16:creationId xmlns="" xmlns:a16="http://schemas.microsoft.com/office/drawing/2014/main" id="{2819F866-3DB7-AC43-B17E-9C12E2D052C1}"/>
+                        <a16:creationId xmlns:a16="http://schemas.microsoft.com/office/drawing/2014/main" xmlns="" id="{2819F866-3DB7-AC43-B17E-9C12E2D052C1}"/>
                       </a:ext>
                     </a:extLst>
                   </p:cNvPr>
@@ -8144,7 +8238,7 @@
                 <p:cNvPr id="716" name="그룹 715">
                   <a:extLst>
                     <a:ext uri="{FF2B5EF4-FFF2-40B4-BE49-F238E27FC236}">
-                      <a16:creationId xmlns="" xmlns:a16="http://schemas.microsoft.com/office/drawing/2014/main" id="{70C8F723-515F-3340-A5A3-AECC5DD3A064}"/>
+                      <a16:creationId xmlns:a16="http://schemas.microsoft.com/office/drawing/2014/main" xmlns="" id="{70C8F723-515F-3340-A5A3-AECC5DD3A064}"/>
                     </a:ext>
                   </a:extLst>
                 </p:cNvPr>
@@ -8164,7 +8258,7 @@
                   <p:cNvPr id="717" name="그림 716">
                     <a:extLst>
                       <a:ext uri="{FF2B5EF4-FFF2-40B4-BE49-F238E27FC236}">
-                        <a16:creationId xmlns="" xmlns:a16="http://schemas.microsoft.com/office/drawing/2014/main" id="{E0BC39A5-EBCA-D845-9F54-662C60BDFAF9}"/>
+                        <a16:creationId xmlns:a16="http://schemas.microsoft.com/office/drawing/2014/main" xmlns="" id="{E0BC39A5-EBCA-D845-9F54-662C60BDFAF9}"/>
                       </a:ext>
                     </a:extLst>
                   </p:cNvPr>
@@ -8200,7 +8294,7 @@
                   <p:cNvPr id="718" name="그림 717">
                     <a:extLst>
                       <a:ext uri="{FF2B5EF4-FFF2-40B4-BE49-F238E27FC236}">
-                        <a16:creationId xmlns="" xmlns:a16="http://schemas.microsoft.com/office/drawing/2014/main" id="{A4CAE9BA-4C2C-354C-9551-7142183375AB}"/>
+                        <a16:creationId xmlns:a16="http://schemas.microsoft.com/office/drawing/2014/main" xmlns="" id="{A4CAE9BA-4C2C-354C-9551-7142183375AB}"/>
                       </a:ext>
                     </a:extLst>
                   </p:cNvPr>
@@ -8236,7 +8330,7 @@
                   <p:cNvPr id="719" name="그림 718">
                     <a:extLst>
                       <a:ext uri="{FF2B5EF4-FFF2-40B4-BE49-F238E27FC236}">
-                        <a16:creationId xmlns="" xmlns:a16="http://schemas.microsoft.com/office/drawing/2014/main" id="{4B61247E-CD0D-184A-97E3-11A1E4D7C3E2}"/>
+                        <a16:creationId xmlns:a16="http://schemas.microsoft.com/office/drawing/2014/main" xmlns="" id="{4B61247E-CD0D-184A-97E3-11A1E4D7C3E2}"/>
                       </a:ext>
                     </a:extLst>
                   </p:cNvPr>
@@ -8272,7 +8366,7 @@
                   <p:cNvPr id="720" name="그림 719">
                     <a:extLst>
                       <a:ext uri="{FF2B5EF4-FFF2-40B4-BE49-F238E27FC236}">
-                        <a16:creationId xmlns="" xmlns:a16="http://schemas.microsoft.com/office/drawing/2014/main" id="{DD8447D0-55E8-2E49-90BF-512400678ED4}"/>
+                        <a16:creationId xmlns:a16="http://schemas.microsoft.com/office/drawing/2014/main" xmlns="" id="{DD8447D0-55E8-2E49-90BF-512400678ED4}"/>
                       </a:ext>
                     </a:extLst>
                   </p:cNvPr>
@@ -8308,7 +8402,7 @@
                   <p:cNvPr id="721" name="그림 720">
                     <a:extLst>
                       <a:ext uri="{FF2B5EF4-FFF2-40B4-BE49-F238E27FC236}">
-                        <a16:creationId xmlns="" xmlns:a16="http://schemas.microsoft.com/office/drawing/2014/main" id="{08F94399-C4A3-1749-8F6C-99B01D85E6A1}"/>
+                        <a16:creationId xmlns:a16="http://schemas.microsoft.com/office/drawing/2014/main" xmlns="" id="{08F94399-C4A3-1749-8F6C-99B01D85E6A1}"/>
                       </a:ext>
                     </a:extLst>
                   </p:cNvPr>
@@ -8344,7 +8438,7 @@
                   <p:cNvPr id="722" name="그림 721">
                     <a:extLst>
                       <a:ext uri="{FF2B5EF4-FFF2-40B4-BE49-F238E27FC236}">
-                        <a16:creationId xmlns="" xmlns:a16="http://schemas.microsoft.com/office/drawing/2014/main" id="{6077B06A-B21B-BE43-AA61-8DEA75A85267}"/>
+                        <a16:creationId xmlns:a16="http://schemas.microsoft.com/office/drawing/2014/main" xmlns="" id="{6077B06A-B21B-BE43-AA61-8DEA75A85267}"/>
                       </a:ext>
                     </a:extLst>
                   </p:cNvPr>
@@ -8380,7 +8474,7 @@
                   <p:cNvPr id="723" name="그림 722">
                     <a:extLst>
                       <a:ext uri="{FF2B5EF4-FFF2-40B4-BE49-F238E27FC236}">
-                        <a16:creationId xmlns="" xmlns:a16="http://schemas.microsoft.com/office/drawing/2014/main" id="{7EE58D5E-DB3C-E949-88AB-41AB331084FF}"/>
+                        <a16:creationId xmlns:a16="http://schemas.microsoft.com/office/drawing/2014/main" xmlns="" id="{7EE58D5E-DB3C-E949-88AB-41AB331084FF}"/>
                       </a:ext>
                     </a:extLst>
                   </p:cNvPr>
@@ -8416,7 +8510,7 @@
                   <p:cNvPr id="724" name="그림 723">
                     <a:extLst>
                       <a:ext uri="{FF2B5EF4-FFF2-40B4-BE49-F238E27FC236}">
-                        <a16:creationId xmlns="" xmlns:a16="http://schemas.microsoft.com/office/drawing/2014/main" id="{22254AE6-FCA3-6849-A27B-7C15DAF28DDD}"/>
+                        <a16:creationId xmlns:a16="http://schemas.microsoft.com/office/drawing/2014/main" xmlns="" id="{22254AE6-FCA3-6849-A27B-7C15DAF28DDD}"/>
                       </a:ext>
                     </a:extLst>
                   </p:cNvPr>
@@ -8452,7 +8546,7 @@
                   <p:cNvPr id="725" name="그림 724">
                     <a:extLst>
                       <a:ext uri="{FF2B5EF4-FFF2-40B4-BE49-F238E27FC236}">
-                        <a16:creationId xmlns="" xmlns:a16="http://schemas.microsoft.com/office/drawing/2014/main" id="{BAB18026-B975-FE42-A2C7-3BA6B369E78D}"/>
+                        <a16:creationId xmlns:a16="http://schemas.microsoft.com/office/drawing/2014/main" xmlns="" id="{BAB18026-B975-FE42-A2C7-3BA6B369E78D}"/>
                       </a:ext>
                     </a:extLst>
                   </p:cNvPr>
@@ -8488,7 +8582,7 @@
                   <p:cNvPr id="726" name="그림 725">
                     <a:extLst>
                       <a:ext uri="{FF2B5EF4-FFF2-40B4-BE49-F238E27FC236}">
-                        <a16:creationId xmlns="" xmlns:a16="http://schemas.microsoft.com/office/drawing/2014/main" id="{54FB8632-57F1-7A40-8D31-BA266C4BE917}"/>
+                        <a16:creationId xmlns:a16="http://schemas.microsoft.com/office/drawing/2014/main" xmlns="" id="{54FB8632-57F1-7A40-8D31-BA266C4BE917}"/>
                       </a:ext>
                     </a:extLst>
                   </p:cNvPr>
@@ -8524,7 +8618,7 @@
                   <p:cNvPr id="727" name="그림 726">
                     <a:extLst>
                       <a:ext uri="{FF2B5EF4-FFF2-40B4-BE49-F238E27FC236}">
-                        <a16:creationId xmlns="" xmlns:a16="http://schemas.microsoft.com/office/drawing/2014/main" id="{F28E3AC4-1B72-D240-8307-C848876C9C77}"/>
+                        <a16:creationId xmlns:a16="http://schemas.microsoft.com/office/drawing/2014/main" xmlns="" id="{F28E3AC4-1B72-D240-8307-C848876C9C77}"/>
                       </a:ext>
                     </a:extLst>
                   </p:cNvPr>
@@ -8560,7 +8654,7 @@
                   <p:cNvPr id="728" name="그림 727">
                     <a:extLst>
                       <a:ext uri="{FF2B5EF4-FFF2-40B4-BE49-F238E27FC236}">
-                        <a16:creationId xmlns="" xmlns:a16="http://schemas.microsoft.com/office/drawing/2014/main" id="{99C93EBE-9274-A447-8D93-CE75F88BBFC7}"/>
+                        <a16:creationId xmlns:a16="http://schemas.microsoft.com/office/drawing/2014/main" xmlns="" id="{99C93EBE-9274-A447-8D93-CE75F88BBFC7}"/>
                       </a:ext>
                     </a:extLst>
                   </p:cNvPr>
@@ -8596,7 +8690,7 @@
                   <p:cNvPr id="729" name="그림 728">
                     <a:extLst>
                       <a:ext uri="{FF2B5EF4-FFF2-40B4-BE49-F238E27FC236}">
-                        <a16:creationId xmlns="" xmlns:a16="http://schemas.microsoft.com/office/drawing/2014/main" id="{20023F91-75B1-B149-AD2F-93FA04BE0C6D}"/>
+                        <a16:creationId xmlns:a16="http://schemas.microsoft.com/office/drawing/2014/main" xmlns="" id="{20023F91-75B1-B149-AD2F-93FA04BE0C6D}"/>
                       </a:ext>
                     </a:extLst>
                   </p:cNvPr>
@@ -8632,7 +8726,7 @@
                   <p:cNvPr id="730" name="그림 729">
                     <a:extLst>
                       <a:ext uri="{FF2B5EF4-FFF2-40B4-BE49-F238E27FC236}">
-                        <a16:creationId xmlns="" xmlns:a16="http://schemas.microsoft.com/office/drawing/2014/main" id="{6CDEBB26-7AB7-8843-9EEC-A1FEDB3EF037}"/>
+                        <a16:creationId xmlns:a16="http://schemas.microsoft.com/office/drawing/2014/main" xmlns="" id="{6CDEBB26-7AB7-8843-9EEC-A1FEDB3EF037}"/>
                       </a:ext>
                     </a:extLst>
                   </p:cNvPr>
@@ -8668,7 +8762,7 @@
                   <p:cNvPr id="731" name="그림 730">
                     <a:extLst>
                       <a:ext uri="{FF2B5EF4-FFF2-40B4-BE49-F238E27FC236}">
-                        <a16:creationId xmlns="" xmlns:a16="http://schemas.microsoft.com/office/drawing/2014/main" id="{31579C39-413A-1949-BC3D-F626157F425D}"/>
+                        <a16:creationId xmlns:a16="http://schemas.microsoft.com/office/drawing/2014/main" xmlns="" id="{31579C39-413A-1949-BC3D-F626157F425D}"/>
                       </a:ext>
                     </a:extLst>
                   </p:cNvPr>
@@ -8704,7 +8798,7 @@
                   <p:cNvPr id="732" name="그림 731">
                     <a:extLst>
                       <a:ext uri="{FF2B5EF4-FFF2-40B4-BE49-F238E27FC236}">
-                        <a16:creationId xmlns="" xmlns:a16="http://schemas.microsoft.com/office/drawing/2014/main" id="{D208B4ED-DB87-764F-86EE-32CEE8D5ABF0}"/>
+                        <a16:creationId xmlns:a16="http://schemas.microsoft.com/office/drawing/2014/main" xmlns="" id="{D208B4ED-DB87-764F-86EE-32CEE8D5ABF0}"/>
                       </a:ext>
                     </a:extLst>
                   </p:cNvPr>
@@ -8742,7 +8836,7 @@
               <p:cNvPr id="573" name="그룹 572">
                 <a:extLst>
                   <a:ext uri="{FF2B5EF4-FFF2-40B4-BE49-F238E27FC236}">
-                    <a16:creationId xmlns="" xmlns:a16="http://schemas.microsoft.com/office/drawing/2014/main" id="{5E426028-75C1-5344-9634-3CDAE921FA05}"/>
+                    <a16:creationId xmlns:a16="http://schemas.microsoft.com/office/drawing/2014/main" xmlns="" id="{5E426028-75C1-5344-9634-3CDAE921FA05}"/>
                   </a:ext>
                 </a:extLst>
               </p:cNvPr>
@@ -8762,7 +8856,7 @@
                 <p:cNvPr id="574" name="그룹 573">
                   <a:extLst>
                     <a:ext uri="{FF2B5EF4-FFF2-40B4-BE49-F238E27FC236}">
-                      <a16:creationId xmlns="" xmlns:a16="http://schemas.microsoft.com/office/drawing/2014/main" id="{0B01D242-37CC-9643-B5F5-4875829C0C23}"/>
+                      <a16:creationId xmlns:a16="http://schemas.microsoft.com/office/drawing/2014/main" xmlns="" id="{0B01D242-37CC-9643-B5F5-4875829C0C23}"/>
                     </a:ext>
                   </a:extLst>
                 </p:cNvPr>
@@ -8782,7 +8876,7 @@
                   <p:cNvPr id="693" name="그림 692">
                     <a:extLst>
                       <a:ext uri="{FF2B5EF4-FFF2-40B4-BE49-F238E27FC236}">
-                        <a16:creationId xmlns="" xmlns:a16="http://schemas.microsoft.com/office/drawing/2014/main" id="{5A23D548-239F-194C-81F8-67F108741E85}"/>
+                        <a16:creationId xmlns:a16="http://schemas.microsoft.com/office/drawing/2014/main" xmlns="" id="{5A23D548-239F-194C-81F8-67F108741E85}"/>
                       </a:ext>
                     </a:extLst>
                   </p:cNvPr>
@@ -8818,7 +8912,7 @@
                   <p:cNvPr id="694" name="그림 693">
                     <a:extLst>
                       <a:ext uri="{FF2B5EF4-FFF2-40B4-BE49-F238E27FC236}">
-                        <a16:creationId xmlns="" xmlns:a16="http://schemas.microsoft.com/office/drawing/2014/main" id="{2E9981E7-4370-3E4D-9E3F-1B8484E95098}"/>
+                        <a16:creationId xmlns:a16="http://schemas.microsoft.com/office/drawing/2014/main" xmlns="" id="{2E9981E7-4370-3E4D-9E3F-1B8484E95098}"/>
                       </a:ext>
                     </a:extLst>
                   </p:cNvPr>
@@ -8854,7 +8948,7 @@
                   <p:cNvPr id="695" name="그림 694">
                     <a:extLst>
                       <a:ext uri="{FF2B5EF4-FFF2-40B4-BE49-F238E27FC236}">
-                        <a16:creationId xmlns="" xmlns:a16="http://schemas.microsoft.com/office/drawing/2014/main" id="{70EFEBCB-9532-E14D-919C-A1FF2F07013B}"/>
+                        <a16:creationId xmlns:a16="http://schemas.microsoft.com/office/drawing/2014/main" xmlns="" id="{70EFEBCB-9532-E14D-919C-A1FF2F07013B}"/>
                       </a:ext>
                     </a:extLst>
                   </p:cNvPr>
@@ -8890,7 +8984,7 @@
                   <p:cNvPr id="696" name="그림 695">
                     <a:extLst>
                       <a:ext uri="{FF2B5EF4-FFF2-40B4-BE49-F238E27FC236}">
-                        <a16:creationId xmlns="" xmlns:a16="http://schemas.microsoft.com/office/drawing/2014/main" id="{4320F46B-AB01-964A-AB24-C03BED93A387}"/>
+                        <a16:creationId xmlns:a16="http://schemas.microsoft.com/office/drawing/2014/main" xmlns="" id="{4320F46B-AB01-964A-AB24-C03BED93A387}"/>
                       </a:ext>
                     </a:extLst>
                   </p:cNvPr>
@@ -8926,7 +9020,7 @@
                   <p:cNvPr id="697" name="그림 696">
                     <a:extLst>
                       <a:ext uri="{FF2B5EF4-FFF2-40B4-BE49-F238E27FC236}">
-                        <a16:creationId xmlns="" xmlns:a16="http://schemas.microsoft.com/office/drawing/2014/main" id="{7B9320EB-8286-504F-A770-1D5033908B8D}"/>
+                        <a16:creationId xmlns:a16="http://schemas.microsoft.com/office/drawing/2014/main" xmlns="" id="{7B9320EB-8286-504F-A770-1D5033908B8D}"/>
                       </a:ext>
                     </a:extLst>
                   </p:cNvPr>
@@ -8962,7 +9056,7 @@
                   <p:cNvPr id="698" name="그림 697">
                     <a:extLst>
                       <a:ext uri="{FF2B5EF4-FFF2-40B4-BE49-F238E27FC236}">
-                        <a16:creationId xmlns="" xmlns:a16="http://schemas.microsoft.com/office/drawing/2014/main" id="{F5C37E47-4977-7D45-A23B-AB320F7E568E}"/>
+                        <a16:creationId xmlns:a16="http://schemas.microsoft.com/office/drawing/2014/main" xmlns="" id="{F5C37E47-4977-7D45-A23B-AB320F7E568E}"/>
                       </a:ext>
                     </a:extLst>
                   </p:cNvPr>
@@ -8998,7 +9092,7 @@
                   <p:cNvPr id="699" name="그림 698">
                     <a:extLst>
                       <a:ext uri="{FF2B5EF4-FFF2-40B4-BE49-F238E27FC236}">
-                        <a16:creationId xmlns="" xmlns:a16="http://schemas.microsoft.com/office/drawing/2014/main" id="{AE9D3252-F1E4-FC49-8D56-98B6CAB14600}"/>
+                        <a16:creationId xmlns:a16="http://schemas.microsoft.com/office/drawing/2014/main" xmlns="" id="{AE9D3252-F1E4-FC49-8D56-98B6CAB14600}"/>
                       </a:ext>
                     </a:extLst>
                   </p:cNvPr>
@@ -9034,7 +9128,7 @@
                   <p:cNvPr id="700" name="그림 699">
                     <a:extLst>
                       <a:ext uri="{FF2B5EF4-FFF2-40B4-BE49-F238E27FC236}">
-                        <a16:creationId xmlns="" xmlns:a16="http://schemas.microsoft.com/office/drawing/2014/main" id="{587A350E-827E-044C-9381-04D00389E647}"/>
+                        <a16:creationId xmlns:a16="http://schemas.microsoft.com/office/drawing/2014/main" xmlns="" id="{587A350E-827E-044C-9381-04D00389E647}"/>
                       </a:ext>
                     </a:extLst>
                   </p:cNvPr>
@@ -9070,7 +9164,7 @@
                   <p:cNvPr id="701" name="그림 700">
                     <a:extLst>
                       <a:ext uri="{FF2B5EF4-FFF2-40B4-BE49-F238E27FC236}">
-                        <a16:creationId xmlns="" xmlns:a16="http://schemas.microsoft.com/office/drawing/2014/main" id="{9B8FD78D-F28C-3E49-AB66-1A2D7FA5CFDA}"/>
+                        <a16:creationId xmlns:a16="http://schemas.microsoft.com/office/drawing/2014/main" xmlns="" id="{9B8FD78D-F28C-3E49-AB66-1A2D7FA5CFDA}"/>
                       </a:ext>
                     </a:extLst>
                   </p:cNvPr>
@@ -9106,7 +9200,7 @@
                   <p:cNvPr id="702" name="그림 701">
                     <a:extLst>
                       <a:ext uri="{FF2B5EF4-FFF2-40B4-BE49-F238E27FC236}">
-                        <a16:creationId xmlns="" xmlns:a16="http://schemas.microsoft.com/office/drawing/2014/main" id="{3FB3A5A3-3B36-FC45-8263-628C3A70EA65}"/>
+                        <a16:creationId xmlns:a16="http://schemas.microsoft.com/office/drawing/2014/main" xmlns="" id="{3FB3A5A3-3B36-FC45-8263-628C3A70EA65}"/>
                       </a:ext>
                     </a:extLst>
                   </p:cNvPr>
@@ -9142,7 +9236,7 @@
                   <p:cNvPr id="703" name="그림 702">
                     <a:extLst>
                       <a:ext uri="{FF2B5EF4-FFF2-40B4-BE49-F238E27FC236}">
-                        <a16:creationId xmlns="" xmlns:a16="http://schemas.microsoft.com/office/drawing/2014/main" id="{4CFC86CF-5487-8B4E-96B2-9463486729CE}"/>
+                        <a16:creationId xmlns:a16="http://schemas.microsoft.com/office/drawing/2014/main" xmlns="" id="{4CFC86CF-5487-8B4E-96B2-9463486729CE}"/>
                       </a:ext>
                     </a:extLst>
                   </p:cNvPr>
@@ -9178,7 +9272,7 @@
                   <p:cNvPr id="704" name="그림 703">
                     <a:extLst>
                       <a:ext uri="{FF2B5EF4-FFF2-40B4-BE49-F238E27FC236}">
-                        <a16:creationId xmlns="" xmlns:a16="http://schemas.microsoft.com/office/drawing/2014/main" id="{6E03DD65-EEC9-2A44-8830-9A3E71F10D27}"/>
+                        <a16:creationId xmlns:a16="http://schemas.microsoft.com/office/drawing/2014/main" xmlns="" id="{6E03DD65-EEC9-2A44-8830-9A3E71F10D27}"/>
                       </a:ext>
                     </a:extLst>
                   </p:cNvPr>
@@ -9214,7 +9308,7 @@
                   <p:cNvPr id="705" name="그림 704">
                     <a:extLst>
                       <a:ext uri="{FF2B5EF4-FFF2-40B4-BE49-F238E27FC236}">
-                        <a16:creationId xmlns="" xmlns:a16="http://schemas.microsoft.com/office/drawing/2014/main" id="{387DBBE9-6B09-4940-805E-35C5C178776D}"/>
+                        <a16:creationId xmlns:a16="http://schemas.microsoft.com/office/drawing/2014/main" xmlns="" id="{387DBBE9-6B09-4940-805E-35C5C178776D}"/>
                       </a:ext>
                     </a:extLst>
                   </p:cNvPr>
@@ -9250,7 +9344,7 @@
                   <p:cNvPr id="706" name="그림 705">
                     <a:extLst>
                       <a:ext uri="{FF2B5EF4-FFF2-40B4-BE49-F238E27FC236}">
-                        <a16:creationId xmlns="" xmlns:a16="http://schemas.microsoft.com/office/drawing/2014/main" id="{E16885A6-5CB8-874E-AFA6-02BBBE946DE6}"/>
+                        <a16:creationId xmlns:a16="http://schemas.microsoft.com/office/drawing/2014/main" xmlns="" id="{E16885A6-5CB8-874E-AFA6-02BBBE946DE6}"/>
                       </a:ext>
                     </a:extLst>
                   </p:cNvPr>
@@ -9286,7 +9380,7 @@
                   <p:cNvPr id="707" name="그림 706">
                     <a:extLst>
                       <a:ext uri="{FF2B5EF4-FFF2-40B4-BE49-F238E27FC236}">
-                        <a16:creationId xmlns="" xmlns:a16="http://schemas.microsoft.com/office/drawing/2014/main" id="{FEC31685-84A0-9E47-885D-963F2EAF2FD9}"/>
+                        <a16:creationId xmlns:a16="http://schemas.microsoft.com/office/drawing/2014/main" xmlns="" id="{FEC31685-84A0-9E47-885D-963F2EAF2FD9}"/>
                       </a:ext>
                     </a:extLst>
                   </p:cNvPr>
@@ -9322,7 +9416,7 @@
                   <p:cNvPr id="708" name="그림 707">
                     <a:extLst>
                       <a:ext uri="{FF2B5EF4-FFF2-40B4-BE49-F238E27FC236}">
-                        <a16:creationId xmlns="" xmlns:a16="http://schemas.microsoft.com/office/drawing/2014/main" id="{52C32E6E-A4AE-CE4D-AF80-C7F80850DA26}"/>
+                        <a16:creationId xmlns:a16="http://schemas.microsoft.com/office/drawing/2014/main" xmlns="" id="{52C32E6E-A4AE-CE4D-AF80-C7F80850DA26}"/>
                       </a:ext>
                     </a:extLst>
                   </p:cNvPr>
@@ -9359,7 +9453,7 @@
                 <p:cNvPr id="575" name="그룹 574">
                   <a:extLst>
                     <a:ext uri="{FF2B5EF4-FFF2-40B4-BE49-F238E27FC236}">
-                      <a16:creationId xmlns="" xmlns:a16="http://schemas.microsoft.com/office/drawing/2014/main" id="{FDF2F9C2-564E-314D-972D-FF1C017CCC68}"/>
+                      <a16:creationId xmlns:a16="http://schemas.microsoft.com/office/drawing/2014/main" xmlns="" id="{FDF2F9C2-564E-314D-972D-FF1C017CCC68}"/>
                     </a:ext>
                   </a:extLst>
                 </p:cNvPr>
@@ -9379,7 +9473,7 @@
                   <p:cNvPr id="677" name="그림 676">
                     <a:extLst>
                       <a:ext uri="{FF2B5EF4-FFF2-40B4-BE49-F238E27FC236}">
-                        <a16:creationId xmlns="" xmlns:a16="http://schemas.microsoft.com/office/drawing/2014/main" id="{3BA40461-537E-884A-843A-BDB2A1BD8F33}"/>
+                        <a16:creationId xmlns:a16="http://schemas.microsoft.com/office/drawing/2014/main" xmlns="" id="{3BA40461-537E-884A-843A-BDB2A1BD8F33}"/>
                       </a:ext>
                     </a:extLst>
                   </p:cNvPr>
@@ -9415,7 +9509,7 @@
                   <p:cNvPr id="678" name="그림 677">
                     <a:extLst>
                       <a:ext uri="{FF2B5EF4-FFF2-40B4-BE49-F238E27FC236}">
-                        <a16:creationId xmlns="" xmlns:a16="http://schemas.microsoft.com/office/drawing/2014/main" id="{ECBB0A0B-919A-224A-83C3-F92A504F86FD}"/>
+                        <a16:creationId xmlns:a16="http://schemas.microsoft.com/office/drawing/2014/main" xmlns="" id="{ECBB0A0B-919A-224A-83C3-F92A504F86FD}"/>
                       </a:ext>
                     </a:extLst>
                   </p:cNvPr>
@@ -9451,7 +9545,7 @@
                   <p:cNvPr id="679" name="그림 678">
                     <a:extLst>
                       <a:ext uri="{FF2B5EF4-FFF2-40B4-BE49-F238E27FC236}">
-                        <a16:creationId xmlns="" xmlns:a16="http://schemas.microsoft.com/office/drawing/2014/main" id="{E0160862-E484-1A4D-BD01-82E525B7F3BB}"/>
+                        <a16:creationId xmlns:a16="http://schemas.microsoft.com/office/drawing/2014/main" xmlns="" id="{E0160862-E484-1A4D-BD01-82E525B7F3BB}"/>
                       </a:ext>
                     </a:extLst>
                   </p:cNvPr>
@@ -9487,7 +9581,7 @@
                   <p:cNvPr id="680" name="그림 679">
                     <a:extLst>
                       <a:ext uri="{FF2B5EF4-FFF2-40B4-BE49-F238E27FC236}">
-                        <a16:creationId xmlns="" xmlns:a16="http://schemas.microsoft.com/office/drawing/2014/main" id="{723CDCAF-B039-784E-98A9-FDB3EECC2A67}"/>
+                        <a16:creationId xmlns:a16="http://schemas.microsoft.com/office/drawing/2014/main" xmlns="" id="{723CDCAF-B039-784E-98A9-FDB3EECC2A67}"/>
                       </a:ext>
                     </a:extLst>
                   </p:cNvPr>
@@ -9523,7 +9617,7 @@
                   <p:cNvPr id="681" name="그림 680">
                     <a:extLst>
                       <a:ext uri="{FF2B5EF4-FFF2-40B4-BE49-F238E27FC236}">
-                        <a16:creationId xmlns="" xmlns:a16="http://schemas.microsoft.com/office/drawing/2014/main" id="{26A38CE1-9B87-D242-9D2F-7B2EDACE82BE}"/>
+                        <a16:creationId xmlns:a16="http://schemas.microsoft.com/office/drawing/2014/main" xmlns="" id="{26A38CE1-9B87-D242-9D2F-7B2EDACE82BE}"/>
                       </a:ext>
                     </a:extLst>
                   </p:cNvPr>
@@ -9559,7 +9653,7 @@
                   <p:cNvPr id="682" name="그림 681">
                     <a:extLst>
                       <a:ext uri="{FF2B5EF4-FFF2-40B4-BE49-F238E27FC236}">
-                        <a16:creationId xmlns="" xmlns:a16="http://schemas.microsoft.com/office/drawing/2014/main" id="{B4AB2773-101D-4B45-8B7B-5CD4BD57C8FE}"/>
+                        <a16:creationId xmlns:a16="http://schemas.microsoft.com/office/drawing/2014/main" xmlns="" id="{B4AB2773-101D-4B45-8B7B-5CD4BD57C8FE}"/>
                       </a:ext>
                     </a:extLst>
                   </p:cNvPr>
@@ -9595,7 +9689,7 @@
                   <p:cNvPr id="683" name="그림 682">
                     <a:extLst>
                       <a:ext uri="{FF2B5EF4-FFF2-40B4-BE49-F238E27FC236}">
-                        <a16:creationId xmlns="" xmlns:a16="http://schemas.microsoft.com/office/drawing/2014/main" id="{0C8D70A2-BE1F-E74E-82D0-F94CD6F3969D}"/>
+                        <a16:creationId xmlns:a16="http://schemas.microsoft.com/office/drawing/2014/main" xmlns="" id="{0C8D70A2-BE1F-E74E-82D0-F94CD6F3969D}"/>
                       </a:ext>
                     </a:extLst>
                   </p:cNvPr>
@@ -9631,7 +9725,7 @@
                   <p:cNvPr id="684" name="그림 683">
                     <a:extLst>
                       <a:ext uri="{FF2B5EF4-FFF2-40B4-BE49-F238E27FC236}">
-                        <a16:creationId xmlns="" xmlns:a16="http://schemas.microsoft.com/office/drawing/2014/main" id="{1AAFBED8-5091-9349-A172-143EFC819EC0}"/>
+                        <a16:creationId xmlns:a16="http://schemas.microsoft.com/office/drawing/2014/main" xmlns="" id="{1AAFBED8-5091-9349-A172-143EFC819EC0}"/>
                       </a:ext>
                     </a:extLst>
                   </p:cNvPr>
@@ -9667,7 +9761,7 @@
                   <p:cNvPr id="685" name="그림 684">
                     <a:extLst>
                       <a:ext uri="{FF2B5EF4-FFF2-40B4-BE49-F238E27FC236}">
-                        <a16:creationId xmlns="" xmlns:a16="http://schemas.microsoft.com/office/drawing/2014/main" id="{E82C7F06-260C-B64D-9CF6-93D86C16739D}"/>
+                        <a16:creationId xmlns:a16="http://schemas.microsoft.com/office/drawing/2014/main" xmlns="" id="{E82C7F06-260C-B64D-9CF6-93D86C16739D}"/>
                       </a:ext>
                     </a:extLst>
                   </p:cNvPr>
@@ -9703,7 +9797,7 @@
                   <p:cNvPr id="686" name="그림 685">
                     <a:extLst>
                       <a:ext uri="{FF2B5EF4-FFF2-40B4-BE49-F238E27FC236}">
-                        <a16:creationId xmlns="" xmlns:a16="http://schemas.microsoft.com/office/drawing/2014/main" id="{D22865BD-1788-E846-8A13-A60EDA28110D}"/>
+                        <a16:creationId xmlns:a16="http://schemas.microsoft.com/office/drawing/2014/main" xmlns="" id="{D22865BD-1788-E846-8A13-A60EDA28110D}"/>
                       </a:ext>
                     </a:extLst>
                   </p:cNvPr>
@@ -9739,7 +9833,7 @@
                   <p:cNvPr id="687" name="그림 686">
                     <a:extLst>
                       <a:ext uri="{FF2B5EF4-FFF2-40B4-BE49-F238E27FC236}">
-                        <a16:creationId xmlns="" xmlns:a16="http://schemas.microsoft.com/office/drawing/2014/main" id="{F0FA8AD8-9794-6D4F-8E84-A9BC45B9B7F3}"/>
+                        <a16:creationId xmlns:a16="http://schemas.microsoft.com/office/drawing/2014/main" xmlns="" id="{F0FA8AD8-9794-6D4F-8E84-A9BC45B9B7F3}"/>
                       </a:ext>
                     </a:extLst>
                   </p:cNvPr>
@@ -9775,7 +9869,7 @@
                   <p:cNvPr id="688" name="그림 687">
                     <a:extLst>
                       <a:ext uri="{FF2B5EF4-FFF2-40B4-BE49-F238E27FC236}">
-                        <a16:creationId xmlns="" xmlns:a16="http://schemas.microsoft.com/office/drawing/2014/main" id="{D6799C30-F669-D94C-86AE-CA4371C0727B}"/>
+                        <a16:creationId xmlns:a16="http://schemas.microsoft.com/office/drawing/2014/main" xmlns="" id="{D6799C30-F669-D94C-86AE-CA4371C0727B}"/>
                       </a:ext>
                     </a:extLst>
                   </p:cNvPr>
@@ -9811,7 +9905,7 @@
                   <p:cNvPr id="689" name="그림 688">
                     <a:extLst>
                       <a:ext uri="{FF2B5EF4-FFF2-40B4-BE49-F238E27FC236}">
-                        <a16:creationId xmlns="" xmlns:a16="http://schemas.microsoft.com/office/drawing/2014/main" id="{007FF786-4FF6-6B4F-89DF-7CA2DD9F71CC}"/>
+                        <a16:creationId xmlns:a16="http://schemas.microsoft.com/office/drawing/2014/main" xmlns="" id="{007FF786-4FF6-6B4F-89DF-7CA2DD9F71CC}"/>
                       </a:ext>
                     </a:extLst>
                   </p:cNvPr>
@@ -9847,7 +9941,7 @@
                   <p:cNvPr id="690" name="그림 689">
                     <a:extLst>
                       <a:ext uri="{FF2B5EF4-FFF2-40B4-BE49-F238E27FC236}">
-                        <a16:creationId xmlns="" xmlns:a16="http://schemas.microsoft.com/office/drawing/2014/main" id="{00C9FAFE-7A4A-F84F-8407-BC4C5A35BD55}"/>
+                        <a16:creationId xmlns:a16="http://schemas.microsoft.com/office/drawing/2014/main" xmlns="" id="{00C9FAFE-7A4A-F84F-8407-BC4C5A35BD55}"/>
                       </a:ext>
                     </a:extLst>
                   </p:cNvPr>
@@ -9883,7 +9977,7 @@
                   <p:cNvPr id="691" name="그림 690">
                     <a:extLst>
                       <a:ext uri="{FF2B5EF4-FFF2-40B4-BE49-F238E27FC236}">
-                        <a16:creationId xmlns="" xmlns:a16="http://schemas.microsoft.com/office/drawing/2014/main" id="{F279EFBC-89B0-FF4E-9D06-40F9A54BF3B6}"/>
+                        <a16:creationId xmlns:a16="http://schemas.microsoft.com/office/drawing/2014/main" xmlns="" id="{F279EFBC-89B0-FF4E-9D06-40F9A54BF3B6}"/>
                       </a:ext>
                     </a:extLst>
                   </p:cNvPr>
@@ -9919,7 +10013,7 @@
                   <p:cNvPr id="692" name="그림 691">
                     <a:extLst>
                       <a:ext uri="{FF2B5EF4-FFF2-40B4-BE49-F238E27FC236}">
-                        <a16:creationId xmlns="" xmlns:a16="http://schemas.microsoft.com/office/drawing/2014/main" id="{ACE1E598-347A-9C42-BEA3-94D87C3C4957}"/>
+                        <a16:creationId xmlns:a16="http://schemas.microsoft.com/office/drawing/2014/main" xmlns="" id="{ACE1E598-347A-9C42-BEA3-94D87C3C4957}"/>
                       </a:ext>
                     </a:extLst>
                   </p:cNvPr>
@@ -9956,7 +10050,7 @@
                 <p:cNvPr id="576" name="그룹 575">
                   <a:extLst>
                     <a:ext uri="{FF2B5EF4-FFF2-40B4-BE49-F238E27FC236}">
-                      <a16:creationId xmlns="" xmlns:a16="http://schemas.microsoft.com/office/drawing/2014/main" id="{DA032151-1BA2-1D42-8C04-F51A9D76B489}"/>
+                      <a16:creationId xmlns:a16="http://schemas.microsoft.com/office/drawing/2014/main" xmlns="" id="{DA032151-1BA2-1D42-8C04-F51A9D76B489}"/>
                     </a:ext>
                   </a:extLst>
                 </p:cNvPr>
@@ -9976,7 +10070,7 @@
                   <p:cNvPr id="661" name="그림 660">
                     <a:extLst>
                       <a:ext uri="{FF2B5EF4-FFF2-40B4-BE49-F238E27FC236}">
-                        <a16:creationId xmlns="" xmlns:a16="http://schemas.microsoft.com/office/drawing/2014/main" id="{6FDAD89E-0047-974A-8B68-4376AAD7EA40}"/>
+                        <a16:creationId xmlns:a16="http://schemas.microsoft.com/office/drawing/2014/main" xmlns="" id="{6FDAD89E-0047-974A-8B68-4376AAD7EA40}"/>
                       </a:ext>
                     </a:extLst>
                   </p:cNvPr>
@@ -10012,7 +10106,7 @@
                   <p:cNvPr id="662" name="그림 661">
                     <a:extLst>
                       <a:ext uri="{FF2B5EF4-FFF2-40B4-BE49-F238E27FC236}">
-                        <a16:creationId xmlns="" xmlns:a16="http://schemas.microsoft.com/office/drawing/2014/main" id="{C8BB36B9-3D5C-F14A-890E-C262BA912BAA}"/>
+                        <a16:creationId xmlns:a16="http://schemas.microsoft.com/office/drawing/2014/main" xmlns="" id="{C8BB36B9-3D5C-F14A-890E-C262BA912BAA}"/>
                       </a:ext>
                     </a:extLst>
                   </p:cNvPr>
@@ -10048,7 +10142,7 @@
                   <p:cNvPr id="663" name="그림 662">
                     <a:extLst>
                       <a:ext uri="{FF2B5EF4-FFF2-40B4-BE49-F238E27FC236}">
-                        <a16:creationId xmlns="" xmlns:a16="http://schemas.microsoft.com/office/drawing/2014/main" id="{F79ABF9E-1402-E344-89EF-BE50D0A4FB9B}"/>
+                        <a16:creationId xmlns:a16="http://schemas.microsoft.com/office/drawing/2014/main" xmlns="" id="{F79ABF9E-1402-E344-89EF-BE50D0A4FB9B}"/>
                       </a:ext>
                     </a:extLst>
                   </p:cNvPr>
@@ -10084,7 +10178,7 @@
                   <p:cNvPr id="664" name="그림 663">
                     <a:extLst>
                       <a:ext uri="{FF2B5EF4-FFF2-40B4-BE49-F238E27FC236}">
-                        <a16:creationId xmlns="" xmlns:a16="http://schemas.microsoft.com/office/drawing/2014/main" id="{DF9617C3-E3AC-2B4E-BCAE-D68F3DE9986E}"/>
+                        <a16:creationId xmlns:a16="http://schemas.microsoft.com/office/drawing/2014/main" xmlns="" id="{DF9617C3-E3AC-2B4E-BCAE-D68F3DE9986E}"/>
                       </a:ext>
                     </a:extLst>
                   </p:cNvPr>
@@ -10120,7 +10214,7 @@
                   <p:cNvPr id="665" name="그림 664">
                     <a:extLst>
                       <a:ext uri="{FF2B5EF4-FFF2-40B4-BE49-F238E27FC236}">
-                        <a16:creationId xmlns="" xmlns:a16="http://schemas.microsoft.com/office/drawing/2014/main" id="{1D48B464-00F0-534C-8795-A1F12E72501A}"/>
+                        <a16:creationId xmlns:a16="http://schemas.microsoft.com/office/drawing/2014/main" xmlns="" id="{1D48B464-00F0-534C-8795-A1F12E72501A}"/>
                       </a:ext>
                     </a:extLst>
                   </p:cNvPr>
@@ -10156,7 +10250,7 @@
                   <p:cNvPr id="666" name="그림 665">
                     <a:extLst>
                       <a:ext uri="{FF2B5EF4-FFF2-40B4-BE49-F238E27FC236}">
-                        <a16:creationId xmlns="" xmlns:a16="http://schemas.microsoft.com/office/drawing/2014/main" id="{80EA285C-E363-9F47-9A07-6E3391AA685C}"/>
+                        <a16:creationId xmlns:a16="http://schemas.microsoft.com/office/drawing/2014/main" xmlns="" id="{80EA285C-E363-9F47-9A07-6E3391AA685C}"/>
                       </a:ext>
                     </a:extLst>
                   </p:cNvPr>
@@ -10192,7 +10286,7 @@
                   <p:cNvPr id="667" name="그림 666">
                     <a:extLst>
                       <a:ext uri="{FF2B5EF4-FFF2-40B4-BE49-F238E27FC236}">
-                        <a16:creationId xmlns="" xmlns:a16="http://schemas.microsoft.com/office/drawing/2014/main" id="{54D4DACD-0B7D-E947-8E68-7E439D9AF260}"/>
+                        <a16:creationId xmlns:a16="http://schemas.microsoft.com/office/drawing/2014/main" xmlns="" id="{54D4DACD-0B7D-E947-8E68-7E439D9AF260}"/>
                       </a:ext>
                     </a:extLst>
                   </p:cNvPr>
@@ -10228,7 +10322,7 @@
                   <p:cNvPr id="668" name="그림 667">
                     <a:extLst>
                       <a:ext uri="{FF2B5EF4-FFF2-40B4-BE49-F238E27FC236}">
-                        <a16:creationId xmlns="" xmlns:a16="http://schemas.microsoft.com/office/drawing/2014/main" id="{0ECF1503-A44C-6241-84B3-2E0843A6D77C}"/>
+                        <a16:creationId xmlns:a16="http://schemas.microsoft.com/office/drawing/2014/main" xmlns="" id="{0ECF1503-A44C-6241-84B3-2E0843A6D77C}"/>
                       </a:ext>
                     </a:extLst>
                   </p:cNvPr>
@@ -10264,7 +10358,7 @@
                   <p:cNvPr id="669" name="그림 668">
                     <a:extLst>
                       <a:ext uri="{FF2B5EF4-FFF2-40B4-BE49-F238E27FC236}">
-                        <a16:creationId xmlns="" xmlns:a16="http://schemas.microsoft.com/office/drawing/2014/main" id="{626D64B8-D81B-9043-A61E-5BE1E7609C50}"/>
+                        <a16:creationId xmlns:a16="http://schemas.microsoft.com/office/drawing/2014/main" xmlns="" id="{626D64B8-D81B-9043-A61E-5BE1E7609C50}"/>
                       </a:ext>
                     </a:extLst>
                   </p:cNvPr>
@@ -10300,7 +10394,7 @@
                   <p:cNvPr id="670" name="그림 669">
                     <a:extLst>
                       <a:ext uri="{FF2B5EF4-FFF2-40B4-BE49-F238E27FC236}">
-                        <a16:creationId xmlns="" xmlns:a16="http://schemas.microsoft.com/office/drawing/2014/main" id="{6241D180-FC2C-AF4A-9F76-3D39672EE8CC}"/>
+                        <a16:creationId xmlns:a16="http://schemas.microsoft.com/office/drawing/2014/main" xmlns="" id="{6241D180-FC2C-AF4A-9F76-3D39672EE8CC}"/>
                       </a:ext>
                     </a:extLst>
                   </p:cNvPr>
@@ -10336,7 +10430,7 @@
                   <p:cNvPr id="671" name="그림 670">
                     <a:extLst>
                       <a:ext uri="{FF2B5EF4-FFF2-40B4-BE49-F238E27FC236}">
-                        <a16:creationId xmlns="" xmlns:a16="http://schemas.microsoft.com/office/drawing/2014/main" id="{DFB2DF46-7E0C-2044-B535-40636D815D75}"/>
+                        <a16:creationId xmlns:a16="http://schemas.microsoft.com/office/drawing/2014/main" xmlns="" id="{DFB2DF46-7E0C-2044-B535-40636D815D75}"/>
                       </a:ext>
                     </a:extLst>
                   </p:cNvPr>
@@ -10372,7 +10466,7 @@
                   <p:cNvPr id="672" name="그림 671">
                     <a:extLst>
                       <a:ext uri="{FF2B5EF4-FFF2-40B4-BE49-F238E27FC236}">
-                        <a16:creationId xmlns="" xmlns:a16="http://schemas.microsoft.com/office/drawing/2014/main" id="{12EC02FB-7BE2-CD40-8ED5-40755F120B21}"/>
+                        <a16:creationId xmlns:a16="http://schemas.microsoft.com/office/drawing/2014/main" xmlns="" id="{12EC02FB-7BE2-CD40-8ED5-40755F120B21}"/>
                       </a:ext>
                     </a:extLst>
                   </p:cNvPr>
@@ -10408,7 +10502,7 @@
                   <p:cNvPr id="673" name="그림 672">
                     <a:extLst>
                       <a:ext uri="{FF2B5EF4-FFF2-40B4-BE49-F238E27FC236}">
-                        <a16:creationId xmlns="" xmlns:a16="http://schemas.microsoft.com/office/drawing/2014/main" id="{844A6FAC-EA2A-924A-BF5B-923B118325E1}"/>
+                        <a16:creationId xmlns:a16="http://schemas.microsoft.com/office/drawing/2014/main" xmlns="" id="{844A6FAC-EA2A-924A-BF5B-923B118325E1}"/>
                       </a:ext>
                     </a:extLst>
                   </p:cNvPr>
@@ -10444,7 +10538,7 @@
                   <p:cNvPr id="674" name="그림 673">
                     <a:extLst>
                       <a:ext uri="{FF2B5EF4-FFF2-40B4-BE49-F238E27FC236}">
-                        <a16:creationId xmlns="" xmlns:a16="http://schemas.microsoft.com/office/drawing/2014/main" id="{28A39165-FB68-414A-BD9E-086D1224C02C}"/>
+                        <a16:creationId xmlns:a16="http://schemas.microsoft.com/office/drawing/2014/main" xmlns="" id="{28A39165-FB68-414A-BD9E-086D1224C02C}"/>
                       </a:ext>
                     </a:extLst>
                   </p:cNvPr>
@@ -10480,7 +10574,7 @@
                   <p:cNvPr id="675" name="그림 674">
                     <a:extLst>
                       <a:ext uri="{FF2B5EF4-FFF2-40B4-BE49-F238E27FC236}">
-                        <a16:creationId xmlns="" xmlns:a16="http://schemas.microsoft.com/office/drawing/2014/main" id="{B9245130-5E21-344E-9DEE-EE4C3A2B865B}"/>
+                        <a16:creationId xmlns:a16="http://schemas.microsoft.com/office/drawing/2014/main" xmlns="" id="{B9245130-5E21-344E-9DEE-EE4C3A2B865B}"/>
                       </a:ext>
                     </a:extLst>
                   </p:cNvPr>
@@ -10516,7 +10610,7 @@
                   <p:cNvPr id="676" name="그림 675">
                     <a:extLst>
                       <a:ext uri="{FF2B5EF4-FFF2-40B4-BE49-F238E27FC236}">
-                        <a16:creationId xmlns="" xmlns:a16="http://schemas.microsoft.com/office/drawing/2014/main" id="{A7D0D4A5-F201-4B4A-8AC7-31B013A58DBA}"/>
+                        <a16:creationId xmlns:a16="http://schemas.microsoft.com/office/drawing/2014/main" xmlns="" id="{A7D0D4A5-F201-4B4A-8AC7-31B013A58DBA}"/>
                       </a:ext>
                     </a:extLst>
                   </p:cNvPr>
@@ -10553,7 +10647,7 @@
                 <p:cNvPr id="577" name="그룹 576">
                   <a:extLst>
                     <a:ext uri="{FF2B5EF4-FFF2-40B4-BE49-F238E27FC236}">
-                      <a16:creationId xmlns="" xmlns:a16="http://schemas.microsoft.com/office/drawing/2014/main" id="{CB6CC695-CC7D-7746-8F75-F17BFBD1934E}"/>
+                      <a16:creationId xmlns:a16="http://schemas.microsoft.com/office/drawing/2014/main" xmlns="" id="{CB6CC695-CC7D-7746-8F75-F17BFBD1934E}"/>
                     </a:ext>
                   </a:extLst>
                 </p:cNvPr>
@@ -10573,7 +10667,7 @@
                   <p:cNvPr id="645" name="그림 644">
                     <a:extLst>
                       <a:ext uri="{FF2B5EF4-FFF2-40B4-BE49-F238E27FC236}">
-                        <a16:creationId xmlns="" xmlns:a16="http://schemas.microsoft.com/office/drawing/2014/main" id="{C591217F-322D-5047-B4BC-E81099AD1499}"/>
+                        <a16:creationId xmlns:a16="http://schemas.microsoft.com/office/drawing/2014/main" xmlns="" id="{C591217F-322D-5047-B4BC-E81099AD1499}"/>
                       </a:ext>
                     </a:extLst>
                   </p:cNvPr>
@@ -10609,7 +10703,7 @@
                   <p:cNvPr id="646" name="그림 645">
                     <a:extLst>
                       <a:ext uri="{FF2B5EF4-FFF2-40B4-BE49-F238E27FC236}">
-                        <a16:creationId xmlns="" xmlns:a16="http://schemas.microsoft.com/office/drawing/2014/main" id="{0CFA3E79-359F-C34C-B91B-1D9541BDC5FE}"/>
+                        <a16:creationId xmlns:a16="http://schemas.microsoft.com/office/drawing/2014/main" xmlns="" id="{0CFA3E79-359F-C34C-B91B-1D9541BDC5FE}"/>
                       </a:ext>
                     </a:extLst>
                   </p:cNvPr>
@@ -10645,7 +10739,7 @@
                   <p:cNvPr id="647" name="그림 646">
                     <a:extLst>
                       <a:ext uri="{FF2B5EF4-FFF2-40B4-BE49-F238E27FC236}">
-                        <a16:creationId xmlns="" xmlns:a16="http://schemas.microsoft.com/office/drawing/2014/main" id="{C67A6AA9-E4B3-7243-8C55-F2956A8BAC2C}"/>
+                        <a16:creationId xmlns:a16="http://schemas.microsoft.com/office/drawing/2014/main" xmlns="" id="{C67A6AA9-E4B3-7243-8C55-F2956A8BAC2C}"/>
                       </a:ext>
                     </a:extLst>
                   </p:cNvPr>
@@ -10681,7 +10775,7 @@
                   <p:cNvPr id="648" name="그림 647">
                     <a:extLst>
                       <a:ext uri="{FF2B5EF4-FFF2-40B4-BE49-F238E27FC236}">
-                        <a16:creationId xmlns="" xmlns:a16="http://schemas.microsoft.com/office/drawing/2014/main" id="{6348B137-9843-2A42-890C-CC7CE97A5F07}"/>
+                        <a16:creationId xmlns:a16="http://schemas.microsoft.com/office/drawing/2014/main" xmlns="" id="{6348B137-9843-2A42-890C-CC7CE97A5F07}"/>
                       </a:ext>
                     </a:extLst>
                   </p:cNvPr>
@@ -10717,7 +10811,7 @@
                   <p:cNvPr id="649" name="그림 648">
                     <a:extLst>
                       <a:ext uri="{FF2B5EF4-FFF2-40B4-BE49-F238E27FC236}">
-                        <a16:creationId xmlns="" xmlns:a16="http://schemas.microsoft.com/office/drawing/2014/main" id="{CF24E69A-3CDA-B942-9973-B4BA9B7C77E3}"/>
+                        <a16:creationId xmlns:a16="http://schemas.microsoft.com/office/drawing/2014/main" xmlns="" id="{CF24E69A-3CDA-B942-9973-B4BA9B7C77E3}"/>
                       </a:ext>
                     </a:extLst>
                   </p:cNvPr>
@@ -10753,7 +10847,7 @@
                   <p:cNvPr id="650" name="그림 649">
                     <a:extLst>
                       <a:ext uri="{FF2B5EF4-FFF2-40B4-BE49-F238E27FC236}">
-                        <a16:creationId xmlns="" xmlns:a16="http://schemas.microsoft.com/office/drawing/2014/main" id="{05DD7608-3922-9E48-9A7E-D92062DFA171}"/>
+                        <a16:creationId xmlns:a16="http://schemas.microsoft.com/office/drawing/2014/main" xmlns="" id="{05DD7608-3922-9E48-9A7E-D92062DFA171}"/>
                       </a:ext>
                     </a:extLst>
                   </p:cNvPr>
@@ -10789,7 +10883,7 @@
                   <p:cNvPr id="651" name="그림 650">
                     <a:extLst>
                       <a:ext uri="{FF2B5EF4-FFF2-40B4-BE49-F238E27FC236}">
-                        <a16:creationId xmlns="" xmlns:a16="http://schemas.microsoft.com/office/drawing/2014/main" id="{876343C8-860B-2745-AFD3-A7E8CF6DBBDE}"/>
+                        <a16:creationId xmlns:a16="http://schemas.microsoft.com/office/drawing/2014/main" xmlns="" id="{876343C8-860B-2745-AFD3-A7E8CF6DBBDE}"/>
                       </a:ext>
                     </a:extLst>
                   </p:cNvPr>
@@ -10825,7 +10919,7 @@
                   <p:cNvPr id="652" name="그림 651">
                     <a:extLst>
                       <a:ext uri="{FF2B5EF4-FFF2-40B4-BE49-F238E27FC236}">
-                        <a16:creationId xmlns="" xmlns:a16="http://schemas.microsoft.com/office/drawing/2014/main" id="{C2E84FFA-C5C0-5C48-AD65-FB4765D4E4A3}"/>
+                        <a16:creationId xmlns:a16="http://schemas.microsoft.com/office/drawing/2014/main" xmlns="" id="{C2E84FFA-C5C0-5C48-AD65-FB4765D4E4A3}"/>
                       </a:ext>
                     </a:extLst>
                   </p:cNvPr>
@@ -10861,7 +10955,7 @@
                   <p:cNvPr id="653" name="그림 652">
                     <a:extLst>
                       <a:ext uri="{FF2B5EF4-FFF2-40B4-BE49-F238E27FC236}">
-                        <a16:creationId xmlns="" xmlns:a16="http://schemas.microsoft.com/office/drawing/2014/main" id="{7EE6D007-B016-5041-A06F-F3BF4BDE1DED}"/>
+                        <a16:creationId xmlns:a16="http://schemas.microsoft.com/office/drawing/2014/main" xmlns="" id="{7EE6D007-B016-5041-A06F-F3BF4BDE1DED}"/>
                       </a:ext>
                     </a:extLst>
                   </p:cNvPr>
@@ -10897,7 +10991,7 @@
                   <p:cNvPr id="654" name="그림 653">
                     <a:extLst>
                       <a:ext uri="{FF2B5EF4-FFF2-40B4-BE49-F238E27FC236}">
-                        <a16:creationId xmlns="" xmlns:a16="http://schemas.microsoft.com/office/drawing/2014/main" id="{3E821F5B-74C9-9647-B9D3-362120607E25}"/>
+                        <a16:creationId xmlns:a16="http://schemas.microsoft.com/office/drawing/2014/main" xmlns="" id="{3E821F5B-74C9-9647-B9D3-362120607E25}"/>
                       </a:ext>
                     </a:extLst>
                   </p:cNvPr>
@@ -10933,7 +11027,7 @@
                   <p:cNvPr id="655" name="그림 654">
                     <a:extLst>
                       <a:ext uri="{FF2B5EF4-FFF2-40B4-BE49-F238E27FC236}">
-                        <a16:creationId xmlns="" xmlns:a16="http://schemas.microsoft.com/office/drawing/2014/main" id="{AD947D2E-26CD-7140-AE08-69D82F12D759}"/>
+                        <a16:creationId xmlns:a16="http://schemas.microsoft.com/office/drawing/2014/main" xmlns="" id="{AD947D2E-26CD-7140-AE08-69D82F12D759}"/>
                       </a:ext>
                     </a:extLst>
                   </p:cNvPr>
@@ -10969,7 +11063,7 @@
                   <p:cNvPr id="656" name="그림 655">
                     <a:extLst>
                       <a:ext uri="{FF2B5EF4-FFF2-40B4-BE49-F238E27FC236}">
-                        <a16:creationId xmlns="" xmlns:a16="http://schemas.microsoft.com/office/drawing/2014/main" id="{923FEB71-8946-2F43-8C51-C674C631DEC7}"/>
+                        <a16:creationId xmlns:a16="http://schemas.microsoft.com/office/drawing/2014/main" xmlns="" id="{923FEB71-8946-2F43-8C51-C674C631DEC7}"/>
                       </a:ext>
                     </a:extLst>
                   </p:cNvPr>
@@ -11005,7 +11099,7 @@
                   <p:cNvPr id="657" name="그림 656">
                     <a:extLst>
                       <a:ext uri="{FF2B5EF4-FFF2-40B4-BE49-F238E27FC236}">
-                        <a16:creationId xmlns="" xmlns:a16="http://schemas.microsoft.com/office/drawing/2014/main" id="{C500AD43-615A-9048-9053-39202FE70ADC}"/>
+                        <a16:creationId xmlns:a16="http://schemas.microsoft.com/office/drawing/2014/main" xmlns="" id="{C500AD43-615A-9048-9053-39202FE70ADC}"/>
                       </a:ext>
                     </a:extLst>
                   </p:cNvPr>
@@ -11041,7 +11135,7 @@
                   <p:cNvPr id="658" name="그림 657">
                     <a:extLst>
                       <a:ext uri="{FF2B5EF4-FFF2-40B4-BE49-F238E27FC236}">
-                        <a16:creationId xmlns="" xmlns:a16="http://schemas.microsoft.com/office/drawing/2014/main" id="{F97C309D-01D1-5A43-8AC5-BB76120FC698}"/>
+                        <a16:creationId xmlns:a16="http://schemas.microsoft.com/office/drawing/2014/main" xmlns="" id="{F97C309D-01D1-5A43-8AC5-BB76120FC698}"/>
                       </a:ext>
                     </a:extLst>
                   </p:cNvPr>
@@ -11077,7 +11171,7 @@
                   <p:cNvPr id="659" name="그림 658">
                     <a:extLst>
                       <a:ext uri="{FF2B5EF4-FFF2-40B4-BE49-F238E27FC236}">
-                        <a16:creationId xmlns="" xmlns:a16="http://schemas.microsoft.com/office/drawing/2014/main" id="{0B4F8A45-EAD2-BF48-9FE9-66F8581B16F5}"/>
+                        <a16:creationId xmlns:a16="http://schemas.microsoft.com/office/drawing/2014/main" xmlns="" id="{0B4F8A45-EAD2-BF48-9FE9-66F8581B16F5}"/>
                       </a:ext>
                     </a:extLst>
                   </p:cNvPr>
@@ -11113,7 +11207,7 @@
                   <p:cNvPr id="660" name="그림 659">
                     <a:extLst>
                       <a:ext uri="{FF2B5EF4-FFF2-40B4-BE49-F238E27FC236}">
-                        <a16:creationId xmlns="" xmlns:a16="http://schemas.microsoft.com/office/drawing/2014/main" id="{954C2A0E-F103-0A4E-B397-3422A4731EEA}"/>
+                        <a16:creationId xmlns:a16="http://schemas.microsoft.com/office/drawing/2014/main" xmlns="" id="{954C2A0E-F103-0A4E-B397-3422A4731EEA}"/>
                       </a:ext>
                     </a:extLst>
                   </p:cNvPr>
@@ -11150,7 +11244,7 @@
                 <p:cNvPr id="578" name="그룹 577">
                   <a:extLst>
                     <a:ext uri="{FF2B5EF4-FFF2-40B4-BE49-F238E27FC236}">
-                      <a16:creationId xmlns="" xmlns:a16="http://schemas.microsoft.com/office/drawing/2014/main" id="{1179967E-0704-BD4F-B3AA-2A764EDB6C41}"/>
+                      <a16:creationId xmlns:a16="http://schemas.microsoft.com/office/drawing/2014/main" xmlns="" id="{1179967E-0704-BD4F-B3AA-2A764EDB6C41}"/>
                     </a:ext>
                   </a:extLst>
                 </p:cNvPr>
@@ -11170,7 +11264,7 @@
                   <p:cNvPr id="630" name="그림 629">
                     <a:extLst>
                       <a:ext uri="{FF2B5EF4-FFF2-40B4-BE49-F238E27FC236}">
-                        <a16:creationId xmlns="" xmlns:a16="http://schemas.microsoft.com/office/drawing/2014/main" id="{A5D8BBB7-82FB-E743-98B5-94D8C406C3B6}"/>
+                        <a16:creationId xmlns:a16="http://schemas.microsoft.com/office/drawing/2014/main" xmlns="" id="{A5D8BBB7-82FB-E743-98B5-94D8C406C3B6}"/>
                       </a:ext>
                     </a:extLst>
                   </p:cNvPr>
@@ -11206,7 +11300,7 @@
                   <p:cNvPr id="631" name="그림 630">
                     <a:extLst>
                       <a:ext uri="{FF2B5EF4-FFF2-40B4-BE49-F238E27FC236}">
-                        <a16:creationId xmlns="" xmlns:a16="http://schemas.microsoft.com/office/drawing/2014/main" id="{A4C4D87A-E669-CF47-906C-A52F3716066D}"/>
+                        <a16:creationId xmlns:a16="http://schemas.microsoft.com/office/drawing/2014/main" xmlns="" id="{A4C4D87A-E669-CF47-906C-A52F3716066D}"/>
                       </a:ext>
                     </a:extLst>
                   </p:cNvPr>
@@ -11242,7 +11336,7 @@
                   <p:cNvPr id="632" name="그림 631">
                     <a:extLst>
                       <a:ext uri="{FF2B5EF4-FFF2-40B4-BE49-F238E27FC236}">
-                        <a16:creationId xmlns="" xmlns:a16="http://schemas.microsoft.com/office/drawing/2014/main" id="{51347BE7-DFCE-E84C-9BB4-8808FCA3CDE5}"/>
+                        <a16:creationId xmlns:a16="http://schemas.microsoft.com/office/drawing/2014/main" xmlns="" id="{51347BE7-DFCE-E84C-9BB4-8808FCA3CDE5}"/>
                       </a:ext>
                     </a:extLst>
                   </p:cNvPr>
@@ -11278,7 +11372,7 @@
                   <p:cNvPr id="633" name="그림 632">
                     <a:extLst>
                       <a:ext uri="{FF2B5EF4-FFF2-40B4-BE49-F238E27FC236}">
-                        <a16:creationId xmlns="" xmlns:a16="http://schemas.microsoft.com/office/drawing/2014/main" id="{7332ADE9-7DAB-064D-96DA-658F50213979}"/>
+                        <a16:creationId xmlns:a16="http://schemas.microsoft.com/office/drawing/2014/main" xmlns="" id="{7332ADE9-7DAB-064D-96DA-658F50213979}"/>
                       </a:ext>
                     </a:extLst>
                   </p:cNvPr>
@@ -11314,7 +11408,7 @@
                   <p:cNvPr id="634" name="그림 633">
                     <a:extLst>
                       <a:ext uri="{FF2B5EF4-FFF2-40B4-BE49-F238E27FC236}">
-                        <a16:creationId xmlns="" xmlns:a16="http://schemas.microsoft.com/office/drawing/2014/main" id="{4D53B753-BD87-144D-B353-F2A9EFBFAC01}"/>
+                        <a16:creationId xmlns:a16="http://schemas.microsoft.com/office/drawing/2014/main" xmlns="" id="{4D53B753-BD87-144D-B353-F2A9EFBFAC01}"/>
                       </a:ext>
                     </a:extLst>
                   </p:cNvPr>
@@ -11350,7 +11444,7 @@
                   <p:cNvPr id="635" name="그림 634">
                     <a:extLst>
                       <a:ext uri="{FF2B5EF4-FFF2-40B4-BE49-F238E27FC236}">
-                        <a16:creationId xmlns="" xmlns:a16="http://schemas.microsoft.com/office/drawing/2014/main" id="{BA660064-0116-A848-89C9-3D94DBEF6656}"/>
+                        <a16:creationId xmlns:a16="http://schemas.microsoft.com/office/drawing/2014/main" xmlns="" id="{BA660064-0116-A848-89C9-3D94DBEF6656}"/>
                       </a:ext>
                     </a:extLst>
                   </p:cNvPr>
@@ -11386,7 +11480,7 @@
                   <p:cNvPr id="636" name="그림 635">
                     <a:extLst>
                       <a:ext uri="{FF2B5EF4-FFF2-40B4-BE49-F238E27FC236}">
-                        <a16:creationId xmlns="" xmlns:a16="http://schemas.microsoft.com/office/drawing/2014/main" id="{8633FE54-AAEB-BC47-AFA6-1E920E8B9C14}"/>
+                        <a16:creationId xmlns:a16="http://schemas.microsoft.com/office/drawing/2014/main" xmlns="" id="{8633FE54-AAEB-BC47-AFA6-1E920E8B9C14}"/>
                       </a:ext>
                     </a:extLst>
                   </p:cNvPr>
@@ -11422,7 +11516,7 @@
                   <p:cNvPr id="637" name="그림 636">
                     <a:extLst>
                       <a:ext uri="{FF2B5EF4-FFF2-40B4-BE49-F238E27FC236}">
-                        <a16:creationId xmlns="" xmlns:a16="http://schemas.microsoft.com/office/drawing/2014/main" id="{9BFFBA00-75EB-0F4C-B4FC-B0C23DCA5B6D}"/>
+                        <a16:creationId xmlns:a16="http://schemas.microsoft.com/office/drawing/2014/main" xmlns="" id="{9BFFBA00-75EB-0F4C-B4FC-B0C23DCA5B6D}"/>
                       </a:ext>
                     </a:extLst>
                   </p:cNvPr>
@@ -11458,7 +11552,7 @@
                   <p:cNvPr id="638" name="그림 637">
                     <a:extLst>
                       <a:ext uri="{FF2B5EF4-FFF2-40B4-BE49-F238E27FC236}">
-                        <a16:creationId xmlns="" xmlns:a16="http://schemas.microsoft.com/office/drawing/2014/main" id="{4509AD9C-35AD-2C48-979D-A734D6502E66}"/>
+                        <a16:creationId xmlns:a16="http://schemas.microsoft.com/office/drawing/2014/main" xmlns="" id="{4509AD9C-35AD-2C48-979D-A734D6502E66}"/>
                       </a:ext>
                     </a:extLst>
                   </p:cNvPr>
@@ -11494,7 +11588,7 @@
                   <p:cNvPr id="639" name="그림 638">
                     <a:extLst>
                       <a:ext uri="{FF2B5EF4-FFF2-40B4-BE49-F238E27FC236}">
-                        <a16:creationId xmlns="" xmlns:a16="http://schemas.microsoft.com/office/drawing/2014/main" id="{6B5F86F3-AB8D-024F-8943-66344EFE4ADD}"/>
+                        <a16:creationId xmlns:a16="http://schemas.microsoft.com/office/drawing/2014/main" xmlns="" id="{6B5F86F3-AB8D-024F-8943-66344EFE4ADD}"/>
                       </a:ext>
                     </a:extLst>
                   </p:cNvPr>
@@ -11530,7 +11624,7 @@
                   <p:cNvPr id="640" name="그림 639">
                     <a:extLst>
                       <a:ext uri="{FF2B5EF4-FFF2-40B4-BE49-F238E27FC236}">
-                        <a16:creationId xmlns="" xmlns:a16="http://schemas.microsoft.com/office/drawing/2014/main" id="{73903E98-83BA-4446-8CA9-589CC6FC08A3}"/>
+                        <a16:creationId xmlns:a16="http://schemas.microsoft.com/office/drawing/2014/main" xmlns="" id="{73903E98-83BA-4446-8CA9-589CC6FC08A3}"/>
                       </a:ext>
                     </a:extLst>
                   </p:cNvPr>
@@ -11566,7 +11660,7 @@
                   <p:cNvPr id="641" name="그림 640">
                     <a:extLst>
                       <a:ext uri="{FF2B5EF4-FFF2-40B4-BE49-F238E27FC236}">
-                        <a16:creationId xmlns="" xmlns:a16="http://schemas.microsoft.com/office/drawing/2014/main" id="{6A70067F-16AF-E24B-A004-1E4593644652}"/>
+                        <a16:creationId xmlns:a16="http://schemas.microsoft.com/office/drawing/2014/main" xmlns="" id="{6A70067F-16AF-E24B-A004-1E4593644652}"/>
                       </a:ext>
                     </a:extLst>
                   </p:cNvPr>
@@ -11602,7 +11696,7 @@
                   <p:cNvPr id="642" name="그림 641">
                     <a:extLst>
                       <a:ext uri="{FF2B5EF4-FFF2-40B4-BE49-F238E27FC236}">
-                        <a16:creationId xmlns="" xmlns:a16="http://schemas.microsoft.com/office/drawing/2014/main" id="{54AA990A-0A75-6C45-9D6B-1D29985D93EB}"/>
+                        <a16:creationId xmlns:a16="http://schemas.microsoft.com/office/drawing/2014/main" xmlns="" id="{54AA990A-0A75-6C45-9D6B-1D29985D93EB}"/>
                       </a:ext>
                     </a:extLst>
                   </p:cNvPr>
@@ -11638,7 +11732,7 @@
                   <p:cNvPr id="643" name="그림 642">
                     <a:extLst>
                       <a:ext uri="{FF2B5EF4-FFF2-40B4-BE49-F238E27FC236}">
-                        <a16:creationId xmlns="" xmlns:a16="http://schemas.microsoft.com/office/drawing/2014/main" id="{51C8D774-63AF-564F-B129-475F79905767}"/>
+                        <a16:creationId xmlns:a16="http://schemas.microsoft.com/office/drawing/2014/main" xmlns="" id="{51C8D774-63AF-564F-B129-475F79905767}"/>
                       </a:ext>
                     </a:extLst>
                   </p:cNvPr>
@@ -11674,7 +11768,7 @@
                   <p:cNvPr id="644" name="그림 643">
                     <a:extLst>
                       <a:ext uri="{FF2B5EF4-FFF2-40B4-BE49-F238E27FC236}">
-                        <a16:creationId xmlns="" xmlns:a16="http://schemas.microsoft.com/office/drawing/2014/main" id="{7C59026C-482F-7346-BA46-FA4AD0B5473C}"/>
+                        <a16:creationId xmlns:a16="http://schemas.microsoft.com/office/drawing/2014/main" xmlns="" id="{7C59026C-482F-7346-BA46-FA4AD0B5473C}"/>
                       </a:ext>
                     </a:extLst>
                   </p:cNvPr>
@@ -11711,7 +11805,7 @@
                 <p:cNvPr id="579" name="그룹 578">
                   <a:extLst>
                     <a:ext uri="{FF2B5EF4-FFF2-40B4-BE49-F238E27FC236}">
-                      <a16:creationId xmlns="" xmlns:a16="http://schemas.microsoft.com/office/drawing/2014/main" id="{E1076070-D012-984D-82F2-40C93B9AC30E}"/>
+                      <a16:creationId xmlns:a16="http://schemas.microsoft.com/office/drawing/2014/main" xmlns="" id="{E1076070-D012-984D-82F2-40C93B9AC30E}"/>
                     </a:ext>
                   </a:extLst>
                 </p:cNvPr>
@@ -11731,7 +11825,7 @@
                   <p:cNvPr id="614" name="그림 613">
                     <a:extLst>
                       <a:ext uri="{FF2B5EF4-FFF2-40B4-BE49-F238E27FC236}">
-                        <a16:creationId xmlns="" xmlns:a16="http://schemas.microsoft.com/office/drawing/2014/main" id="{C9BC16EC-6BA0-A04A-B99D-A82806D9057F}"/>
+                        <a16:creationId xmlns:a16="http://schemas.microsoft.com/office/drawing/2014/main" xmlns="" id="{C9BC16EC-6BA0-A04A-B99D-A82806D9057F}"/>
                       </a:ext>
                     </a:extLst>
                   </p:cNvPr>
@@ -11767,7 +11861,7 @@
                   <p:cNvPr id="615" name="그림 614">
                     <a:extLst>
                       <a:ext uri="{FF2B5EF4-FFF2-40B4-BE49-F238E27FC236}">
-                        <a16:creationId xmlns="" xmlns:a16="http://schemas.microsoft.com/office/drawing/2014/main" id="{F28D2121-070C-3341-85FB-53ECCF9EBAF6}"/>
+                        <a16:creationId xmlns:a16="http://schemas.microsoft.com/office/drawing/2014/main" xmlns="" id="{F28D2121-070C-3341-85FB-53ECCF9EBAF6}"/>
                       </a:ext>
                     </a:extLst>
                   </p:cNvPr>
@@ -11803,7 +11897,7 @@
                   <p:cNvPr id="616" name="그림 615">
                     <a:extLst>
                       <a:ext uri="{FF2B5EF4-FFF2-40B4-BE49-F238E27FC236}">
-                        <a16:creationId xmlns="" xmlns:a16="http://schemas.microsoft.com/office/drawing/2014/main" id="{052D452F-3B34-9C42-816F-37B4AAAD264D}"/>
+                        <a16:creationId xmlns:a16="http://schemas.microsoft.com/office/drawing/2014/main" xmlns="" id="{052D452F-3B34-9C42-816F-37B4AAAD264D}"/>
                       </a:ext>
                     </a:extLst>
                   </p:cNvPr>
@@ -11839,7 +11933,7 @@
                   <p:cNvPr id="617" name="그림 616">
                     <a:extLst>
                       <a:ext uri="{FF2B5EF4-FFF2-40B4-BE49-F238E27FC236}">
-                        <a16:creationId xmlns="" xmlns:a16="http://schemas.microsoft.com/office/drawing/2014/main" id="{B09995A8-3847-154F-8C76-7EDD39C66271}"/>
+                        <a16:creationId xmlns:a16="http://schemas.microsoft.com/office/drawing/2014/main" xmlns="" id="{B09995A8-3847-154F-8C76-7EDD39C66271}"/>
                       </a:ext>
                     </a:extLst>
                   </p:cNvPr>
@@ -11875,7 +11969,7 @@
                   <p:cNvPr id="618" name="그림 617">
                     <a:extLst>
                       <a:ext uri="{FF2B5EF4-FFF2-40B4-BE49-F238E27FC236}">
-                        <a16:creationId xmlns="" xmlns:a16="http://schemas.microsoft.com/office/drawing/2014/main" id="{03132FAA-4415-FF49-9457-12BEE2AFE1D3}"/>
+                        <a16:creationId xmlns:a16="http://schemas.microsoft.com/office/drawing/2014/main" xmlns="" id="{03132FAA-4415-FF49-9457-12BEE2AFE1D3}"/>
                       </a:ext>
                     </a:extLst>
                   </p:cNvPr>
@@ -11911,7 +12005,7 @@
                   <p:cNvPr id="619" name="그림 618">
                     <a:extLst>
                       <a:ext uri="{FF2B5EF4-FFF2-40B4-BE49-F238E27FC236}">
-                        <a16:creationId xmlns="" xmlns:a16="http://schemas.microsoft.com/office/drawing/2014/main" id="{56D375C0-D0C5-874C-85B7-1E424CE260CA}"/>
+                        <a16:creationId xmlns:a16="http://schemas.microsoft.com/office/drawing/2014/main" xmlns="" id="{56D375C0-D0C5-874C-85B7-1E424CE260CA}"/>
                       </a:ext>
                     </a:extLst>
                   </p:cNvPr>
@@ -11947,7 +12041,7 @@
                   <p:cNvPr id="620" name="그림 619">
                     <a:extLst>
                       <a:ext uri="{FF2B5EF4-FFF2-40B4-BE49-F238E27FC236}">
-                        <a16:creationId xmlns="" xmlns:a16="http://schemas.microsoft.com/office/drawing/2014/main" id="{1E3B0576-4E08-7A49-878F-5AD8B98FB697}"/>
+                        <a16:creationId xmlns:a16="http://schemas.microsoft.com/office/drawing/2014/main" xmlns="" id="{1E3B0576-4E08-7A49-878F-5AD8B98FB697}"/>
                       </a:ext>
                     </a:extLst>
                   </p:cNvPr>
@@ -11983,7 +12077,7 @@
                   <p:cNvPr id="621" name="그림 620">
                     <a:extLst>
                       <a:ext uri="{FF2B5EF4-FFF2-40B4-BE49-F238E27FC236}">
-                        <a16:creationId xmlns="" xmlns:a16="http://schemas.microsoft.com/office/drawing/2014/main" id="{65D3E828-C586-1743-801A-62AEDB5A37B1}"/>
+                        <a16:creationId xmlns:a16="http://schemas.microsoft.com/office/drawing/2014/main" xmlns="" id="{65D3E828-C586-1743-801A-62AEDB5A37B1}"/>
                       </a:ext>
                     </a:extLst>
                   </p:cNvPr>
@@ -12019,7 +12113,7 @@
                   <p:cNvPr id="622" name="그림 621">
                     <a:extLst>
                       <a:ext uri="{FF2B5EF4-FFF2-40B4-BE49-F238E27FC236}">
-                        <a16:creationId xmlns="" xmlns:a16="http://schemas.microsoft.com/office/drawing/2014/main" id="{186D8AA9-C22A-894F-955A-333A33C378D7}"/>
+                        <a16:creationId xmlns:a16="http://schemas.microsoft.com/office/drawing/2014/main" xmlns="" id="{186D8AA9-C22A-894F-955A-333A33C378D7}"/>
                       </a:ext>
                     </a:extLst>
                   </p:cNvPr>
@@ -12055,7 +12149,7 @@
                   <p:cNvPr id="623" name="그림 622">
                     <a:extLst>
                       <a:ext uri="{FF2B5EF4-FFF2-40B4-BE49-F238E27FC236}">
-                        <a16:creationId xmlns="" xmlns:a16="http://schemas.microsoft.com/office/drawing/2014/main" id="{7644EE35-27F9-BE4F-95FD-D51252AFFBE7}"/>
+                        <a16:creationId xmlns:a16="http://schemas.microsoft.com/office/drawing/2014/main" xmlns="" id="{7644EE35-27F9-BE4F-95FD-D51252AFFBE7}"/>
                       </a:ext>
                     </a:extLst>
                   </p:cNvPr>
@@ -12091,7 +12185,7 @@
                   <p:cNvPr id="624" name="그림 623">
                     <a:extLst>
                       <a:ext uri="{FF2B5EF4-FFF2-40B4-BE49-F238E27FC236}">
-                        <a16:creationId xmlns="" xmlns:a16="http://schemas.microsoft.com/office/drawing/2014/main" id="{6714CCA2-45FC-C049-A184-A33212B148AC}"/>
+                        <a16:creationId xmlns:a16="http://schemas.microsoft.com/office/drawing/2014/main" xmlns="" id="{6714CCA2-45FC-C049-A184-A33212B148AC}"/>
                       </a:ext>
                     </a:extLst>
                   </p:cNvPr>
@@ -12127,7 +12221,7 @@
                   <p:cNvPr id="625" name="그림 624">
                     <a:extLst>
                       <a:ext uri="{FF2B5EF4-FFF2-40B4-BE49-F238E27FC236}">
-                        <a16:creationId xmlns="" xmlns:a16="http://schemas.microsoft.com/office/drawing/2014/main" id="{BD84B7EC-25C2-5F4D-9B92-53A19D4A85CF}"/>
+                        <a16:creationId xmlns:a16="http://schemas.microsoft.com/office/drawing/2014/main" xmlns="" id="{BD84B7EC-25C2-5F4D-9B92-53A19D4A85CF}"/>
                       </a:ext>
                     </a:extLst>
                   </p:cNvPr>
@@ -12163,7 +12257,7 @@
                   <p:cNvPr id="626" name="그림 625">
                     <a:extLst>
                       <a:ext uri="{FF2B5EF4-FFF2-40B4-BE49-F238E27FC236}">
-                        <a16:creationId xmlns="" xmlns:a16="http://schemas.microsoft.com/office/drawing/2014/main" id="{EB62692A-813C-A348-9703-3A41609B76A2}"/>
+                        <a16:creationId xmlns:a16="http://schemas.microsoft.com/office/drawing/2014/main" xmlns="" id="{EB62692A-813C-A348-9703-3A41609B76A2}"/>
                       </a:ext>
                     </a:extLst>
                   </p:cNvPr>
@@ -12199,7 +12293,7 @@
                   <p:cNvPr id="627" name="그림 626">
                     <a:extLst>
                       <a:ext uri="{FF2B5EF4-FFF2-40B4-BE49-F238E27FC236}">
-                        <a16:creationId xmlns="" xmlns:a16="http://schemas.microsoft.com/office/drawing/2014/main" id="{FB21B7E1-7522-4F4F-BFDF-EA0647E6BFE6}"/>
+                        <a16:creationId xmlns:a16="http://schemas.microsoft.com/office/drawing/2014/main" xmlns="" id="{FB21B7E1-7522-4F4F-BFDF-EA0647E6BFE6}"/>
                       </a:ext>
                     </a:extLst>
                   </p:cNvPr>
@@ -12235,7 +12329,7 @@
                   <p:cNvPr id="628" name="그림 627">
                     <a:extLst>
                       <a:ext uri="{FF2B5EF4-FFF2-40B4-BE49-F238E27FC236}">
-                        <a16:creationId xmlns="" xmlns:a16="http://schemas.microsoft.com/office/drawing/2014/main" id="{31CE2209-18C8-DC4D-886D-A2585EA22F40}"/>
+                        <a16:creationId xmlns:a16="http://schemas.microsoft.com/office/drawing/2014/main" xmlns="" id="{31CE2209-18C8-DC4D-886D-A2585EA22F40}"/>
                       </a:ext>
                     </a:extLst>
                   </p:cNvPr>
@@ -12271,7 +12365,7 @@
                   <p:cNvPr id="629" name="그림 628">
                     <a:extLst>
                       <a:ext uri="{FF2B5EF4-FFF2-40B4-BE49-F238E27FC236}">
-                        <a16:creationId xmlns="" xmlns:a16="http://schemas.microsoft.com/office/drawing/2014/main" id="{60990ECF-3540-BB4A-8FEB-8A454A53140A}"/>
+                        <a16:creationId xmlns:a16="http://schemas.microsoft.com/office/drawing/2014/main" xmlns="" id="{60990ECF-3540-BB4A-8FEB-8A454A53140A}"/>
                       </a:ext>
                     </a:extLst>
                   </p:cNvPr>
@@ -12308,7 +12402,7 @@
                 <p:cNvPr id="580" name="그룹 579">
                   <a:extLst>
                     <a:ext uri="{FF2B5EF4-FFF2-40B4-BE49-F238E27FC236}">
-                      <a16:creationId xmlns="" xmlns:a16="http://schemas.microsoft.com/office/drawing/2014/main" id="{4194CA65-4413-474A-89F5-CF7EC228B59F}"/>
+                      <a16:creationId xmlns:a16="http://schemas.microsoft.com/office/drawing/2014/main" xmlns="" id="{4194CA65-4413-474A-89F5-CF7EC228B59F}"/>
                     </a:ext>
                   </a:extLst>
                 </p:cNvPr>
@@ -12328,7 +12422,7 @@
                   <p:cNvPr id="598" name="그림 597">
                     <a:extLst>
                       <a:ext uri="{FF2B5EF4-FFF2-40B4-BE49-F238E27FC236}">
-                        <a16:creationId xmlns="" xmlns:a16="http://schemas.microsoft.com/office/drawing/2014/main" id="{332390B4-9066-1046-8D15-21A0CA756D65}"/>
+                        <a16:creationId xmlns:a16="http://schemas.microsoft.com/office/drawing/2014/main" xmlns="" id="{332390B4-9066-1046-8D15-21A0CA756D65}"/>
                       </a:ext>
                     </a:extLst>
                   </p:cNvPr>
@@ -12364,7 +12458,7 @@
                   <p:cNvPr id="599" name="그림 598">
                     <a:extLst>
                       <a:ext uri="{FF2B5EF4-FFF2-40B4-BE49-F238E27FC236}">
-                        <a16:creationId xmlns="" xmlns:a16="http://schemas.microsoft.com/office/drawing/2014/main" id="{A758244D-3590-8947-A95C-CAEB5101DF35}"/>
+                        <a16:creationId xmlns:a16="http://schemas.microsoft.com/office/drawing/2014/main" xmlns="" id="{A758244D-3590-8947-A95C-CAEB5101DF35}"/>
                       </a:ext>
                     </a:extLst>
                   </p:cNvPr>
@@ -12400,7 +12494,7 @@
                   <p:cNvPr id="600" name="그림 599">
                     <a:extLst>
                       <a:ext uri="{FF2B5EF4-FFF2-40B4-BE49-F238E27FC236}">
-                        <a16:creationId xmlns="" xmlns:a16="http://schemas.microsoft.com/office/drawing/2014/main" id="{7D1FEF66-9E06-E54C-BAFF-0010E09F7C26}"/>
+                        <a16:creationId xmlns:a16="http://schemas.microsoft.com/office/drawing/2014/main" xmlns="" id="{7D1FEF66-9E06-E54C-BAFF-0010E09F7C26}"/>
                       </a:ext>
                     </a:extLst>
                   </p:cNvPr>
@@ -12436,7 +12530,7 @@
                   <p:cNvPr id="601" name="그림 600">
                     <a:extLst>
                       <a:ext uri="{FF2B5EF4-FFF2-40B4-BE49-F238E27FC236}">
-                        <a16:creationId xmlns="" xmlns:a16="http://schemas.microsoft.com/office/drawing/2014/main" id="{40DF5D03-D907-A147-8283-EA408A714B5C}"/>
+                        <a16:creationId xmlns:a16="http://schemas.microsoft.com/office/drawing/2014/main" xmlns="" id="{40DF5D03-D907-A147-8283-EA408A714B5C}"/>
                       </a:ext>
                     </a:extLst>
                   </p:cNvPr>
@@ -12472,7 +12566,7 @@
                   <p:cNvPr id="602" name="그림 601">
                     <a:extLst>
                       <a:ext uri="{FF2B5EF4-FFF2-40B4-BE49-F238E27FC236}">
-                        <a16:creationId xmlns="" xmlns:a16="http://schemas.microsoft.com/office/drawing/2014/main" id="{0B3F5B68-E6F1-9740-94D6-794DD10F883E}"/>
+                        <a16:creationId xmlns:a16="http://schemas.microsoft.com/office/drawing/2014/main" xmlns="" id="{0B3F5B68-E6F1-9740-94D6-794DD10F883E}"/>
                       </a:ext>
                     </a:extLst>
                   </p:cNvPr>
@@ -12508,7 +12602,7 @@
                   <p:cNvPr id="603" name="그림 602">
                     <a:extLst>
                       <a:ext uri="{FF2B5EF4-FFF2-40B4-BE49-F238E27FC236}">
-                        <a16:creationId xmlns="" xmlns:a16="http://schemas.microsoft.com/office/drawing/2014/main" id="{1A2B25A4-1184-6A43-AFA7-5DDB18160BF2}"/>
+                        <a16:creationId xmlns:a16="http://schemas.microsoft.com/office/drawing/2014/main" xmlns="" id="{1A2B25A4-1184-6A43-AFA7-5DDB18160BF2}"/>
                       </a:ext>
                     </a:extLst>
                   </p:cNvPr>
@@ -12544,7 +12638,7 @@
                   <p:cNvPr id="604" name="그림 603">
                     <a:extLst>
                       <a:ext uri="{FF2B5EF4-FFF2-40B4-BE49-F238E27FC236}">
-                        <a16:creationId xmlns="" xmlns:a16="http://schemas.microsoft.com/office/drawing/2014/main" id="{B8E3583C-C8E4-AC44-9A5C-B5E303D10944}"/>
+                        <a16:creationId xmlns:a16="http://schemas.microsoft.com/office/drawing/2014/main" xmlns="" id="{B8E3583C-C8E4-AC44-9A5C-B5E303D10944}"/>
                       </a:ext>
                     </a:extLst>
                   </p:cNvPr>
@@ -12580,7 +12674,7 @@
                   <p:cNvPr id="605" name="그림 604">
                     <a:extLst>
                       <a:ext uri="{FF2B5EF4-FFF2-40B4-BE49-F238E27FC236}">
-                        <a16:creationId xmlns="" xmlns:a16="http://schemas.microsoft.com/office/drawing/2014/main" id="{F9564F94-E90F-9D43-969B-59D4CABF77E0}"/>
+                        <a16:creationId xmlns:a16="http://schemas.microsoft.com/office/drawing/2014/main" xmlns="" id="{F9564F94-E90F-9D43-969B-59D4CABF77E0}"/>
                       </a:ext>
                     </a:extLst>
                   </p:cNvPr>
@@ -12616,7 +12710,7 @@
                   <p:cNvPr id="606" name="그림 605">
                     <a:extLst>
                       <a:ext uri="{FF2B5EF4-FFF2-40B4-BE49-F238E27FC236}">
-                        <a16:creationId xmlns="" xmlns:a16="http://schemas.microsoft.com/office/drawing/2014/main" id="{E0B4C591-5A02-E745-8C1D-5469F83EB306}"/>
+                        <a16:creationId xmlns:a16="http://schemas.microsoft.com/office/drawing/2014/main" xmlns="" id="{E0B4C591-5A02-E745-8C1D-5469F83EB306}"/>
                       </a:ext>
                     </a:extLst>
                   </p:cNvPr>
@@ -12652,7 +12746,7 @@
                   <p:cNvPr id="607" name="그림 606">
                     <a:extLst>
                       <a:ext uri="{FF2B5EF4-FFF2-40B4-BE49-F238E27FC236}">
-                        <a16:creationId xmlns="" xmlns:a16="http://schemas.microsoft.com/office/drawing/2014/main" id="{1AF5CCAF-8F94-E34D-925C-0A6C5822CACA}"/>
+                        <a16:creationId xmlns:a16="http://schemas.microsoft.com/office/drawing/2014/main" xmlns="" id="{1AF5CCAF-8F94-E34D-925C-0A6C5822CACA}"/>
                       </a:ext>
                     </a:extLst>
                   </p:cNvPr>
@@ -12688,7 +12782,7 @@
                   <p:cNvPr id="608" name="그림 607">
                     <a:extLst>
                       <a:ext uri="{FF2B5EF4-FFF2-40B4-BE49-F238E27FC236}">
-                        <a16:creationId xmlns="" xmlns:a16="http://schemas.microsoft.com/office/drawing/2014/main" id="{E002C0E1-9832-E745-922E-36D88E2075CE}"/>
+                        <a16:creationId xmlns:a16="http://schemas.microsoft.com/office/drawing/2014/main" xmlns="" id="{E002C0E1-9832-E745-922E-36D88E2075CE}"/>
                       </a:ext>
                     </a:extLst>
                   </p:cNvPr>
@@ -12724,7 +12818,7 @@
                   <p:cNvPr id="609" name="그림 608">
                     <a:extLst>
                       <a:ext uri="{FF2B5EF4-FFF2-40B4-BE49-F238E27FC236}">
-                        <a16:creationId xmlns="" xmlns:a16="http://schemas.microsoft.com/office/drawing/2014/main" id="{3AB3C596-8084-B24B-BABC-62E60439FBDD}"/>
+                        <a16:creationId xmlns:a16="http://schemas.microsoft.com/office/drawing/2014/main" xmlns="" id="{3AB3C596-8084-B24B-BABC-62E60439FBDD}"/>
                       </a:ext>
                     </a:extLst>
                   </p:cNvPr>
@@ -12760,7 +12854,7 @@
                   <p:cNvPr id="610" name="그림 609">
                     <a:extLst>
                       <a:ext uri="{FF2B5EF4-FFF2-40B4-BE49-F238E27FC236}">
-                        <a16:creationId xmlns="" xmlns:a16="http://schemas.microsoft.com/office/drawing/2014/main" id="{62063FC4-AC1A-CD4A-8187-15D8AC92C9F4}"/>
+                        <a16:creationId xmlns:a16="http://schemas.microsoft.com/office/drawing/2014/main" xmlns="" id="{62063FC4-AC1A-CD4A-8187-15D8AC92C9F4}"/>
                       </a:ext>
                     </a:extLst>
                   </p:cNvPr>
@@ -12796,7 +12890,7 @@
                   <p:cNvPr id="611" name="그림 610">
                     <a:extLst>
                       <a:ext uri="{FF2B5EF4-FFF2-40B4-BE49-F238E27FC236}">
-                        <a16:creationId xmlns="" xmlns:a16="http://schemas.microsoft.com/office/drawing/2014/main" id="{CEE81F24-23D6-FD42-A219-F5D12363B20C}"/>
+                        <a16:creationId xmlns:a16="http://schemas.microsoft.com/office/drawing/2014/main" xmlns="" id="{CEE81F24-23D6-FD42-A219-F5D12363B20C}"/>
                       </a:ext>
                     </a:extLst>
                   </p:cNvPr>
@@ -12832,7 +12926,7 @@
                   <p:cNvPr id="612" name="그림 611">
                     <a:extLst>
                       <a:ext uri="{FF2B5EF4-FFF2-40B4-BE49-F238E27FC236}">
-                        <a16:creationId xmlns="" xmlns:a16="http://schemas.microsoft.com/office/drawing/2014/main" id="{6A97DC98-E49B-7A44-807C-3E9CD0FBDE8B}"/>
+                        <a16:creationId xmlns:a16="http://schemas.microsoft.com/office/drawing/2014/main" xmlns="" id="{6A97DC98-E49B-7A44-807C-3E9CD0FBDE8B}"/>
                       </a:ext>
                     </a:extLst>
                   </p:cNvPr>
@@ -12868,7 +12962,7 @@
                   <p:cNvPr id="613" name="그림 612">
                     <a:extLst>
                       <a:ext uri="{FF2B5EF4-FFF2-40B4-BE49-F238E27FC236}">
-                        <a16:creationId xmlns="" xmlns:a16="http://schemas.microsoft.com/office/drawing/2014/main" id="{29BAA721-444F-DC4B-B09B-187AA457EF42}"/>
+                        <a16:creationId xmlns:a16="http://schemas.microsoft.com/office/drawing/2014/main" xmlns="" id="{29BAA721-444F-DC4B-B09B-187AA457EF42}"/>
                       </a:ext>
                     </a:extLst>
                   </p:cNvPr>
@@ -12905,7 +12999,7 @@
                 <p:cNvPr id="581" name="그룹 580">
                   <a:extLst>
                     <a:ext uri="{FF2B5EF4-FFF2-40B4-BE49-F238E27FC236}">
-                      <a16:creationId xmlns="" xmlns:a16="http://schemas.microsoft.com/office/drawing/2014/main" id="{439413B9-AF82-B548-9B35-29D9E11FB232}"/>
+                      <a16:creationId xmlns:a16="http://schemas.microsoft.com/office/drawing/2014/main" xmlns="" id="{439413B9-AF82-B548-9B35-29D9E11FB232}"/>
                     </a:ext>
                   </a:extLst>
                 </p:cNvPr>
@@ -12925,7 +13019,7 @@
                   <p:cNvPr id="582" name="그림 581">
                     <a:extLst>
                       <a:ext uri="{FF2B5EF4-FFF2-40B4-BE49-F238E27FC236}">
-                        <a16:creationId xmlns="" xmlns:a16="http://schemas.microsoft.com/office/drawing/2014/main" id="{EC654B42-4B8A-E94A-B746-73E95B6A1CB3}"/>
+                        <a16:creationId xmlns:a16="http://schemas.microsoft.com/office/drawing/2014/main" xmlns="" id="{EC654B42-4B8A-E94A-B746-73E95B6A1CB3}"/>
                       </a:ext>
                     </a:extLst>
                   </p:cNvPr>
@@ -12961,7 +13055,7 @@
                   <p:cNvPr id="583" name="그림 582">
                     <a:extLst>
                       <a:ext uri="{FF2B5EF4-FFF2-40B4-BE49-F238E27FC236}">
-                        <a16:creationId xmlns="" xmlns:a16="http://schemas.microsoft.com/office/drawing/2014/main" id="{2C4BCBA8-005C-1342-A78A-F496EDCFA784}"/>
+                        <a16:creationId xmlns:a16="http://schemas.microsoft.com/office/drawing/2014/main" xmlns="" id="{2C4BCBA8-005C-1342-A78A-F496EDCFA784}"/>
                       </a:ext>
                     </a:extLst>
                   </p:cNvPr>
@@ -12997,7 +13091,7 @@
                   <p:cNvPr id="584" name="그림 583">
                     <a:extLst>
                       <a:ext uri="{FF2B5EF4-FFF2-40B4-BE49-F238E27FC236}">
-                        <a16:creationId xmlns="" xmlns:a16="http://schemas.microsoft.com/office/drawing/2014/main" id="{BC477BCB-3160-F24E-834D-547C4C6C9C4B}"/>
+                        <a16:creationId xmlns:a16="http://schemas.microsoft.com/office/drawing/2014/main" xmlns="" id="{BC477BCB-3160-F24E-834D-547C4C6C9C4B}"/>
                       </a:ext>
                     </a:extLst>
                   </p:cNvPr>
@@ -13033,7 +13127,7 @@
                   <p:cNvPr id="585" name="그림 584">
                     <a:extLst>
                       <a:ext uri="{FF2B5EF4-FFF2-40B4-BE49-F238E27FC236}">
-                        <a16:creationId xmlns="" xmlns:a16="http://schemas.microsoft.com/office/drawing/2014/main" id="{D79905AD-7040-E94B-BFE8-B00CB7B37494}"/>
+                        <a16:creationId xmlns:a16="http://schemas.microsoft.com/office/drawing/2014/main" xmlns="" id="{D79905AD-7040-E94B-BFE8-B00CB7B37494}"/>
                       </a:ext>
                     </a:extLst>
                   </p:cNvPr>
@@ -13069,7 +13163,7 @@
                   <p:cNvPr id="586" name="그림 585">
                     <a:extLst>
                       <a:ext uri="{FF2B5EF4-FFF2-40B4-BE49-F238E27FC236}">
-                        <a16:creationId xmlns="" xmlns:a16="http://schemas.microsoft.com/office/drawing/2014/main" id="{4D07FF4D-CA0B-7C49-A0CB-ABCCC8F34834}"/>
+                        <a16:creationId xmlns:a16="http://schemas.microsoft.com/office/drawing/2014/main" xmlns="" id="{4D07FF4D-CA0B-7C49-A0CB-ABCCC8F34834}"/>
                       </a:ext>
                     </a:extLst>
                   </p:cNvPr>
@@ -13105,7 +13199,7 @@
                   <p:cNvPr id="587" name="그림 586">
                     <a:extLst>
                       <a:ext uri="{FF2B5EF4-FFF2-40B4-BE49-F238E27FC236}">
-                        <a16:creationId xmlns="" xmlns:a16="http://schemas.microsoft.com/office/drawing/2014/main" id="{6E66D57A-95FE-A845-B030-F9FD3205C405}"/>
+                        <a16:creationId xmlns:a16="http://schemas.microsoft.com/office/drawing/2014/main" xmlns="" id="{6E66D57A-95FE-A845-B030-F9FD3205C405}"/>
                       </a:ext>
                     </a:extLst>
                   </p:cNvPr>
@@ -13141,7 +13235,7 @@
                   <p:cNvPr id="588" name="그림 587">
                     <a:extLst>
                       <a:ext uri="{FF2B5EF4-FFF2-40B4-BE49-F238E27FC236}">
-                        <a16:creationId xmlns="" xmlns:a16="http://schemas.microsoft.com/office/drawing/2014/main" id="{3A4BA67D-95CF-3E4F-84FE-23B8C71AE430}"/>
+                        <a16:creationId xmlns:a16="http://schemas.microsoft.com/office/drawing/2014/main" xmlns="" id="{3A4BA67D-95CF-3E4F-84FE-23B8C71AE430}"/>
                       </a:ext>
                     </a:extLst>
                   </p:cNvPr>
@@ -13177,7 +13271,7 @@
                   <p:cNvPr id="589" name="그림 588">
                     <a:extLst>
                       <a:ext uri="{FF2B5EF4-FFF2-40B4-BE49-F238E27FC236}">
-                        <a16:creationId xmlns="" xmlns:a16="http://schemas.microsoft.com/office/drawing/2014/main" id="{1DA537A6-6683-C748-A40B-FF5F84D8CAA8}"/>
+                        <a16:creationId xmlns:a16="http://schemas.microsoft.com/office/drawing/2014/main" xmlns="" id="{1DA537A6-6683-C748-A40B-FF5F84D8CAA8}"/>
                       </a:ext>
                     </a:extLst>
                   </p:cNvPr>
@@ -13213,7 +13307,7 @@
                   <p:cNvPr id="590" name="그림 589">
                     <a:extLst>
                       <a:ext uri="{FF2B5EF4-FFF2-40B4-BE49-F238E27FC236}">
-                        <a16:creationId xmlns="" xmlns:a16="http://schemas.microsoft.com/office/drawing/2014/main" id="{BB66CBB9-A601-B54A-A5A2-71D5ED7019D0}"/>
+                        <a16:creationId xmlns:a16="http://schemas.microsoft.com/office/drawing/2014/main" xmlns="" id="{BB66CBB9-A601-B54A-A5A2-71D5ED7019D0}"/>
                       </a:ext>
                     </a:extLst>
                   </p:cNvPr>
@@ -13249,7 +13343,7 @@
                   <p:cNvPr id="591" name="그림 590">
                     <a:extLst>
                       <a:ext uri="{FF2B5EF4-FFF2-40B4-BE49-F238E27FC236}">
-                        <a16:creationId xmlns="" xmlns:a16="http://schemas.microsoft.com/office/drawing/2014/main" id="{0530D1F2-C57D-8E4E-938A-877B55A0AF8A}"/>
+                        <a16:creationId xmlns:a16="http://schemas.microsoft.com/office/drawing/2014/main" xmlns="" id="{0530D1F2-C57D-8E4E-938A-877B55A0AF8A}"/>
                       </a:ext>
                     </a:extLst>
                   </p:cNvPr>
@@ -13285,7 +13379,7 @@
                   <p:cNvPr id="592" name="그림 591">
                     <a:extLst>
                       <a:ext uri="{FF2B5EF4-FFF2-40B4-BE49-F238E27FC236}">
-                        <a16:creationId xmlns="" xmlns:a16="http://schemas.microsoft.com/office/drawing/2014/main" id="{C92970A2-522E-2745-B638-BC49B29828E5}"/>
+                        <a16:creationId xmlns:a16="http://schemas.microsoft.com/office/drawing/2014/main" xmlns="" id="{C92970A2-522E-2745-B638-BC49B29828E5}"/>
                       </a:ext>
                     </a:extLst>
                   </p:cNvPr>
@@ -13321,7 +13415,7 @@
                   <p:cNvPr id="593" name="그림 592">
                     <a:extLst>
                       <a:ext uri="{FF2B5EF4-FFF2-40B4-BE49-F238E27FC236}">
-                        <a16:creationId xmlns="" xmlns:a16="http://schemas.microsoft.com/office/drawing/2014/main" id="{ED41C928-0F9F-1B4B-894B-C693DAACEBD6}"/>
+                        <a16:creationId xmlns:a16="http://schemas.microsoft.com/office/drawing/2014/main" xmlns="" id="{ED41C928-0F9F-1B4B-894B-C693DAACEBD6}"/>
                       </a:ext>
                     </a:extLst>
                   </p:cNvPr>
@@ -13357,7 +13451,7 @@
                   <p:cNvPr id="594" name="그림 593">
                     <a:extLst>
                       <a:ext uri="{FF2B5EF4-FFF2-40B4-BE49-F238E27FC236}">
-                        <a16:creationId xmlns="" xmlns:a16="http://schemas.microsoft.com/office/drawing/2014/main" id="{DA84420A-440F-D24C-A797-FFB63D3F6808}"/>
+                        <a16:creationId xmlns:a16="http://schemas.microsoft.com/office/drawing/2014/main" xmlns="" id="{DA84420A-440F-D24C-A797-FFB63D3F6808}"/>
                       </a:ext>
                     </a:extLst>
                   </p:cNvPr>
@@ -13393,7 +13487,7 @@
                   <p:cNvPr id="595" name="그림 594">
                     <a:extLst>
                       <a:ext uri="{FF2B5EF4-FFF2-40B4-BE49-F238E27FC236}">
-                        <a16:creationId xmlns="" xmlns:a16="http://schemas.microsoft.com/office/drawing/2014/main" id="{8E607BDA-94CC-E14F-93A6-2ED219FC8D8E}"/>
+                        <a16:creationId xmlns:a16="http://schemas.microsoft.com/office/drawing/2014/main" xmlns="" id="{8E607BDA-94CC-E14F-93A6-2ED219FC8D8E}"/>
                       </a:ext>
                     </a:extLst>
                   </p:cNvPr>
@@ -13429,7 +13523,7 @@
                   <p:cNvPr id="596" name="그림 595">
                     <a:extLst>
                       <a:ext uri="{FF2B5EF4-FFF2-40B4-BE49-F238E27FC236}">
-                        <a16:creationId xmlns="" xmlns:a16="http://schemas.microsoft.com/office/drawing/2014/main" id="{1D7D05F4-29C0-434E-B4EE-9AB1C399CC4C}"/>
+                        <a16:creationId xmlns:a16="http://schemas.microsoft.com/office/drawing/2014/main" xmlns="" id="{1D7D05F4-29C0-434E-B4EE-9AB1C399CC4C}"/>
                       </a:ext>
                     </a:extLst>
                   </p:cNvPr>
@@ -13465,7 +13559,7 @@
                   <p:cNvPr id="597" name="그림 596">
                     <a:extLst>
                       <a:ext uri="{FF2B5EF4-FFF2-40B4-BE49-F238E27FC236}">
-                        <a16:creationId xmlns="" xmlns:a16="http://schemas.microsoft.com/office/drawing/2014/main" id="{5A0B032B-71B2-7C46-8E4B-A12D33E9F7E9}"/>
+                        <a16:creationId xmlns:a16="http://schemas.microsoft.com/office/drawing/2014/main" xmlns="" id="{5A0B032B-71B2-7C46-8E4B-A12D33E9F7E9}"/>
                       </a:ext>
                     </a:extLst>
                   </p:cNvPr>
@@ -13504,7 +13598,7 @@
             <p:cNvPr id="571" name="그림 570">
               <a:extLst>
                 <a:ext uri="{FF2B5EF4-FFF2-40B4-BE49-F238E27FC236}">
-                  <a16:creationId xmlns="" xmlns:a16="http://schemas.microsoft.com/office/drawing/2014/main" id="{62B79E0F-A1D5-E148-8F3A-2930BB1F43B9}"/>
+                  <a16:creationId xmlns:a16="http://schemas.microsoft.com/office/drawing/2014/main" xmlns="" id="{62B79E0F-A1D5-E148-8F3A-2930BB1F43B9}"/>
                 </a:ext>
               </a:extLst>
             </p:cNvPr>
@@ -13541,7 +13635,7 @@
           <p:cNvPr id="857" name="내용 개체 틀 856">
             <a:extLst>
               <a:ext uri="{FF2B5EF4-FFF2-40B4-BE49-F238E27FC236}">
-                <a16:creationId xmlns="" xmlns:a16="http://schemas.microsoft.com/office/drawing/2014/main" id="{076E948A-549D-0F45-8666-C6363E94213C}"/>
+                <a16:creationId xmlns:a16="http://schemas.microsoft.com/office/drawing/2014/main" xmlns="" id="{076E948A-549D-0F45-8666-C6363E94213C}"/>
               </a:ext>
             </a:extLst>
           </p:cNvPr>
@@ -13589,7 +13683,7 @@
           <p:cNvPr id="866" name="내용 개체 틀 856">
             <a:extLst>
               <a:ext uri="{FF2B5EF4-FFF2-40B4-BE49-F238E27FC236}">
-                <a16:creationId xmlns="" xmlns:a16="http://schemas.microsoft.com/office/drawing/2014/main" id="{268AEA45-8D35-7A48-9BCD-3B4E06BD38E7}"/>
+                <a16:creationId xmlns:a16="http://schemas.microsoft.com/office/drawing/2014/main" xmlns="" id="{268AEA45-8D35-7A48-9BCD-3B4E06BD38E7}"/>
               </a:ext>
             </a:extLst>
           </p:cNvPr>
@@ -13637,7 +13731,7 @@
           <p:cNvPr id="870" name="내용 개체 틀 856">
             <a:extLst>
               <a:ext uri="{FF2B5EF4-FFF2-40B4-BE49-F238E27FC236}">
-                <a16:creationId xmlns="" xmlns:a16="http://schemas.microsoft.com/office/drawing/2014/main" id="{927C6311-C2ED-3243-AFF7-085288C7405C}"/>
+                <a16:creationId xmlns:a16="http://schemas.microsoft.com/office/drawing/2014/main" xmlns="" id="{927C6311-C2ED-3243-AFF7-085288C7405C}"/>
               </a:ext>
             </a:extLst>
           </p:cNvPr>
@@ -13687,7 +13781,7 @@
           <p:cNvPr id="871" name="내용 개체 틀 856">
             <a:extLst>
               <a:ext uri="{FF2B5EF4-FFF2-40B4-BE49-F238E27FC236}">
-                <a16:creationId xmlns="" xmlns:a16="http://schemas.microsoft.com/office/drawing/2014/main" id="{CD15451B-1B45-684E-92A8-0995BF7AE03F}"/>
+                <a16:creationId xmlns:a16="http://schemas.microsoft.com/office/drawing/2014/main" xmlns="" id="{CD15451B-1B45-684E-92A8-0995BF7AE03F}"/>
               </a:ext>
             </a:extLst>
           </p:cNvPr>
@@ -13738,7 +13832,7 @@
           <p:cNvPr id="283" name="그래픽 282">
             <a:extLst>
               <a:ext uri="{FF2B5EF4-FFF2-40B4-BE49-F238E27FC236}">
-                <a16:creationId xmlns="" xmlns:a16="http://schemas.microsoft.com/office/drawing/2014/main" id="{43ACF83A-591E-5E46-9B5F-ED7DAE05AD39}"/>
+                <a16:creationId xmlns:a16="http://schemas.microsoft.com/office/drawing/2014/main" xmlns="" id="{43ACF83A-591E-5E46-9B5F-ED7DAE05AD39}"/>
               </a:ext>
             </a:extLst>
           </p:cNvPr>
@@ -13751,7 +13845,7 @@
           <a:blip r:embed="rId18">
             <a:extLst>
               <a:ext uri="{96DAC541-7B7A-43D3-8B79-37D633B846F1}">
-                <asvg:svgBlip xmlns:asvg="http://schemas.microsoft.com/office/drawing/2016/SVG/main" xmlns="" r:embed="rId19"/>
+                <asvg:svgBlip xmlns="" xmlns:asvg="http://schemas.microsoft.com/office/drawing/2016/SVG/main" r:embed="rId19"/>
               </a:ext>
             </a:extLst>
           </a:blip>
@@ -13804,7 +13898,7 @@
           <p:cNvPr id="10" name="직사각형 9">
             <a:extLst>
               <a:ext uri="{FF2B5EF4-FFF2-40B4-BE49-F238E27FC236}">
-                <a16:creationId xmlns="" xmlns:a16="http://schemas.microsoft.com/office/drawing/2014/main" id="{E6BB1CED-A942-914E-9196-B58BE1D666EB}"/>
+                <a16:creationId xmlns:a16="http://schemas.microsoft.com/office/drawing/2014/main" xmlns="" id="{E6BB1CED-A942-914E-9196-B58BE1D666EB}"/>
               </a:ext>
             </a:extLst>
           </p:cNvPr>
@@ -13862,7 +13956,7 @@
           <p:cNvPr id="11" name="그룹 10">
             <a:extLst>
               <a:ext uri="{FF2B5EF4-FFF2-40B4-BE49-F238E27FC236}">
-                <a16:creationId xmlns="" xmlns:a16="http://schemas.microsoft.com/office/drawing/2014/main" id="{9B7AE135-D52B-5F4E-9472-DC893420F33F}"/>
+                <a16:creationId xmlns:a16="http://schemas.microsoft.com/office/drawing/2014/main" xmlns="" id="{9B7AE135-D52B-5F4E-9472-DC893420F33F}"/>
               </a:ext>
             </a:extLst>
           </p:cNvPr>
@@ -13882,7 +13976,7 @@
             <p:cNvPr id="12" name="그룹 11">
               <a:extLst>
                 <a:ext uri="{FF2B5EF4-FFF2-40B4-BE49-F238E27FC236}">
-                  <a16:creationId xmlns="" xmlns:a16="http://schemas.microsoft.com/office/drawing/2014/main" id="{98D2E564-F852-E746-BF31-821A34CEB241}"/>
+                  <a16:creationId xmlns:a16="http://schemas.microsoft.com/office/drawing/2014/main" xmlns="" id="{98D2E564-F852-E746-BF31-821A34CEB241}"/>
                 </a:ext>
               </a:extLst>
             </p:cNvPr>
@@ -13902,7 +13996,7 @@
               <p:cNvPr id="84" name="그룹 83">
                 <a:extLst>
                   <a:ext uri="{FF2B5EF4-FFF2-40B4-BE49-F238E27FC236}">
-                    <a16:creationId xmlns="" xmlns:a16="http://schemas.microsoft.com/office/drawing/2014/main" id="{22F751F8-0D68-3F41-ADBB-683AD9B1C78A}"/>
+                    <a16:creationId xmlns:a16="http://schemas.microsoft.com/office/drawing/2014/main" xmlns="" id="{22F751F8-0D68-3F41-ADBB-683AD9B1C78A}"/>
                   </a:ext>
                 </a:extLst>
               </p:cNvPr>
@@ -13922,7 +14016,7 @@
                 <p:cNvPr id="120" name="그룹 119">
                   <a:extLst>
                     <a:ext uri="{FF2B5EF4-FFF2-40B4-BE49-F238E27FC236}">
-                      <a16:creationId xmlns="" xmlns:a16="http://schemas.microsoft.com/office/drawing/2014/main" id="{1D98AAC3-57D5-074E-8393-F5663BC49E2A}"/>
+                      <a16:creationId xmlns:a16="http://schemas.microsoft.com/office/drawing/2014/main" xmlns="" id="{1D98AAC3-57D5-074E-8393-F5663BC49E2A}"/>
                     </a:ext>
                   </a:extLst>
                 </p:cNvPr>
@@ -13942,7 +14036,7 @@
                   <p:cNvPr id="138" name="그림 137">
                     <a:extLst>
                       <a:ext uri="{FF2B5EF4-FFF2-40B4-BE49-F238E27FC236}">
-                        <a16:creationId xmlns="" xmlns:a16="http://schemas.microsoft.com/office/drawing/2014/main" id="{73464D45-B643-CF46-8AEE-697A86C02BE6}"/>
+                        <a16:creationId xmlns:a16="http://schemas.microsoft.com/office/drawing/2014/main" xmlns="" id="{73464D45-B643-CF46-8AEE-697A86C02BE6}"/>
                       </a:ext>
                     </a:extLst>
                   </p:cNvPr>
@@ -13978,7 +14072,7 @@
                   <p:cNvPr id="139" name="그림 138">
                     <a:extLst>
                       <a:ext uri="{FF2B5EF4-FFF2-40B4-BE49-F238E27FC236}">
-                        <a16:creationId xmlns="" xmlns:a16="http://schemas.microsoft.com/office/drawing/2014/main" id="{A9E3BB90-2867-EC44-8948-EDD493FC5ABF}"/>
+                        <a16:creationId xmlns:a16="http://schemas.microsoft.com/office/drawing/2014/main" xmlns="" id="{A9E3BB90-2867-EC44-8948-EDD493FC5ABF}"/>
                       </a:ext>
                     </a:extLst>
                   </p:cNvPr>
@@ -14014,7 +14108,7 @@
                   <p:cNvPr id="140" name="그림 139">
                     <a:extLst>
                       <a:ext uri="{FF2B5EF4-FFF2-40B4-BE49-F238E27FC236}">
-                        <a16:creationId xmlns="" xmlns:a16="http://schemas.microsoft.com/office/drawing/2014/main" id="{95074118-25B4-9E40-BCC5-095E8BD67E3D}"/>
+                        <a16:creationId xmlns:a16="http://schemas.microsoft.com/office/drawing/2014/main" xmlns="" id="{95074118-25B4-9E40-BCC5-095E8BD67E3D}"/>
                       </a:ext>
                     </a:extLst>
                   </p:cNvPr>
@@ -14050,7 +14144,7 @@
                   <p:cNvPr id="141" name="그림 140">
                     <a:extLst>
                       <a:ext uri="{FF2B5EF4-FFF2-40B4-BE49-F238E27FC236}">
-                        <a16:creationId xmlns="" xmlns:a16="http://schemas.microsoft.com/office/drawing/2014/main" id="{152A9F30-4AD5-E346-99AE-5192A76EC033}"/>
+                        <a16:creationId xmlns:a16="http://schemas.microsoft.com/office/drawing/2014/main" xmlns="" id="{152A9F30-4AD5-E346-99AE-5192A76EC033}"/>
                       </a:ext>
                     </a:extLst>
                   </p:cNvPr>
@@ -14086,7 +14180,7 @@
                   <p:cNvPr id="142" name="그림 141">
                     <a:extLst>
                       <a:ext uri="{FF2B5EF4-FFF2-40B4-BE49-F238E27FC236}">
-                        <a16:creationId xmlns="" xmlns:a16="http://schemas.microsoft.com/office/drawing/2014/main" id="{D1FD1716-A016-2844-9A48-B76E5425FD48}"/>
+                        <a16:creationId xmlns:a16="http://schemas.microsoft.com/office/drawing/2014/main" xmlns="" id="{D1FD1716-A016-2844-9A48-B76E5425FD48}"/>
                       </a:ext>
                     </a:extLst>
                   </p:cNvPr>
@@ -14122,7 +14216,7 @@
                   <p:cNvPr id="143" name="그림 142">
                     <a:extLst>
                       <a:ext uri="{FF2B5EF4-FFF2-40B4-BE49-F238E27FC236}">
-                        <a16:creationId xmlns="" xmlns:a16="http://schemas.microsoft.com/office/drawing/2014/main" id="{8FD2C91A-12A1-9341-B124-1390F69F56D1}"/>
+                        <a16:creationId xmlns:a16="http://schemas.microsoft.com/office/drawing/2014/main" xmlns="" id="{8FD2C91A-12A1-9341-B124-1390F69F56D1}"/>
                       </a:ext>
                     </a:extLst>
                   </p:cNvPr>
@@ -14158,7 +14252,7 @@
                   <p:cNvPr id="144" name="그림 143">
                     <a:extLst>
                       <a:ext uri="{FF2B5EF4-FFF2-40B4-BE49-F238E27FC236}">
-                        <a16:creationId xmlns="" xmlns:a16="http://schemas.microsoft.com/office/drawing/2014/main" id="{DD8E7F2B-FEFD-A54F-919C-206C6ABAC142}"/>
+                        <a16:creationId xmlns:a16="http://schemas.microsoft.com/office/drawing/2014/main" xmlns="" id="{DD8E7F2B-FEFD-A54F-919C-206C6ABAC142}"/>
                       </a:ext>
                     </a:extLst>
                   </p:cNvPr>
@@ -14194,7 +14288,7 @@
                   <p:cNvPr id="145" name="그림 144">
                     <a:extLst>
                       <a:ext uri="{FF2B5EF4-FFF2-40B4-BE49-F238E27FC236}">
-                        <a16:creationId xmlns="" xmlns:a16="http://schemas.microsoft.com/office/drawing/2014/main" id="{82FBBC7B-883A-C24A-9C8D-BC2CCD3CEF86}"/>
+                        <a16:creationId xmlns:a16="http://schemas.microsoft.com/office/drawing/2014/main" xmlns="" id="{82FBBC7B-883A-C24A-9C8D-BC2CCD3CEF86}"/>
                       </a:ext>
                     </a:extLst>
                   </p:cNvPr>
@@ -14230,7 +14324,7 @@
                   <p:cNvPr id="146" name="그림 145">
                     <a:extLst>
                       <a:ext uri="{FF2B5EF4-FFF2-40B4-BE49-F238E27FC236}">
-                        <a16:creationId xmlns="" xmlns:a16="http://schemas.microsoft.com/office/drawing/2014/main" id="{1181600E-BD8B-AB47-BA77-FA296AC48080}"/>
+                        <a16:creationId xmlns:a16="http://schemas.microsoft.com/office/drawing/2014/main" xmlns="" id="{1181600E-BD8B-AB47-BA77-FA296AC48080}"/>
                       </a:ext>
                     </a:extLst>
                   </p:cNvPr>
@@ -14266,7 +14360,7 @@
                   <p:cNvPr id="147" name="그림 146">
                     <a:extLst>
                       <a:ext uri="{FF2B5EF4-FFF2-40B4-BE49-F238E27FC236}">
-                        <a16:creationId xmlns="" xmlns:a16="http://schemas.microsoft.com/office/drawing/2014/main" id="{8144ECE4-46EB-824C-A680-C2D34E2451A9}"/>
+                        <a16:creationId xmlns:a16="http://schemas.microsoft.com/office/drawing/2014/main" xmlns="" id="{8144ECE4-46EB-824C-A680-C2D34E2451A9}"/>
                       </a:ext>
                     </a:extLst>
                   </p:cNvPr>
@@ -14302,7 +14396,7 @@
                   <p:cNvPr id="148" name="그림 147">
                     <a:extLst>
                       <a:ext uri="{FF2B5EF4-FFF2-40B4-BE49-F238E27FC236}">
-                        <a16:creationId xmlns="" xmlns:a16="http://schemas.microsoft.com/office/drawing/2014/main" id="{C25634F8-D71D-EC42-9352-43239FEE9399}"/>
+                        <a16:creationId xmlns:a16="http://schemas.microsoft.com/office/drawing/2014/main" xmlns="" id="{C25634F8-D71D-EC42-9352-43239FEE9399}"/>
                       </a:ext>
                     </a:extLst>
                   </p:cNvPr>
@@ -14338,7 +14432,7 @@
                   <p:cNvPr id="149" name="그림 148">
                     <a:extLst>
                       <a:ext uri="{FF2B5EF4-FFF2-40B4-BE49-F238E27FC236}">
-                        <a16:creationId xmlns="" xmlns:a16="http://schemas.microsoft.com/office/drawing/2014/main" id="{B493F892-EB2D-2946-9752-30FFA0A3D8A6}"/>
+                        <a16:creationId xmlns:a16="http://schemas.microsoft.com/office/drawing/2014/main" xmlns="" id="{B493F892-EB2D-2946-9752-30FFA0A3D8A6}"/>
                       </a:ext>
                     </a:extLst>
                   </p:cNvPr>
@@ -14374,7 +14468,7 @@
                   <p:cNvPr id="150" name="그림 149">
                     <a:extLst>
                       <a:ext uri="{FF2B5EF4-FFF2-40B4-BE49-F238E27FC236}">
-                        <a16:creationId xmlns="" xmlns:a16="http://schemas.microsoft.com/office/drawing/2014/main" id="{AB614B31-2F93-0F4C-9857-C3A09DD9ADAB}"/>
+                        <a16:creationId xmlns:a16="http://schemas.microsoft.com/office/drawing/2014/main" xmlns="" id="{AB614B31-2F93-0F4C-9857-C3A09DD9ADAB}"/>
                       </a:ext>
                     </a:extLst>
                   </p:cNvPr>
@@ -14410,7 +14504,7 @@
                   <p:cNvPr id="151" name="그림 150">
                     <a:extLst>
                       <a:ext uri="{FF2B5EF4-FFF2-40B4-BE49-F238E27FC236}">
-                        <a16:creationId xmlns="" xmlns:a16="http://schemas.microsoft.com/office/drawing/2014/main" id="{63553627-9FB1-1B49-8B81-1B5A56B3733F}"/>
+                        <a16:creationId xmlns:a16="http://schemas.microsoft.com/office/drawing/2014/main" xmlns="" id="{63553627-9FB1-1B49-8B81-1B5A56B3733F}"/>
                       </a:ext>
                     </a:extLst>
                   </p:cNvPr>
@@ -14446,7 +14540,7 @@
                   <p:cNvPr id="152" name="그림 151">
                     <a:extLst>
                       <a:ext uri="{FF2B5EF4-FFF2-40B4-BE49-F238E27FC236}">
-                        <a16:creationId xmlns="" xmlns:a16="http://schemas.microsoft.com/office/drawing/2014/main" id="{D6EDEC97-7AD4-2D44-B162-22122F62D701}"/>
+                        <a16:creationId xmlns:a16="http://schemas.microsoft.com/office/drawing/2014/main" xmlns="" id="{D6EDEC97-7AD4-2D44-B162-22122F62D701}"/>
                       </a:ext>
                     </a:extLst>
                   </p:cNvPr>
@@ -14482,7 +14576,7 @@
                   <p:cNvPr id="153" name="그림 152">
                     <a:extLst>
                       <a:ext uri="{FF2B5EF4-FFF2-40B4-BE49-F238E27FC236}">
-                        <a16:creationId xmlns="" xmlns:a16="http://schemas.microsoft.com/office/drawing/2014/main" id="{759F3B05-D5F6-AE49-B1BE-61143B8C2576}"/>
+                        <a16:creationId xmlns:a16="http://schemas.microsoft.com/office/drawing/2014/main" xmlns="" id="{759F3B05-D5F6-AE49-B1BE-61143B8C2576}"/>
                       </a:ext>
                     </a:extLst>
                   </p:cNvPr>
@@ -14519,7 +14613,7 @@
                 <p:cNvPr id="121" name="그룹 120">
                   <a:extLst>
                     <a:ext uri="{FF2B5EF4-FFF2-40B4-BE49-F238E27FC236}">
-                      <a16:creationId xmlns="" xmlns:a16="http://schemas.microsoft.com/office/drawing/2014/main" id="{520CCFEA-BD4F-AC4B-B87F-61033A3E7E31}"/>
+                      <a16:creationId xmlns:a16="http://schemas.microsoft.com/office/drawing/2014/main" xmlns="" id="{520CCFEA-BD4F-AC4B-B87F-61033A3E7E31}"/>
                     </a:ext>
                   </a:extLst>
                 </p:cNvPr>
@@ -14539,7 +14633,7 @@
                   <p:cNvPr id="122" name="그림 121">
                     <a:extLst>
                       <a:ext uri="{FF2B5EF4-FFF2-40B4-BE49-F238E27FC236}">
-                        <a16:creationId xmlns="" xmlns:a16="http://schemas.microsoft.com/office/drawing/2014/main" id="{BF2C792F-E0CB-AB45-99F8-D0355B6FCADF}"/>
+                        <a16:creationId xmlns:a16="http://schemas.microsoft.com/office/drawing/2014/main" xmlns="" id="{BF2C792F-E0CB-AB45-99F8-D0355B6FCADF}"/>
                       </a:ext>
                     </a:extLst>
                   </p:cNvPr>
@@ -14575,7 +14669,7 @@
                   <p:cNvPr id="123" name="그림 122">
                     <a:extLst>
                       <a:ext uri="{FF2B5EF4-FFF2-40B4-BE49-F238E27FC236}">
-                        <a16:creationId xmlns="" xmlns:a16="http://schemas.microsoft.com/office/drawing/2014/main" id="{CAB0D95E-3436-E340-BC0C-ECC572591CA2}"/>
+                        <a16:creationId xmlns:a16="http://schemas.microsoft.com/office/drawing/2014/main" xmlns="" id="{CAB0D95E-3436-E340-BC0C-ECC572591CA2}"/>
                       </a:ext>
                     </a:extLst>
                   </p:cNvPr>
@@ -14611,7 +14705,7 @@
                   <p:cNvPr id="124" name="그림 123">
                     <a:extLst>
                       <a:ext uri="{FF2B5EF4-FFF2-40B4-BE49-F238E27FC236}">
-                        <a16:creationId xmlns="" xmlns:a16="http://schemas.microsoft.com/office/drawing/2014/main" id="{C6D074E2-B761-5940-B983-711AED92199B}"/>
+                        <a16:creationId xmlns:a16="http://schemas.microsoft.com/office/drawing/2014/main" xmlns="" id="{C6D074E2-B761-5940-B983-711AED92199B}"/>
                       </a:ext>
                     </a:extLst>
                   </p:cNvPr>
@@ -14647,7 +14741,7 @@
                   <p:cNvPr id="125" name="그림 124">
                     <a:extLst>
                       <a:ext uri="{FF2B5EF4-FFF2-40B4-BE49-F238E27FC236}">
-                        <a16:creationId xmlns="" xmlns:a16="http://schemas.microsoft.com/office/drawing/2014/main" id="{4C282EF2-18CE-B34C-88D3-75DEFCE6239E}"/>
+                        <a16:creationId xmlns:a16="http://schemas.microsoft.com/office/drawing/2014/main" xmlns="" id="{4C282EF2-18CE-B34C-88D3-75DEFCE6239E}"/>
                       </a:ext>
                     </a:extLst>
                   </p:cNvPr>
@@ -14683,7 +14777,7 @@
                   <p:cNvPr id="126" name="그림 125">
                     <a:extLst>
                       <a:ext uri="{FF2B5EF4-FFF2-40B4-BE49-F238E27FC236}">
-                        <a16:creationId xmlns="" xmlns:a16="http://schemas.microsoft.com/office/drawing/2014/main" id="{AF52ED35-6315-884B-AA70-5887F6360866}"/>
+                        <a16:creationId xmlns:a16="http://schemas.microsoft.com/office/drawing/2014/main" xmlns="" id="{AF52ED35-6315-884B-AA70-5887F6360866}"/>
                       </a:ext>
                     </a:extLst>
                   </p:cNvPr>
@@ -14719,7 +14813,7 @@
                   <p:cNvPr id="127" name="그림 126">
                     <a:extLst>
                       <a:ext uri="{FF2B5EF4-FFF2-40B4-BE49-F238E27FC236}">
-                        <a16:creationId xmlns="" xmlns:a16="http://schemas.microsoft.com/office/drawing/2014/main" id="{5FFBFCDC-2116-1E42-AEA0-944AEDD8CF40}"/>
+                        <a16:creationId xmlns:a16="http://schemas.microsoft.com/office/drawing/2014/main" xmlns="" id="{5FFBFCDC-2116-1E42-AEA0-944AEDD8CF40}"/>
                       </a:ext>
                     </a:extLst>
                   </p:cNvPr>
@@ -14755,7 +14849,7 @@
                   <p:cNvPr id="128" name="그림 127">
                     <a:extLst>
                       <a:ext uri="{FF2B5EF4-FFF2-40B4-BE49-F238E27FC236}">
-                        <a16:creationId xmlns="" xmlns:a16="http://schemas.microsoft.com/office/drawing/2014/main" id="{58446C4D-C311-484E-986A-9624CE70AC04}"/>
+                        <a16:creationId xmlns:a16="http://schemas.microsoft.com/office/drawing/2014/main" xmlns="" id="{58446C4D-C311-484E-986A-9624CE70AC04}"/>
                       </a:ext>
                     </a:extLst>
                   </p:cNvPr>
@@ -14791,7 +14885,7 @@
                   <p:cNvPr id="129" name="그림 128">
                     <a:extLst>
                       <a:ext uri="{FF2B5EF4-FFF2-40B4-BE49-F238E27FC236}">
-                        <a16:creationId xmlns="" xmlns:a16="http://schemas.microsoft.com/office/drawing/2014/main" id="{1BB3A5FE-8CFA-BB4E-BA24-C351B8C244AC}"/>
+                        <a16:creationId xmlns:a16="http://schemas.microsoft.com/office/drawing/2014/main" xmlns="" id="{1BB3A5FE-8CFA-BB4E-BA24-C351B8C244AC}"/>
                       </a:ext>
                     </a:extLst>
                   </p:cNvPr>
@@ -14827,7 +14921,7 @@
                   <p:cNvPr id="130" name="그림 129">
                     <a:extLst>
                       <a:ext uri="{FF2B5EF4-FFF2-40B4-BE49-F238E27FC236}">
-                        <a16:creationId xmlns="" xmlns:a16="http://schemas.microsoft.com/office/drawing/2014/main" id="{F2026091-454C-0741-9967-3E1FA555376F}"/>
+                        <a16:creationId xmlns:a16="http://schemas.microsoft.com/office/drawing/2014/main" xmlns="" id="{F2026091-454C-0741-9967-3E1FA555376F}"/>
                       </a:ext>
                     </a:extLst>
                   </p:cNvPr>
@@ -14863,7 +14957,7 @@
                   <p:cNvPr id="131" name="그림 130">
                     <a:extLst>
                       <a:ext uri="{FF2B5EF4-FFF2-40B4-BE49-F238E27FC236}">
-                        <a16:creationId xmlns="" xmlns:a16="http://schemas.microsoft.com/office/drawing/2014/main" id="{62CB2C22-1A68-E245-80A4-A9D8EE294142}"/>
+                        <a16:creationId xmlns:a16="http://schemas.microsoft.com/office/drawing/2014/main" xmlns="" id="{62CB2C22-1A68-E245-80A4-A9D8EE294142}"/>
                       </a:ext>
                     </a:extLst>
                   </p:cNvPr>
@@ -14899,7 +14993,7 @@
                   <p:cNvPr id="132" name="그림 131">
                     <a:extLst>
                       <a:ext uri="{FF2B5EF4-FFF2-40B4-BE49-F238E27FC236}">
-                        <a16:creationId xmlns="" xmlns:a16="http://schemas.microsoft.com/office/drawing/2014/main" id="{07A3F49F-6E4F-D143-9DD9-4E9675AC1D7E}"/>
+                        <a16:creationId xmlns:a16="http://schemas.microsoft.com/office/drawing/2014/main" xmlns="" id="{07A3F49F-6E4F-D143-9DD9-4E9675AC1D7E}"/>
                       </a:ext>
                     </a:extLst>
                   </p:cNvPr>
@@ -14935,7 +15029,7 @@
                   <p:cNvPr id="133" name="그림 132">
                     <a:extLst>
                       <a:ext uri="{FF2B5EF4-FFF2-40B4-BE49-F238E27FC236}">
-                        <a16:creationId xmlns="" xmlns:a16="http://schemas.microsoft.com/office/drawing/2014/main" id="{ACAA2B0B-F08E-144C-9ECD-319E9731D0B0}"/>
+                        <a16:creationId xmlns:a16="http://schemas.microsoft.com/office/drawing/2014/main" xmlns="" id="{ACAA2B0B-F08E-144C-9ECD-319E9731D0B0}"/>
                       </a:ext>
                     </a:extLst>
                   </p:cNvPr>
@@ -14971,7 +15065,7 @@
                   <p:cNvPr id="134" name="그림 133">
                     <a:extLst>
                       <a:ext uri="{FF2B5EF4-FFF2-40B4-BE49-F238E27FC236}">
-                        <a16:creationId xmlns="" xmlns:a16="http://schemas.microsoft.com/office/drawing/2014/main" id="{2A56CB1E-6B6C-5E4A-8DBB-DB7B5F92127C}"/>
+                        <a16:creationId xmlns:a16="http://schemas.microsoft.com/office/drawing/2014/main" xmlns="" id="{2A56CB1E-6B6C-5E4A-8DBB-DB7B5F92127C}"/>
                       </a:ext>
                     </a:extLst>
                   </p:cNvPr>
@@ -15007,7 +15101,7 @@
                   <p:cNvPr id="135" name="그림 134">
                     <a:extLst>
                       <a:ext uri="{FF2B5EF4-FFF2-40B4-BE49-F238E27FC236}">
-                        <a16:creationId xmlns="" xmlns:a16="http://schemas.microsoft.com/office/drawing/2014/main" id="{04C0ADFD-8E1F-D243-AA05-9B35590E4F2A}"/>
+                        <a16:creationId xmlns:a16="http://schemas.microsoft.com/office/drawing/2014/main" xmlns="" id="{04C0ADFD-8E1F-D243-AA05-9B35590E4F2A}"/>
                       </a:ext>
                     </a:extLst>
                   </p:cNvPr>
@@ -15043,7 +15137,7 @@
                   <p:cNvPr id="136" name="그림 135">
                     <a:extLst>
                       <a:ext uri="{FF2B5EF4-FFF2-40B4-BE49-F238E27FC236}">
-                        <a16:creationId xmlns="" xmlns:a16="http://schemas.microsoft.com/office/drawing/2014/main" id="{55551275-EBE9-C74E-BE0C-40D72F7753DE}"/>
+                        <a16:creationId xmlns:a16="http://schemas.microsoft.com/office/drawing/2014/main" xmlns="" id="{55551275-EBE9-C74E-BE0C-40D72F7753DE}"/>
                       </a:ext>
                     </a:extLst>
                   </p:cNvPr>
@@ -15079,7 +15173,7 @@
                   <p:cNvPr id="137" name="그림 136">
                     <a:extLst>
                       <a:ext uri="{FF2B5EF4-FFF2-40B4-BE49-F238E27FC236}">
-                        <a16:creationId xmlns="" xmlns:a16="http://schemas.microsoft.com/office/drawing/2014/main" id="{68290513-7B44-8742-86CB-EC67D92359E8}"/>
+                        <a16:creationId xmlns:a16="http://schemas.microsoft.com/office/drawing/2014/main" xmlns="" id="{68290513-7B44-8742-86CB-EC67D92359E8}"/>
                       </a:ext>
                     </a:extLst>
                   </p:cNvPr>
@@ -15117,7 +15211,7 @@
               <p:cNvPr id="85" name="그룹 84">
                 <a:extLst>
                   <a:ext uri="{FF2B5EF4-FFF2-40B4-BE49-F238E27FC236}">
-                    <a16:creationId xmlns="" xmlns:a16="http://schemas.microsoft.com/office/drawing/2014/main" id="{A7B6656B-3FFB-6B42-9A9D-81B698D5239F}"/>
+                    <a16:creationId xmlns:a16="http://schemas.microsoft.com/office/drawing/2014/main" xmlns="" id="{A7B6656B-3FFB-6B42-9A9D-81B698D5239F}"/>
                   </a:ext>
                 </a:extLst>
               </p:cNvPr>
@@ -15137,7 +15231,7 @@
                 <p:cNvPr id="86" name="그룹 85">
                   <a:extLst>
                     <a:ext uri="{FF2B5EF4-FFF2-40B4-BE49-F238E27FC236}">
-                      <a16:creationId xmlns="" xmlns:a16="http://schemas.microsoft.com/office/drawing/2014/main" id="{AEE49F7C-E5C5-3A4B-8917-B119BEB556D5}"/>
+                      <a16:creationId xmlns:a16="http://schemas.microsoft.com/office/drawing/2014/main" xmlns="" id="{AEE49F7C-E5C5-3A4B-8917-B119BEB556D5}"/>
                     </a:ext>
                   </a:extLst>
                 </p:cNvPr>
@@ -15157,7 +15251,7 @@
                   <p:cNvPr id="104" name="그림 103">
                     <a:extLst>
                       <a:ext uri="{FF2B5EF4-FFF2-40B4-BE49-F238E27FC236}">
-                        <a16:creationId xmlns="" xmlns:a16="http://schemas.microsoft.com/office/drawing/2014/main" id="{803EFDD5-1481-C344-8394-98434E6687BF}"/>
+                        <a16:creationId xmlns:a16="http://schemas.microsoft.com/office/drawing/2014/main" xmlns="" id="{803EFDD5-1481-C344-8394-98434E6687BF}"/>
                       </a:ext>
                     </a:extLst>
                   </p:cNvPr>
@@ -15193,7 +15287,7 @@
                   <p:cNvPr id="105" name="그림 104">
                     <a:extLst>
                       <a:ext uri="{FF2B5EF4-FFF2-40B4-BE49-F238E27FC236}">
-                        <a16:creationId xmlns="" xmlns:a16="http://schemas.microsoft.com/office/drawing/2014/main" id="{5AD5019C-EC38-BC49-B07F-48F01AD441F9}"/>
+                        <a16:creationId xmlns:a16="http://schemas.microsoft.com/office/drawing/2014/main" xmlns="" id="{5AD5019C-EC38-BC49-B07F-48F01AD441F9}"/>
                       </a:ext>
                     </a:extLst>
                   </p:cNvPr>
@@ -15229,7 +15323,7 @@
                   <p:cNvPr id="106" name="그림 105">
                     <a:extLst>
                       <a:ext uri="{FF2B5EF4-FFF2-40B4-BE49-F238E27FC236}">
-                        <a16:creationId xmlns="" xmlns:a16="http://schemas.microsoft.com/office/drawing/2014/main" id="{0A222134-8987-7D40-9C81-BEB1B9B1E0D1}"/>
+                        <a16:creationId xmlns:a16="http://schemas.microsoft.com/office/drawing/2014/main" xmlns="" id="{0A222134-8987-7D40-9C81-BEB1B9B1E0D1}"/>
                       </a:ext>
                     </a:extLst>
                   </p:cNvPr>
@@ -15265,7 +15359,7 @@
                   <p:cNvPr id="107" name="그림 106">
                     <a:extLst>
                       <a:ext uri="{FF2B5EF4-FFF2-40B4-BE49-F238E27FC236}">
-                        <a16:creationId xmlns="" xmlns:a16="http://schemas.microsoft.com/office/drawing/2014/main" id="{4C2F329F-B700-EA4C-806D-9D4C966D02F9}"/>
+                        <a16:creationId xmlns:a16="http://schemas.microsoft.com/office/drawing/2014/main" xmlns="" id="{4C2F329F-B700-EA4C-806D-9D4C966D02F9}"/>
                       </a:ext>
                     </a:extLst>
                   </p:cNvPr>
@@ -15301,7 +15395,7 @@
                   <p:cNvPr id="108" name="그림 107">
                     <a:extLst>
                       <a:ext uri="{FF2B5EF4-FFF2-40B4-BE49-F238E27FC236}">
-                        <a16:creationId xmlns="" xmlns:a16="http://schemas.microsoft.com/office/drawing/2014/main" id="{CAC5F735-E1CF-EC48-B611-1124B3F9178C}"/>
+                        <a16:creationId xmlns:a16="http://schemas.microsoft.com/office/drawing/2014/main" xmlns="" id="{CAC5F735-E1CF-EC48-B611-1124B3F9178C}"/>
                       </a:ext>
                     </a:extLst>
                   </p:cNvPr>
@@ -15337,7 +15431,7 @@
                   <p:cNvPr id="109" name="그림 108">
                     <a:extLst>
                       <a:ext uri="{FF2B5EF4-FFF2-40B4-BE49-F238E27FC236}">
-                        <a16:creationId xmlns="" xmlns:a16="http://schemas.microsoft.com/office/drawing/2014/main" id="{4034D90D-9FBD-814E-AE3E-CBAB7022E34E}"/>
+                        <a16:creationId xmlns:a16="http://schemas.microsoft.com/office/drawing/2014/main" xmlns="" id="{4034D90D-9FBD-814E-AE3E-CBAB7022E34E}"/>
                       </a:ext>
                     </a:extLst>
                   </p:cNvPr>
@@ -15373,7 +15467,7 @@
                   <p:cNvPr id="110" name="그림 109">
                     <a:extLst>
                       <a:ext uri="{FF2B5EF4-FFF2-40B4-BE49-F238E27FC236}">
-                        <a16:creationId xmlns="" xmlns:a16="http://schemas.microsoft.com/office/drawing/2014/main" id="{26F6B712-8519-0043-AEA7-C6F9B95F2473}"/>
+                        <a16:creationId xmlns:a16="http://schemas.microsoft.com/office/drawing/2014/main" xmlns="" id="{26F6B712-8519-0043-AEA7-C6F9B95F2473}"/>
                       </a:ext>
                     </a:extLst>
                   </p:cNvPr>
@@ -15409,7 +15503,7 @@
                   <p:cNvPr id="111" name="그림 110">
                     <a:extLst>
                       <a:ext uri="{FF2B5EF4-FFF2-40B4-BE49-F238E27FC236}">
-                        <a16:creationId xmlns="" xmlns:a16="http://schemas.microsoft.com/office/drawing/2014/main" id="{6597FF2A-5765-9E47-9F47-0F830EA54369}"/>
+                        <a16:creationId xmlns:a16="http://schemas.microsoft.com/office/drawing/2014/main" xmlns="" id="{6597FF2A-5765-9E47-9F47-0F830EA54369}"/>
                       </a:ext>
                     </a:extLst>
                   </p:cNvPr>
@@ -15445,7 +15539,7 @@
                   <p:cNvPr id="112" name="그림 111">
                     <a:extLst>
                       <a:ext uri="{FF2B5EF4-FFF2-40B4-BE49-F238E27FC236}">
-                        <a16:creationId xmlns="" xmlns:a16="http://schemas.microsoft.com/office/drawing/2014/main" id="{C6A07385-B398-184F-9EBC-A7DB5DE2D0DB}"/>
+                        <a16:creationId xmlns:a16="http://schemas.microsoft.com/office/drawing/2014/main" xmlns="" id="{C6A07385-B398-184F-9EBC-A7DB5DE2D0DB}"/>
                       </a:ext>
                     </a:extLst>
                   </p:cNvPr>
@@ -15481,7 +15575,7 @@
                   <p:cNvPr id="113" name="그림 112">
                     <a:extLst>
                       <a:ext uri="{FF2B5EF4-FFF2-40B4-BE49-F238E27FC236}">
-                        <a16:creationId xmlns="" xmlns:a16="http://schemas.microsoft.com/office/drawing/2014/main" id="{6C047BC2-3CD0-D043-B6ED-FD46979A14B1}"/>
+                        <a16:creationId xmlns:a16="http://schemas.microsoft.com/office/drawing/2014/main" xmlns="" id="{6C047BC2-3CD0-D043-B6ED-FD46979A14B1}"/>
                       </a:ext>
                     </a:extLst>
                   </p:cNvPr>
@@ -15517,7 +15611,7 @@
                   <p:cNvPr id="114" name="그림 113">
                     <a:extLst>
                       <a:ext uri="{FF2B5EF4-FFF2-40B4-BE49-F238E27FC236}">
-                        <a16:creationId xmlns="" xmlns:a16="http://schemas.microsoft.com/office/drawing/2014/main" id="{08B3E27E-64B4-984A-898A-5BF8EE896B7A}"/>
+                        <a16:creationId xmlns:a16="http://schemas.microsoft.com/office/drawing/2014/main" xmlns="" id="{08B3E27E-64B4-984A-898A-5BF8EE896B7A}"/>
                       </a:ext>
                     </a:extLst>
                   </p:cNvPr>
@@ -15553,7 +15647,7 @@
                   <p:cNvPr id="115" name="그림 114">
                     <a:extLst>
                       <a:ext uri="{FF2B5EF4-FFF2-40B4-BE49-F238E27FC236}">
-                        <a16:creationId xmlns="" xmlns:a16="http://schemas.microsoft.com/office/drawing/2014/main" id="{612EB3CA-F583-3E49-97DA-0B3B67861994}"/>
+                        <a16:creationId xmlns:a16="http://schemas.microsoft.com/office/drawing/2014/main" xmlns="" id="{612EB3CA-F583-3E49-97DA-0B3B67861994}"/>
                       </a:ext>
                     </a:extLst>
                   </p:cNvPr>
@@ -15589,7 +15683,7 @@
                   <p:cNvPr id="116" name="그림 115">
                     <a:extLst>
                       <a:ext uri="{FF2B5EF4-FFF2-40B4-BE49-F238E27FC236}">
-                        <a16:creationId xmlns="" xmlns:a16="http://schemas.microsoft.com/office/drawing/2014/main" id="{50A98138-7236-6C45-BFDA-20A8EE6203EB}"/>
+                        <a16:creationId xmlns:a16="http://schemas.microsoft.com/office/drawing/2014/main" xmlns="" id="{50A98138-7236-6C45-BFDA-20A8EE6203EB}"/>
                       </a:ext>
                     </a:extLst>
                   </p:cNvPr>
@@ -15625,7 +15719,7 @@
                   <p:cNvPr id="117" name="그림 116">
                     <a:extLst>
                       <a:ext uri="{FF2B5EF4-FFF2-40B4-BE49-F238E27FC236}">
-                        <a16:creationId xmlns="" xmlns:a16="http://schemas.microsoft.com/office/drawing/2014/main" id="{58EDF847-9A0D-A743-9A38-78D43438433D}"/>
+                        <a16:creationId xmlns:a16="http://schemas.microsoft.com/office/drawing/2014/main" xmlns="" id="{58EDF847-9A0D-A743-9A38-78D43438433D}"/>
                       </a:ext>
                     </a:extLst>
                   </p:cNvPr>
@@ -15661,7 +15755,7 @@
                   <p:cNvPr id="118" name="그림 117">
                     <a:extLst>
                       <a:ext uri="{FF2B5EF4-FFF2-40B4-BE49-F238E27FC236}">
-                        <a16:creationId xmlns="" xmlns:a16="http://schemas.microsoft.com/office/drawing/2014/main" id="{93019649-8F39-3F4B-AF16-C79A91219EE2}"/>
+                        <a16:creationId xmlns:a16="http://schemas.microsoft.com/office/drawing/2014/main" xmlns="" id="{93019649-8F39-3F4B-AF16-C79A91219EE2}"/>
                       </a:ext>
                     </a:extLst>
                   </p:cNvPr>
@@ -15697,7 +15791,7 @@
                   <p:cNvPr id="119" name="그림 118">
                     <a:extLst>
                       <a:ext uri="{FF2B5EF4-FFF2-40B4-BE49-F238E27FC236}">
-                        <a16:creationId xmlns="" xmlns:a16="http://schemas.microsoft.com/office/drawing/2014/main" id="{4AEAEEC7-66AF-7F42-A7BB-2C786AB13454}"/>
+                        <a16:creationId xmlns:a16="http://schemas.microsoft.com/office/drawing/2014/main" xmlns="" id="{4AEAEEC7-66AF-7F42-A7BB-2C786AB13454}"/>
                       </a:ext>
                     </a:extLst>
                   </p:cNvPr>
@@ -15734,7 +15828,7 @@
                 <p:cNvPr id="87" name="그룹 86">
                   <a:extLst>
                     <a:ext uri="{FF2B5EF4-FFF2-40B4-BE49-F238E27FC236}">
-                      <a16:creationId xmlns="" xmlns:a16="http://schemas.microsoft.com/office/drawing/2014/main" id="{DB3D1E92-36A2-4E4B-A9E3-F3385F21BFE2}"/>
+                      <a16:creationId xmlns:a16="http://schemas.microsoft.com/office/drawing/2014/main" xmlns="" id="{DB3D1E92-36A2-4E4B-A9E3-F3385F21BFE2}"/>
                     </a:ext>
                   </a:extLst>
                 </p:cNvPr>
@@ -15754,7 +15848,7 @@
                   <p:cNvPr id="88" name="그림 87">
                     <a:extLst>
                       <a:ext uri="{FF2B5EF4-FFF2-40B4-BE49-F238E27FC236}">
-                        <a16:creationId xmlns="" xmlns:a16="http://schemas.microsoft.com/office/drawing/2014/main" id="{310A1607-2E5D-7949-81C0-D400971989C1}"/>
+                        <a16:creationId xmlns:a16="http://schemas.microsoft.com/office/drawing/2014/main" xmlns="" id="{310A1607-2E5D-7949-81C0-D400971989C1}"/>
                       </a:ext>
                     </a:extLst>
                   </p:cNvPr>
@@ -15790,7 +15884,7 @@
                   <p:cNvPr id="89" name="그림 88">
                     <a:extLst>
                       <a:ext uri="{FF2B5EF4-FFF2-40B4-BE49-F238E27FC236}">
-                        <a16:creationId xmlns="" xmlns:a16="http://schemas.microsoft.com/office/drawing/2014/main" id="{AE2CF56A-0624-7D4B-AA9F-F608E8401AA8}"/>
+                        <a16:creationId xmlns:a16="http://schemas.microsoft.com/office/drawing/2014/main" xmlns="" id="{AE2CF56A-0624-7D4B-AA9F-F608E8401AA8}"/>
                       </a:ext>
                     </a:extLst>
                   </p:cNvPr>
@@ -15826,7 +15920,7 @@
                   <p:cNvPr id="90" name="그림 89">
                     <a:extLst>
                       <a:ext uri="{FF2B5EF4-FFF2-40B4-BE49-F238E27FC236}">
-                        <a16:creationId xmlns="" xmlns:a16="http://schemas.microsoft.com/office/drawing/2014/main" id="{FDF6C75F-3259-964E-B804-6766C37FE83E}"/>
+                        <a16:creationId xmlns:a16="http://schemas.microsoft.com/office/drawing/2014/main" xmlns="" id="{FDF6C75F-3259-964E-B804-6766C37FE83E}"/>
                       </a:ext>
                     </a:extLst>
                   </p:cNvPr>
@@ -15862,7 +15956,7 @@
                   <p:cNvPr id="91" name="그림 90">
                     <a:extLst>
                       <a:ext uri="{FF2B5EF4-FFF2-40B4-BE49-F238E27FC236}">
-                        <a16:creationId xmlns="" xmlns:a16="http://schemas.microsoft.com/office/drawing/2014/main" id="{28BE5950-2648-0E45-B53E-0D732C7BE33A}"/>
+                        <a16:creationId xmlns:a16="http://schemas.microsoft.com/office/drawing/2014/main" xmlns="" id="{28BE5950-2648-0E45-B53E-0D732C7BE33A}"/>
                       </a:ext>
                     </a:extLst>
                   </p:cNvPr>
@@ -15898,7 +15992,7 @@
                   <p:cNvPr id="92" name="그림 91">
                     <a:extLst>
                       <a:ext uri="{FF2B5EF4-FFF2-40B4-BE49-F238E27FC236}">
-                        <a16:creationId xmlns="" xmlns:a16="http://schemas.microsoft.com/office/drawing/2014/main" id="{0193EAC1-4378-AF4C-B02D-AE9EE0A03405}"/>
+                        <a16:creationId xmlns:a16="http://schemas.microsoft.com/office/drawing/2014/main" xmlns="" id="{0193EAC1-4378-AF4C-B02D-AE9EE0A03405}"/>
                       </a:ext>
                     </a:extLst>
                   </p:cNvPr>
@@ -15934,7 +16028,7 @@
                   <p:cNvPr id="93" name="그림 92">
                     <a:extLst>
                       <a:ext uri="{FF2B5EF4-FFF2-40B4-BE49-F238E27FC236}">
-                        <a16:creationId xmlns="" xmlns:a16="http://schemas.microsoft.com/office/drawing/2014/main" id="{4ABE6497-DD6F-1C4C-A6B8-D94D56C781CB}"/>
+                        <a16:creationId xmlns:a16="http://schemas.microsoft.com/office/drawing/2014/main" xmlns="" id="{4ABE6497-DD6F-1C4C-A6B8-D94D56C781CB}"/>
                       </a:ext>
                     </a:extLst>
                   </p:cNvPr>
@@ -15970,7 +16064,7 @@
                   <p:cNvPr id="94" name="그림 93">
                     <a:extLst>
                       <a:ext uri="{FF2B5EF4-FFF2-40B4-BE49-F238E27FC236}">
-                        <a16:creationId xmlns="" xmlns:a16="http://schemas.microsoft.com/office/drawing/2014/main" id="{65BAE3D4-8B66-4B42-8FDB-BEAE9BE6DD2B}"/>
+                        <a16:creationId xmlns:a16="http://schemas.microsoft.com/office/drawing/2014/main" xmlns="" id="{65BAE3D4-8B66-4B42-8FDB-BEAE9BE6DD2B}"/>
                       </a:ext>
                     </a:extLst>
                   </p:cNvPr>
@@ -16006,7 +16100,7 @@
                   <p:cNvPr id="95" name="그림 94">
                     <a:extLst>
                       <a:ext uri="{FF2B5EF4-FFF2-40B4-BE49-F238E27FC236}">
-                        <a16:creationId xmlns="" xmlns:a16="http://schemas.microsoft.com/office/drawing/2014/main" id="{10B20DCE-FA7C-0B41-9D52-66CA8AA73CD6}"/>
+                        <a16:creationId xmlns:a16="http://schemas.microsoft.com/office/drawing/2014/main" xmlns="" id="{10B20DCE-FA7C-0B41-9D52-66CA8AA73CD6}"/>
                       </a:ext>
                     </a:extLst>
                   </p:cNvPr>
@@ -16042,7 +16136,7 @@
                   <p:cNvPr id="96" name="그림 95">
                     <a:extLst>
                       <a:ext uri="{FF2B5EF4-FFF2-40B4-BE49-F238E27FC236}">
-                        <a16:creationId xmlns="" xmlns:a16="http://schemas.microsoft.com/office/drawing/2014/main" id="{CB662DD4-5D1A-5440-9BC8-3291A6021A2C}"/>
+                        <a16:creationId xmlns:a16="http://schemas.microsoft.com/office/drawing/2014/main" xmlns="" id="{CB662DD4-5D1A-5440-9BC8-3291A6021A2C}"/>
                       </a:ext>
                     </a:extLst>
                   </p:cNvPr>
@@ -16078,7 +16172,7 @@
                   <p:cNvPr id="97" name="그림 96">
                     <a:extLst>
                       <a:ext uri="{FF2B5EF4-FFF2-40B4-BE49-F238E27FC236}">
-                        <a16:creationId xmlns="" xmlns:a16="http://schemas.microsoft.com/office/drawing/2014/main" id="{CDBEB3A2-0D79-BF49-A6FA-DF455AAE2CA3}"/>
+                        <a16:creationId xmlns:a16="http://schemas.microsoft.com/office/drawing/2014/main" xmlns="" id="{CDBEB3A2-0D79-BF49-A6FA-DF455AAE2CA3}"/>
                       </a:ext>
                     </a:extLst>
                   </p:cNvPr>
@@ -16114,7 +16208,7 @@
                   <p:cNvPr id="98" name="그림 97">
                     <a:extLst>
                       <a:ext uri="{FF2B5EF4-FFF2-40B4-BE49-F238E27FC236}">
-                        <a16:creationId xmlns="" xmlns:a16="http://schemas.microsoft.com/office/drawing/2014/main" id="{CACFF09B-3CC0-FB42-826C-CD037B674755}"/>
+                        <a16:creationId xmlns:a16="http://schemas.microsoft.com/office/drawing/2014/main" xmlns="" id="{CACFF09B-3CC0-FB42-826C-CD037B674755}"/>
                       </a:ext>
                     </a:extLst>
                   </p:cNvPr>
@@ -16150,7 +16244,7 @@
                   <p:cNvPr id="99" name="그림 98">
                     <a:extLst>
                       <a:ext uri="{FF2B5EF4-FFF2-40B4-BE49-F238E27FC236}">
-                        <a16:creationId xmlns="" xmlns:a16="http://schemas.microsoft.com/office/drawing/2014/main" id="{9E9BEC52-6E68-8E49-BACB-45DA3D7B4100}"/>
+                        <a16:creationId xmlns:a16="http://schemas.microsoft.com/office/drawing/2014/main" xmlns="" id="{9E9BEC52-6E68-8E49-BACB-45DA3D7B4100}"/>
                       </a:ext>
                     </a:extLst>
                   </p:cNvPr>
@@ -16186,7 +16280,7 @@
                   <p:cNvPr id="100" name="그림 99">
                     <a:extLst>
                       <a:ext uri="{FF2B5EF4-FFF2-40B4-BE49-F238E27FC236}">
-                        <a16:creationId xmlns="" xmlns:a16="http://schemas.microsoft.com/office/drawing/2014/main" id="{165E9630-9871-4A48-8F25-D7ED872EBC24}"/>
+                        <a16:creationId xmlns:a16="http://schemas.microsoft.com/office/drawing/2014/main" xmlns="" id="{165E9630-9871-4A48-8F25-D7ED872EBC24}"/>
                       </a:ext>
                     </a:extLst>
                   </p:cNvPr>
@@ -16222,7 +16316,7 @@
                   <p:cNvPr id="101" name="그림 100">
                     <a:extLst>
                       <a:ext uri="{FF2B5EF4-FFF2-40B4-BE49-F238E27FC236}">
-                        <a16:creationId xmlns="" xmlns:a16="http://schemas.microsoft.com/office/drawing/2014/main" id="{F0C2382E-1366-844C-A0DD-39FD5D13D7F5}"/>
+                        <a16:creationId xmlns:a16="http://schemas.microsoft.com/office/drawing/2014/main" xmlns="" id="{F0C2382E-1366-844C-A0DD-39FD5D13D7F5}"/>
                       </a:ext>
                     </a:extLst>
                   </p:cNvPr>
@@ -16258,7 +16352,7 @@
                   <p:cNvPr id="102" name="그림 101">
                     <a:extLst>
                       <a:ext uri="{FF2B5EF4-FFF2-40B4-BE49-F238E27FC236}">
-                        <a16:creationId xmlns="" xmlns:a16="http://schemas.microsoft.com/office/drawing/2014/main" id="{33E05667-D39A-574F-9455-BA1CCCD3B071}"/>
+                        <a16:creationId xmlns:a16="http://schemas.microsoft.com/office/drawing/2014/main" xmlns="" id="{33E05667-D39A-574F-9455-BA1CCCD3B071}"/>
                       </a:ext>
                     </a:extLst>
                   </p:cNvPr>
@@ -16294,7 +16388,7 @@
                   <p:cNvPr id="103" name="그림 102">
                     <a:extLst>
                       <a:ext uri="{FF2B5EF4-FFF2-40B4-BE49-F238E27FC236}">
-                        <a16:creationId xmlns="" xmlns:a16="http://schemas.microsoft.com/office/drawing/2014/main" id="{B8959F40-A4A0-5547-AB4C-A64F07C461E5}"/>
+                        <a16:creationId xmlns:a16="http://schemas.microsoft.com/office/drawing/2014/main" xmlns="" id="{B8959F40-A4A0-5547-AB4C-A64F07C461E5}"/>
                       </a:ext>
                     </a:extLst>
                   </p:cNvPr>
@@ -16333,7 +16427,7 @@
             <p:cNvPr id="13" name="그룹 12">
               <a:extLst>
                 <a:ext uri="{FF2B5EF4-FFF2-40B4-BE49-F238E27FC236}">
-                  <a16:creationId xmlns="" xmlns:a16="http://schemas.microsoft.com/office/drawing/2014/main" id="{E784A8E2-92E7-8541-8438-22D14D4A855D}"/>
+                  <a16:creationId xmlns:a16="http://schemas.microsoft.com/office/drawing/2014/main" xmlns="" id="{E784A8E2-92E7-8541-8438-22D14D4A855D}"/>
                 </a:ext>
               </a:extLst>
             </p:cNvPr>
@@ -16353,7 +16447,7 @@
               <p:cNvPr id="14" name="그룹 13">
                 <a:extLst>
                   <a:ext uri="{FF2B5EF4-FFF2-40B4-BE49-F238E27FC236}">
-                    <a16:creationId xmlns="" xmlns:a16="http://schemas.microsoft.com/office/drawing/2014/main" id="{E85D194D-2A22-C84E-A355-0208479EC4C6}"/>
+                    <a16:creationId xmlns:a16="http://schemas.microsoft.com/office/drawing/2014/main" xmlns="" id="{E85D194D-2A22-C84E-A355-0208479EC4C6}"/>
                   </a:ext>
                 </a:extLst>
               </p:cNvPr>
@@ -16373,7 +16467,7 @@
                 <p:cNvPr id="50" name="그룹 49">
                   <a:extLst>
                     <a:ext uri="{FF2B5EF4-FFF2-40B4-BE49-F238E27FC236}">
-                      <a16:creationId xmlns="" xmlns:a16="http://schemas.microsoft.com/office/drawing/2014/main" id="{7EBBB7D7-A289-104B-BD6E-A01EA40253FC}"/>
+                      <a16:creationId xmlns:a16="http://schemas.microsoft.com/office/drawing/2014/main" xmlns="" id="{7EBBB7D7-A289-104B-BD6E-A01EA40253FC}"/>
                     </a:ext>
                   </a:extLst>
                 </p:cNvPr>
@@ -16393,7 +16487,7 @@
                   <p:cNvPr id="68" name="그림 67">
                     <a:extLst>
                       <a:ext uri="{FF2B5EF4-FFF2-40B4-BE49-F238E27FC236}">
-                        <a16:creationId xmlns="" xmlns:a16="http://schemas.microsoft.com/office/drawing/2014/main" id="{1F09C813-4EF5-2244-B5CE-81F83E3B7BDC}"/>
+                        <a16:creationId xmlns:a16="http://schemas.microsoft.com/office/drawing/2014/main" xmlns="" id="{1F09C813-4EF5-2244-B5CE-81F83E3B7BDC}"/>
                       </a:ext>
                     </a:extLst>
                   </p:cNvPr>
@@ -16429,7 +16523,7 @@
                   <p:cNvPr id="69" name="그림 68">
                     <a:extLst>
                       <a:ext uri="{FF2B5EF4-FFF2-40B4-BE49-F238E27FC236}">
-                        <a16:creationId xmlns="" xmlns:a16="http://schemas.microsoft.com/office/drawing/2014/main" id="{E364506B-4351-B744-AB76-00B513E3F803}"/>
+                        <a16:creationId xmlns:a16="http://schemas.microsoft.com/office/drawing/2014/main" xmlns="" id="{E364506B-4351-B744-AB76-00B513E3F803}"/>
                       </a:ext>
                     </a:extLst>
                   </p:cNvPr>
@@ -16465,7 +16559,7 @@
                   <p:cNvPr id="70" name="그림 69">
                     <a:extLst>
                       <a:ext uri="{FF2B5EF4-FFF2-40B4-BE49-F238E27FC236}">
-                        <a16:creationId xmlns="" xmlns:a16="http://schemas.microsoft.com/office/drawing/2014/main" id="{F1D0C4F5-076C-1D4B-9668-BA796645C136}"/>
+                        <a16:creationId xmlns:a16="http://schemas.microsoft.com/office/drawing/2014/main" xmlns="" id="{F1D0C4F5-076C-1D4B-9668-BA796645C136}"/>
                       </a:ext>
                     </a:extLst>
                   </p:cNvPr>
@@ -16501,7 +16595,7 @@
                   <p:cNvPr id="71" name="그림 70">
                     <a:extLst>
                       <a:ext uri="{FF2B5EF4-FFF2-40B4-BE49-F238E27FC236}">
-                        <a16:creationId xmlns="" xmlns:a16="http://schemas.microsoft.com/office/drawing/2014/main" id="{CCE4864A-110E-FE4E-86FA-CB123D607067}"/>
+                        <a16:creationId xmlns:a16="http://schemas.microsoft.com/office/drawing/2014/main" xmlns="" id="{CCE4864A-110E-FE4E-86FA-CB123D607067}"/>
                       </a:ext>
                     </a:extLst>
                   </p:cNvPr>
@@ -16537,7 +16631,7 @@
                   <p:cNvPr id="72" name="그림 71">
                     <a:extLst>
                       <a:ext uri="{FF2B5EF4-FFF2-40B4-BE49-F238E27FC236}">
-                        <a16:creationId xmlns="" xmlns:a16="http://schemas.microsoft.com/office/drawing/2014/main" id="{0361AFBB-48CC-EA48-88E3-FF2A50533519}"/>
+                        <a16:creationId xmlns:a16="http://schemas.microsoft.com/office/drawing/2014/main" xmlns="" id="{0361AFBB-48CC-EA48-88E3-FF2A50533519}"/>
                       </a:ext>
                     </a:extLst>
                   </p:cNvPr>
@@ -16573,7 +16667,7 @@
                   <p:cNvPr id="73" name="그림 72">
                     <a:extLst>
                       <a:ext uri="{FF2B5EF4-FFF2-40B4-BE49-F238E27FC236}">
-                        <a16:creationId xmlns="" xmlns:a16="http://schemas.microsoft.com/office/drawing/2014/main" id="{8490C4FE-3A97-FA48-A01B-8C28682AB0F2}"/>
+                        <a16:creationId xmlns:a16="http://schemas.microsoft.com/office/drawing/2014/main" xmlns="" id="{8490C4FE-3A97-FA48-A01B-8C28682AB0F2}"/>
                       </a:ext>
                     </a:extLst>
                   </p:cNvPr>
@@ -16609,7 +16703,7 @@
                   <p:cNvPr id="74" name="그림 73">
                     <a:extLst>
                       <a:ext uri="{FF2B5EF4-FFF2-40B4-BE49-F238E27FC236}">
-                        <a16:creationId xmlns="" xmlns:a16="http://schemas.microsoft.com/office/drawing/2014/main" id="{40C0B904-0CFE-E94E-9F22-1BD5F0775E5E}"/>
+                        <a16:creationId xmlns:a16="http://schemas.microsoft.com/office/drawing/2014/main" xmlns="" id="{40C0B904-0CFE-E94E-9F22-1BD5F0775E5E}"/>
                       </a:ext>
                     </a:extLst>
                   </p:cNvPr>
@@ -16645,7 +16739,7 @@
                   <p:cNvPr id="75" name="그림 74">
                     <a:extLst>
                       <a:ext uri="{FF2B5EF4-FFF2-40B4-BE49-F238E27FC236}">
-                        <a16:creationId xmlns="" xmlns:a16="http://schemas.microsoft.com/office/drawing/2014/main" id="{057BE812-51AB-764F-9C6D-70DE500BB9D8}"/>
+                        <a16:creationId xmlns:a16="http://schemas.microsoft.com/office/drawing/2014/main" xmlns="" id="{057BE812-51AB-764F-9C6D-70DE500BB9D8}"/>
                       </a:ext>
                     </a:extLst>
                   </p:cNvPr>
@@ -16681,7 +16775,7 @@
                   <p:cNvPr id="76" name="그림 75">
                     <a:extLst>
                       <a:ext uri="{FF2B5EF4-FFF2-40B4-BE49-F238E27FC236}">
-                        <a16:creationId xmlns="" xmlns:a16="http://schemas.microsoft.com/office/drawing/2014/main" id="{7DAE9E0D-688E-5E4D-A8BF-C8EE216BF72F}"/>
+                        <a16:creationId xmlns:a16="http://schemas.microsoft.com/office/drawing/2014/main" xmlns="" id="{7DAE9E0D-688E-5E4D-A8BF-C8EE216BF72F}"/>
                       </a:ext>
                     </a:extLst>
                   </p:cNvPr>
@@ -16717,7 +16811,7 @@
                   <p:cNvPr id="77" name="그림 76">
                     <a:extLst>
                       <a:ext uri="{FF2B5EF4-FFF2-40B4-BE49-F238E27FC236}">
-                        <a16:creationId xmlns="" xmlns:a16="http://schemas.microsoft.com/office/drawing/2014/main" id="{D3A0221D-7DB7-4545-BA8A-EFD9C20D4AAC}"/>
+                        <a16:creationId xmlns:a16="http://schemas.microsoft.com/office/drawing/2014/main" xmlns="" id="{D3A0221D-7DB7-4545-BA8A-EFD9C20D4AAC}"/>
                       </a:ext>
                     </a:extLst>
                   </p:cNvPr>
@@ -16753,7 +16847,7 @@
                   <p:cNvPr id="78" name="그림 77">
                     <a:extLst>
                       <a:ext uri="{FF2B5EF4-FFF2-40B4-BE49-F238E27FC236}">
-                        <a16:creationId xmlns="" xmlns:a16="http://schemas.microsoft.com/office/drawing/2014/main" id="{068E7B06-2029-A344-BDAC-FDF2FB428020}"/>
+                        <a16:creationId xmlns:a16="http://schemas.microsoft.com/office/drawing/2014/main" xmlns="" id="{068E7B06-2029-A344-BDAC-FDF2FB428020}"/>
                       </a:ext>
                     </a:extLst>
                   </p:cNvPr>
@@ -16789,7 +16883,7 @@
                   <p:cNvPr id="79" name="그림 78">
                     <a:extLst>
                       <a:ext uri="{FF2B5EF4-FFF2-40B4-BE49-F238E27FC236}">
-                        <a16:creationId xmlns="" xmlns:a16="http://schemas.microsoft.com/office/drawing/2014/main" id="{9164D60F-0911-9041-B545-6E4FC5E69570}"/>
+                        <a16:creationId xmlns:a16="http://schemas.microsoft.com/office/drawing/2014/main" xmlns="" id="{9164D60F-0911-9041-B545-6E4FC5E69570}"/>
                       </a:ext>
                     </a:extLst>
                   </p:cNvPr>
@@ -16825,7 +16919,7 @@
                   <p:cNvPr id="80" name="그림 79">
                     <a:extLst>
                       <a:ext uri="{FF2B5EF4-FFF2-40B4-BE49-F238E27FC236}">
-                        <a16:creationId xmlns="" xmlns:a16="http://schemas.microsoft.com/office/drawing/2014/main" id="{339AB236-5EEF-A444-8613-3B482A9408A2}"/>
+                        <a16:creationId xmlns:a16="http://schemas.microsoft.com/office/drawing/2014/main" xmlns="" id="{339AB236-5EEF-A444-8613-3B482A9408A2}"/>
                       </a:ext>
                     </a:extLst>
                   </p:cNvPr>
@@ -16861,7 +16955,7 @@
                   <p:cNvPr id="81" name="그림 80">
                     <a:extLst>
                       <a:ext uri="{FF2B5EF4-FFF2-40B4-BE49-F238E27FC236}">
-                        <a16:creationId xmlns="" xmlns:a16="http://schemas.microsoft.com/office/drawing/2014/main" id="{90F6D9F8-99F0-5B40-B4F1-04EE43D620C0}"/>
+                        <a16:creationId xmlns:a16="http://schemas.microsoft.com/office/drawing/2014/main" xmlns="" id="{90F6D9F8-99F0-5B40-B4F1-04EE43D620C0}"/>
                       </a:ext>
                     </a:extLst>
                   </p:cNvPr>
@@ -16897,7 +16991,7 @@
                   <p:cNvPr id="82" name="그림 81">
                     <a:extLst>
                       <a:ext uri="{FF2B5EF4-FFF2-40B4-BE49-F238E27FC236}">
-                        <a16:creationId xmlns="" xmlns:a16="http://schemas.microsoft.com/office/drawing/2014/main" id="{AF0B9399-0951-F64B-A394-B3D962ABF462}"/>
+                        <a16:creationId xmlns:a16="http://schemas.microsoft.com/office/drawing/2014/main" xmlns="" id="{AF0B9399-0951-F64B-A394-B3D962ABF462}"/>
                       </a:ext>
                     </a:extLst>
                   </p:cNvPr>
@@ -16933,7 +17027,7 @@
                   <p:cNvPr id="83" name="그림 82">
                     <a:extLst>
                       <a:ext uri="{FF2B5EF4-FFF2-40B4-BE49-F238E27FC236}">
-                        <a16:creationId xmlns="" xmlns:a16="http://schemas.microsoft.com/office/drawing/2014/main" id="{CC3C39EF-1643-994C-98AE-B1AB5DE61242}"/>
+                        <a16:creationId xmlns:a16="http://schemas.microsoft.com/office/drawing/2014/main" xmlns="" id="{CC3C39EF-1643-994C-98AE-B1AB5DE61242}"/>
                       </a:ext>
                     </a:extLst>
                   </p:cNvPr>
@@ -16970,7 +17064,7 @@
                 <p:cNvPr id="51" name="그룹 50">
                   <a:extLst>
                     <a:ext uri="{FF2B5EF4-FFF2-40B4-BE49-F238E27FC236}">
-                      <a16:creationId xmlns="" xmlns:a16="http://schemas.microsoft.com/office/drawing/2014/main" id="{42948CD0-0022-2141-9D33-95FBC473339F}"/>
+                      <a16:creationId xmlns:a16="http://schemas.microsoft.com/office/drawing/2014/main" xmlns="" id="{42948CD0-0022-2141-9D33-95FBC473339F}"/>
                     </a:ext>
                   </a:extLst>
                 </p:cNvPr>
@@ -16990,7 +17084,7 @@
                   <p:cNvPr id="52" name="그림 51">
                     <a:extLst>
                       <a:ext uri="{FF2B5EF4-FFF2-40B4-BE49-F238E27FC236}">
-                        <a16:creationId xmlns="" xmlns:a16="http://schemas.microsoft.com/office/drawing/2014/main" id="{977E62E0-D8AF-D54B-BEC9-0BD89476CD14}"/>
+                        <a16:creationId xmlns:a16="http://schemas.microsoft.com/office/drawing/2014/main" xmlns="" id="{977E62E0-D8AF-D54B-BEC9-0BD89476CD14}"/>
                       </a:ext>
                     </a:extLst>
                   </p:cNvPr>
@@ -17026,7 +17120,7 @@
                   <p:cNvPr id="53" name="그림 52">
                     <a:extLst>
                       <a:ext uri="{FF2B5EF4-FFF2-40B4-BE49-F238E27FC236}">
-                        <a16:creationId xmlns="" xmlns:a16="http://schemas.microsoft.com/office/drawing/2014/main" id="{1FE2DE83-8C0E-3546-8072-B762244A9B96}"/>
+                        <a16:creationId xmlns:a16="http://schemas.microsoft.com/office/drawing/2014/main" xmlns="" id="{1FE2DE83-8C0E-3546-8072-B762244A9B96}"/>
                       </a:ext>
                     </a:extLst>
                   </p:cNvPr>
@@ -17062,7 +17156,7 @@
                   <p:cNvPr id="54" name="그림 53">
                     <a:extLst>
                       <a:ext uri="{FF2B5EF4-FFF2-40B4-BE49-F238E27FC236}">
-                        <a16:creationId xmlns="" xmlns:a16="http://schemas.microsoft.com/office/drawing/2014/main" id="{AA0FD140-92FD-2844-81CD-CBE1CFDDC45D}"/>
+                        <a16:creationId xmlns:a16="http://schemas.microsoft.com/office/drawing/2014/main" xmlns="" id="{AA0FD140-92FD-2844-81CD-CBE1CFDDC45D}"/>
                       </a:ext>
                     </a:extLst>
                   </p:cNvPr>
@@ -17098,7 +17192,7 @@
                   <p:cNvPr id="55" name="그림 54">
                     <a:extLst>
                       <a:ext uri="{FF2B5EF4-FFF2-40B4-BE49-F238E27FC236}">
-                        <a16:creationId xmlns="" xmlns:a16="http://schemas.microsoft.com/office/drawing/2014/main" id="{8BB661D2-5734-144D-B8C8-DBCFBD906BB2}"/>
+                        <a16:creationId xmlns:a16="http://schemas.microsoft.com/office/drawing/2014/main" xmlns="" id="{8BB661D2-5734-144D-B8C8-DBCFBD906BB2}"/>
                       </a:ext>
                     </a:extLst>
                   </p:cNvPr>
@@ -17134,7 +17228,7 @@
                   <p:cNvPr id="56" name="그림 55">
                     <a:extLst>
                       <a:ext uri="{FF2B5EF4-FFF2-40B4-BE49-F238E27FC236}">
-                        <a16:creationId xmlns="" xmlns:a16="http://schemas.microsoft.com/office/drawing/2014/main" id="{AB8A9ACA-179D-814E-835B-813BB4754C90}"/>
+                        <a16:creationId xmlns:a16="http://schemas.microsoft.com/office/drawing/2014/main" xmlns="" id="{AB8A9ACA-179D-814E-835B-813BB4754C90}"/>
                       </a:ext>
                     </a:extLst>
                   </p:cNvPr>
@@ -17170,7 +17264,7 @@
                   <p:cNvPr id="57" name="그림 56">
                     <a:extLst>
                       <a:ext uri="{FF2B5EF4-FFF2-40B4-BE49-F238E27FC236}">
-                        <a16:creationId xmlns="" xmlns:a16="http://schemas.microsoft.com/office/drawing/2014/main" id="{8AC65860-B958-C048-8A5E-52A74EDAD721}"/>
+                        <a16:creationId xmlns:a16="http://schemas.microsoft.com/office/drawing/2014/main" xmlns="" id="{8AC65860-B958-C048-8A5E-52A74EDAD721}"/>
                       </a:ext>
                     </a:extLst>
                   </p:cNvPr>
@@ -17206,7 +17300,7 @@
                   <p:cNvPr id="58" name="그림 57">
                     <a:extLst>
                       <a:ext uri="{FF2B5EF4-FFF2-40B4-BE49-F238E27FC236}">
-                        <a16:creationId xmlns="" xmlns:a16="http://schemas.microsoft.com/office/drawing/2014/main" id="{512660FE-7F8A-D84D-AC92-4D1284A39021}"/>
+                        <a16:creationId xmlns:a16="http://schemas.microsoft.com/office/drawing/2014/main" xmlns="" id="{512660FE-7F8A-D84D-AC92-4D1284A39021}"/>
                       </a:ext>
                     </a:extLst>
                   </p:cNvPr>
@@ -17242,7 +17336,7 @@
                   <p:cNvPr id="59" name="그림 58">
                     <a:extLst>
                       <a:ext uri="{FF2B5EF4-FFF2-40B4-BE49-F238E27FC236}">
-                        <a16:creationId xmlns="" xmlns:a16="http://schemas.microsoft.com/office/drawing/2014/main" id="{4C1B06A5-643C-2F46-BEE5-0FD62B22FDFB}"/>
+                        <a16:creationId xmlns:a16="http://schemas.microsoft.com/office/drawing/2014/main" xmlns="" id="{4C1B06A5-643C-2F46-BEE5-0FD62B22FDFB}"/>
                       </a:ext>
                     </a:extLst>
                   </p:cNvPr>
@@ -17278,7 +17372,7 @@
                   <p:cNvPr id="60" name="그림 59">
                     <a:extLst>
                       <a:ext uri="{FF2B5EF4-FFF2-40B4-BE49-F238E27FC236}">
-                        <a16:creationId xmlns="" xmlns:a16="http://schemas.microsoft.com/office/drawing/2014/main" id="{5160EF8D-46CF-9B45-B3DE-B02DD7471F46}"/>
+                        <a16:creationId xmlns:a16="http://schemas.microsoft.com/office/drawing/2014/main" xmlns="" id="{5160EF8D-46CF-9B45-B3DE-B02DD7471F46}"/>
                       </a:ext>
                     </a:extLst>
                   </p:cNvPr>
@@ -17314,7 +17408,7 @@
                   <p:cNvPr id="61" name="그림 60">
                     <a:extLst>
                       <a:ext uri="{FF2B5EF4-FFF2-40B4-BE49-F238E27FC236}">
-                        <a16:creationId xmlns="" xmlns:a16="http://schemas.microsoft.com/office/drawing/2014/main" id="{0199AF2B-E723-A44E-8724-92E9D326AA3C}"/>
+                        <a16:creationId xmlns:a16="http://schemas.microsoft.com/office/drawing/2014/main" xmlns="" id="{0199AF2B-E723-A44E-8724-92E9D326AA3C}"/>
                       </a:ext>
                     </a:extLst>
                   </p:cNvPr>
@@ -17350,7 +17444,7 @@
                   <p:cNvPr id="62" name="그림 61">
                     <a:extLst>
                       <a:ext uri="{FF2B5EF4-FFF2-40B4-BE49-F238E27FC236}">
-                        <a16:creationId xmlns="" xmlns:a16="http://schemas.microsoft.com/office/drawing/2014/main" id="{0083A6F9-2B4E-5140-999E-BD18F0265FBD}"/>
+                        <a16:creationId xmlns:a16="http://schemas.microsoft.com/office/drawing/2014/main" xmlns="" id="{0083A6F9-2B4E-5140-999E-BD18F0265FBD}"/>
                       </a:ext>
                     </a:extLst>
                   </p:cNvPr>
@@ -17386,7 +17480,7 @@
                   <p:cNvPr id="63" name="그림 62">
                     <a:extLst>
                       <a:ext uri="{FF2B5EF4-FFF2-40B4-BE49-F238E27FC236}">
-                        <a16:creationId xmlns="" xmlns:a16="http://schemas.microsoft.com/office/drawing/2014/main" id="{40AA0739-9064-CB48-B8D0-AAD660710CEF}"/>
+                        <a16:creationId xmlns:a16="http://schemas.microsoft.com/office/drawing/2014/main" xmlns="" id="{40AA0739-9064-CB48-B8D0-AAD660710CEF}"/>
                       </a:ext>
                     </a:extLst>
                   </p:cNvPr>
@@ -17422,7 +17516,7 @@
                   <p:cNvPr id="64" name="그림 63">
                     <a:extLst>
                       <a:ext uri="{FF2B5EF4-FFF2-40B4-BE49-F238E27FC236}">
-                        <a16:creationId xmlns="" xmlns:a16="http://schemas.microsoft.com/office/drawing/2014/main" id="{000FF244-D91D-2F43-ACAE-17E187E55BD0}"/>
+                        <a16:creationId xmlns:a16="http://schemas.microsoft.com/office/drawing/2014/main" xmlns="" id="{000FF244-D91D-2F43-ACAE-17E187E55BD0}"/>
                       </a:ext>
                     </a:extLst>
                   </p:cNvPr>
@@ -17458,7 +17552,7 @@
                   <p:cNvPr id="65" name="그림 64">
                     <a:extLst>
                       <a:ext uri="{FF2B5EF4-FFF2-40B4-BE49-F238E27FC236}">
-                        <a16:creationId xmlns="" xmlns:a16="http://schemas.microsoft.com/office/drawing/2014/main" id="{9FC5B4BA-E451-9248-A34B-BFC177393DD9}"/>
+                        <a16:creationId xmlns:a16="http://schemas.microsoft.com/office/drawing/2014/main" xmlns="" id="{9FC5B4BA-E451-9248-A34B-BFC177393DD9}"/>
                       </a:ext>
                     </a:extLst>
                   </p:cNvPr>
@@ -17494,7 +17588,7 @@
                   <p:cNvPr id="66" name="그림 65">
                     <a:extLst>
                       <a:ext uri="{FF2B5EF4-FFF2-40B4-BE49-F238E27FC236}">
-                        <a16:creationId xmlns="" xmlns:a16="http://schemas.microsoft.com/office/drawing/2014/main" id="{B16A8DAF-CF10-3B45-95FD-D37DCBBE7B50}"/>
+                        <a16:creationId xmlns:a16="http://schemas.microsoft.com/office/drawing/2014/main" xmlns="" id="{B16A8DAF-CF10-3B45-95FD-D37DCBBE7B50}"/>
                       </a:ext>
                     </a:extLst>
                   </p:cNvPr>
@@ -17530,7 +17624,7 @@
                   <p:cNvPr id="67" name="그림 66">
                     <a:extLst>
                       <a:ext uri="{FF2B5EF4-FFF2-40B4-BE49-F238E27FC236}">
-                        <a16:creationId xmlns="" xmlns:a16="http://schemas.microsoft.com/office/drawing/2014/main" id="{315DEC79-C87D-2642-9885-0857EF08A374}"/>
+                        <a16:creationId xmlns:a16="http://schemas.microsoft.com/office/drawing/2014/main" xmlns="" id="{315DEC79-C87D-2642-9885-0857EF08A374}"/>
                       </a:ext>
                     </a:extLst>
                   </p:cNvPr>
@@ -17568,7 +17662,7 @@
               <p:cNvPr id="15" name="그룹 14">
                 <a:extLst>
                   <a:ext uri="{FF2B5EF4-FFF2-40B4-BE49-F238E27FC236}">
-                    <a16:creationId xmlns="" xmlns:a16="http://schemas.microsoft.com/office/drawing/2014/main" id="{0EA86149-B8D0-D949-BA5F-2F2C051E3031}"/>
+                    <a16:creationId xmlns:a16="http://schemas.microsoft.com/office/drawing/2014/main" xmlns="" id="{0EA86149-B8D0-D949-BA5F-2F2C051E3031}"/>
                   </a:ext>
                 </a:extLst>
               </p:cNvPr>
@@ -17588,7 +17682,7 @@
                 <p:cNvPr id="16" name="그룹 15">
                   <a:extLst>
                     <a:ext uri="{FF2B5EF4-FFF2-40B4-BE49-F238E27FC236}">
-                      <a16:creationId xmlns="" xmlns:a16="http://schemas.microsoft.com/office/drawing/2014/main" id="{8A76C85A-7BA3-8046-BDFA-C71439F55932}"/>
+                      <a16:creationId xmlns:a16="http://schemas.microsoft.com/office/drawing/2014/main" xmlns="" id="{8A76C85A-7BA3-8046-BDFA-C71439F55932}"/>
                     </a:ext>
                   </a:extLst>
                 </p:cNvPr>
@@ -17608,7 +17702,7 @@
                   <p:cNvPr id="34" name="그림 33">
                     <a:extLst>
                       <a:ext uri="{FF2B5EF4-FFF2-40B4-BE49-F238E27FC236}">
-                        <a16:creationId xmlns="" xmlns:a16="http://schemas.microsoft.com/office/drawing/2014/main" id="{E5A45ED1-AC5F-CE40-BAAC-EB871D7A25B4}"/>
+                        <a16:creationId xmlns:a16="http://schemas.microsoft.com/office/drawing/2014/main" xmlns="" id="{E5A45ED1-AC5F-CE40-BAAC-EB871D7A25B4}"/>
                       </a:ext>
                     </a:extLst>
                   </p:cNvPr>
@@ -17644,7 +17738,7 @@
                   <p:cNvPr id="35" name="그림 34">
                     <a:extLst>
                       <a:ext uri="{FF2B5EF4-FFF2-40B4-BE49-F238E27FC236}">
-                        <a16:creationId xmlns="" xmlns:a16="http://schemas.microsoft.com/office/drawing/2014/main" id="{BB4645C1-1558-9946-941B-758AD75BA10F}"/>
+                        <a16:creationId xmlns:a16="http://schemas.microsoft.com/office/drawing/2014/main" xmlns="" id="{BB4645C1-1558-9946-941B-758AD75BA10F}"/>
                       </a:ext>
                     </a:extLst>
                   </p:cNvPr>
@@ -17680,7 +17774,7 @@
                   <p:cNvPr id="36" name="그림 35">
                     <a:extLst>
                       <a:ext uri="{FF2B5EF4-FFF2-40B4-BE49-F238E27FC236}">
-                        <a16:creationId xmlns="" xmlns:a16="http://schemas.microsoft.com/office/drawing/2014/main" id="{E623E790-14F2-4341-A77F-0035415AA041}"/>
+                        <a16:creationId xmlns:a16="http://schemas.microsoft.com/office/drawing/2014/main" xmlns="" id="{E623E790-14F2-4341-A77F-0035415AA041}"/>
                       </a:ext>
                     </a:extLst>
                   </p:cNvPr>
@@ -17716,7 +17810,7 @@
                   <p:cNvPr id="37" name="그림 36">
                     <a:extLst>
                       <a:ext uri="{FF2B5EF4-FFF2-40B4-BE49-F238E27FC236}">
-                        <a16:creationId xmlns="" xmlns:a16="http://schemas.microsoft.com/office/drawing/2014/main" id="{B8B2696B-D70E-FC47-A2BB-1AD28FEAC2E5}"/>
+                        <a16:creationId xmlns:a16="http://schemas.microsoft.com/office/drawing/2014/main" xmlns="" id="{B8B2696B-D70E-FC47-A2BB-1AD28FEAC2E5}"/>
                       </a:ext>
                     </a:extLst>
                   </p:cNvPr>
@@ -17752,7 +17846,7 @@
                   <p:cNvPr id="38" name="그림 37">
                     <a:extLst>
                       <a:ext uri="{FF2B5EF4-FFF2-40B4-BE49-F238E27FC236}">
-                        <a16:creationId xmlns="" xmlns:a16="http://schemas.microsoft.com/office/drawing/2014/main" id="{86B28C4E-AD16-5040-80F6-E7844528D23C}"/>
+                        <a16:creationId xmlns:a16="http://schemas.microsoft.com/office/drawing/2014/main" xmlns="" id="{86B28C4E-AD16-5040-80F6-E7844528D23C}"/>
                       </a:ext>
                     </a:extLst>
                   </p:cNvPr>
@@ -17788,7 +17882,7 @@
                   <p:cNvPr id="39" name="그림 38">
                     <a:extLst>
                       <a:ext uri="{FF2B5EF4-FFF2-40B4-BE49-F238E27FC236}">
-                        <a16:creationId xmlns="" xmlns:a16="http://schemas.microsoft.com/office/drawing/2014/main" id="{2E9BE54F-A10C-B349-90CD-6052066E8FCB}"/>
+                        <a16:creationId xmlns:a16="http://schemas.microsoft.com/office/drawing/2014/main" xmlns="" id="{2E9BE54F-A10C-B349-90CD-6052066E8FCB}"/>
                       </a:ext>
                     </a:extLst>
                   </p:cNvPr>
@@ -17824,7 +17918,7 @@
                   <p:cNvPr id="40" name="그림 39">
                     <a:extLst>
                       <a:ext uri="{FF2B5EF4-FFF2-40B4-BE49-F238E27FC236}">
-                        <a16:creationId xmlns="" xmlns:a16="http://schemas.microsoft.com/office/drawing/2014/main" id="{BA7C0BF3-D05F-2749-BC4D-3D2279439271}"/>
+                        <a16:creationId xmlns:a16="http://schemas.microsoft.com/office/drawing/2014/main" xmlns="" id="{BA7C0BF3-D05F-2749-BC4D-3D2279439271}"/>
                       </a:ext>
                     </a:extLst>
                   </p:cNvPr>
@@ -17860,7 +17954,7 @@
                   <p:cNvPr id="41" name="그림 40">
                     <a:extLst>
                       <a:ext uri="{FF2B5EF4-FFF2-40B4-BE49-F238E27FC236}">
-                        <a16:creationId xmlns="" xmlns:a16="http://schemas.microsoft.com/office/drawing/2014/main" id="{94BBD5E3-822B-C543-AF07-705A41A67D73}"/>
+                        <a16:creationId xmlns:a16="http://schemas.microsoft.com/office/drawing/2014/main" xmlns="" id="{94BBD5E3-822B-C543-AF07-705A41A67D73}"/>
                       </a:ext>
                     </a:extLst>
                   </p:cNvPr>
@@ -17896,7 +17990,7 @@
                   <p:cNvPr id="42" name="그림 41">
                     <a:extLst>
                       <a:ext uri="{FF2B5EF4-FFF2-40B4-BE49-F238E27FC236}">
-                        <a16:creationId xmlns="" xmlns:a16="http://schemas.microsoft.com/office/drawing/2014/main" id="{29166E9F-481B-D94E-AAD9-B326762D215C}"/>
+                        <a16:creationId xmlns:a16="http://schemas.microsoft.com/office/drawing/2014/main" xmlns="" id="{29166E9F-481B-D94E-AAD9-B326762D215C}"/>
                       </a:ext>
                     </a:extLst>
                   </p:cNvPr>
@@ -17932,7 +18026,7 @@
                   <p:cNvPr id="43" name="그림 42">
                     <a:extLst>
                       <a:ext uri="{FF2B5EF4-FFF2-40B4-BE49-F238E27FC236}">
-                        <a16:creationId xmlns="" xmlns:a16="http://schemas.microsoft.com/office/drawing/2014/main" id="{BA0BF74B-5B5F-9E44-93AF-303133ACB5BF}"/>
+                        <a16:creationId xmlns:a16="http://schemas.microsoft.com/office/drawing/2014/main" xmlns="" id="{BA0BF74B-5B5F-9E44-93AF-303133ACB5BF}"/>
                       </a:ext>
                     </a:extLst>
                   </p:cNvPr>
@@ -17968,7 +18062,7 @@
                   <p:cNvPr id="44" name="그림 43">
                     <a:extLst>
                       <a:ext uri="{FF2B5EF4-FFF2-40B4-BE49-F238E27FC236}">
-                        <a16:creationId xmlns="" xmlns:a16="http://schemas.microsoft.com/office/drawing/2014/main" id="{960B2395-1B17-314D-8ADD-C87BD0442A6F}"/>
+                        <a16:creationId xmlns:a16="http://schemas.microsoft.com/office/drawing/2014/main" xmlns="" id="{960B2395-1B17-314D-8ADD-C87BD0442A6F}"/>
                       </a:ext>
                     </a:extLst>
                   </p:cNvPr>
@@ -18004,7 +18098,7 @@
                   <p:cNvPr id="45" name="그림 44">
                     <a:extLst>
                       <a:ext uri="{FF2B5EF4-FFF2-40B4-BE49-F238E27FC236}">
-                        <a16:creationId xmlns="" xmlns:a16="http://schemas.microsoft.com/office/drawing/2014/main" id="{F1244052-B3CC-754F-B9A1-E79563F0F903}"/>
+                        <a16:creationId xmlns:a16="http://schemas.microsoft.com/office/drawing/2014/main" xmlns="" id="{F1244052-B3CC-754F-B9A1-E79563F0F903}"/>
                       </a:ext>
                     </a:extLst>
                   </p:cNvPr>
@@ -18040,7 +18134,7 @@
                   <p:cNvPr id="46" name="그림 45">
                     <a:extLst>
                       <a:ext uri="{FF2B5EF4-FFF2-40B4-BE49-F238E27FC236}">
-                        <a16:creationId xmlns="" xmlns:a16="http://schemas.microsoft.com/office/drawing/2014/main" id="{68D4395F-AD8C-4149-BFAB-2E1BBD4AEBF5}"/>
+                        <a16:creationId xmlns:a16="http://schemas.microsoft.com/office/drawing/2014/main" xmlns="" id="{68D4395F-AD8C-4149-BFAB-2E1BBD4AEBF5}"/>
                       </a:ext>
                     </a:extLst>
                   </p:cNvPr>
@@ -18076,7 +18170,7 @@
                   <p:cNvPr id="47" name="그림 46">
                     <a:extLst>
                       <a:ext uri="{FF2B5EF4-FFF2-40B4-BE49-F238E27FC236}">
-                        <a16:creationId xmlns="" xmlns:a16="http://schemas.microsoft.com/office/drawing/2014/main" id="{3BF46B26-2B04-0342-9490-6AE2E29C0840}"/>
+                        <a16:creationId xmlns:a16="http://schemas.microsoft.com/office/drawing/2014/main" xmlns="" id="{3BF46B26-2B04-0342-9490-6AE2E29C0840}"/>
                       </a:ext>
                     </a:extLst>
                   </p:cNvPr>
@@ -18112,7 +18206,7 @@
                   <p:cNvPr id="48" name="그림 47">
                     <a:extLst>
                       <a:ext uri="{FF2B5EF4-FFF2-40B4-BE49-F238E27FC236}">
-                        <a16:creationId xmlns="" xmlns:a16="http://schemas.microsoft.com/office/drawing/2014/main" id="{04D98F8A-DFA6-494A-92A1-44111B0A1DE7}"/>
+                        <a16:creationId xmlns:a16="http://schemas.microsoft.com/office/drawing/2014/main" xmlns="" id="{04D98F8A-DFA6-494A-92A1-44111B0A1DE7}"/>
                       </a:ext>
                     </a:extLst>
                   </p:cNvPr>
@@ -18148,7 +18242,7 @@
                   <p:cNvPr id="49" name="그림 48">
                     <a:extLst>
                       <a:ext uri="{FF2B5EF4-FFF2-40B4-BE49-F238E27FC236}">
-                        <a16:creationId xmlns="" xmlns:a16="http://schemas.microsoft.com/office/drawing/2014/main" id="{C6529E9E-75DC-224B-80FE-FB1AABBE17E8}"/>
+                        <a16:creationId xmlns:a16="http://schemas.microsoft.com/office/drawing/2014/main" xmlns="" id="{C6529E9E-75DC-224B-80FE-FB1AABBE17E8}"/>
                       </a:ext>
                     </a:extLst>
                   </p:cNvPr>
@@ -18185,7 +18279,7 @@
                 <p:cNvPr id="17" name="그룹 16">
                   <a:extLst>
                     <a:ext uri="{FF2B5EF4-FFF2-40B4-BE49-F238E27FC236}">
-                      <a16:creationId xmlns="" xmlns:a16="http://schemas.microsoft.com/office/drawing/2014/main" id="{317C9A32-0251-6F4C-B169-85D0E1B55C7C}"/>
+                      <a16:creationId xmlns:a16="http://schemas.microsoft.com/office/drawing/2014/main" xmlns="" id="{317C9A32-0251-6F4C-B169-85D0E1B55C7C}"/>
                     </a:ext>
                   </a:extLst>
                 </p:cNvPr>
@@ -18205,7 +18299,7 @@
                   <p:cNvPr id="18" name="그림 17">
                     <a:extLst>
                       <a:ext uri="{FF2B5EF4-FFF2-40B4-BE49-F238E27FC236}">
-                        <a16:creationId xmlns="" xmlns:a16="http://schemas.microsoft.com/office/drawing/2014/main" id="{E59BA2AF-A678-E049-B3CE-81DB73526781}"/>
+                        <a16:creationId xmlns:a16="http://schemas.microsoft.com/office/drawing/2014/main" xmlns="" id="{E59BA2AF-A678-E049-B3CE-81DB73526781}"/>
                       </a:ext>
                     </a:extLst>
                   </p:cNvPr>
@@ -18241,7 +18335,7 @@
                   <p:cNvPr id="19" name="그림 18">
                     <a:extLst>
                       <a:ext uri="{FF2B5EF4-FFF2-40B4-BE49-F238E27FC236}">
-                        <a16:creationId xmlns="" xmlns:a16="http://schemas.microsoft.com/office/drawing/2014/main" id="{4FF8CEE9-28F3-9E44-BC53-CB0A43515186}"/>
+                        <a16:creationId xmlns:a16="http://schemas.microsoft.com/office/drawing/2014/main" xmlns="" id="{4FF8CEE9-28F3-9E44-BC53-CB0A43515186}"/>
                       </a:ext>
                     </a:extLst>
                   </p:cNvPr>
@@ -18277,7 +18371,7 @@
                   <p:cNvPr id="20" name="그림 19">
                     <a:extLst>
                       <a:ext uri="{FF2B5EF4-FFF2-40B4-BE49-F238E27FC236}">
-                        <a16:creationId xmlns="" xmlns:a16="http://schemas.microsoft.com/office/drawing/2014/main" id="{A936DC7E-4C9A-4F43-9A73-C7ED0CEA449F}"/>
+                        <a16:creationId xmlns:a16="http://schemas.microsoft.com/office/drawing/2014/main" xmlns="" id="{A936DC7E-4C9A-4F43-9A73-C7ED0CEA449F}"/>
                       </a:ext>
                     </a:extLst>
                   </p:cNvPr>
@@ -18313,7 +18407,7 @@
                   <p:cNvPr id="21" name="그림 20">
                     <a:extLst>
                       <a:ext uri="{FF2B5EF4-FFF2-40B4-BE49-F238E27FC236}">
-                        <a16:creationId xmlns="" xmlns:a16="http://schemas.microsoft.com/office/drawing/2014/main" id="{67411465-9197-4148-8B24-9DBA274E2F88}"/>
+                        <a16:creationId xmlns:a16="http://schemas.microsoft.com/office/drawing/2014/main" xmlns="" id="{67411465-9197-4148-8B24-9DBA274E2F88}"/>
                       </a:ext>
                     </a:extLst>
                   </p:cNvPr>
@@ -18349,7 +18443,7 @@
                   <p:cNvPr id="22" name="그림 21">
                     <a:extLst>
                       <a:ext uri="{FF2B5EF4-FFF2-40B4-BE49-F238E27FC236}">
-                        <a16:creationId xmlns="" xmlns:a16="http://schemas.microsoft.com/office/drawing/2014/main" id="{AAF127BC-A92E-ED47-86DD-129FFE408432}"/>
+                        <a16:creationId xmlns:a16="http://schemas.microsoft.com/office/drawing/2014/main" xmlns="" id="{AAF127BC-A92E-ED47-86DD-129FFE408432}"/>
                       </a:ext>
                     </a:extLst>
                   </p:cNvPr>
@@ -18385,7 +18479,7 @@
                   <p:cNvPr id="23" name="그림 22">
                     <a:extLst>
                       <a:ext uri="{FF2B5EF4-FFF2-40B4-BE49-F238E27FC236}">
-                        <a16:creationId xmlns="" xmlns:a16="http://schemas.microsoft.com/office/drawing/2014/main" id="{DA8B550D-3780-E247-AF99-DF9FC7308B88}"/>
+                        <a16:creationId xmlns:a16="http://schemas.microsoft.com/office/drawing/2014/main" xmlns="" id="{DA8B550D-3780-E247-AF99-DF9FC7308B88}"/>
                       </a:ext>
                     </a:extLst>
                   </p:cNvPr>
@@ -18421,7 +18515,7 @@
                   <p:cNvPr id="24" name="그림 23">
                     <a:extLst>
                       <a:ext uri="{FF2B5EF4-FFF2-40B4-BE49-F238E27FC236}">
-                        <a16:creationId xmlns="" xmlns:a16="http://schemas.microsoft.com/office/drawing/2014/main" id="{40FE24FC-42B8-5848-972B-6ED867008B3A}"/>
+                        <a16:creationId xmlns:a16="http://schemas.microsoft.com/office/drawing/2014/main" xmlns="" id="{40FE24FC-42B8-5848-972B-6ED867008B3A}"/>
                       </a:ext>
                     </a:extLst>
                   </p:cNvPr>
@@ -18457,7 +18551,7 @@
                   <p:cNvPr id="25" name="그림 24">
                     <a:extLst>
                       <a:ext uri="{FF2B5EF4-FFF2-40B4-BE49-F238E27FC236}">
-                        <a16:creationId xmlns="" xmlns:a16="http://schemas.microsoft.com/office/drawing/2014/main" id="{D398BA06-8D51-9148-B09C-3E3D706A5F98}"/>
+                        <a16:creationId xmlns:a16="http://schemas.microsoft.com/office/drawing/2014/main" xmlns="" id="{D398BA06-8D51-9148-B09C-3E3D706A5F98}"/>
                       </a:ext>
                     </a:extLst>
                   </p:cNvPr>
@@ -18493,7 +18587,7 @@
                   <p:cNvPr id="26" name="그림 25">
                     <a:extLst>
                       <a:ext uri="{FF2B5EF4-FFF2-40B4-BE49-F238E27FC236}">
-                        <a16:creationId xmlns="" xmlns:a16="http://schemas.microsoft.com/office/drawing/2014/main" id="{F4FFDD88-C2C2-394A-A81E-721E7B427F14}"/>
+                        <a16:creationId xmlns:a16="http://schemas.microsoft.com/office/drawing/2014/main" xmlns="" id="{F4FFDD88-C2C2-394A-A81E-721E7B427F14}"/>
                       </a:ext>
                     </a:extLst>
                   </p:cNvPr>
@@ -18529,7 +18623,7 @@
                   <p:cNvPr id="27" name="그림 26">
                     <a:extLst>
                       <a:ext uri="{FF2B5EF4-FFF2-40B4-BE49-F238E27FC236}">
-                        <a16:creationId xmlns="" xmlns:a16="http://schemas.microsoft.com/office/drawing/2014/main" id="{B7831F7E-4625-294C-AF4B-30C0208F97AB}"/>
+                        <a16:creationId xmlns:a16="http://schemas.microsoft.com/office/drawing/2014/main" xmlns="" id="{B7831F7E-4625-294C-AF4B-30C0208F97AB}"/>
                       </a:ext>
                     </a:extLst>
                   </p:cNvPr>
@@ -18565,7 +18659,7 @@
                   <p:cNvPr id="28" name="그림 27">
                     <a:extLst>
                       <a:ext uri="{FF2B5EF4-FFF2-40B4-BE49-F238E27FC236}">
-                        <a16:creationId xmlns="" xmlns:a16="http://schemas.microsoft.com/office/drawing/2014/main" id="{0C0DC488-B6F4-BC47-ADFE-678E726F9F84}"/>
+                        <a16:creationId xmlns:a16="http://schemas.microsoft.com/office/drawing/2014/main" xmlns="" id="{0C0DC488-B6F4-BC47-ADFE-678E726F9F84}"/>
                       </a:ext>
                     </a:extLst>
                   </p:cNvPr>
@@ -18601,7 +18695,7 @@
                   <p:cNvPr id="29" name="그림 28">
                     <a:extLst>
                       <a:ext uri="{FF2B5EF4-FFF2-40B4-BE49-F238E27FC236}">
-                        <a16:creationId xmlns="" xmlns:a16="http://schemas.microsoft.com/office/drawing/2014/main" id="{BD0E78E7-CD5C-0C43-8D75-83461064AED2}"/>
+                        <a16:creationId xmlns:a16="http://schemas.microsoft.com/office/drawing/2014/main" xmlns="" id="{BD0E78E7-CD5C-0C43-8D75-83461064AED2}"/>
                       </a:ext>
                     </a:extLst>
                   </p:cNvPr>
@@ -18637,7 +18731,7 @@
                   <p:cNvPr id="30" name="그림 29">
                     <a:extLst>
                       <a:ext uri="{FF2B5EF4-FFF2-40B4-BE49-F238E27FC236}">
-                        <a16:creationId xmlns="" xmlns:a16="http://schemas.microsoft.com/office/drawing/2014/main" id="{88B1F386-B72E-2740-8FB3-01ADF4BDC3C3}"/>
+                        <a16:creationId xmlns:a16="http://schemas.microsoft.com/office/drawing/2014/main" xmlns="" id="{88B1F386-B72E-2740-8FB3-01ADF4BDC3C3}"/>
                       </a:ext>
                     </a:extLst>
                   </p:cNvPr>
@@ -18673,7 +18767,7 @@
                   <p:cNvPr id="31" name="그림 30">
                     <a:extLst>
                       <a:ext uri="{FF2B5EF4-FFF2-40B4-BE49-F238E27FC236}">
-                        <a16:creationId xmlns="" xmlns:a16="http://schemas.microsoft.com/office/drawing/2014/main" id="{FF029715-3EA4-7B47-8660-A690FE6D415B}"/>
+                        <a16:creationId xmlns:a16="http://schemas.microsoft.com/office/drawing/2014/main" xmlns="" id="{FF029715-3EA4-7B47-8660-A690FE6D415B}"/>
                       </a:ext>
                     </a:extLst>
                   </p:cNvPr>
@@ -18709,7 +18803,7 @@
                   <p:cNvPr id="32" name="그림 31">
                     <a:extLst>
                       <a:ext uri="{FF2B5EF4-FFF2-40B4-BE49-F238E27FC236}">
-                        <a16:creationId xmlns="" xmlns:a16="http://schemas.microsoft.com/office/drawing/2014/main" id="{23EDE342-6935-FD4D-BCE7-8887F041FC61}"/>
+                        <a16:creationId xmlns:a16="http://schemas.microsoft.com/office/drawing/2014/main" xmlns="" id="{23EDE342-6935-FD4D-BCE7-8887F041FC61}"/>
                       </a:ext>
                     </a:extLst>
                   </p:cNvPr>
@@ -18745,7 +18839,7 @@
                   <p:cNvPr id="33" name="그림 32">
                     <a:extLst>
                       <a:ext uri="{FF2B5EF4-FFF2-40B4-BE49-F238E27FC236}">
-                        <a16:creationId xmlns="" xmlns:a16="http://schemas.microsoft.com/office/drawing/2014/main" id="{788F7B63-E470-2043-BE37-896BC4C55028}"/>
+                        <a16:creationId xmlns:a16="http://schemas.microsoft.com/office/drawing/2014/main" xmlns="" id="{788F7B63-E470-2043-BE37-896BC4C55028}"/>
                       </a:ext>
                     </a:extLst>
                   </p:cNvPr>
@@ -18785,7 +18879,7 @@
           <p:cNvPr id="158" name="내용 개체 틀 856">
             <a:extLst>
               <a:ext uri="{FF2B5EF4-FFF2-40B4-BE49-F238E27FC236}">
-                <a16:creationId xmlns="" xmlns:a16="http://schemas.microsoft.com/office/drawing/2014/main" id="{2D11D028-4EA3-6D41-AC19-798C605DC84D}"/>
+                <a16:creationId xmlns:a16="http://schemas.microsoft.com/office/drawing/2014/main" xmlns="" id="{2D11D028-4EA3-6D41-AC19-798C605DC84D}"/>
               </a:ext>
             </a:extLst>
           </p:cNvPr>
@@ -18833,7 +18927,7 @@
           <p:cNvPr id="154" name="그래픽 153">
             <a:extLst>
               <a:ext uri="{FF2B5EF4-FFF2-40B4-BE49-F238E27FC236}">
-                <a16:creationId xmlns="" xmlns:a16="http://schemas.microsoft.com/office/drawing/2014/main" id="{9DDC8A34-E9DD-384B-9B85-B788152460FA}"/>
+                <a16:creationId xmlns:a16="http://schemas.microsoft.com/office/drawing/2014/main" xmlns="" id="{9DDC8A34-E9DD-384B-9B85-B788152460FA}"/>
               </a:ext>
             </a:extLst>
           </p:cNvPr>
@@ -18846,7 +18940,7 @@
           <a:blip r:embed="rId18">
             <a:extLst>
               <a:ext uri="{96DAC541-7B7A-43D3-8B79-37D633B846F1}">
-                <asvg:svgBlip xmlns:asvg="http://schemas.microsoft.com/office/drawing/2016/SVG/main" xmlns="" r:embed="rId19"/>
+                <asvg:svgBlip xmlns="" xmlns:asvg="http://schemas.microsoft.com/office/drawing/2016/SVG/main" r:embed="rId19"/>
               </a:ext>
             </a:extLst>
           </a:blip>
@@ -18899,7 +18993,7 @@
           <p:cNvPr id="3" name="그림 2">
             <a:extLst>
               <a:ext uri="{FF2B5EF4-FFF2-40B4-BE49-F238E27FC236}">
-                <a16:creationId xmlns="" xmlns:a16="http://schemas.microsoft.com/office/drawing/2014/main" id="{C57106CC-D566-5647-83B5-938D8EA75DFA}"/>
+                <a16:creationId xmlns:a16="http://schemas.microsoft.com/office/drawing/2014/main" xmlns="" id="{C57106CC-D566-5647-83B5-938D8EA75DFA}"/>
               </a:ext>
             </a:extLst>
           </p:cNvPr>
@@ -18942,7 +19036,7 @@
           <p:cNvPr id="4" name="직선 연결선[R] 3">
             <a:extLst>
               <a:ext uri="{FF2B5EF4-FFF2-40B4-BE49-F238E27FC236}">
-                <a16:creationId xmlns="" xmlns:a16="http://schemas.microsoft.com/office/drawing/2014/main" id="{055402B6-B24B-1243-B658-23299508EE80}"/>
+                <a16:creationId xmlns:a16="http://schemas.microsoft.com/office/drawing/2014/main" xmlns="" id="{055402B6-B24B-1243-B658-23299508EE80}"/>
               </a:ext>
             </a:extLst>
           </p:cNvPr>
@@ -18987,7 +19081,7 @@
           <p:cNvPr id="6" name="내용 개체 틀 856">
             <a:extLst>
               <a:ext uri="{FF2B5EF4-FFF2-40B4-BE49-F238E27FC236}">
-                <a16:creationId xmlns="" xmlns:a16="http://schemas.microsoft.com/office/drawing/2014/main" id="{18637868-3389-6648-AF8D-F3A40EECCDFA}"/>
+                <a16:creationId xmlns:a16="http://schemas.microsoft.com/office/drawing/2014/main" xmlns="" id="{18637868-3389-6648-AF8D-F3A40EECCDFA}"/>
               </a:ext>
             </a:extLst>
           </p:cNvPr>
@@ -19045,7 +19139,7 @@
           <p:cNvPr id="7" name="내용 개체 틀 856">
             <a:extLst>
               <a:ext uri="{FF2B5EF4-FFF2-40B4-BE49-F238E27FC236}">
-                <a16:creationId xmlns="" xmlns:a16="http://schemas.microsoft.com/office/drawing/2014/main" id="{D8A6128F-B17D-C745-BA9F-E173E38FEE72}"/>
+                <a16:creationId xmlns:a16="http://schemas.microsoft.com/office/drawing/2014/main" xmlns="" id="{D8A6128F-B17D-C745-BA9F-E173E38FEE72}"/>
               </a:ext>
             </a:extLst>
           </p:cNvPr>
@@ -19093,7 +19187,7 @@
           <p:cNvPr id="9" name="그래픽 8">
             <a:extLst>
               <a:ext uri="{FF2B5EF4-FFF2-40B4-BE49-F238E27FC236}">
-                <a16:creationId xmlns="" xmlns:a16="http://schemas.microsoft.com/office/drawing/2014/main" id="{3BBB61A9-2CD5-9844-94B1-CCA226F9E6B1}"/>
+                <a16:creationId xmlns:a16="http://schemas.microsoft.com/office/drawing/2014/main" xmlns="" id="{3BBB61A9-2CD5-9844-94B1-CCA226F9E6B1}"/>
               </a:ext>
             </a:extLst>
           </p:cNvPr>
@@ -19106,7 +19200,7 @@
           <a:blip r:embed="rId3">
             <a:extLst>
               <a:ext uri="{96DAC541-7B7A-43D3-8B79-37D633B846F1}">
-                <asvg:svgBlip xmlns:asvg="http://schemas.microsoft.com/office/drawing/2016/SVG/main" xmlns="" r:embed="rId4"/>
+                <asvg:svgBlip xmlns="" xmlns:asvg="http://schemas.microsoft.com/office/drawing/2016/SVG/main" r:embed="rId4"/>
               </a:ext>
             </a:extLst>
           </a:blip>
@@ -19159,7 +19253,7 @@
           <p:cNvPr id="182" name="직선 연결선[R] 181">
             <a:extLst>
               <a:ext uri="{FF2B5EF4-FFF2-40B4-BE49-F238E27FC236}">
-                <a16:creationId xmlns="" xmlns:a16="http://schemas.microsoft.com/office/drawing/2014/main" id="{A86E073F-27F9-2D4B-82D0-3D16763064D7}"/>
+                <a16:creationId xmlns:a16="http://schemas.microsoft.com/office/drawing/2014/main" xmlns="" id="{A86E073F-27F9-2D4B-82D0-3D16763064D7}"/>
               </a:ext>
             </a:extLst>
           </p:cNvPr>
@@ -19204,7 +19298,7 @@
           <p:cNvPr id="187" name="내용 개체 틀 856">
             <a:extLst>
               <a:ext uri="{FF2B5EF4-FFF2-40B4-BE49-F238E27FC236}">
-                <a16:creationId xmlns="" xmlns:a16="http://schemas.microsoft.com/office/drawing/2014/main" id="{832EC526-4852-884F-A211-35F0654B4BA5}"/>
+                <a16:creationId xmlns:a16="http://schemas.microsoft.com/office/drawing/2014/main" xmlns="" id="{832EC526-4852-884F-A211-35F0654B4BA5}"/>
               </a:ext>
             </a:extLst>
           </p:cNvPr>
@@ -19254,7 +19348,7 @@
           <p:cNvPr id="192" name="내용 개체 틀 856">
             <a:extLst>
               <a:ext uri="{FF2B5EF4-FFF2-40B4-BE49-F238E27FC236}">
-                <a16:creationId xmlns="" xmlns:a16="http://schemas.microsoft.com/office/drawing/2014/main" id="{BD8287ED-C2AE-BD4D-BF7E-928C3F9AED61}"/>
+                <a16:creationId xmlns:a16="http://schemas.microsoft.com/office/drawing/2014/main" xmlns="" id="{BD8287ED-C2AE-BD4D-BF7E-928C3F9AED61}"/>
               </a:ext>
             </a:extLst>
           </p:cNvPr>
@@ -19302,7 +19396,7 @@
           <p:cNvPr id="194" name="내용 개체 틀 856">
             <a:extLst>
               <a:ext uri="{FF2B5EF4-FFF2-40B4-BE49-F238E27FC236}">
-                <a16:creationId xmlns="" xmlns:a16="http://schemas.microsoft.com/office/drawing/2014/main" id="{B4F08535-5012-F348-8755-91D64EB6E5F6}"/>
+                <a16:creationId xmlns:a16="http://schemas.microsoft.com/office/drawing/2014/main" xmlns="" id="{B4F08535-5012-F348-8755-91D64EB6E5F6}"/>
               </a:ext>
             </a:extLst>
           </p:cNvPr>
@@ -19351,7 +19445,7 @@
           <p:cNvPr id="10" name="Slide Number Placeholder 5">
             <a:extLst>
               <a:ext uri="{FF2B5EF4-FFF2-40B4-BE49-F238E27FC236}">
-                <a16:creationId xmlns="" xmlns:a16="http://schemas.microsoft.com/office/drawing/2014/main" id="{DB7B80C9-34D6-A249-BC79-9A54090B803E}"/>
+                <a16:creationId xmlns:a16="http://schemas.microsoft.com/office/drawing/2014/main" xmlns="" id="{DB7B80C9-34D6-A249-BC79-9A54090B803E}"/>
               </a:ext>
             </a:extLst>
           </p:cNvPr>
@@ -19401,7 +19495,7 @@
           <p:cNvPr id="12" name="내용 개체 틀 856">
             <a:extLst>
               <a:ext uri="{FF2B5EF4-FFF2-40B4-BE49-F238E27FC236}">
-                <a16:creationId xmlns="" xmlns:a16="http://schemas.microsoft.com/office/drawing/2014/main" id="{679FE3C3-487A-FA4B-B0DC-A93DE26120A0}"/>
+                <a16:creationId xmlns:a16="http://schemas.microsoft.com/office/drawing/2014/main" xmlns="" id="{679FE3C3-487A-FA4B-B0DC-A93DE26120A0}"/>
               </a:ext>
             </a:extLst>
           </p:cNvPr>
@@ -19451,7 +19545,7 @@
           <p:cNvPr id="11" name="그래픽 10">
             <a:extLst>
               <a:ext uri="{FF2B5EF4-FFF2-40B4-BE49-F238E27FC236}">
-                <a16:creationId xmlns="" xmlns:a16="http://schemas.microsoft.com/office/drawing/2014/main" id="{7C483DF0-AB4E-7D4F-8865-574604B50335}"/>
+                <a16:creationId xmlns:a16="http://schemas.microsoft.com/office/drawing/2014/main" xmlns="" id="{7C483DF0-AB4E-7D4F-8865-574604B50335}"/>
               </a:ext>
             </a:extLst>
           </p:cNvPr>
@@ -19464,7 +19558,7 @@
           <a:blip r:embed="rId2">
             <a:extLst>
               <a:ext uri="{96DAC541-7B7A-43D3-8B79-37D633B846F1}">
-                <asvg:svgBlip xmlns:asvg="http://schemas.microsoft.com/office/drawing/2016/SVG/main" xmlns="" r:embed="rId3"/>
+                <asvg:svgBlip xmlns="" xmlns:asvg="http://schemas.microsoft.com/office/drawing/2016/SVG/main" r:embed="rId3"/>
               </a:ext>
             </a:extLst>
           </a:blip>
@@ -19517,7 +19611,7 @@
           <p:cNvPr id="8" name="직선 연결선[R] 7">
             <a:extLst>
               <a:ext uri="{FF2B5EF4-FFF2-40B4-BE49-F238E27FC236}">
-                <a16:creationId xmlns="" xmlns:a16="http://schemas.microsoft.com/office/drawing/2014/main" id="{17E49231-C11F-214B-A618-C5FED64D3107}"/>
+                <a16:creationId xmlns:a16="http://schemas.microsoft.com/office/drawing/2014/main" xmlns="" id="{17E49231-C11F-214B-A618-C5FED64D3107}"/>
               </a:ext>
             </a:extLst>
           </p:cNvPr>
@@ -19562,7 +19656,7 @@
           <p:cNvPr id="12" name="내용 개체 틀 856">
             <a:extLst>
               <a:ext uri="{FF2B5EF4-FFF2-40B4-BE49-F238E27FC236}">
-                <a16:creationId xmlns="" xmlns:a16="http://schemas.microsoft.com/office/drawing/2014/main" id="{6169ECFB-DC97-2440-9377-97749C185B5B}"/>
+                <a16:creationId xmlns:a16="http://schemas.microsoft.com/office/drawing/2014/main" xmlns="" id="{6169ECFB-DC97-2440-9377-97749C185B5B}"/>
               </a:ext>
             </a:extLst>
           </p:cNvPr>
@@ -19612,7 +19706,7 @@
           <p:cNvPr id="13" name="내용 개체 틀 856">
             <a:extLst>
               <a:ext uri="{FF2B5EF4-FFF2-40B4-BE49-F238E27FC236}">
-                <a16:creationId xmlns="" xmlns:a16="http://schemas.microsoft.com/office/drawing/2014/main" id="{2941528B-7570-AF44-B4CC-51EEBEAB9749}"/>
+                <a16:creationId xmlns:a16="http://schemas.microsoft.com/office/drawing/2014/main" xmlns="" id="{2941528B-7570-AF44-B4CC-51EEBEAB9749}"/>
               </a:ext>
             </a:extLst>
           </p:cNvPr>
@@ -19662,7 +19756,7 @@
           <p:cNvPr id="14" name="내용 개체 틀 856">
             <a:extLst>
               <a:ext uri="{FF2B5EF4-FFF2-40B4-BE49-F238E27FC236}">
-                <a16:creationId xmlns="" xmlns:a16="http://schemas.microsoft.com/office/drawing/2014/main" id="{D1A68AC7-DCA0-D94D-86E3-65B4185C7E82}"/>
+                <a16:creationId xmlns:a16="http://schemas.microsoft.com/office/drawing/2014/main" xmlns="" id="{D1A68AC7-DCA0-D94D-86E3-65B4185C7E82}"/>
               </a:ext>
             </a:extLst>
           </p:cNvPr>
@@ -19710,7 +19804,7 @@
           <p:cNvPr id="15" name="내용 개체 틀 856">
             <a:extLst>
               <a:ext uri="{FF2B5EF4-FFF2-40B4-BE49-F238E27FC236}">
-                <a16:creationId xmlns="" xmlns:a16="http://schemas.microsoft.com/office/drawing/2014/main" id="{116C4537-B852-0F48-A7B7-2EDAD84C1986}"/>
+                <a16:creationId xmlns:a16="http://schemas.microsoft.com/office/drawing/2014/main" xmlns="" id="{116C4537-B852-0F48-A7B7-2EDAD84C1986}"/>
               </a:ext>
             </a:extLst>
           </p:cNvPr>
@@ -19759,7 +19853,7 @@
           <p:cNvPr id="11" name="Slide Number Placeholder 5">
             <a:extLst>
               <a:ext uri="{FF2B5EF4-FFF2-40B4-BE49-F238E27FC236}">
-                <a16:creationId xmlns="" xmlns:a16="http://schemas.microsoft.com/office/drawing/2014/main" id="{86C4DF74-4AA2-B240-B0D3-BF0AD753B326}"/>
+                <a16:creationId xmlns:a16="http://schemas.microsoft.com/office/drawing/2014/main" xmlns="" id="{86C4DF74-4AA2-B240-B0D3-BF0AD753B326}"/>
               </a:ext>
             </a:extLst>
           </p:cNvPr>
@@ -19809,7 +19903,7 @@
           <p:cNvPr id="10" name="그래픽 9">
             <a:extLst>
               <a:ext uri="{FF2B5EF4-FFF2-40B4-BE49-F238E27FC236}">
-                <a16:creationId xmlns="" xmlns:a16="http://schemas.microsoft.com/office/drawing/2014/main" id="{ED7CFD92-6276-CF49-B4FB-B3C84CFFAB7E}"/>
+                <a16:creationId xmlns:a16="http://schemas.microsoft.com/office/drawing/2014/main" xmlns="" id="{ED7CFD92-6276-CF49-B4FB-B3C84CFFAB7E}"/>
               </a:ext>
             </a:extLst>
           </p:cNvPr>
@@ -19822,7 +19916,7 @@
           <a:blip r:embed="rId2">
             <a:extLst>
               <a:ext uri="{96DAC541-7B7A-43D3-8B79-37D633B846F1}">
-                <asvg:svgBlip xmlns:asvg="http://schemas.microsoft.com/office/drawing/2016/SVG/main" xmlns="" r:embed="rId3"/>
+                <asvg:svgBlip xmlns="" xmlns:asvg="http://schemas.microsoft.com/office/drawing/2016/SVG/main" r:embed="rId3"/>
               </a:ext>
             </a:extLst>
           </a:blip>
@@ -19875,7 +19969,7 @@
           <p:cNvPr id="15" name="그림 14">
             <a:extLst>
               <a:ext uri="{FF2B5EF4-FFF2-40B4-BE49-F238E27FC236}">
-                <a16:creationId xmlns="" xmlns:a16="http://schemas.microsoft.com/office/drawing/2014/main" id="{4BC9797E-553E-9946-825E-54526F0B9120}"/>
+                <a16:creationId xmlns:a16="http://schemas.microsoft.com/office/drawing/2014/main" xmlns="" id="{4BC9797E-553E-9946-825E-54526F0B9120}"/>
               </a:ext>
             </a:extLst>
           </p:cNvPr>
@@ -19911,7 +20005,7 @@
           <p:cNvPr id="3" name="직선 연결선[R] 2">
             <a:extLst>
               <a:ext uri="{FF2B5EF4-FFF2-40B4-BE49-F238E27FC236}">
-                <a16:creationId xmlns="" xmlns:a16="http://schemas.microsoft.com/office/drawing/2014/main" id="{EA2D6438-D4F6-DC43-B2CA-0E38AFC53A71}"/>
+                <a16:creationId xmlns:a16="http://schemas.microsoft.com/office/drawing/2014/main" xmlns="" id="{EA2D6438-D4F6-DC43-B2CA-0E38AFC53A71}"/>
               </a:ext>
             </a:extLst>
           </p:cNvPr>
@@ -19956,7 +20050,7 @@
           <p:cNvPr id="10" name="내용 개체 틀 856">
             <a:extLst>
               <a:ext uri="{FF2B5EF4-FFF2-40B4-BE49-F238E27FC236}">
-                <a16:creationId xmlns="" xmlns:a16="http://schemas.microsoft.com/office/drawing/2014/main" id="{67B67B09-06F4-6C40-A696-9798551E7ABE}"/>
+                <a16:creationId xmlns:a16="http://schemas.microsoft.com/office/drawing/2014/main" xmlns="" id="{67B67B09-06F4-6C40-A696-9798551E7ABE}"/>
               </a:ext>
             </a:extLst>
           </p:cNvPr>
@@ -20006,7 +20100,7 @@
           <p:cNvPr id="11" name="내용 개체 틀 856">
             <a:extLst>
               <a:ext uri="{FF2B5EF4-FFF2-40B4-BE49-F238E27FC236}">
-                <a16:creationId xmlns="" xmlns:a16="http://schemas.microsoft.com/office/drawing/2014/main" id="{7D82E86E-6B14-714B-BCA2-7E4E5DA65D6D}"/>
+                <a16:creationId xmlns:a16="http://schemas.microsoft.com/office/drawing/2014/main" xmlns="" id="{7D82E86E-6B14-714B-BCA2-7E4E5DA65D6D}"/>
               </a:ext>
             </a:extLst>
           </p:cNvPr>
@@ -20056,7 +20150,7 @@
           <p:cNvPr id="12" name="내용 개체 틀 856">
             <a:extLst>
               <a:ext uri="{FF2B5EF4-FFF2-40B4-BE49-F238E27FC236}">
-                <a16:creationId xmlns="" xmlns:a16="http://schemas.microsoft.com/office/drawing/2014/main" id="{C3CD4F07-AC09-F94F-AF5B-6584BDB44273}"/>
+                <a16:creationId xmlns:a16="http://schemas.microsoft.com/office/drawing/2014/main" xmlns="" id="{C3CD4F07-AC09-F94F-AF5B-6584BDB44273}"/>
               </a:ext>
             </a:extLst>
           </p:cNvPr>
@@ -20104,7 +20198,7 @@
           <p:cNvPr id="13" name="내용 개체 틀 856">
             <a:extLst>
               <a:ext uri="{FF2B5EF4-FFF2-40B4-BE49-F238E27FC236}">
-                <a16:creationId xmlns="" xmlns:a16="http://schemas.microsoft.com/office/drawing/2014/main" id="{C9EF4C07-5534-2C4E-886F-96705B5D73C7}"/>
+                <a16:creationId xmlns:a16="http://schemas.microsoft.com/office/drawing/2014/main" xmlns="" id="{C9EF4C07-5534-2C4E-886F-96705B5D73C7}"/>
               </a:ext>
             </a:extLst>
           </p:cNvPr>
@@ -20153,7 +20247,7 @@
           <p:cNvPr id="17" name="Slide Number Placeholder 5">
             <a:extLst>
               <a:ext uri="{FF2B5EF4-FFF2-40B4-BE49-F238E27FC236}">
-                <a16:creationId xmlns="" xmlns:a16="http://schemas.microsoft.com/office/drawing/2014/main" id="{FDD8BC93-20A2-4342-8EDE-41BA3D03D52D}"/>
+                <a16:creationId xmlns:a16="http://schemas.microsoft.com/office/drawing/2014/main" xmlns="" id="{FDD8BC93-20A2-4342-8EDE-41BA3D03D52D}"/>
               </a:ext>
             </a:extLst>
           </p:cNvPr>
@@ -20203,7 +20297,7 @@
           <p:cNvPr id="16" name="그래픽 15">
             <a:extLst>
               <a:ext uri="{FF2B5EF4-FFF2-40B4-BE49-F238E27FC236}">
-                <a16:creationId xmlns="" xmlns:a16="http://schemas.microsoft.com/office/drawing/2014/main" id="{D8A00406-B74B-8E42-86DF-251F32FE91DE}"/>
+                <a16:creationId xmlns:a16="http://schemas.microsoft.com/office/drawing/2014/main" xmlns="" id="{D8A00406-B74B-8E42-86DF-251F32FE91DE}"/>
               </a:ext>
             </a:extLst>
           </p:cNvPr>
@@ -20216,7 +20310,7 @@
           <a:blip r:embed="rId3">
             <a:extLst>
               <a:ext uri="{96DAC541-7B7A-43D3-8B79-37D633B846F1}">
-                <asvg:svgBlip xmlns:asvg="http://schemas.microsoft.com/office/drawing/2016/SVG/main" xmlns="" r:embed="rId5"/>
+                <asvg:svgBlip xmlns="" xmlns:asvg="http://schemas.microsoft.com/office/drawing/2016/SVG/main" r:embed="rId5"/>
               </a:ext>
             </a:extLst>
           </a:blip>
@@ -20298,7 +20392,7 @@
           <p:cNvPr id="66" name="직사각형 65">
             <a:extLst>
               <a:ext uri="{FF2B5EF4-FFF2-40B4-BE49-F238E27FC236}">
-                <a16:creationId xmlns="" xmlns:a16="http://schemas.microsoft.com/office/drawing/2014/main" id="{59202250-FB96-DF49-A850-2BAB80BC774A}"/>
+                <a16:creationId xmlns:a16="http://schemas.microsoft.com/office/drawing/2014/main" xmlns="" id="{59202250-FB96-DF49-A850-2BAB80BC774A}"/>
               </a:ext>
             </a:extLst>
           </p:cNvPr>
@@ -20358,7 +20452,7 @@
           <p:cNvPr id="67" name="직사각형 66">
             <a:extLst>
               <a:ext uri="{FF2B5EF4-FFF2-40B4-BE49-F238E27FC236}">
-                <a16:creationId xmlns="" xmlns:a16="http://schemas.microsoft.com/office/drawing/2014/main" id="{25EC4072-3182-344A-A001-C1365C801EB3}"/>
+                <a16:creationId xmlns:a16="http://schemas.microsoft.com/office/drawing/2014/main" xmlns="" id="{25EC4072-3182-344A-A001-C1365C801EB3}"/>
               </a:ext>
             </a:extLst>
           </p:cNvPr>
@@ -20419,7 +20513,7 @@
           <p:cNvPr id="13" name="내용 개체 틀 856">
             <a:extLst>
               <a:ext uri="{FF2B5EF4-FFF2-40B4-BE49-F238E27FC236}">
-                <a16:creationId xmlns="" xmlns:a16="http://schemas.microsoft.com/office/drawing/2014/main" id="{9EB7F43E-D4D4-C445-9110-E7656506FB8C}"/>
+                <a16:creationId xmlns:a16="http://schemas.microsoft.com/office/drawing/2014/main" xmlns="" id="{9EB7F43E-D4D4-C445-9110-E7656506FB8C}"/>
               </a:ext>
             </a:extLst>
           </p:cNvPr>
@@ -20471,7 +20565,7 @@
           <p:cNvPr id="53" name="내용 개체 틀 856">
             <a:extLst>
               <a:ext uri="{FF2B5EF4-FFF2-40B4-BE49-F238E27FC236}">
-                <a16:creationId xmlns="" xmlns:a16="http://schemas.microsoft.com/office/drawing/2014/main" id="{3FEDA586-7155-B045-B399-133E65928EE8}"/>
+                <a16:creationId xmlns:a16="http://schemas.microsoft.com/office/drawing/2014/main" xmlns="" id="{3FEDA586-7155-B045-B399-133E65928EE8}"/>
               </a:ext>
             </a:extLst>
           </p:cNvPr>
@@ -20518,7 +20612,7 @@
           <p:cNvPr id="12" name="그래픽 11">
             <a:extLst>
               <a:ext uri="{FF2B5EF4-FFF2-40B4-BE49-F238E27FC236}">
-                <a16:creationId xmlns="" xmlns:a16="http://schemas.microsoft.com/office/drawing/2014/main" id="{08F0FF5E-F5D2-5240-89DE-02650053B4B8}"/>
+                <a16:creationId xmlns:a16="http://schemas.microsoft.com/office/drawing/2014/main" xmlns="" id="{08F0FF5E-F5D2-5240-89DE-02650053B4B8}"/>
               </a:ext>
             </a:extLst>
           </p:cNvPr>
@@ -20531,7 +20625,7 @@
           <a:blip r:embed="rId3">
             <a:extLst>
               <a:ext uri="{96DAC541-7B7A-43D3-8B79-37D633B846F1}">
-                <asvg:svgBlip xmlns:asvg="http://schemas.microsoft.com/office/drawing/2016/SVG/main" xmlns="" r:embed="rId4"/>
+                <asvg:svgBlip xmlns="" xmlns:asvg="http://schemas.microsoft.com/office/drawing/2016/SVG/main" r:embed="rId4"/>
               </a:ext>
             </a:extLst>
           </a:blip>
@@ -20907,7 +21001,7 @@
           <p:cNvPr id="6" name="내용 개체 틀 5">
             <a:extLst>
               <a:ext uri="{FF2B5EF4-FFF2-40B4-BE49-F238E27FC236}">
-                <a16:creationId xmlns="" xmlns:a16="http://schemas.microsoft.com/office/drawing/2014/main" id="{51A21447-1A7F-9C4C-835C-05441EE6FDFB}"/>
+                <a16:creationId xmlns:a16="http://schemas.microsoft.com/office/drawing/2014/main" xmlns="" id="{51A21447-1A7F-9C4C-835C-05441EE6FDFB}"/>
               </a:ext>
             </a:extLst>
           </p:cNvPr>
@@ -20958,7 +21052,7 @@
           <p:cNvPr id="8" name="내용 개체 틀 7">
             <a:extLst>
               <a:ext uri="{FF2B5EF4-FFF2-40B4-BE49-F238E27FC236}">
-                <a16:creationId xmlns="" xmlns:a16="http://schemas.microsoft.com/office/drawing/2014/main" id="{9C6BCCF2-D211-9C43-819B-16A70C97F2D3}"/>
+                <a16:creationId xmlns:a16="http://schemas.microsoft.com/office/drawing/2014/main" xmlns="" id="{9C6BCCF2-D211-9C43-819B-16A70C97F2D3}"/>
               </a:ext>
             </a:extLst>
           </p:cNvPr>
@@ -21005,7 +21099,7 @@
           <p:cNvPr id="10" name="내용 개체 틀 7">
             <a:extLst>
               <a:ext uri="{FF2B5EF4-FFF2-40B4-BE49-F238E27FC236}">
-                <a16:creationId xmlns="" xmlns:a16="http://schemas.microsoft.com/office/drawing/2014/main" id="{9C6BCCF2-D211-9C43-819B-16A70C97F2D3}"/>
+                <a16:creationId xmlns:a16="http://schemas.microsoft.com/office/drawing/2014/main" xmlns="" id="{9C6BCCF2-D211-9C43-819B-16A70C97F2D3}"/>
               </a:ext>
             </a:extLst>
           </p:cNvPr>
@@ -21664,7 +21758,7 @@
           <p:cNvPr id="13" name="내용 개체 틀 8">
             <a:extLst>
               <a:ext uri="{FF2B5EF4-FFF2-40B4-BE49-F238E27FC236}">
-                <a16:creationId xmlns:lc="http://schemas.openxmlformats.org/drawingml/2006/lockedCanvas" xmlns:a16="http://schemas.microsoft.com/office/drawing/2014/main" xmlns="" id="{0C94BB02-F83C-5C49-8FF2-C8773990966D}"/>
+                <a16:creationId xmlns="" xmlns:a16="http://schemas.microsoft.com/office/drawing/2014/main" xmlns:lc="http://schemas.openxmlformats.org/drawingml/2006/lockedCanvas" id="{0C94BB02-F83C-5C49-8FF2-C8773990966D}"/>
               </a:ext>
             </a:extLst>
           </p:cNvPr>
@@ -21677,7 +21771,7 @@
           <a:blip r:embed="rId5">
             <a:extLst>
               <a:ext uri="{96DAC541-7B7A-43D3-8B79-37D633B846F1}">
-                <asvg:svgBlip xmlns:lc="http://schemas.openxmlformats.org/drawingml/2006/lockedCanvas" xmlns:asvg="http://schemas.microsoft.com/office/drawing/2016/SVG/main" xmlns="" r:embed="rId6"/>
+                <asvg:svgBlip xmlns="" xmlns:asvg="http://schemas.microsoft.com/office/drawing/2016/SVG/main" xmlns:lc="http://schemas.openxmlformats.org/drawingml/2006/lockedCanvas" r:embed="rId6"/>
               </a:ext>
             </a:extLst>
           </a:blip>
@@ -23048,7 +23142,7 @@
           <p:cNvPr id="11" name="내용 개체 틀 10">
             <a:extLst>
               <a:ext uri="{FF2B5EF4-FFF2-40B4-BE49-F238E27FC236}">
-                <a16:creationId xmlns="" xmlns:a16="http://schemas.microsoft.com/office/drawing/2014/main" id="{5B63096A-AE1A-694F-9B03-569398D3215F}"/>
+                <a16:creationId xmlns:a16="http://schemas.microsoft.com/office/drawing/2014/main" xmlns="" id="{5B63096A-AE1A-694F-9B03-569398D3215F}"/>
               </a:ext>
             </a:extLst>
           </p:cNvPr>
@@ -23098,7 +23192,7 @@
           <p:cNvPr id="12" name="내용 개체 틀 11">
             <a:extLst>
               <a:ext uri="{FF2B5EF4-FFF2-40B4-BE49-F238E27FC236}">
-                <a16:creationId xmlns="" xmlns:a16="http://schemas.microsoft.com/office/drawing/2014/main" id="{DA403F0B-7EF1-B640-81F1-099EE858F5FD}"/>
+                <a16:creationId xmlns:a16="http://schemas.microsoft.com/office/drawing/2014/main" xmlns="" id="{DA403F0B-7EF1-B640-81F1-099EE858F5FD}"/>
               </a:ext>
             </a:extLst>
           </p:cNvPr>
@@ -23129,7 +23223,7 @@
           <p:cNvPr id="18" name="TextBox 17">
             <a:extLst>
               <a:ext uri="{FF2B5EF4-FFF2-40B4-BE49-F238E27FC236}">
-                <a16:creationId xmlns="" xmlns:a16="http://schemas.microsoft.com/office/drawing/2014/main" id="{C9B6D98E-2C2E-1243-A4A8-3D475DB0B879}"/>
+                <a16:creationId xmlns:a16="http://schemas.microsoft.com/office/drawing/2014/main" xmlns="" id="{C9B6D98E-2C2E-1243-A4A8-3D475DB0B879}"/>
               </a:ext>
             </a:extLst>
           </p:cNvPr>
@@ -23250,7 +23344,7 @@
           <p:cNvPr id="19" name="TextBox 18">
             <a:extLst>
               <a:ext uri="{FF2B5EF4-FFF2-40B4-BE49-F238E27FC236}">
-                <a16:creationId xmlns="" xmlns:a16="http://schemas.microsoft.com/office/drawing/2014/main" id="{F2F12F70-61E8-F647-8A40-44993185855E}"/>
+                <a16:creationId xmlns:a16="http://schemas.microsoft.com/office/drawing/2014/main" xmlns="" id="{F2F12F70-61E8-F647-8A40-44993185855E}"/>
               </a:ext>
             </a:extLst>
           </p:cNvPr>
@@ -23349,7 +23443,7 @@
           <p:cNvPr id="20" name="TextBox 19">
             <a:extLst>
               <a:ext uri="{FF2B5EF4-FFF2-40B4-BE49-F238E27FC236}">
-                <a16:creationId xmlns="" xmlns:a16="http://schemas.microsoft.com/office/drawing/2014/main" id="{CE15DC52-792D-FC49-A569-EAB236D32DD1}"/>
+                <a16:creationId xmlns:a16="http://schemas.microsoft.com/office/drawing/2014/main" xmlns="" id="{CE15DC52-792D-FC49-A569-EAB236D32DD1}"/>
               </a:ext>
             </a:extLst>
           </p:cNvPr>
@@ -23448,7 +23542,7 @@
           <p:cNvPr id="21" name="TextBox 20">
             <a:extLst>
               <a:ext uri="{FF2B5EF4-FFF2-40B4-BE49-F238E27FC236}">
-                <a16:creationId xmlns="" xmlns:a16="http://schemas.microsoft.com/office/drawing/2014/main" id="{3628403A-5DCA-4842-BC07-C9C76649B6D2}"/>
+                <a16:creationId xmlns:a16="http://schemas.microsoft.com/office/drawing/2014/main" xmlns="" id="{3628403A-5DCA-4842-BC07-C9C76649B6D2}"/>
               </a:ext>
             </a:extLst>
           </p:cNvPr>
@@ -23547,7 +23641,7 @@
           <p:cNvPr id="22" name="TextBox 21">
             <a:extLst>
               <a:ext uri="{FF2B5EF4-FFF2-40B4-BE49-F238E27FC236}">
-                <a16:creationId xmlns="" xmlns:a16="http://schemas.microsoft.com/office/drawing/2014/main" id="{874ECE76-E751-074B-BACC-DD0A15EC8C63}"/>
+                <a16:creationId xmlns:a16="http://schemas.microsoft.com/office/drawing/2014/main" xmlns="" id="{874ECE76-E751-074B-BACC-DD0A15EC8C63}"/>
               </a:ext>
             </a:extLst>
           </p:cNvPr>
@@ -23657,7 +23751,7 @@
           <p:cNvPr id="23" name="TextBox 22">
             <a:extLst>
               <a:ext uri="{FF2B5EF4-FFF2-40B4-BE49-F238E27FC236}">
-                <a16:creationId xmlns="" xmlns:a16="http://schemas.microsoft.com/office/drawing/2014/main" id="{874ECE76-E751-074B-BACC-DD0A15EC8C63}"/>
+                <a16:creationId xmlns:a16="http://schemas.microsoft.com/office/drawing/2014/main" xmlns="" id="{874ECE76-E751-074B-BACC-DD0A15EC8C63}"/>
               </a:ext>
             </a:extLst>
           </p:cNvPr>
@@ -23721,7 +23815,7 @@
           <p:cNvPr id="30" name="TextBox 29">
             <a:extLst>
               <a:ext uri="{FF2B5EF4-FFF2-40B4-BE49-F238E27FC236}">
-                <a16:creationId xmlns="" xmlns:a16="http://schemas.microsoft.com/office/drawing/2014/main" id="{874ECE76-E751-074B-BACC-DD0A15EC8C63}"/>
+                <a16:creationId xmlns:a16="http://schemas.microsoft.com/office/drawing/2014/main" xmlns="" id="{874ECE76-E751-074B-BACC-DD0A15EC8C63}"/>
               </a:ext>
             </a:extLst>
           </p:cNvPr>
@@ -24297,7 +24391,7 @@
         </p:blipFill>
         <p:spPr>
           <a:xfrm>
-            <a:off x="1990971" y="2756674"/>
+            <a:off x="2016023" y="3057298"/>
             <a:ext cx="608537" cy="320283"/>
           </a:xfrm>
           <a:prstGeom prst="rect">
@@ -24328,7 +24422,7 @@
         </p:blipFill>
         <p:spPr bwMode="auto">
           <a:xfrm>
-            <a:off x="2151548" y="3407516"/>
+            <a:off x="2126496" y="3695614"/>
             <a:ext cx="347281" cy="331364"/>
           </a:xfrm>
           <a:prstGeom prst="rect">
@@ -24369,7 +24463,7 @@
         </p:blipFill>
         <p:spPr bwMode="auto">
           <a:xfrm>
-            <a:off x="2498829" y="3474431"/>
+            <a:off x="2473777" y="3762529"/>
             <a:ext cx="376254" cy="197533"/>
           </a:xfrm>
           <a:prstGeom prst="rect">
@@ -24643,7 +24737,7 @@
           <p:cNvPr id="11" name="그래픽 27">
             <a:extLst>
               <a:ext uri="{FF2B5EF4-FFF2-40B4-BE49-F238E27FC236}">
-                <a16:creationId xmlns="" xmlns:a16="http://schemas.microsoft.com/office/drawing/2014/main" xmlns:lc="http://schemas.openxmlformats.org/drawingml/2006/lockedCanvas" id="{4681478E-E946-6A40-8309-C2291F52AAC9}"/>
+                <a16:creationId xmlns:lc="http://schemas.openxmlformats.org/drawingml/2006/lockedCanvas" xmlns:a16="http://schemas.microsoft.com/office/drawing/2014/main" xmlns="" id="{4681478E-E946-6A40-8309-C2291F52AAC9}"/>
               </a:ext>
             </a:extLst>
           </p:cNvPr>
@@ -24656,7 +24750,7 @@
           <a:blip r:embed="rId5">
             <a:extLst>
               <a:ext uri="{96DAC541-7B7A-43D3-8B79-37D633B846F1}">
-                <asvg:svgBlip xmlns="" xmlns:asvg="http://schemas.microsoft.com/office/drawing/2016/SVG/main" xmlns:lc="http://schemas.openxmlformats.org/drawingml/2006/lockedCanvas" r:embed="rId24"/>
+                <asvg:svgBlip xmlns:lc="http://schemas.openxmlformats.org/drawingml/2006/lockedCanvas" xmlns:asvg="http://schemas.microsoft.com/office/drawing/2016/SVG/main" xmlns="" r:embed="rId24"/>
               </a:ext>
             </a:extLst>
           </a:blip>
@@ -25012,8 +25106,16 @@
           </a:lstStyle>
           <a:p>
             <a:r>
+              <a:rPr lang="en-US" altLang="ko-KR" dirty="0"/>
+              <a:t>1</a:t>
+            </a:r>
+            <a:r>
               <a:rPr lang="en-US" altLang="ko-KR" dirty="0" smtClean="0"/>
-              <a:t>2. Commit : staging area</a:t>
+              <a:t>. </a:t>
+            </a:r>
+            <a:r>
+              <a:rPr lang="en-US" altLang="ko-KR" dirty="0" smtClean="0"/>
+              <a:t>Commit : staging area</a:t>
             </a:r>
             <a:r>
               <a:rPr lang="ko-KR" altLang="en-US" dirty="0" smtClean="0"/>
@@ -25951,7 +26053,7 @@
           <p:cNvPr id="11" name="내용 개체 틀 10">
             <a:extLst>
               <a:ext uri="{FF2B5EF4-FFF2-40B4-BE49-F238E27FC236}">
-                <a16:creationId xmlns="" xmlns:a16="http://schemas.microsoft.com/office/drawing/2014/main" id="{5B63096A-AE1A-694F-9B03-569398D3215F}"/>
+                <a16:creationId xmlns:a16="http://schemas.microsoft.com/office/drawing/2014/main" xmlns="" id="{5B63096A-AE1A-694F-9B03-569398D3215F}"/>
               </a:ext>
             </a:extLst>
           </p:cNvPr>
@@ -25980,7 +26082,7 @@
           <p:cNvPr id="37" name="TextBox 36">
             <a:extLst>
               <a:ext uri="{FF2B5EF4-FFF2-40B4-BE49-F238E27FC236}">
-                <a16:creationId xmlns="" xmlns:a16="http://schemas.microsoft.com/office/drawing/2014/main" id="{77A097B1-DD14-2949-A0F7-95A65DE311BE}"/>
+                <a16:creationId xmlns:a16="http://schemas.microsoft.com/office/drawing/2014/main" xmlns="" id="{77A097B1-DD14-2949-A0F7-95A65DE311BE}"/>
               </a:ext>
             </a:extLst>
           </p:cNvPr>
@@ -26104,7 +26206,7 @@
           <p:cNvPr id="38" name="TextBox 37">
             <a:extLst>
               <a:ext uri="{FF2B5EF4-FFF2-40B4-BE49-F238E27FC236}">
-                <a16:creationId xmlns="" xmlns:a16="http://schemas.microsoft.com/office/drawing/2014/main" id="{8658792F-39DE-1F41-8D61-AD6B19AA335A}"/>
+                <a16:creationId xmlns:a16="http://schemas.microsoft.com/office/drawing/2014/main" xmlns="" id="{8658792F-39DE-1F41-8D61-AD6B19AA335A}"/>
               </a:ext>
             </a:extLst>
           </p:cNvPr>
@@ -26216,7 +26318,7 @@
           <p:cNvPr id="39" name="TextBox 38">
             <a:extLst>
               <a:ext uri="{FF2B5EF4-FFF2-40B4-BE49-F238E27FC236}">
-                <a16:creationId xmlns="" xmlns:a16="http://schemas.microsoft.com/office/drawing/2014/main" id="{D6861B09-F4AC-FB43-9800-2A8795582F2C}"/>
+                <a16:creationId xmlns:a16="http://schemas.microsoft.com/office/drawing/2014/main" xmlns="" id="{D6861B09-F4AC-FB43-9800-2A8795582F2C}"/>
               </a:ext>
             </a:extLst>
           </p:cNvPr>
@@ -26312,7 +26414,7 @@
           <p:cNvPr id="40" name="TextBox 39">
             <a:extLst>
               <a:ext uri="{FF2B5EF4-FFF2-40B4-BE49-F238E27FC236}">
-                <a16:creationId xmlns="" xmlns:a16="http://schemas.microsoft.com/office/drawing/2014/main" id="{A5983FD4-BA29-1C4D-831E-900D8295DDE0}"/>
+                <a16:creationId xmlns:a16="http://schemas.microsoft.com/office/drawing/2014/main" xmlns="" id="{A5983FD4-BA29-1C4D-831E-900D8295DDE0}"/>
               </a:ext>
             </a:extLst>
           </p:cNvPr>
@@ -26398,7 +26500,7 @@
           <p:cNvPr id="41" name="TextBox 40">
             <a:extLst>
               <a:ext uri="{FF2B5EF4-FFF2-40B4-BE49-F238E27FC236}">
-                <a16:creationId xmlns="" xmlns:a16="http://schemas.microsoft.com/office/drawing/2014/main" id="{EBF1EFA3-3789-9142-BAF5-8849CB0EB256}"/>
+                <a16:creationId xmlns:a16="http://schemas.microsoft.com/office/drawing/2014/main" xmlns="" id="{EBF1EFA3-3789-9142-BAF5-8849CB0EB256}"/>
               </a:ext>
             </a:extLst>
           </p:cNvPr>
@@ -26510,7 +26612,7 @@
           <p:cNvPr id="42" name="TextBox 41">
             <a:extLst>
               <a:ext uri="{FF2B5EF4-FFF2-40B4-BE49-F238E27FC236}">
-                <a16:creationId xmlns="" xmlns:a16="http://schemas.microsoft.com/office/drawing/2014/main" id="{C814569F-626F-6B4D-8F38-7A7C6D7CD523}"/>
+                <a16:creationId xmlns:a16="http://schemas.microsoft.com/office/drawing/2014/main" xmlns="" id="{C814569F-626F-6B4D-8F38-7A7C6D7CD523}"/>
               </a:ext>
             </a:extLst>
           </p:cNvPr>
@@ -26629,7 +26731,7 @@
           <p:cNvPr id="43" name="TextBox 42">
             <a:extLst>
               <a:ext uri="{FF2B5EF4-FFF2-40B4-BE49-F238E27FC236}">
-                <a16:creationId xmlns="" xmlns:a16="http://schemas.microsoft.com/office/drawing/2014/main" id="{539D408C-A6D1-2844-A81E-243C3094C7EC}"/>
+                <a16:creationId xmlns:a16="http://schemas.microsoft.com/office/drawing/2014/main" xmlns="" id="{539D408C-A6D1-2844-A81E-243C3094C7EC}"/>
               </a:ext>
             </a:extLst>
           </p:cNvPr>
@@ -26717,7 +26819,7 @@
           <p:cNvPr id="44" name="TextBox 43">
             <a:extLst>
               <a:ext uri="{FF2B5EF4-FFF2-40B4-BE49-F238E27FC236}">
-                <a16:creationId xmlns="" xmlns:a16="http://schemas.microsoft.com/office/drawing/2014/main" id="{F5883B05-423B-F04A-AC5D-558F9DB4F5F1}"/>
+                <a16:creationId xmlns:a16="http://schemas.microsoft.com/office/drawing/2014/main" xmlns="" id="{F5883B05-423B-F04A-AC5D-558F9DB4F5F1}"/>
               </a:ext>
             </a:extLst>
           </p:cNvPr>
@@ -26805,7 +26907,7 @@
           <p:cNvPr id="45" name="TextBox 44">
             <a:extLst>
               <a:ext uri="{FF2B5EF4-FFF2-40B4-BE49-F238E27FC236}">
-                <a16:creationId xmlns="" xmlns:a16="http://schemas.microsoft.com/office/drawing/2014/main" id="{E2244F08-78EC-534D-B19C-37C9BFEC6950}"/>
+                <a16:creationId xmlns:a16="http://schemas.microsoft.com/office/drawing/2014/main" xmlns="" id="{E2244F08-78EC-534D-B19C-37C9BFEC6950}"/>
               </a:ext>
             </a:extLst>
           </p:cNvPr>
@@ -26892,7 +26994,7 @@
           <p:cNvPr id="46" name="TextBox 45">
             <a:extLst>
               <a:ext uri="{FF2B5EF4-FFF2-40B4-BE49-F238E27FC236}">
-                <a16:creationId xmlns="" xmlns:a16="http://schemas.microsoft.com/office/drawing/2014/main" id="{91DC52D9-0F39-ED41-A979-3C5B75B9AD94}"/>
+                <a16:creationId xmlns:a16="http://schemas.microsoft.com/office/drawing/2014/main" xmlns="" id="{91DC52D9-0F39-ED41-A979-3C5B75B9AD94}"/>
               </a:ext>
             </a:extLst>
           </p:cNvPr>
@@ -26979,7 +27081,7 @@
           <p:cNvPr id="48" name="TextBox 47">
             <a:extLst>
               <a:ext uri="{FF2B5EF4-FFF2-40B4-BE49-F238E27FC236}">
-                <a16:creationId xmlns="" xmlns:a16="http://schemas.microsoft.com/office/drawing/2014/main" id="{63774B7F-169E-044D-96F2-83767D4B4CC0}"/>
+                <a16:creationId xmlns:a16="http://schemas.microsoft.com/office/drawing/2014/main" xmlns="" id="{63774B7F-169E-044D-96F2-83767D4B4CC0}"/>
               </a:ext>
             </a:extLst>
           </p:cNvPr>
@@ -27055,7 +27157,7 @@
           <p:cNvPr id="49" name="TextBox 48">
             <a:extLst>
               <a:ext uri="{FF2B5EF4-FFF2-40B4-BE49-F238E27FC236}">
-                <a16:creationId xmlns="" xmlns:a16="http://schemas.microsoft.com/office/drawing/2014/main" id="{E3D7A479-286F-524A-91DA-BBC5CD4D416A}"/>
+                <a16:creationId xmlns:a16="http://schemas.microsoft.com/office/drawing/2014/main" xmlns="" id="{E3D7A479-286F-524A-91DA-BBC5CD4D416A}"/>
               </a:ext>
             </a:extLst>
           </p:cNvPr>
@@ -27131,7 +27233,7 @@
           <p:cNvPr id="55" name="TextBox 54">
             <a:extLst>
               <a:ext uri="{FF2B5EF4-FFF2-40B4-BE49-F238E27FC236}">
-                <a16:creationId xmlns="" xmlns:a16="http://schemas.microsoft.com/office/drawing/2014/main" id="{B279A34A-49E1-EB42-A3F7-7697B46933A6}"/>
+                <a16:creationId xmlns:a16="http://schemas.microsoft.com/office/drawing/2014/main" xmlns="" id="{B279A34A-49E1-EB42-A3F7-7697B46933A6}"/>
               </a:ext>
             </a:extLst>
           </p:cNvPr>
@@ -27261,7 +27363,7 @@
           <p:cNvPr id="56" name="TextBox 55">
             <a:extLst>
               <a:ext uri="{FF2B5EF4-FFF2-40B4-BE49-F238E27FC236}">
-                <a16:creationId xmlns="" xmlns:a16="http://schemas.microsoft.com/office/drawing/2014/main" id="{C9B6D98E-2C2E-1243-A4A8-3D475DB0B879}"/>
+                <a16:creationId xmlns:a16="http://schemas.microsoft.com/office/drawing/2014/main" xmlns="" id="{C9B6D98E-2C2E-1243-A4A8-3D475DB0B879}"/>
               </a:ext>
             </a:extLst>
           </p:cNvPr>
@@ -27382,7 +27484,7 @@
           <p:cNvPr id="57" name="TextBox 56">
             <a:extLst>
               <a:ext uri="{FF2B5EF4-FFF2-40B4-BE49-F238E27FC236}">
-                <a16:creationId xmlns="" xmlns:a16="http://schemas.microsoft.com/office/drawing/2014/main" id="{F2F12F70-61E8-F647-8A40-44993185855E}"/>
+                <a16:creationId xmlns:a16="http://schemas.microsoft.com/office/drawing/2014/main" xmlns="" id="{F2F12F70-61E8-F647-8A40-44993185855E}"/>
               </a:ext>
             </a:extLst>
           </p:cNvPr>
@@ -27482,7 +27584,7 @@
           <p:cNvPr id="58" name="TextBox 57">
             <a:extLst>
               <a:ext uri="{FF2B5EF4-FFF2-40B4-BE49-F238E27FC236}">
-                <a16:creationId xmlns="" xmlns:a16="http://schemas.microsoft.com/office/drawing/2014/main" id="{CE15DC52-792D-FC49-A569-EAB236D32DD1}"/>
+                <a16:creationId xmlns:a16="http://schemas.microsoft.com/office/drawing/2014/main" xmlns="" id="{CE15DC52-792D-FC49-A569-EAB236D32DD1}"/>
               </a:ext>
             </a:extLst>
           </p:cNvPr>
@@ -27557,7 +27659,7 @@
           <p:cNvPr id="59" name="TextBox 58">
             <a:extLst>
               <a:ext uri="{FF2B5EF4-FFF2-40B4-BE49-F238E27FC236}">
-                <a16:creationId xmlns="" xmlns:a16="http://schemas.microsoft.com/office/drawing/2014/main" id="{3628403A-5DCA-4842-BC07-C9C76649B6D2}"/>
+                <a16:creationId xmlns:a16="http://schemas.microsoft.com/office/drawing/2014/main" xmlns="" id="{3628403A-5DCA-4842-BC07-C9C76649B6D2}"/>
               </a:ext>
             </a:extLst>
           </p:cNvPr>
@@ -27632,7 +27734,7 @@
           <p:cNvPr id="27" name="TextBox 26">
             <a:extLst>
               <a:ext uri="{FF2B5EF4-FFF2-40B4-BE49-F238E27FC236}">
-                <a16:creationId xmlns="" xmlns:a16="http://schemas.microsoft.com/office/drawing/2014/main" id="{874ECE76-E751-074B-BACC-DD0A15EC8C63}"/>
+                <a16:creationId xmlns:a16="http://schemas.microsoft.com/office/drawing/2014/main" xmlns="" id="{874ECE76-E751-074B-BACC-DD0A15EC8C63}"/>
               </a:ext>
             </a:extLst>
           </p:cNvPr>
@@ -27696,7 +27798,7 @@
           <p:cNvPr id="28" name="TextBox 27">
             <a:extLst>
               <a:ext uri="{FF2B5EF4-FFF2-40B4-BE49-F238E27FC236}">
-                <a16:creationId xmlns="" xmlns:a16="http://schemas.microsoft.com/office/drawing/2014/main" id="{C814569F-626F-6B4D-8F38-7A7C6D7CD523}"/>
+                <a16:creationId xmlns:a16="http://schemas.microsoft.com/office/drawing/2014/main" xmlns="" id="{C814569F-626F-6B4D-8F38-7A7C6D7CD523}"/>
               </a:ext>
             </a:extLst>
           </p:cNvPr>
@@ -27808,7 +27910,7 @@
           <p:cNvPr id="29" name="TextBox 28">
             <a:extLst>
               <a:ext uri="{FF2B5EF4-FFF2-40B4-BE49-F238E27FC236}">
-                <a16:creationId xmlns="" xmlns:a16="http://schemas.microsoft.com/office/drawing/2014/main" id="{874ECE76-E751-074B-BACC-DD0A15EC8C63}"/>
+                <a16:creationId xmlns:a16="http://schemas.microsoft.com/office/drawing/2014/main" xmlns="" id="{874ECE76-E751-074B-BACC-DD0A15EC8C63}"/>
               </a:ext>
             </a:extLst>
           </p:cNvPr>
@@ -27908,7 +28010,7 @@
           <p:cNvPr id="30" name="TextBox 29">
             <a:extLst>
               <a:ext uri="{FF2B5EF4-FFF2-40B4-BE49-F238E27FC236}">
-                <a16:creationId xmlns="" xmlns:a16="http://schemas.microsoft.com/office/drawing/2014/main" id="{F2F12F70-61E8-F647-8A40-44993185855E}"/>
+                <a16:creationId xmlns:a16="http://schemas.microsoft.com/office/drawing/2014/main" xmlns="" id="{F2F12F70-61E8-F647-8A40-44993185855E}"/>
               </a:ext>
             </a:extLst>
           </p:cNvPr>
@@ -27983,7 +28085,7 @@
           <p:cNvPr id="31" name="TextBox 30">
             <a:extLst>
               <a:ext uri="{FF2B5EF4-FFF2-40B4-BE49-F238E27FC236}">
-                <a16:creationId xmlns="" xmlns:a16="http://schemas.microsoft.com/office/drawing/2014/main" id="{3628403A-5DCA-4842-BC07-C9C76649B6D2}"/>
+                <a16:creationId xmlns:a16="http://schemas.microsoft.com/office/drawing/2014/main" xmlns="" id="{3628403A-5DCA-4842-BC07-C9C76649B6D2}"/>
               </a:ext>
             </a:extLst>
           </p:cNvPr>
@@ -28059,7 +28161,7 @@
           <p:cNvPr id="32" name="TextBox 31">
             <a:extLst>
               <a:ext uri="{FF2B5EF4-FFF2-40B4-BE49-F238E27FC236}">
-                <a16:creationId xmlns="" xmlns:a16="http://schemas.microsoft.com/office/drawing/2014/main" id="{B01096B7-081A-7147-A96A-4C6CC5871111}"/>
+                <a16:creationId xmlns:a16="http://schemas.microsoft.com/office/drawing/2014/main" xmlns="" id="{B01096B7-081A-7147-A96A-4C6CC5871111}"/>
               </a:ext>
             </a:extLst>
           </p:cNvPr>
@@ -28157,7 +28259,7 @@
           <p:cNvPr id="33" name="TextBox 32">
             <a:extLst>
               <a:ext uri="{FF2B5EF4-FFF2-40B4-BE49-F238E27FC236}">
-                <a16:creationId xmlns="" xmlns:a16="http://schemas.microsoft.com/office/drawing/2014/main" id="{6214126A-9617-8D43-A0B8-2612DE9485F5}"/>
+                <a16:creationId xmlns:a16="http://schemas.microsoft.com/office/drawing/2014/main" xmlns="" id="{6214126A-9617-8D43-A0B8-2612DE9485F5}"/>
               </a:ext>
             </a:extLst>
           </p:cNvPr>
@@ -28232,7 +28334,7 @@
           <p:cNvPr id="34" name="TextBox 33">
             <a:extLst>
               <a:ext uri="{FF2B5EF4-FFF2-40B4-BE49-F238E27FC236}">
-                <a16:creationId xmlns="" xmlns:a16="http://schemas.microsoft.com/office/drawing/2014/main" id="{2F9FD6B2-B09B-384D-992A-F8D309050D26}"/>
+                <a16:creationId xmlns:a16="http://schemas.microsoft.com/office/drawing/2014/main" xmlns="" id="{2F9FD6B2-B09B-384D-992A-F8D309050D26}"/>
               </a:ext>
             </a:extLst>
           </p:cNvPr>
@@ -28318,7 +28420,7 @@
           <p:cNvPr id="36" name="TextBox 35">
             <a:extLst>
               <a:ext uri="{FF2B5EF4-FFF2-40B4-BE49-F238E27FC236}">
-                <a16:creationId xmlns="" xmlns:a16="http://schemas.microsoft.com/office/drawing/2014/main" id="{49BC54D3-CAAC-7C48-A7DF-E832B95944DA}"/>
+                <a16:creationId xmlns:a16="http://schemas.microsoft.com/office/drawing/2014/main" xmlns="" id="{49BC54D3-CAAC-7C48-A7DF-E832B95944DA}"/>
               </a:ext>
             </a:extLst>
           </p:cNvPr>
@@ -28404,7 +28506,7 @@
           <p:cNvPr id="60" name="TextBox 59">
             <a:extLst>
               <a:ext uri="{FF2B5EF4-FFF2-40B4-BE49-F238E27FC236}">
-                <a16:creationId xmlns="" xmlns:a16="http://schemas.microsoft.com/office/drawing/2014/main" id="{49BC54D3-CAAC-7C48-A7DF-E832B95944DA}"/>
+                <a16:creationId xmlns:a16="http://schemas.microsoft.com/office/drawing/2014/main" xmlns="" id="{49BC54D3-CAAC-7C48-A7DF-E832B95944DA}"/>
               </a:ext>
             </a:extLst>
           </p:cNvPr>
@@ -28437,19 +28539,7 @@
                 <a:latin typeface="+mj-ea"/>
                 <a:ea typeface="+mj-ea"/>
               </a:rPr>
-              <a:t>4</a:t>
-            </a:r>
-            <a:r>
-              <a:rPr kumimoji="1" lang="en-US" altLang="ko-KR" sz="1400" dirty="0" smtClean="0">
-                <a:solidFill>
-                  <a:schemeClr val="bg2">
-                    <a:lumMod val="50000"/>
-                  </a:schemeClr>
-                </a:solidFill>
-                <a:latin typeface="+mj-ea"/>
-                <a:ea typeface="+mj-ea"/>
-              </a:rPr>
-              <a:t>-4.</a:t>
+              <a:t>4-4.</a:t>
             </a:r>
             <a:r>
               <a:rPr kumimoji="1" lang="ko-KR" altLang="en-US" sz="1400" dirty="0" smtClean="0">
@@ -28483,7 +28573,7 @@
           <p:cNvPr id="35" name="TextBox 34">
             <a:extLst>
               <a:ext uri="{FF2B5EF4-FFF2-40B4-BE49-F238E27FC236}">
-                <a16:creationId xmlns="" xmlns:a16="http://schemas.microsoft.com/office/drawing/2014/main" id="{49BC54D3-CAAC-7C48-A7DF-E832B95944DA}"/>
+                <a16:creationId xmlns:a16="http://schemas.microsoft.com/office/drawing/2014/main" xmlns="" id="{49BC54D3-CAAC-7C48-A7DF-E832B95944DA}"/>
               </a:ext>
             </a:extLst>
           </p:cNvPr>
@@ -28539,18 +28629,7 @@
                 </a:solidFill>
                 <a:latin typeface="+mn-ea"/>
               </a:rPr>
-              <a:t>Conflict </a:t>
-            </a:r>
-            <a:r>
-              <a:rPr kumimoji="1" lang="en-US" altLang="ko-KR" sz="1400" dirty="0" smtClean="0">
-                <a:solidFill>
-                  <a:schemeClr val="bg2">
-                    <a:lumMod val="50000"/>
-                  </a:schemeClr>
-                </a:solidFill>
-                <a:latin typeface="+mn-ea"/>
-              </a:rPr>
-              <a:t>Case 1</a:t>
+              <a:t>Conflict Case 1</a:t>
             </a:r>
             <a:endParaRPr kumimoji="1" lang="en-US" altLang="ko-KR" sz="1400" dirty="0">
               <a:solidFill>
@@ -28569,7 +28648,7 @@
           <p:cNvPr id="47" name="TextBox 46">
             <a:extLst>
               <a:ext uri="{FF2B5EF4-FFF2-40B4-BE49-F238E27FC236}">
-                <a16:creationId xmlns="" xmlns:a16="http://schemas.microsoft.com/office/drawing/2014/main" id="{49BC54D3-CAAC-7C48-A7DF-E832B95944DA}"/>
+                <a16:creationId xmlns:a16="http://schemas.microsoft.com/office/drawing/2014/main" xmlns="" id="{49BC54D3-CAAC-7C48-A7DF-E832B95944DA}"/>
               </a:ext>
             </a:extLst>
           </p:cNvPr>
@@ -28625,18 +28704,7 @@
                 </a:solidFill>
                 <a:latin typeface="+mn-ea"/>
               </a:rPr>
-              <a:t>Conflict </a:t>
-            </a:r>
-            <a:r>
-              <a:rPr kumimoji="1" lang="en-US" altLang="ko-KR" sz="1400" dirty="0" smtClean="0">
-                <a:solidFill>
-                  <a:schemeClr val="bg2">
-                    <a:lumMod val="50000"/>
-                  </a:schemeClr>
-                </a:solidFill>
-                <a:latin typeface="+mn-ea"/>
-              </a:rPr>
-              <a:t>Case 2</a:t>
+              <a:t>Conflict Case 2</a:t>
             </a:r>
             <a:endParaRPr kumimoji="1" lang="en-US" altLang="ko-KR" sz="1400" dirty="0">
               <a:solidFill>
@@ -28655,7 +28723,7 @@
           <p:cNvPr id="50" name="TextBox 49">
             <a:extLst>
               <a:ext uri="{FF2B5EF4-FFF2-40B4-BE49-F238E27FC236}">
-                <a16:creationId xmlns="" xmlns:a16="http://schemas.microsoft.com/office/drawing/2014/main" id="{49BC54D3-CAAC-7C48-A7DF-E832B95944DA}"/>
+                <a16:creationId xmlns:a16="http://schemas.microsoft.com/office/drawing/2014/main" xmlns="" id="{49BC54D3-CAAC-7C48-A7DF-E832B95944DA}"/>
               </a:ext>
             </a:extLst>
           </p:cNvPr>
@@ -28711,18 +28779,7 @@
                 </a:solidFill>
                 <a:latin typeface="+mn-ea"/>
               </a:rPr>
-              <a:t>Conflict </a:t>
-            </a:r>
-            <a:r>
-              <a:rPr kumimoji="1" lang="en-US" altLang="ko-KR" sz="1400" dirty="0" smtClean="0">
-                <a:solidFill>
-                  <a:schemeClr val="bg2">
-                    <a:lumMod val="50000"/>
-                  </a:schemeClr>
-                </a:solidFill>
-                <a:latin typeface="+mn-ea"/>
-              </a:rPr>
-              <a:t>Case 3</a:t>
+              <a:t>Conflict Case 3</a:t>
             </a:r>
             <a:endParaRPr kumimoji="1" lang="en-US" altLang="ko-KR" sz="1400" dirty="0">
               <a:solidFill>
@@ -29435,19 +29492,19 @@
           <a:lstStyle/>
           <a:p>
             <a:r>
-              <a:rPr lang="en-US" altLang="ko-KR" dirty="0" smtClean="0"/>
+              <a:rPr lang="en-US" altLang="ko-KR" sz="1400" b="1" dirty="0" smtClean="0"/>
               <a:t>[</a:t>
             </a:r>
             <a:r>
-              <a:rPr lang="ko-KR" altLang="en-US" dirty="0" err="1" smtClean="0"/>
+              <a:rPr lang="ko-KR" altLang="en-US" sz="1400" b="1" dirty="0" err="1" smtClean="0"/>
               <a:t>히스토리</a:t>
             </a:r>
             <a:r>
-              <a:rPr lang="ko-KR" altLang="en-US" dirty="0" smtClean="0"/>
+              <a:rPr lang="ko-KR" altLang="en-US" sz="1400" b="1" dirty="0" smtClean="0"/>
               <a:t> 분석</a:t>
             </a:r>
             <a:r>
-              <a:rPr lang="en-US" altLang="ko-KR" dirty="0" smtClean="0"/>
+              <a:rPr lang="en-US" altLang="ko-KR" sz="1400" b="1" dirty="0" smtClean="0"/>
               <a:t>]</a:t>
             </a:r>
           </a:p>
@@ -30101,27 +30158,34 @@
             </a:pPr>
             <a:r>
               <a:rPr lang="en-US" altLang="ko-KR" dirty="0" smtClean="0"/>
-              <a:t>Pull = Fetch + Merge</a:t>
-            </a:r>
-          </a:p>
-          <a:p>
+              <a:t>Pull = Fetch + </a:t>
+            </a:r>
             <a:r>
               <a:rPr lang="en-US" altLang="ko-KR" dirty="0" smtClean="0"/>
+              <a:t>Merge</a:t>
+            </a:r>
+          </a:p>
+          <a:p>
+            <a:endParaRPr lang="en-US" altLang="ko-KR" dirty="0" smtClean="0"/>
+          </a:p>
+          <a:p>
+            <a:r>
+              <a:rPr lang="en-US" altLang="ko-KR" sz="1400" b="1" dirty="0" smtClean="0"/>
               <a:t>[</a:t>
             </a:r>
             <a:r>
-              <a:rPr lang="ko-KR" altLang="en-US" dirty="0" err="1" smtClean="0"/>
+              <a:rPr lang="ko-KR" altLang="en-US" sz="1400" b="1" dirty="0" err="1" smtClean="0"/>
               <a:t>히스토리</a:t>
             </a:r>
             <a:r>
-              <a:rPr lang="ko-KR" altLang="en-US" dirty="0" smtClean="0"/>
+              <a:rPr lang="ko-KR" altLang="en-US" sz="1400" b="1" dirty="0" smtClean="0"/>
               <a:t> 분석</a:t>
             </a:r>
             <a:r>
-              <a:rPr lang="en-US" altLang="ko-KR" dirty="0"/>
+              <a:rPr lang="en-US" altLang="ko-KR" sz="1400" b="1" dirty="0"/>
               <a:t>]</a:t>
             </a:r>
-            <a:endParaRPr lang="en-US" altLang="ko-KR" dirty="0" smtClean="0"/>
+            <a:endParaRPr lang="en-US" altLang="ko-KR" sz="1400" b="1" dirty="0" smtClean="0"/>
           </a:p>
           <a:p>
             <a:pPr marL="228600" indent="-228600">
@@ -30405,15 +30469,15 @@
           <a:lstStyle/>
           <a:p>
             <a:r>
-              <a:rPr lang="en-US" altLang="ko-KR" dirty="0" smtClean="0"/>
+              <a:rPr lang="en-US" altLang="ko-KR" sz="1400" b="1" dirty="0" smtClean="0"/>
               <a:t>[</a:t>
             </a:r>
             <a:r>
-              <a:rPr lang="ko-KR" altLang="en-US" dirty="0" smtClean="0"/>
+              <a:rPr lang="ko-KR" altLang="en-US" sz="1400" b="1" dirty="0" smtClean="0"/>
               <a:t>옵션</a:t>
             </a:r>
             <a:r>
-              <a:rPr lang="en-US" altLang="ko-KR" dirty="0" smtClean="0"/>
+              <a:rPr lang="en-US" altLang="ko-KR" sz="1400" b="1" dirty="0" smtClean="0"/>
               <a:t>]</a:t>
             </a:r>
           </a:p>
@@ -30887,19 +30951,19 @@
           <a:lstStyle/>
           <a:p>
             <a:r>
-              <a:rPr lang="en-US" altLang="ko-KR" dirty="0" smtClean="0"/>
+              <a:rPr lang="en-US" altLang="ko-KR" sz="1400" b="1" dirty="0" smtClean="0"/>
               <a:t>[</a:t>
             </a:r>
             <a:r>
-              <a:rPr lang="ko-KR" altLang="en-US" dirty="0" err="1" smtClean="0"/>
+              <a:rPr lang="ko-KR" altLang="en-US" sz="1400" b="1" dirty="0" err="1" smtClean="0"/>
               <a:t>히스토리</a:t>
             </a:r>
             <a:r>
-              <a:rPr lang="ko-KR" altLang="en-US" dirty="0" smtClean="0"/>
+              <a:rPr lang="ko-KR" altLang="en-US" sz="1400" b="1" dirty="0" smtClean="0"/>
               <a:t> 분석</a:t>
             </a:r>
             <a:r>
-              <a:rPr lang="en-US" altLang="ko-KR" dirty="0" smtClean="0"/>
+              <a:rPr lang="en-US" altLang="ko-KR" sz="1400" b="1" dirty="0" smtClean="0"/>
               <a:t>]</a:t>
             </a:r>
           </a:p>
@@ -31215,10 +31279,10 @@
               <a:buAutoNum type="arabicPeriod"/>
             </a:pPr>
             <a:r>
-              <a:rPr lang="ko-KR" altLang="en-US" dirty="0" smtClean="0"/>
+              <a:rPr lang="ko-KR" altLang="en-US" sz="1400" b="1" dirty="0" smtClean="0"/>
               <a:t>태그 추가</a:t>
             </a:r>
-            <a:endParaRPr lang="en-US" altLang="ko-KR" dirty="0" smtClean="0"/>
+            <a:endParaRPr lang="en-US" altLang="ko-KR" sz="1400" b="1" dirty="0" smtClean="0"/>
           </a:p>
           <a:p>
             <a:pPr marL="228600" indent="-228600">
@@ -31243,18 +31307,18 @@
           </a:p>
           <a:p>
             <a:r>
-              <a:rPr lang="en-US" altLang="ko-KR" dirty="0" smtClean="0"/>
+              <a:rPr lang="en-US" altLang="ko-KR" sz="1400" b="1" dirty="0" smtClean="0"/>
               <a:t>2. </a:t>
             </a:r>
             <a:r>
-              <a:rPr lang="ko-KR" altLang="en-US" dirty="0"/>
+              <a:rPr lang="ko-KR" altLang="en-US" sz="1400" b="1" dirty="0"/>
               <a:t>태</a:t>
             </a:r>
             <a:r>
-              <a:rPr lang="ko-KR" altLang="en-US" dirty="0" smtClean="0"/>
+              <a:rPr lang="ko-KR" altLang="en-US" sz="1400" b="1" dirty="0" smtClean="0"/>
               <a:t>그 옵션</a:t>
             </a:r>
-            <a:endParaRPr lang="en-US" altLang="ko-KR" dirty="0" smtClean="0"/>
+            <a:endParaRPr lang="en-US" altLang="ko-KR" sz="1400" b="1" dirty="0" smtClean="0"/>
           </a:p>
           <a:p>
             <a:pPr marL="171450" indent="-171450">
@@ -31319,14 +31383,14 @@
           </a:p>
           <a:p>
             <a:r>
-              <a:rPr lang="en-US" altLang="ko-KR" dirty="0" smtClean="0"/>
+              <a:rPr lang="en-US" altLang="ko-KR" sz="1400" b="1" dirty="0" smtClean="0"/>
               <a:t>3. </a:t>
             </a:r>
             <a:r>
-              <a:rPr lang="ko-KR" altLang="en-US" dirty="0" smtClean="0"/>
+              <a:rPr lang="ko-KR" altLang="en-US" sz="1400" b="1" dirty="0" smtClean="0"/>
               <a:t>태그 확인</a:t>
             </a:r>
-            <a:endParaRPr lang="en-US" altLang="ko-KR" dirty="0" smtClean="0"/>
+            <a:endParaRPr lang="en-US" altLang="ko-KR" sz="1400" b="1" dirty="0" smtClean="0"/>
           </a:p>
           <a:p>
             <a:pPr marL="171450" indent="-171450">
@@ -31675,14 +31739,14 @@
               <a:buAutoNum type="arabicPeriod"/>
             </a:pPr>
             <a:r>
-              <a:rPr lang="en-US" altLang="ko-KR" dirty="0" smtClean="0"/>
+              <a:rPr lang="en-US" altLang="ko-KR" sz="1400" b="1" dirty="0" smtClean="0"/>
               <a:t>.</a:t>
             </a:r>
             <a:r>
-              <a:rPr lang="en-US" altLang="ko-KR" dirty="0" err="1" smtClean="0"/>
+              <a:rPr lang="en-US" altLang="ko-KR" sz="1400" b="1" dirty="0" err="1" smtClean="0"/>
               <a:t>gitignore</a:t>
             </a:r>
-            <a:endParaRPr lang="en-US" altLang="ko-KR" dirty="0" smtClean="0"/>
+            <a:endParaRPr lang="en-US" altLang="ko-KR" sz="1400" b="1" dirty="0" smtClean="0"/>
           </a:p>
           <a:p>
             <a:pPr marL="171450" indent="-171450">
@@ -31774,22 +31838,22 @@
           </a:p>
           <a:p>
             <a:r>
-              <a:rPr lang="en-US" altLang="ko-KR" dirty="0" smtClean="0"/>
+              <a:rPr lang="en-US" altLang="ko-KR" sz="1400" b="1" dirty="0" smtClean="0"/>
               <a:t>2. .</a:t>
             </a:r>
             <a:r>
-              <a:rPr lang="en-US" altLang="ko-KR" dirty="0" err="1" smtClean="0"/>
+              <a:rPr lang="en-US" altLang="ko-KR" sz="1400" b="1" dirty="0" err="1" smtClean="0"/>
               <a:t>gitignore</a:t>
             </a:r>
             <a:r>
-              <a:rPr lang="en-US" altLang="ko-KR" dirty="0" smtClean="0"/>
+              <a:rPr lang="en-US" altLang="ko-KR" sz="1400" b="1" dirty="0" smtClean="0"/>
               <a:t> </a:t>
             </a:r>
             <a:r>
-              <a:rPr lang="ko-KR" altLang="en-US" dirty="0" smtClean="0"/>
+              <a:rPr lang="ko-KR" altLang="en-US" sz="1400" b="1" dirty="0" smtClean="0"/>
               <a:t>파일 생성</a:t>
             </a:r>
-            <a:endParaRPr lang="en-US" altLang="ko-KR" dirty="0" smtClean="0"/>
+            <a:endParaRPr lang="en-US" altLang="ko-KR" sz="1400" b="1" dirty="0" smtClean="0"/>
           </a:p>
           <a:p>
             <a:pPr marL="171450" indent="-171450">
@@ -31816,30 +31880,79 @@
               <a:buChar char="•"/>
             </a:pPr>
             <a:r>
-              <a:rPr lang="en-US" altLang="ko-KR" dirty="0" smtClean="0"/>
-              <a:t> </a:t>
-            </a:r>
-            <a:r>
               <a:rPr lang="ko-KR" altLang="en-US" dirty="0" err="1" smtClean="0"/>
               <a:t>소스트리에서</a:t>
             </a:r>
             <a:r>
               <a:rPr lang="ko-KR" altLang="en-US" dirty="0" smtClean="0"/>
-              <a:t> 바로 생성</a:t>
+              <a:t> </a:t>
+            </a:r>
+            <a:r>
+              <a:rPr lang="ko-KR" altLang="en-US" dirty="0" smtClean="0"/>
+              <a:t>바로 </a:t>
+            </a:r>
+            <a:r>
+              <a:rPr lang="ko-KR" altLang="en-US" dirty="0" smtClean="0"/>
+              <a:t>생성 </a:t>
+            </a:r>
+            <a:r>
+              <a:rPr lang="en-US" altLang="ko-KR" dirty="0" smtClean="0"/>
+              <a:t>[</a:t>
+            </a:r>
+            <a:r>
+              <a:rPr lang="ko-KR" altLang="en-US" dirty="0" smtClean="0"/>
+              <a:t>그림</a:t>
+            </a:r>
+            <a:r>
+              <a:rPr lang="en-US" altLang="ko-KR" dirty="0" smtClean="0"/>
+              <a:t>1</a:t>
+            </a:r>
+            <a:r>
+              <a:rPr lang="ko-KR" altLang="en-US" dirty="0" smtClean="0"/>
+              <a:t> 참조</a:t>
+            </a:r>
+            <a:r>
+              <a:rPr lang="en-US" altLang="ko-KR" dirty="0" smtClean="0"/>
+              <a:t>]</a:t>
             </a:r>
             <a:endParaRPr lang="en-US" altLang="ko-KR" dirty="0" smtClean="0"/>
           </a:p>
           <a:p>
-            <a:endParaRPr lang="en-US" altLang="ko-KR" dirty="0"/>
-          </a:p>
-          <a:p>
+            <a:pPr marL="171450" indent="-171450">
+              <a:buFont typeface="Arial" panose="020B0604020202020204" pitchFamily="34" charset="0"/>
+              <a:buChar char="•"/>
+            </a:pPr>
             <a:r>
               <a:rPr lang="en-US" altLang="ko-KR" dirty="0" smtClean="0"/>
-              <a:t>3. gitignore.io </a:t>
+              <a:t>gitignore.io </a:t>
             </a:r>
             <a:r>
               <a:rPr lang="ko-KR" altLang="en-US" dirty="0" smtClean="0"/>
-              <a:t>페이지에서 자동 생성</a:t>
+              <a:t>페이지에서 자동 </a:t>
+            </a:r>
+            <a:r>
+              <a:rPr lang="ko-KR" altLang="en-US" dirty="0" smtClean="0"/>
+              <a:t>생성 </a:t>
+            </a:r>
+            <a:r>
+              <a:rPr lang="en-US" altLang="ko-KR" dirty="0" smtClean="0"/>
+              <a:t>[</a:t>
+            </a:r>
+            <a:r>
+              <a:rPr lang="ko-KR" altLang="en-US" dirty="0" smtClean="0"/>
+              <a:t>그림</a:t>
+            </a:r>
+            <a:r>
+              <a:rPr lang="en-US" altLang="ko-KR" dirty="0" smtClean="0"/>
+              <a:t>2 </a:t>
+            </a:r>
+            <a:r>
+              <a:rPr lang="ko-KR" altLang="en-US" dirty="0" smtClean="0"/>
+              <a:t>참조</a:t>
+            </a:r>
+            <a:r>
+              <a:rPr lang="en-US" altLang="ko-KR" dirty="0" smtClean="0"/>
+              <a:t>]</a:t>
             </a:r>
             <a:endParaRPr lang="en-US" altLang="ko-KR" dirty="0" smtClean="0"/>
           </a:p>
@@ -31895,8 +32008,8 @@
         </p:blipFill>
         <p:spPr>
           <a:xfrm>
-            <a:off x="4951701" y="2746795"/>
-            <a:ext cx="6923034" cy="1955834"/>
+            <a:off x="5386191" y="2507021"/>
+            <a:ext cx="6488543" cy="1955834"/>
           </a:xfrm>
           <a:prstGeom prst="rect">
             <a:avLst/>
@@ -31919,7 +32032,7 @@
         </p:blipFill>
         <p:spPr>
           <a:xfrm>
-            <a:off x="659672" y="4919604"/>
+            <a:off x="5463038" y="4978239"/>
             <a:ext cx="2896235" cy="1034370"/>
           </a:xfrm>
           <a:prstGeom prst="rect">
@@ -31957,6 +32070,94 @@
           </a:sp3d>
         </p:spPr>
       </p:pic>
+      <p:sp>
+        <p:nvSpPr>
+          <p:cNvPr id="6" name="TextBox 5"/>
+          <p:cNvSpPr txBox="1"/>
+          <p:nvPr/>
+        </p:nvSpPr>
+        <p:spPr>
+          <a:xfrm>
+            <a:off x="9826007" y="4467350"/>
+            <a:ext cx="2225712" cy="261610"/>
+          </a:xfrm>
+          <a:prstGeom prst="rect">
+            <a:avLst/>
+          </a:prstGeom>
+          <a:noFill/>
+        </p:spPr>
+        <p:txBody>
+          <a:bodyPr wrap="square" rtlCol="0">
+            <a:spAutoFit/>
+          </a:bodyPr>
+          <a:lstStyle/>
+          <a:p>
+            <a:r>
+              <a:rPr lang="en-US" altLang="ko-KR" sz="1100" dirty="0" smtClean="0"/>
+              <a:t>[</a:t>
+            </a:r>
+            <a:r>
+              <a:rPr lang="ko-KR" altLang="en-US" sz="1100" dirty="0" smtClean="0"/>
+              <a:t>그림</a:t>
+            </a:r>
+            <a:r>
+              <a:rPr lang="en-US" altLang="ko-KR" sz="1100" dirty="0" smtClean="0"/>
+              <a:t>1] </a:t>
+            </a:r>
+            <a:r>
+              <a:rPr lang="ko-KR" altLang="en-US" sz="1100" dirty="0" err="1" smtClean="0"/>
+              <a:t>소스트리에서</a:t>
+            </a:r>
+            <a:r>
+              <a:rPr lang="ko-KR" altLang="en-US" sz="1100" dirty="0" smtClean="0"/>
+              <a:t> 바로 생성</a:t>
+            </a:r>
+            <a:endParaRPr lang="ko-KR" altLang="en-US" sz="1100" dirty="0"/>
+          </a:p>
+        </p:txBody>
+      </p:sp>
+      <p:sp>
+        <p:nvSpPr>
+          <p:cNvPr id="13" name="TextBox 12"/>
+          <p:cNvSpPr txBox="1"/>
+          <p:nvPr/>
+        </p:nvSpPr>
+        <p:spPr>
+          <a:xfrm>
+            <a:off x="6763606" y="6088786"/>
+            <a:ext cx="2225712" cy="261610"/>
+          </a:xfrm>
+          <a:prstGeom prst="rect">
+            <a:avLst/>
+          </a:prstGeom>
+          <a:noFill/>
+        </p:spPr>
+        <p:txBody>
+          <a:bodyPr wrap="square" rtlCol="0">
+            <a:spAutoFit/>
+          </a:bodyPr>
+          <a:lstStyle/>
+          <a:p>
+            <a:r>
+              <a:rPr lang="en-US" altLang="ko-KR" sz="1100" dirty="0" smtClean="0"/>
+              <a:t>[</a:t>
+            </a:r>
+            <a:r>
+              <a:rPr lang="ko-KR" altLang="en-US" sz="1100" dirty="0" smtClean="0"/>
+              <a:t>그림</a:t>
+            </a:r>
+            <a:r>
+              <a:rPr lang="en-US" altLang="ko-KR" sz="1100" dirty="0" smtClean="0"/>
+              <a:t>2] gitignore.io </a:t>
+            </a:r>
+            <a:r>
+              <a:rPr lang="ko-KR" altLang="en-US" sz="1100" dirty="0" smtClean="0"/>
+              <a:t>페이지</a:t>
+            </a:r>
+            <a:endParaRPr lang="ko-KR" altLang="en-US" sz="1100" dirty="0"/>
+          </a:p>
+        </p:txBody>
+      </p:sp>
     </p:spTree>
     <p:extLst>
       <p:ext uri="{BB962C8B-B14F-4D97-AF65-F5344CB8AC3E}">
@@ -31996,10 +32197,532 @@
       </p:grpSpPr>
       <p:sp>
         <p:nvSpPr>
+          <p:cNvPr id="8" name="내용 개체 틀 7"/>
+          <p:cNvSpPr>
+            <a:spLocks noGrp="1"/>
+          </p:cNvSpPr>
+          <p:nvPr>
+            <p:ph sz="quarter" idx="10"/>
+          </p:nvPr>
+        </p:nvSpPr>
+        <p:spPr>
+          <a:xfrm>
+            <a:off x="283285" y="450743"/>
+            <a:ext cx="6152684" cy="252348"/>
+          </a:xfrm>
+        </p:spPr>
+        <p:txBody>
+          <a:bodyPr>
+            <a:normAutofit fontScale="92500" lnSpcReduction="10000"/>
+          </a:bodyPr>
+          <a:lstStyle/>
+          <a:p>
+            <a:r>
+              <a:rPr kumimoji="1" lang="en-US" altLang="ko-KR" dirty="0" err="1">
+                <a:solidFill>
+                  <a:schemeClr val="bg2">
+                    <a:lumMod val="50000"/>
+                  </a:schemeClr>
+                </a:solidFill>
+                <a:latin typeface="+mj-ea"/>
+              </a:rPr>
+              <a:t>gitignore</a:t>
+            </a:r>
+            <a:r>
+              <a:rPr kumimoji="1" lang="en-US" altLang="ko-KR" dirty="0">
+                <a:solidFill>
+                  <a:schemeClr val="bg2">
+                    <a:lumMod val="50000"/>
+                  </a:schemeClr>
+                </a:solidFill>
+                <a:latin typeface="+mj-ea"/>
+              </a:rPr>
+              <a:t> </a:t>
+            </a:r>
+            <a:r>
+              <a:rPr kumimoji="1" lang="ko-KR" altLang="en-US" dirty="0">
+                <a:solidFill>
+                  <a:schemeClr val="bg2">
+                    <a:lumMod val="50000"/>
+                  </a:schemeClr>
+                </a:solidFill>
+                <a:latin typeface="+mj-ea"/>
+              </a:rPr>
+              <a:t>이용하기</a:t>
+            </a:r>
+            <a:endParaRPr kumimoji="1" lang="en-US" altLang="ko-KR" dirty="0">
+              <a:solidFill>
+                <a:schemeClr val="bg2">
+                  <a:lumMod val="50000"/>
+                </a:schemeClr>
+              </a:solidFill>
+              <a:latin typeface="+mj-ea"/>
+            </a:endParaRPr>
+          </a:p>
+        </p:txBody>
+      </p:sp>
+      <p:sp>
+        <p:nvSpPr>
+          <p:cNvPr id="10" name="내용 개체 틀 9"/>
+          <p:cNvSpPr>
+            <a:spLocks noGrp="1"/>
+          </p:cNvSpPr>
+          <p:nvPr>
+            <p:ph sz="quarter" idx="14"/>
+          </p:nvPr>
+        </p:nvSpPr>
+        <p:spPr/>
+        <p:txBody>
+          <a:bodyPr>
+            <a:normAutofit fontScale="92500" lnSpcReduction="10000"/>
+          </a:bodyPr>
+          <a:lstStyle/>
+          <a:p>
+            <a:r>
+              <a:rPr lang="en-US" altLang="ko-KR" dirty="0" err="1"/>
+              <a:t>gitignore</a:t>
+            </a:r>
+            <a:r>
+              <a:rPr lang="en-US" altLang="ko-KR" dirty="0"/>
+              <a:t> </a:t>
+            </a:r>
+            <a:r>
+              <a:rPr lang="ko-KR" altLang="en-US" dirty="0"/>
+              <a:t>이용하기</a:t>
+            </a:r>
+            <a:endParaRPr lang="en-US" altLang="ko-KR" dirty="0"/>
+          </a:p>
+        </p:txBody>
+      </p:sp>
+      <p:sp>
+        <p:nvSpPr>
+          <p:cNvPr id="9" name="내용 개체 틀 8"/>
+          <p:cNvSpPr>
+            <a:spLocks noGrp="1"/>
+          </p:cNvSpPr>
+          <p:nvPr>
+            <p:ph sz="quarter" idx="13"/>
+          </p:nvPr>
+        </p:nvSpPr>
+        <p:spPr/>
+        <p:txBody>
+          <a:bodyPr/>
+          <a:lstStyle/>
+          <a:p>
+            <a:r>
+              <a:rPr lang="en-US" altLang="ko-KR" dirty="0" smtClean="0"/>
+              <a:t>02 </a:t>
+            </a:r>
+            <a:r>
+              <a:rPr kumimoji="1" lang="en-US" altLang="ko-KR" dirty="0" err="1"/>
+              <a:t>Git</a:t>
+            </a:r>
+            <a:r>
+              <a:rPr kumimoji="1" lang="en-US" altLang="ko-KR" dirty="0"/>
+              <a:t> </a:t>
+            </a:r>
+            <a:r>
+              <a:rPr kumimoji="1" lang="ko-KR" altLang="en-US" dirty="0"/>
+              <a:t>명령어 </a:t>
+            </a:r>
+            <a:r>
+              <a:rPr kumimoji="1" lang="en-US" altLang="ko-KR" dirty="0"/>
+              <a:t>&amp; Source Tree </a:t>
+            </a:r>
+            <a:r>
+              <a:rPr kumimoji="1" lang="ko-KR" altLang="en-US" dirty="0"/>
+              <a:t>사용법 </a:t>
+            </a:r>
+            <a:endParaRPr kumimoji="1" lang="en-US" altLang="ko-KR" dirty="0"/>
+          </a:p>
+          <a:p>
+            <a:endParaRPr lang="ko-KR" altLang="en-US" dirty="0"/>
+          </a:p>
+        </p:txBody>
+      </p:sp>
+      <p:sp>
+        <p:nvSpPr>
+          <p:cNvPr id="2" name="내용 개체 틀 1"/>
+          <p:cNvSpPr>
+            <a:spLocks noGrp="1"/>
+          </p:cNvSpPr>
+          <p:nvPr>
+            <p:ph sz="quarter" idx="15"/>
+          </p:nvPr>
+        </p:nvSpPr>
+        <p:spPr>
+          <a:xfrm>
+            <a:off x="395605" y="1692731"/>
+            <a:ext cx="11713998" cy="4995452"/>
+          </a:xfrm>
+        </p:spPr>
+        <p:txBody>
+          <a:bodyPr/>
+          <a:lstStyle/>
+          <a:p>
+            <a:pPr marL="228600" indent="-228600">
+              <a:buFont typeface="+mj-lt"/>
+              <a:buAutoNum type="arabicPeriod"/>
+            </a:pPr>
+            <a:r>
+              <a:rPr lang="ko-KR" altLang="en-US" dirty="0" err="1" smtClean="0"/>
+              <a:t>소스트리</a:t>
+            </a:r>
+            <a:r>
+              <a:rPr lang="ko-KR" altLang="en-US" dirty="0" smtClean="0"/>
+              <a:t> </a:t>
+            </a:r>
+            <a:r>
+              <a:rPr lang="ko-KR" altLang="en-US" b="1" dirty="0" smtClean="0"/>
+              <a:t>무시</a:t>
+            </a:r>
+            <a:r>
+              <a:rPr lang="en-US" altLang="ko-KR" b="1" dirty="0" smtClean="0"/>
+              <a:t>..</a:t>
+            </a:r>
+            <a:r>
+              <a:rPr lang="ko-KR" altLang="en-US" b="1" dirty="0" smtClean="0"/>
+              <a:t> </a:t>
+            </a:r>
+            <a:r>
+              <a:rPr lang="ko-KR" altLang="en-US" dirty="0" smtClean="0"/>
+              <a:t>기능 이용하기</a:t>
+            </a:r>
+            <a:endParaRPr lang="en-US" altLang="ko-KR" dirty="0" smtClean="0"/>
+          </a:p>
+          <a:p>
+            <a:pPr marL="228600" indent="-228600">
+              <a:buFont typeface="Arial" panose="020B0604020202020204" pitchFamily="34" charset="0"/>
+              <a:buChar char="•"/>
+            </a:pPr>
+            <a:r>
+              <a:rPr lang="ko-KR" altLang="en-US" dirty="0" err="1" smtClean="0"/>
+              <a:t>새로만든</a:t>
+            </a:r>
+            <a:r>
+              <a:rPr lang="ko-KR" altLang="en-US" dirty="0" smtClean="0"/>
+              <a:t> 파일은 원격 저장소에 </a:t>
+            </a:r>
+            <a:r>
+              <a:rPr lang="en-US" altLang="ko-KR" dirty="0" smtClean="0"/>
+              <a:t>Push </a:t>
+            </a:r>
+            <a:r>
+              <a:rPr lang="ko-KR" altLang="en-US" dirty="0" smtClean="0"/>
+              <a:t>되어 있지 않아서 </a:t>
+            </a:r>
+            <a:r>
+              <a:rPr lang="ko-KR" altLang="en-US" b="1" dirty="0" smtClean="0"/>
+              <a:t>무시</a:t>
+            </a:r>
+            <a:r>
+              <a:rPr lang="en-US" altLang="ko-KR" b="1" dirty="0" smtClean="0"/>
+              <a:t>..</a:t>
+            </a:r>
+            <a:r>
+              <a:rPr lang="ko-KR" altLang="en-US" dirty="0" smtClean="0"/>
+              <a:t> </a:t>
+            </a:r>
+            <a:r>
+              <a:rPr lang="ko-KR" altLang="en-US" dirty="0" err="1" smtClean="0"/>
+              <a:t>클릭시</a:t>
+            </a:r>
+            <a:r>
+              <a:rPr lang="ko-KR" altLang="en-US" dirty="0" smtClean="0"/>
+              <a:t> </a:t>
+            </a:r>
+            <a:r>
+              <a:rPr lang="en-US" altLang="ko-KR" dirty="0" smtClean="0"/>
+              <a:t>.</a:t>
+            </a:r>
+            <a:r>
+              <a:rPr lang="en-US" altLang="ko-KR" dirty="0" err="1" smtClean="0"/>
+              <a:t>gitignore</a:t>
+            </a:r>
+            <a:r>
+              <a:rPr lang="en-US" altLang="ko-KR" dirty="0" smtClean="0"/>
+              <a:t> </a:t>
+            </a:r>
+            <a:r>
+              <a:rPr lang="ko-KR" altLang="en-US" dirty="0" smtClean="0"/>
+              <a:t>파일에 경로가 등록된다</a:t>
+            </a:r>
+            <a:r>
+              <a:rPr lang="en-US" altLang="ko-KR" dirty="0" smtClean="0"/>
+              <a:t>.</a:t>
+            </a:r>
+          </a:p>
+          <a:p>
+            <a:pPr marL="228600" indent="-228600">
+              <a:buFont typeface="Arial" panose="020B0604020202020204" pitchFamily="34" charset="0"/>
+              <a:buChar char="•"/>
+            </a:pPr>
+            <a:endParaRPr lang="en-US" altLang="ko-KR" dirty="0"/>
+          </a:p>
+          <a:p>
+            <a:pPr marL="228600" indent="-228600">
+              <a:buFont typeface="Arial" panose="020B0604020202020204" pitchFamily="34" charset="0"/>
+              <a:buChar char="•"/>
+            </a:pPr>
+            <a:endParaRPr lang="en-US" altLang="ko-KR" dirty="0" smtClean="0"/>
+          </a:p>
+          <a:p>
+            <a:pPr marL="228600" indent="-228600">
+              <a:buFont typeface="Arial" panose="020B0604020202020204" pitchFamily="34" charset="0"/>
+              <a:buChar char="•"/>
+            </a:pPr>
+            <a:endParaRPr lang="en-US" altLang="ko-KR" dirty="0"/>
+          </a:p>
+          <a:p>
+            <a:pPr marL="228600" indent="-228600">
+              <a:buFont typeface="Arial" panose="020B0604020202020204" pitchFamily="34" charset="0"/>
+              <a:buChar char="•"/>
+            </a:pPr>
+            <a:endParaRPr lang="en-US" altLang="ko-KR" dirty="0" smtClean="0"/>
+          </a:p>
+          <a:p>
+            <a:pPr marL="228600" indent="-228600">
+              <a:buFont typeface="Arial" panose="020B0604020202020204" pitchFamily="34" charset="0"/>
+              <a:buChar char="•"/>
+            </a:pPr>
+            <a:endParaRPr lang="en-US" altLang="ko-KR" dirty="0"/>
+          </a:p>
+          <a:p>
+            <a:pPr marL="228600" indent="-228600">
+              <a:buFont typeface="Arial" panose="020B0604020202020204" pitchFamily="34" charset="0"/>
+              <a:buChar char="•"/>
+            </a:pPr>
+            <a:endParaRPr lang="en-US" altLang="ko-KR" dirty="0" smtClean="0"/>
+          </a:p>
+          <a:p>
+            <a:pPr marL="228600" indent="-228600">
+              <a:buFont typeface="Arial" panose="020B0604020202020204" pitchFamily="34" charset="0"/>
+              <a:buChar char="•"/>
+            </a:pPr>
+            <a:r>
+              <a:rPr lang="ko-KR" altLang="en-US" dirty="0" smtClean="0"/>
+              <a:t>원격 저장소에 </a:t>
+            </a:r>
+            <a:r>
+              <a:rPr lang="en-US" altLang="ko-KR" dirty="0" smtClean="0"/>
+              <a:t>Push </a:t>
+            </a:r>
+            <a:r>
+              <a:rPr lang="ko-KR" altLang="en-US" dirty="0" smtClean="0"/>
+              <a:t>되어 있던 파일은 무시</a:t>
+            </a:r>
+            <a:r>
+              <a:rPr lang="en-US" altLang="ko-KR" dirty="0" smtClean="0"/>
+              <a:t>.. </a:t>
+            </a:r>
+            <a:r>
+              <a:rPr lang="ko-KR" altLang="en-US" dirty="0" smtClean="0"/>
+              <a:t>기능을 바로 이용할 수 없다</a:t>
+            </a:r>
+            <a:r>
+              <a:rPr lang="en-US" altLang="ko-KR" dirty="0" smtClean="0"/>
+              <a:t>. Index </a:t>
+            </a:r>
+            <a:r>
+              <a:rPr lang="ko-KR" altLang="en-US" dirty="0" smtClean="0"/>
+              <a:t>의 </a:t>
+            </a:r>
+            <a:r>
+              <a:rPr lang="en-US" altLang="ko-KR" dirty="0" smtClean="0"/>
+              <a:t>cache </a:t>
+            </a:r>
+            <a:r>
+              <a:rPr lang="ko-KR" altLang="en-US" dirty="0" smtClean="0"/>
+              <a:t>를 삭제 한 후 다시 시도 한다</a:t>
+            </a:r>
+            <a:r>
+              <a:rPr lang="en-US" altLang="ko-KR" dirty="0" smtClean="0"/>
+              <a:t>. </a:t>
+            </a:r>
+            <a:endParaRPr lang="en-US" altLang="ko-KR" dirty="0"/>
+          </a:p>
+          <a:p>
+            <a:pPr marL="228600" indent="-228600">
+              <a:buFont typeface="Arial" panose="020B0604020202020204" pitchFamily="34" charset="0"/>
+              <a:buChar char="•"/>
+            </a:pPr>
+            <a:r>
+              <a:rPr lang="en-US" altLang="ko-KR" dirty="0" err="1" smtClean="0"/>
+              <a:t>git</a:t>
+            </a:r>
+            <a:r>
+              <a:rPr lang="en-US" altLang="ko-KR" dirty="0" smtClean="0"/>
+              <a:t> </a:t>
+            </a:r>
+            <a:r>
+              <a:rPr lang="en-US" altLang="ko-KR" dirty="0" err="1" smtClean="0"/>
+              <a:t>rm</a:t>
+            </a:r>
+            <a:r>
+              <a:rPr lang="en-US" altLang="ko-KR" dirty="0" smtClean="0"/>
+              <a:t> –r –</a:t>
+            </a:r>
+            <a:r>
+              <a:rPr lang="en-US" altLang="ko-KR" smtClean="0"/>
+              <a:t>cached web.xml</a:t>
+            </a:r>
+            <a:endParaRPr lang="en-US" altLang="ko-KR" dirty="0" smtClean="0"/>
+          </a:p>
+          <a:p>
+            <a:pPr marL="228600" indent="-228600">
+              <a:buFont typeface="+mj-lt"/>
+              <a:buAutoNum type="arabicPeriod"/>
+            </a:pPr>
+            <a:endParaRPr lang="en-US" altLang="ko-KR" dirty="0"/>
+          </a:p>
+          <a:p>
+            <a:pPr marL="228600" indent="-228600">
+              <a:buFont typeface="+mj-lt"/>
+              <a:buAutoNum type="arabicPeriod"/>
+            </a:pPr>
+            <a:endParaRPr lang="en-US" altLang="ko-KR" dirty="0" smtClean="0"/>
+          </a:p>
+        </p:txBody>
+      </p:sp>
+      <p:pic>
+        <p:nvPicPr>
+          <p:cNvPr id="13" name="그림 12"/>
+          <p:cNvPicPr>
+            <a:picLocks noChangeAspect="1"/>
+          </p:cNvPicPr>
+          <p:nvPr/>
+        </p:nvPicPr>
+        <p:blipFill>
+          <a:blip r:embed="rId3"/>
+          <a:stretch>
+            <a:fillRect/>
+          </a:stretch>
+        </p:blipFill>
+        <p:spPr>
+          <a:xfrm>
+            <a:off x="510991" y="2374910"/>
+            <a:ext cx="2848636" cy="1532518"/>
+          </a:xfrm>
+          <a:prstGeom prst="rect">
+            <a:avLst/>
+          </a:prstGeom>
+        </p:spPr>
+      </p:pic>
+      <p:pic>
+        <p:nvPicPr>
+          <p:cNvPr id="14" name="그림 13"/>
+          <p:cNvPicPr>
+            <a:picLocks noChangeAspect="1"/>
+          </p:cNvPicPr>
+          <p:nvPr/>
+        </p:nvPicPr>
+        <p:blipFill>
+          <a:blip r:embed="rId4"/>
+          <a:stretch>
+            <a:fillRect/>
+          </a:stretch>
+        </p:blipFill>
+        <p:spPr>
+          <a:xfrm>
+            <a:off x="3785326" y="2374910"/>
+            <a:ext cx="2005532" cy="1536028"/>
+          </a:xfrm>
+          <a:prstGeom prst="rect">
+            <a:avLst/>
+          </a:prstGeom>
+        </p:spPr>
+      </p:pic>
+      <p:pic>
+        <p:nvPicPr>
+          <p:cNvPr id="15" name="그림 14"/>
+          <p:cNvPicPr>
+            <a:picLocks noChangeAspect="1"/>
+          </p:cNvPicPr>
+          <p:nvPr/>
+        </p:nvPicPr>
+        <p:blipFill>
+          <a:blip r:embed="rId5"/>
+          <a:stretch>
+            <a:fillRect/>
+          </a:stretch>
+        </p:blipFill>
+        <p:spPr>
+          <a:xfrm>
+            <a:off x="6216557" y="2378420"/>
+            <a:ext cx="1806198" cy="1532518"/>
+          </a:xfrm>
+          <a:prstGeom prst="rect">
+            <a:avLst/>
+          </a:prstGeom>
+        </p:spPr>
+      </p:pic>
+      <p:pic>
+        <p:nvPicPr>
+          <p:cNvPr id="16" name="그림 15"/>
+          <p:cNvPicPr>
+            <a:picLocks noChangeAspect="1"/>
+          </p:cNvPicPr>
+          <p:nvPr/>
+        </p:nvPicPr>
+        <p:blipFill>
+          <a:blip r:embed="rId6"/>
+          <a:stretch>
+            <a:fillRect/>
+          </a:stretch>
+        </p:blipFill>
+        <p:spPr>
+          <a:xfrm>
+            <a:off x="510991" y="4776481"/>
+            <a:ext cx="2848636" cy="1790700"/>
+          </a:xfrm>
+          <a:prstGeom prst="rect">
+            <a:avLst/>
+          </a:prstGeom>
+        </p:spPr>
+      </p:pic>
+    </p:spTree>
+    <p:extLst>
+      <p:ext uri="{BB962C8B-B14F-4D97-AF65-F5344CB8AC3E}">
+        <p14:creationId xmlns:p14="http://schemas.microsoft.com/office/powerpoint/2010/main" val="2290048264"/>
+      </p:ext>
+    </p:extLst>
+  </p:cSld>
+  <p:clrMapOvr>
+    <a:masterClrMapping/>
+  </p:clrMapOvr>
+  <p:timing>
+    <p:tnLst>
+      <p:par>
+        <p:cTn id="1" dur="indefinite" restart="never" nodeType="tmRoot"/>
+      </p:par>
+    </p:tnLst>
+  </p:timing>
+</p:sld>
+</file>
+
+<file path=ppt/slides/slide29.xml><?xml version="1.0" encoding="utf-8"?>
+<p:sld xmlns:a="http://schemas.openxmlformats.org/drawingml/2006/main" xmlns:r="http://schemas.openxmlformats.org/officeDocument/2006/relationships" xmlns:p="http://schemas.openxmlformats.org/presentationml/2006/main">
+  <p:cSld>
+    <p:spTree>
+      <p:nvGrpSpPr>
+        <p:cNvPr id="1" name=""/>
+        <p:cNvGrpSpPr/>
+        <p:nvPr/>
+      </p:nvGrpSpPr>
+      <p:grpSpPr>
+        <a:xfrm>
+          <a:off x="0" y="0"/>
+          <a:ext cx="0" cy="0"/>
+          <a:chOff x="0" y="0"/>
+          <a:chExt cx="0" cy="0"/>
+        </a:xfrm>
+      </p:grpSpPr>
+      <p:sp>
+        <p:nvSpPr>
           <p:cNvPr id="11" name="내용 개체 틀 10">
             <a:extLst>
               <a:ext uri="{FF2B5EF4-FFF2-40B4-BE49-F238E27FC236}">
-                <a16:creationId xmlns="" xmlns:a16="http://schemas.microsoft.com/office/drawing/2014/main" id="{5B63096A-AE1A-694F-9B03-569398D3215F}"/>
+                <a16:creationId xmlns:a16="http://schemas.microsoft.com/office/drawing/2014/main" xmlns="" id="{5B63096A-AE1A-694F-9B03-569398D3215F}"/>
               </a:ext>
             </a:extLst>
           </p:cNvPr>
@@ -32037,7 +32760,7 @@
           <p:cNvPr id="12" name="내용 개체 틀 11">
             <a:extLst>
               <a:ext uri="{FF2B5EF4-FFF2-40B4-BE49-F238E27FC236}">
-                <a16:creationId xmlns="" xmlns:a16="http://schemas.microsoft.com/office/drawing/2014/main" id="{DA403F0B-7EF1-B640-81F1-099EE858F5FD}"/>
+                <a16:creationId xmlns:a16="http://schemas.microsoft.com/office/drawing/2014/main" xmlns="" id="{DA403F0B-7EF1-B640-81F1-099EE858F5FD}"/>
               </a:ext>
             </a:extLst>
           </p:cNvPr>
@@ -32068,7 +32791,7 @@
           <p:cNvPr id="13" name="TextBox 12">
             <a:extLst>
               <a:ext uri="{FF2B5EF4-FFF2-40B4-BE49-F238E27FC236}">
-                <a16:creationId xmlns="" xmlns:a16="http://schemas.microsoft.com/office/drawing/2014/main" id="{B01096B7-081A-7147-A96A-4C6CC5871111}"/>
+                <a16:creationId xmlns:a16="http://schemas.microsoft.com/office/drawing/2014/main" xmlns="" id="{B01096B7-081A-7147-A96A-4C6CC5871111}"/>
               </a:ext>
             </a:extLst>
           </p:cNvPr>
@@ -32166,7 +32889,7 @@
           <p:cNvPr id="14" name="TextBox 13">
             <a:extLst>
               <a:ext uri="{FF2B5EF4-FFF2-40B4-BE49-F238E27FC236}">
-                <a16:creationId xmlns="" xmlns:a16="http://schemas.microsoft.com/office/drawing/2014/main" id="{6214126A-9617-8D43-A0B8-2612DE9485F5}"/>
+                <a16:creationId xmlns:a16="http://schemas.microsoft.com/office/drawing/2014/main" xmlns="" id="{6214126A-9617-8D43-A0B8-2612DE9485F5}"/>
               </a:ext>
             </a:extLst>
           </p:cNvPr>
@@ -32241,7 +32964,7 @@
           <p:cNvPr id="15" name="TextBox 14">
             <a:extLst>
               <a:ext uri="{FF2B5EF4-FFF2-40B4-BE49-F238E27FC236}">
-                <a16:creationId xmlns="" xmlns:a16="http://schemas.microsoft.com/office/drawing/2014/main" id="{2F9FD6B2-B09B-384D-992A-F8D309050D26}"/>
+                <a16:creationId xmlns:a16="http://schemas.microsoft.com/office/drawing/2014/main" xmlns="" id="{2F9FD6B2-B09B-384D-992A-F8D309050D26}"/>
               </a:ext>
             </a:extLst>
           </p:cNvPr>
@@ -32327,7 +33050,7 @@
           <p:cNvPr id="17" name="TextBox 16">
             <a:extLst>
               <a:ext uri="{FF2B5EF4-FFF2-40B4-BE49-F238E27FC236}">
-                <a16:creationId xmlns="" xmlns:a16="http://schemas.microsoft.com/office/drawing/2014/main" id="{49BC54D3-CAAC-7C48-A7DF-E832B95944DA}"/>
+                <a16:creationId xmlns:a16="http://schemas.microsoft.com/office/drawing/2014/main" xmlns="" id="{49BC54D3-CAAC-7C48-A7DF-E832B95944DA}"/>
               </a:ext>
             </a:extLst>
           </p:cNvPr>
@@ -32413,7 +33136,7 @@
           <p:cNvPr id="26" name="TextBox 25">
             <a:extLst>
               <a:ext uri="{FF2B5EF4-FFF2-40B4-BE49-F238E27FC236}">
-                <a16:creationId xmlns="" xmlns:a16="http://schemas.microsoft.com/office/drawing/2014/main" id="{49BC54D3-CAAC-7C48-A7DF-E832B95944DA}"/>
+                <a16:creationId xmlns:a16="http://schemas.microsoft.com/office/drawing/2014/main" xmlns="" id="{49BC54D3-CAAC-7C48-A7DF-E832B95944DA}"/>
               </a:ext>
             </a:extLst>
           </p:cNvPr>
@@ -32495,7 +33218,757 @@
 </p:sld>
 </file>
 
-<file path=ppt/slides/slide29.xml><?xml version="1.0" encoding="utf-8"?>
+<file path=ppt/slides/slide3.xml><?xml version="1.0" encoding="utf-8"?>
+<p:sld xmlns:a="http://schemas.openxmlformats.org/drawingml/2006/main" xmlns:r="http://schemas.openxmlformats.org/officeDocument/2006/relationships" xmlns:p="http://schemas.openxmlformats.org/presentationml/2006/main">
+  <p:cSld>
+    <p:spTree>
+      <p:nvGrpSpPr>
+        <p:cNvPr id="1" name=""/>
+        <p:cNvGrpSpPr/>
+        <p:nvPr/>
+      </p:nvGrpSpPr>
+      <p:grpSpPr>
+        <a:xfrm>
+          <a:off x="0" y="0"/>
+          <a:ext cx="0" cy="0"/>
+          <a:chOff x="0" y="0"/>
+          <a:chExt cx="0" cy="0"/>
+        </a:xfrm>
+      </p:grpSpPr>
+      <p:sp>
+        <p:nvSpPr>
+          <p:cNvPr id="11" name="내용 개체 틀 10">
+            <a:extLst>
+              <a:ext uri="{FF2B5EF4-FFF2-40B4-BE49-F238E27FC236}">
+                <a16:creationId xmlns:a16="http://schemas.microsoft.com/office/drawing/2014/main" xmlns="" id="{5B63096A-AE1A-694F-9B03-569398D3215F}"/>
+              </a:ext>
+            </a:extLst>
+          </p:cNvPr>
+          <p:cNvSpPr>
+            <a:spLocks noGrp="1"/>
+          </p:cNvSpPr>
+          <p:nvPr>
+            <p:ph sz="quarter" idx="10"/>
+          </p:nvPr>
+        </p:nvSpPr>
+        <p:spPr/>
+        <p:txBody>
+          <a:bodyPr/>
+          <a:lstStyle/>
+          <a:p>
+            <a:r>
+              <a:rPr kumimoji="1" lang="en-US" altLang="ko-KR" dirty="0" err="1"/>
+              <a:t>Git</a:t>
+            </a:r>
+            <a:r>
+              <a:rPr kumimoji="1" lang="en-US" altLang="ko-KR" dirty="0"/>
+              <a:t> &amp; </a:t>
+            </a:r>
+            <a:r>
+              <a:rPr kumimoji="1" lang="en-US" altLang="ko-KR" dirty="0" err="1"/>
+              <a:t>SourceTree</a:t>
+            </a:r>
+            <a:r>
+              <a:rPr kumimoji="1" lang="en-US" altLang="ko-KR" dirty="0"/>
+              <a:t> </a:t>
+            </a:r>
+            <a:r>
+              <a:rPr kumimoji="1" lang="ko-KR" altLang="en-US" dirty="0"/>
+              <a:t>소개와 연동</a:t>
+            </a:r>
+            <a:endParaRPr kumimoji="1" lang="en-US" altLang="ko-KR" dirty="0"/>
+          </a:p>
+        </p:txBody>
+      </p:sp>
+      <p:sp>
+        <p:nvSpPr>
+          <p:cNvPr id="12" name="내용 개체 틀 11">
+            <a:extLst>
+              <a:ext uri="{FF2B5EF4-FFF2-40B4-BE49-F238E27FC236}">
+                <a16:creationId xmlns:a16="http://schemas.microsoft.com/office/drawing/2014/main" xmlns="" id="{DA403F0B-7EF1-B640-81F1-099EE858F5FD}"/>
+              </a:ext>
+            </a:extLst>
+          </p:cNvPr>
+          <p:cNvSpPr>
+            <a:spLocks noGrp="1"/>
+          </p:cNvSpPr>
+          <p:nvPr>
+            <p:ph sz="quarter" idx="11"/>
+          </p:nvPr>
+        </p:nvSpPr>
+        <p:spPr/>
+        <p:txBody>
+          <a:bodyPr>
+            <a:normAutofit lnSpcReduction="10000"/>
+          </a:bodyPr>
+          <a:lstStyle/>
+          <a:p>
+            <a:r>
+              <a:rPr kumimoji="1" lang="en-US" altLang="ko-KR" dirty="0"/>
+              <a:t>01</a:t>
+            </a:r>
+            <a:endParaRPr kumimoji="1" lang="ko-KR" altLang="en-US" dirty="0"/>
+          </a:p>
+        </p:txBody>
+      </p:sp>
+      <p:sp>
+        <p:nvSpPr>
+          <p:cNvPr id="24" name="TextBox 23">
+            <a:extLst>
+              <a:ext uri="{FF2B5EF4-FFF2-40B4-BE49-F238E27FC236}">
+                <a16:creationId xmlns:a16="http://schemas.microsoft.com/office/drawing/2014/main" xmlns="" id="{8658792F-39DE-1F41-8D61-AD6B19AA335A}"/>
+              </a:ext>
+            </a:extLst>
+          </p:cNvPr>
+          <p:cNvSpPr txBox="1"/>
+          <p:nvPr/>
+        </p:nvSpPr>
+        <p:spPr>
+          <a:xfrm>
+            <a:off x="4756483" y="4074138"/>
+            <a:ext cx="2354427" cy="307777"/>
+          </a:xfrm>
+          <a:prstGeom prst="rect">
+            <a:avLst/>
+          </a:prstGeom>
+          <a:noFill/>
+        </p:spPr>
+        <p:txBody>
+          <a:bodyPr wrap="none" rtlCol="0">
+            <a:spAutoFit/>
+          </a:bodyPr>
+          <a:lstStyle/>
+          <a:p>
+            <a:r>
+              <a:rPr kumimoji="1" lang="en-US" altLang="ko-KR" sz="1400" dirty="0">
+                <a:solidFill>
+                  <a:schemeClr val="bg2">
+                    <a:lumMod val="50000"/>
+                  </a:schemeClr>
+                </a:solidFill>
+                <a:latin typeface="+mj-ea"/>
+                <a:ea typeface="+mj-ea"/>
+              </a:rPr>
+              <a:t>1-1.</a:t>
+            </a:r>
+            <a:r>
+              <a:rPr kumimoji="1" lang="ko-KR" altLang="en-US" sz="1400" dirty="0">
+                <a:solidFill>
+                  <a:schemeClr val="bg2">
+                    <a:lumMod val="50000"/>
+                  </a:schemeClr>
+                </a:solidFill>
+                <a:latin typeface="+mj-ea"/>
+                <a:ea typeface="+mj-ea"/>
+              </a:rPr>
+              <a:t> </a:t>
+            </a:r>
+            <a:r>
+              <a:rPr kumimoji="1" lang="en-US" altLang="ko-KR" sz="1400" dirty="0" err="1" smtClean="0">
+                <a:solidFill>
+                  <a:schemeClr val="bg2">
+                    <a:lumMod val="50000"/>
+                  </a:schemeClr>
+                </a:solidFill>
+                <a:latin typeface="+mj-ea"/>
+                <a:ea typeface="+mj-ea"/>
+              </a:rPr>
+              <a:t>Git</a:t>
+            </a:r>
+            <a:r>
+              <a:rPr kumimoji="1" lang="en-US" altLang="ko-KR" sz="1400" dirty="0">
+                <a:solidFill>
+                  <a:schemeClr val="bg2">
+                    <a:lumMod val="50000"/>
+                  </a:schemeClr>
+                </a:solidFill>
+                <a:latin typeface="+mj-ea"/>
+                <a:ea typeface="+mj-ea"/>
+              </a:rPr>
+              <a:t> </a:t>
+            </a:r>
+            <a:r>
+              <a:rPr kumimoji="1" lang="en-US" altLang="ko-KR" sz="1400" dirty="0" smtClean="0">
+                <a:solidFill>
+                  <a:schemeClr val="bg2">
+                    <a:lumMod val="50000"/>
+                  </a:schemeClr>
+                </a:solidFill>
+                <a:latin typeface="+mj-ea"/>
+                <a:ea typeface="+mj-ea"/>
+              </a:rPr>
+              <a:t>&amp; Repository </a:t>
+            </a:r>
+            <a:r>
+              <a:rPr kumimoji="1" lang="ko-KR" altLang="en-US" sz="1400" dirty="0" smtClean="0">
+                <a:solidFill>
+                  <a:schemeClr val="bg2">
+                    <a:lumMod val="50000"/>
+                  </a:schemeClr>
+                </a:solidFill>
+                <a:latin typeface="+mj-ea"/>
+                <a:ea typeface="+mj-ea"/>
+              </a:rPr>
+              <a:t>소개</a:t>
+            </a:r>
+            <a:endParaRPr kumimoji="1" lang="en-US" altLang="ko-KR" sz="1400" dirty="0">
+              <a:solidFill>
+                <a:schemeClr val="bg2">
+                  <a:lumMod val="50000"/>
+                </a:schemeClr>
+              </a:solidFill>
+              <a:latin typeface="+mj-ea"/>
+              <a:ea typeface="+mj-ea"/>
+            </a:endParaRPr>
+          </a:p>
+        </p:txBody>
+      </p:sp>
+      <p:sp>
+        <p:nvSpPr>
+          <p:cNvPr id="25" name="TextBox 24">
+            <a:extLst>
+              <a:ext uri="{FF2B5EF4-FFF2-40B4-BE49-F238E27FC236}">
+                <a16:creationId xmlns:a16="http://schemas.microsoft.com/office/drawing/2014/main" xmlns="" id="{D6861B09-F4AC-FB43-9800-2A8795582F2C}"/>
+              </a:ext>
+            </a:extLst>
+          </p:cNvPr>
+          <p:cNvSpPr txBox="1"/>
+          <p:nvPr/>
+        </p:nvSpPr>
+        <p:spPr>
+          <a:xfrm>
+            <a:off x="4756484" y="4348453"/>
+            <a:ext cx="1898148" cy="307777"/>
+          </a:xfrm>
+          <a:prstGeom prst="rect">
+            <a:avLst/>
+          </a:prstGeom>
+          <a:noFill/>
+        </p:spPr>
+        <p:txBody>
+          <a:bodyPr wrap="none" rtlCol="0">
+            <a:spAutoFit/>
+          </a:bodyPr>
+          <a:lstStyle/>
+          <a:p>
+            <a:r>
+              <a:rPr kumimoji="1" lang="en-US" altLang="ko-KR" sz="1400" dirty="0">
+                <a:solidFill>
+                  <a:schemeClr val="bg2">
+                    <a:lumMod val="50000"/>
+                  </a:schemeClr>
+                </a:solidFill>
+                <a:latin typeface="+mj-ea"/>
+                <a:ea typeface="+mj-ea"/>
+              </a:rPr>
+              <a:t>1-2.</a:t>
+            </a:r>
+            <a:r>
+              <a:rPr kumimoji="1" lang="ko-KR" altLang="en-US" sz="1400" dirty="0">
+                <a:solidFill>
+                  <a:schemeClr val="bg2">
+                    <a:lumMod val="50000"/>
+                  </a:schemeClr>
+                </a:solidFill>
+                <a:latin typeface="+mj-ea"/>
+                <a:ea typeface="+mj-ea"/>
+              </a:rPr>
+              <a:t> </a:t>
+            </a:r>
+            <a:r>
+              <a:rPr kumimoji="1" lang="en-US" altLang="ko-KR" sz="1400" dirty="0" err="1" smtClean="0">
+                <a:solidFill>
+                  <a:schemeClr val="bg2">
+                    <a:lumMod val="50000"/>
+                  </a:schemeClr>
+                </a:solidFill>
+                <a:latin typeface="+mj-ea"/>
+              </a:rPr>
+              <a:t>SourceTeee</a:t>
+            </a:r>
+            <a:r>
+              <a:rPr kumimoji="1" lang="en-US" altLang="ko-KR" sz="1400" dirty="0" smtClean="0">
+                <a:solidFill>
+                  <a:schemeClr val="bg2">
+                    <a:lumMod val="50000"/>
+                  </a:schemeClr>
+                </a:solidFill>
+                <a:latin typeface="+mj-ea"/>
+              </a:rPr>
+              <a:t> </a:t>
+            </a:r>
+            <a:r>
+              <a:rPr kumimoji="1" lang="ko-KR" altLang="en-US" sz="1400" dirty="0" smtClean="0">
+                <a:solidFill>
+                  <a:schemeClr val="bg2">
+                    <a:lumMod val="50000"/>
+                  </a:schemeClr>
+                </a:solidFill>
+                <a:latin typeface="+mj-ea"/>
+              </a:rPr>
+              <a:t>소개</a:t>
+            </a:r>
+            <a:endParaRPr kumimoji="1" lang="en-US" altLang="ko-KR" sz="1400" dirty="0">
+              <a:solidFill>
+                <a:schemeClr val="bg2">
+                  <a:lumMod val="50000"/>
+                </a:schemeClr>
+              </a:solidFill>
+              <a:latin typeface="+mj-ea"/>
+            </a:endParaRPr>
+          </a:p>
+        </p:txBody>
+      </p:sp>
+      <p:sp>
+        <p:nvSpPr>
+          <p:cNvPr id="26" name="TextBox 25">
+            <a:extLst>
+              <a:ext uri="{FF2B5EF4-FFF2-40B4-BE49-F238E27FC236}">
+                <a16:creationId xmlns:a16="http://schemas.microsoft.com/office/drawing/2014/main" xmlns="" id="{A5983FD4-BA29-1C4D-831E-900D8295DDE0}"/>
+              </a:ext>
+            </a:extLst>
+          </p:cNvPr>
+          <p:cNvSpPr txBox="1"/>
+          <p:nvPr/>
+        </p:nvSpPr>
+        <p:spPr>
+          <a:xfrm>
+            <a:off x="4756484" y="4622769"/>
+            <a:ext cx="2206951" cy="307777"/>
+          </a:xfrm>
+          <a:prstGeom prst="rect">
+            <a:avLst/>
+          </a:prstGeom>
+          <a:noFill/>
+        </p:spPr>
+        <p:txBody>
+          <a:bodyPr wrap="none" rtlCol="0">
+            <a:spAutoFit/>
+          </a:bodyPr>
+          <a:lstStyle/>
+          <a:p>
+            <a:r>
+              <a:rPr kumimoji="1" lang="en-US" altLang="ko-KR" sz="1400" dirty="0">
+                <a:solidFill>
+                  <a:schemeClr val="bg2">
+                    <a:lumMod val="50000"/>
+                  </a:schemeClr>
+                </a:solidFill>
+                <a:latin typeface="+mj-ea"/>
+                <a:ea typeface="+mj-ea"/>
+              </a:rPr>
+              <a:t>1-3.</a:t>
+            </a:r>
+            <a:r>
+              <a:rPr kumimoji="1" lang="ko-KR" altLang="en-US" sz="1400" dirty="0">
+                <a:solidFill>
+                  <a:schemeClr val="bg2">
+                    <a:lumMod val="50000"/>
+                  </a:schemeClr>
+                </a:solidFill>
+                <a:latin typeface="+mj-ea"/>
+                <a:ea typeface="+mj-ea"/>
+              </a:rPr>
+              <a:t> </a:t>
+            </a:r>
+            <a:r>
+              <a:rPr kumimoji="1" lang="en-US" altLang="ko-KR" sz="1400" dirty="0" smtClean="0">
+                <a:solidFill>
+                  <a:schemeClr val="bg2">
+                    <a:lumMod val="50000"/>
+                  </a:schemeClr>
+                </a:solidFill>
+                <a:latin typeface="+mn-ea"/>
+              </a:rPr>
+              <a:t>Repository </a:t>
+            </a:r>
+            <a:r>
+              <a:rPr kumimoji="1" lang="ko-KR" altLang="en-US" sz="1400" dirty="0" smtClean="0">
+                <a:solidFill>
+                  <a:schemeClr val="bg2">
+                    <a:lumMod val="50000"/>
+                  </a:schemeClr>
+                </a:solidFill>
+                <a:latin typeface="+mn-ea"/>
+              </a:rPr>
+              <a:t>생성하기</a:t>
+            </a:r>
+            <a:endParaRPr kumimoji="1" lang="en-US" altLang="ko-KR" sz="1400" dirty="0">
+              <a:solidFill>
+                <a:schemeClr val="bg2">
+                  <a:lumMod val="50000"/>
+                </a:schemeClr>
+              </a:solidFill>
+              <a:latin typeface="+mj-ea"/>
+              <a:ea typeface="+mj-ea"/>
+            </a:endParaRPr>
+          </a:p>
+        </p:txBody>
+      </p:sp>
+      <p:sp>
+        <p:nvSpPr>
+          <p:cNvPr id="27" name="TextBox 26">
+            <a:extLst>
+              <a:ext uri="{FF2B5EF4-FFF2-40B4-BE49-F238E27FC236}">
+                <a16:creationId xmlns:a16="http://schemas.microsoft.com/office/drawing/2014/main" xmlns="" id="{EBF1EFA3-3789-9142-BAF5-8849CB0EB256}"/>
+              </a:ext>
+            </a:extLst>
+          </p:cNvPr>
+          <p:cNvSpPr txBox="1"/>
+          <p:nvPr/>
+        </p:nvSpPr>
+        <p:spPr>
+          <a:xfrm>
+            <a:off x="4756484" y="4897084"/>
+            <a:ext cx="2770310" cy="307777"/>
+          </a:xfrm>
+          <a:prstGeom prst="rect">
+            <a:avLst/>
+          </a:prstGeom>
+          <a:noFill/>
+        </p:spPr>
+        <p:txBody>
+          <a:bodyPr wrap="none" rtlCol="0">
+            <a:spAutoFit/>
+          </a:bodyPr>
+          <a:lstStyle/>
+          <a:p>
+            <a:r>
+              <a:rPr kumimoji="1" lang="en-US" altLang="ko-KR" sz="1400" dirty="0">
+                <a:solidFill>
+                  <a:schemeClr val="bg2">
+                    <a:lumMod val="50000"/>
+                  </a:schemeClr>
+                </a:solidFill>
+                <a:latin typeface="+mj-ea"/>
+                <a:ea typeface="+mj-ea"/>
+              </a:rPr>
+              <a:t>1-4.</a:t>
+            </a:r>
+            <a:r>
+              <a:rPr kumimoji="1" lang="ko-KR" altLang="en-US" sz="1400" dirty="0">
+                <a:solidFill>
+                  <a:schemeClr val="bg2">
+                    <a:lumMod val="50000"/>
+                  </a:schemeClr>
+                </a:solidFill>
+                <a:latin typeface="+mj-ea"/>
+                <a:ea typeface="+mj-ea"/>
+              </a:rPr>
+              <a:t> </a:t>
+            </a:r>
+            <a:r>
+              <a:rPr kumimoji="1" lang="en-US" altLang="ko-KR" sz="1400" dirty="0" smtClean="0">
+                <a:solidFill>
+                  <a:schemeClr val="bg2">
+                    <a:lumMod val="50000"/>
+                  </a:schemeClr>
+                </a:solidFill>
+                <a:latin typeface="+mj-ea"/>
+                <a:ea typeface="+mj-ea"/>
+              </a:rPr>
+              <a:t>Eclipse </a:t>
+            </a:r>
+            <a:r>
+              <a:rPr kumimoji="1" lang="ko-KR" altLang="en-US" sz="1400" dirty="0" smtClean="0">
+                <a:solidFill>
+                  <a:schemeClr val="bg2">
+                    <a:lumMod val="50000"/>
+                  </a:schemeClr>
+                </a:solidFill>
+                <a:latin typeface="+mj-ea"/>
+                <a:ea typeface="+mj-ea"/>
+              </a:rPr>
+              <a:t>와 </a:t>
+            </a:r>
+            <a:r>
+              <a:rPr kumimoji="1" lang="en-US" altLang="ko-KR" sz="1400" dirty="0" smtClean="0">
+                <a:solidFill>
+                  <a:schemeClr val="bg2">
+                    <a:lumMod val="50000"/>
+                  </a:schemeClr>
+                </a:solidFill>
+                <a:latin typeface="+mj-ea"/>
+                <a:ea typeface="+mj-ea"/>
+              </a:rPr>
+              <a:t>GitHub </a:t>
+            </a:r>
+            <a:r>
+              <a:rPr kumimoji="1" lang="ko-KR" altLang="en-US" sz="1400" dirty="0" smtClean="0">
+                <a:solidFill>
+                  <a:schemeClr val="bg2">
+                    <a:lumMod val="50000"/>
+                  </a:schemeClr>
+                </a:solidFill>
+                <a:latin typeface="+mj-ea"/>
+                <a:ea typeface="+mj-ea"/>
+              </a:rPr>
+              <a:t>연동하기</a:t>
+            </a:r>
+            <a:endParaRPr kumimoji="1" lang="en-US" altLang="ko-KR" sz="1400" dirty="0">
+              <a:solidFill>
+                <a:schemeClr val="bg2">
+                  <a:lumMod val="50000"/>
+                </a:schemeClr>
+              </a:solidFill>
+              <a:latin typeface="+mj-ea"/>
+              <a:ea typeface="+mj-ea"/>
+            </a:endParaRPr>
+          </a:p>
+        </p:txBody>
+      </p:sp>
+      <p:sp>
+        <p:nvSpPr>
+          <p:cNvPr id="28" name="TextBox 27">
+            <a:extLst>
+              <a:ext uri="{FF2B5EF4-FFF2-40B4-BE49-F238E27FC236}">
+                <a16:creationId xmlns:a16="http://schemas.microsoft.com/office/drawing/2014/main" xmlns="" id="{C814569F-626F-6B4D-8F38-7A7C6D7CD523}"/>
+              </a:ext>
+            </a:extLst>
+          </p:cNvPr>
+          <p:cNvSpPr txBox="1"/>
+          <p:nvPr/>
+        </p:nvSpPr>
+        <p:spPr>
+          <a:xfrm>
+            <a:off x="4756484" y="5445715"/>
+            <a:ext cx="3001591" cy="307777"/>
+          </a:xfrm>
+          <a:prstGeom prst="rect">
+            <a:avLst/>
+          </a:prstGeom>
+          <a:noFill/>
+        </p:spPr>
+        <p:txBody>
+          <a:bodyPr wrap="none" rtlCol="0">
+            <a:spAutoFit/>
+          </a:bodyPr>
+          <a:lstStyle/>
+          <a:p>
+            <a:r>
+              <a:rPr kumimoji="1" lang="en-US" altLang="ko-KR" sz="1400" dirty="0" smtClean="0">
+                <a:solidFill>
+                  <a:schemeClr val="bg2">
+                    <a:lumMod val="50000"/>
+                  </a:schemeClr>
+                </a:solidFill>
+                <a:latin typeface="+mj-ea"/>
+                <a:ea typeface="+mj-ea"/>
+              </a:rPr>
+              <a:t>1-6.</a:t>
+            </a:r>
+            <a:r>
+              <a:rPr kumimoji="1" lang="ko-KR" altLang="en-US" sz="1400" dirty="0" smtClean="0">
+                <a:solidFill>
+                  <a:schemeClr val="bg2">
+                    <a:lumMod val="50000"/>
+                  </a:schemeClr>
+                </a:solidFill>
+                <a:latin typeface="+mj-ea"/>
+                <a:ea typeface="+mj-ea"/>
+              </a:rPr>
+              <a:t> </a:t>
+            </a:r>
+            <a:r>
+              <a:rPr kumimoji="1" lang="en-US" altLang="ko-KR" sz="1400" dirty="0" smtClean="0">
+                <a:solidFill>
+                  <a:schemeClr val="bg2">
+                    <a:lumMod val="50000"/>
+                  </a:schemeClr>
+                </a:solidFill>
+                <a:latin typeface="+mn-ea"/>
+              </a:rPr>
+              <a:t>GitHub </a:t>
+            </a:r>
+            <a:r>
+              <a:rPr kumimoji="1" lang="ko-KR" altLang="en-US" sz="1400" dirty="0" smtClean="0">
+                <a:solidFill>
+                  <a:schemeClr val="bg2">
+                    <a:lumMod val="50000"/>
+                  </a:schemeClr>
+                </a:solidFill>
+                <a:latin typeface="+mn-ea"/>
+              </a:rPr>
+              <a:t>와 </a:t>
+            </a:r>
+            <a:r>
+              <a:rPr kumimoji="1" lang="en-US" altLang="ko-KR" sz="1400" dirty="0" err="1" smtClean="0">
+                <a:solidFill>
+                  <a:schemeClr val="bg2">
+                    <a:lumMod val="50000"/>
+                  </a:schemeClr>
+                </a:solidFill>
+                <a:latin typeface="+mn-ea"/>
+              </a:rPr>
+              <a:t>SorceTree</a:t>
+            </a:r>
+            <a:r>
+              <a:rPr kumimoji="1" lang="en-US" altLang="ko-KR" sz="1400" dirty="0" smtClean="0">
+                <a:solidFill>
+                  <a:schemeClr val="bg2">
+                    <a:lumMod val="50000"/>
+                  </a:schemeClr>
+                </a:solidFill>
+                <a:latin typeface="+mn-ea"/>
+              </a:rPr>
+              <a:t> </a:t>
+            </a:r>
+            <a:r>
+              <a:rPr kumimoji="1" lang="ko-KR" altLang="en-US" sz="1400" dirty="0" smtClean="0">
+                <a:solidFill>
+                  <a:schemeClr val="bg2">
+                    <a:lumMod val="50000"/>
+                  </a:schemeClr>
+                </a:solidFill>
+                <a:latin typeface="+mn-ea"/>
+              </a:rPr>
+              <a:t>연동하기</a:t>
+            </a:r>
+            <a:endParaRPr kumimoji="1" lang="en-US" altLang="ko-KR" sz="1400" dirty="0">
+              <a:solidFill>
+                <a:schemeClr val="bg2">
+                  <a:lumMod val="50000"/>
+                </a:schemeClr>
+              </a:solidFill>
+              <a:latin typeface="+mj-ea"/>
+              <a:ea typeface="+mj-ea"/>
+            </a:endParaRPr>
+          </a:p>
+        </p:txBody>
+      </p:sp>
+      <p:sp>
+        <p:nvSpPr>
+          <p:cNvPr id="29" name="TextBox 28">
+            <a:extLst>
+              <a:ext uri="{FF2B5EF4-FFF2-40B4-BE49-F238E27FC236}">
+                <a16:creationId xmlns:a16="http://schemas.microsoft.com/office/drawing/2014/main" xmlns="" id="{C814569F-626F-6B4D-8F38-7A7C6D7CD523}"/>
+              </a:ext>
+            </a:extLst>
+          </p:cNvPr>
+          <p:cNvSpPr txBox="1"/>
+          <p:nvPr/>
+        </p:nvSpPr>
+        <p:spPr>
+          <a:xfrm>
+            <a:off x="4756483" y="5164599"/>
+            <a:ext cx="3662477" cy="307777"/>
+          </a:xfrm>
+          <a:prstGeom prst="rect">
+            <a:avLst/>
+          </a:prstGeom>
+          <a:noFill/>
+        </p:spPr>
+        <p:txBody>
+          <a:bodyPr wrap="none" rtlCol="0">
+            <a:spAutoFit/>
+          </a:bodyPr>
+          <a:lstStyle/>
+          <a:p>
+            <a:r>
+              <a:rPr kumimoji="1" lang="en-US" altLang="ko-KR" sz="1400" dirty="0" smtClean="0">
+                <a:solidFill>
+                  <a:schemeClr val="bg2">
+                    <a:lumMod val="50000"/>
+                  </a:schemeClr>
+                </a:solidFill>
+                <a:latin typeface="+mj-ea"/>
+                <a:ea typeface="+mj-ea"/>
+              </a:rPr>
+              <a:t>1-5.</a:t>
+            </a:r>
+            <a:r>
+              <a:rPr kumimoji="1" lang="ko-KR" altLang="en-US" sz="1400" dirty="0" smtClean="0">
+                <a:solidFill>
+                  <a:schemeClr val="bg2">
+                    <a:lumMod val="50000"/>
+                  </a:schemeClr>
+                </a:solidFill>
+                <a:latin typeface="+mj-ea"/>
+                <a:ea typeface="+mj-ea"/>
+              </a:rPr>
+              <a:t> </a:t>
+            </a:r>
+            <a:r>
+              <a:rPr kumimoji="1" lang="en-US" altLang="ko-KR" sz="1400" dirty="0" smtClean="0">
+                <a:solidFill>
+                  <a:schemeClr val="bg2">
+                    <a:lumMod val="50000"/>
+                  </a:schemeClr>
+                </a:solidFill>
+                <a:latin typeface="+mj-ea"/>
+                <a:ea typeface="+mj-ea"/>
+              </a:rPr>
+              <a:t>Eclipse </a:t>
+            </a:r>
+            <a:r>
+              <a:rPr kumimoji="1" lang="ko-KR" altLang="en-US" sz="1400" dirty="0" smtClean="0">
+                <a:solidFill>
+                  <a:schemeClr val="bg2">
+                    <a:lumMod val="50000"/>
+                  </a:schemeClr>
+                </a:solidFill>
+                <a:latin typeface="+mj-ea"/>
+                <a:ea typeface="+mj-ea"/>
+              </a:rPr>
+              <a:t>에 연동된 </a:t>
+            </a:r>
+            <a:r>
+              <a:rPr kumimoji="1" lang="en-US" altLang="ko-KR" sz="1400" dirty="0" smtClean="0">
+                <a:solidFill>
+                  <a:schemeClr val="bg2">
+                    <a:lumMod val="50000"/>
+                  </a:schemeClr>
+                </a:solidFill>
+                <a:latin typeface="+mj-ea"/>
+                <a:ea typeface="+mj-ea"/>
+              </a:rPr>
+              <a:t>Repository </a:t>
+            </a:r>
+            <a:r>
+              <a:rPr kumimoji="1" lang="ko-KR" altLang="en-US" sz="1400" dirty="0" smtClean="0">
+                <a:solidFill>
+                  <a:schemeClr val="bg2">
+                    <a:lumMod val="50000"/>
+                  </a:schemeClr>
+                </a:solidFill>
+                <a:latin typeface="+mj-ea"/>
+                <a:ea typeface="+mj-ea"/>
+              </a:rPr>
+              <a:t>삭제하기</a:t>
+            </a:r>
+            <a:endParaRPr kumimoji="1" lang="en-US" altLang="ko-KR" sz="1400" dirty="0">
+              <a:solidFill>
+                <a:schemeClr val="bg2">
+                  <a:lumMod val="50000"/>
+                </a:schemeClr>
+              </a:solidFill>
+              <a:latin typeface="+mj-ea"/>
+              <a:ea typeface="+mj-ea"/>
+            </a:endParaRPr>
+          </a:p>
+        </p:txBody>
+      </p:sp>
+    </p:spTree>
+    <p:extLst>
+      <p:ext uri="{BB962C8B-B14F-4D97-AF65-F5344CB8AC3E}">
+        <p14:creationId xmlns:p14="http://schemas.microsoft.com/office/powerpoint/2010/main" val="1741159009"/>
+      </p:ext>
+    </p:extLst>
+  </p:cSld>
+  <p:clrMapOvr>
+    <a:masterClrMapping/>
+  </p:clrMapOvr>
+  <p:timing>
+    <p:tnLst>
+      <p:par>
+        <p:cTn id="1" dur="indefinite" restart="never" nodeType="tmRoot"/>
+      </p:par>
+    </p:tnLst>
+  </p:timing>
+</p:sld>
+</file>
+
+<file path=ppt/slides/slide30.xml><?xml version="1.0" encoding="utf-8"?>
 <p:sld xmlns:a="http://schemas.openxmlformats.org/drawingml/2006/main" xmlns:r="http://schemas.openxmlformats.org/officeDocument/2006/relationships" xmlns:p="http://schemas.openxmlformats.org/presentationml/2006/main">
   <p:cSld>
     <p:spTree>
@@ -32917,757 +34390,7 @@
 </p:sld>
 </file>
 
-<file path=ppt/slides/slide3.xml><?xml version="1.0" encoding="utf-8"?>
-<p:sld xmlns:a="http://schemas.openxmlformats.org/drawingml/2006/main" xmlns:r="http://schemas.openxmlformats.org/officeDocument/2006/relationships" xmlns:p="http://schemas.openxmlformats.org/presentationml/2006/main">
-  <p:cSld>
-    <p:spTree>
-      <p:nvGrpSpPr>
-        <p:cNvPr id="1" name=""/>
-        <p:cNvGrpSpPr/>
-        <p:nvPr/>
-      </p:nvGrpSpPr>
-      <p:grpSpPr>
-        <a:xfrm>
-          <a:off x="0" y="0"/>
-          <a:ext cx="0" cy="0"/>
-          <a:chOff x="0" y="0"/>
-          <a:chExt cx="0" cy="0"/>
-        </a:xfrm>
-      </p:grpSpPr>
-      <p:sp>
-        <p:nvSpPr>
-          <p:cNvPr id="11" name="내용 개체 틀 10">
-            <a:extLst>
-              <a:ext uri="{FF2B5EF4-FFF2-40B4-BE49-F238E27FC236}">
-                <a16:creationId xmlns="" xmlns:a16="http://schemas.microsoft.com/office/drawing/2014/main" id="{5B63096A-AE1A-694F-9B03-569398D3215F}"/>
-              </a:ext>
-            </a:extLst>
-          </p:cNvPr>
-          <p:cNvSpPr>
-            <a:spLocks noGrp="1"/>
-          </p:cNvSpPr>
-          <p:nvPr>
-            <p:ph sz="quarter" idx="10"/>
-          </p:nvPr>
-        </p:nvSpPr>
-        <p:spPr/>
-        <p:txBody>
-          <a:bodyPr/>
-          <a:lstStyle/>
-          <a:p>
-            <a:r>
-              <a:rPr kumimoji="1" lang="en-US" altLang="ko-KR" dirty="0" err="1"/>
-              <a:t>Git</a:t>
-            </a:r>
-            <a:r>
-              <a:rPr kumimoji="1" lang="en-US" altLang="ko-KR" dirty="0"/>
-              <a:t> &amp; </a:t>
-            </a:r>
-            <a:r>
-              <a:rPr kumimoji="1" lang="en-US" altLang="ko-KR" dirty="0" err="1"/>
-              <a:t>SourceTree</a:t>
-            </a:r>
-            <a:r>
-              <a:rPr kumimoji="1" lang="en-US" altLang="ko-KR" dirty="0"/>
-              <a:t> </a:t>
-            </a:r>
-            <a:r>
-              <a:rPr kumimoji="1" lang="ko-KR" altLang="en-US" dirty="0"/>
-              <a:t>소개와 연동</a:t>
-            </a:r>
-            <a:endParaRPr kumimoji="1" lang="en-US" altLang="ko-KR" dirty="0"/>
-          </a:p>
-        </p:txBody>
-      </p:sp>
-      <p:sp>
-        <p:nvSpPr>
-          <p:cNvPr id="12" name="내용 개체 틀 11">
-            <a:extLst>
-              <a:ext uri="{FF2B5EF4-FFF2-40B4-BE49-F238E27FC236}">
-                <a16:creationId xmlns="" xmlns:a16="http://schemas.microsoft.com/office/drawing/2014/main" id="{DA403F0B-7EF1-B640-81F1-099EE858F5FD}"/>
-              </a:ext>
-            </a:extLst>
-          </p:cNvPr>
-          <p:cNvSpPr>
-            <a:spLocks noGrp="1"/>
-          </p:cNvSpPr>
-          <p:nvPr>
-            <p:ph sz="quarter" idx="11"/>
-          </p:nvPr>
-        </p:nvSpPr>
-        <p:spPr/>
-        <p:txBody>
-          <a:bodyPr>
-            <a:normAutofit lnSpcReduction="10000"/>
-          </a:bodyPr>
-          <a:lstStyle/>
-          <a:p>
-            <a:r>
-              <a:rPr kumimoji="1" lang="en-US" altLang="ko-KR" dirty="0"/>
-              <a:t>01</a:t>
-            </a:r>
-            <a:endParaRPr kumimoji="1" lang="ko-KR" altLang="en-US" dirty="0"/>
-          </a:p>
-        </p:txBody>
-      </p:sp>
-      <p:sp>
-        <p:nvSpPr>
-          <p:cNvPr id="24" name="TextBox 23">
-            <a:extLst>
-              <a:ext uri="{FF2B5EF4-FFF2-40B4-BE49-F238E27FC236}">
-                <a16:creationId xmlns="" xmlns:a16="http://schemas.microsoft.com/office/drawing/2014/main" id="{8658792F-39DE-1F41-8D61-AD6B19AA335A}"/>
-              </a:ext>
-            </a:extLst>
-          </p:cNvPr>
-          <p:cNvSpPr txBox="1"/>
-          <p:nvPr/>
-        </p:nvSpPr>
-        <p:spPr>
-          <a:xfrm>
-            <a:off x="4756483" y="4074138"/>
-            <a:ext cx="2354427" cy="307777"/>
-          </a:xfrm>
-          <a:prstGeom prst="rect">
-            <a:avLst/>
-          </a:prstGeom>
-          <a:noFill/>
-        </p:spPr>
-        <p:txBody>
-          <a:bodyPr wrap="none" rtlCol="0">
-            <a:spAutoFit/>
-          </a:bodyPr>
-          <a:lstStyle/>
-          <a:p>
-            <a:r>
-              <a:rPr kumimoji="1" lang="en-US" altLang="ko-KR" sz="1400" dirty="0">
-                <a:solidFill>
-                  <a:schemeClr val="bg2">
-                    <a:lumMod val="50000"/>
-                  </a:schemeClr>
-                </a:solidFill>
-                <a:latin typeface="+mj-ea"/>
-                <a:ea typeface="+mj-ea"/>
-              </a:rPr>
-              <a:t>1-1.</a:t>
-            </a:r>
-            <a:r>
-              <a:rPr kumimoji="1" lang="ko-KR" altLang="en-US" sz="1400" dirty="0">
-                <a:solidFill>
-                  <a:schemeClr val="bg2">
-                    <a:lumMod val="50000"/>
-                  </a:schemeClr>
-                </a:solidFill>
-                <a:latin typeface="+mj-ea"/>
-                <a:ea typeface="+mj-ea"/>
-              </a:rPr>
-              <a:t> </a:t>
-            </a:r>
-            <a:r>
-              <a:rPr kumimoji="1" lang="en-US" altLang="ko-KR" sz="1400" dirty="0" err="1" smtClean="0">
-                <a:solidFill>
-                  <a:schemeClr val="bg2">
-                    <a:lumMod val="50000"/>
-                  </a:schemeClr>
-                </a:solidFill>
-                <a:latin typeface="+mj-ea"/>
-                <a:ea typeface="+mj-ea"/>
-              </a:rPr>
-              <a:t>Git</a:t>
-            </a:r>
-            <a:r>
-              <a:rPr kumimoji="1" lang="en-US" altLang="ko-KR" sz="1400" dirty="0">
-                <a:solidFill>
-                  <a:schemeClr val="bg2">
-                    <a:lumMod val="50000"/>
-                  </a:schemeClr>
-                </a:solidFill>
-                <a:latin typeface="+mj-ea"/>
-                <a:ea typeface="+mj-ea"/>
-              </a:rPr>
-              <a:t> </a:t>
-            </a:r>
-            <a:r>
-              <a:rPr kumimoji="1" lang="en-US" altLang="ko-KR" sz="1400" dirty="0" smtClean="0">
-                <a:solidFill>
-                  <a:schemeClr val="bg2">
-                    <a:lumMod val="50000"/>
-                  </a:schemeClr>
-                </a:solidFill>
-                <a:latin typeface="+mj-ea"/>
-                <a:ea typeface="+mj-ea"/>
-              </a:rPr>
-              <a:t>&amp; Repository </a:t>
-            </a:r>
-            <a:r>
-              <a:rPr kumimoji="1" lang="ko-KR" altLang="en-US" sz="1400" dirty="0" smtClean="0">
-                <a:solidFill>
-                  <a:schemeClr val="bg2">
-                    <a:lumMod val="50000"/>
-                  </a:schemeClr>
-                </a:solidFill>
-                <a:latin typeface="+mj-ea"/>
-                <a:ea typeface="+mj-ea"/>
-              </a:rPr>
-              <a:t>소개</a:t>
-            </a:r>
-            <a:endParaRPr kumimoji="1" lang="en-US" altLang="ko-KR" sz="1400" dirty="0">
-              <a:solidFill>
-                <a:schemeClr val="bg2">
-                  <a:lumMod val="50000"/>
-                </a:schemeClr>
-              </a:solidFill>
-              <a:latin typeface="+mj-ea"/>
-              <a:ea typeface="+mj-ea"/>
-            </a:endParaRPr>
-          </a:p>
-        </p:txBody>
-      </p:sp>
-      <p:sp>
-        <p:nvSpPr>
-          <p:cNvPr id="25" name="TextBox 24">
-            <a:extLst>
-              <a:ext uri="{FF2B5EF4-FFF2-40B4-BE49-F238E27FC236}">
-                <a16:creationId xmlns="" xmlns:a16="http://schemas.microsoft.com/office/drawing/2014/main" id="{D6861B09-F4AC-FB43-9800-2A8795582F2C}"/>
-              </a:ext>
-            </a:extLst>
-          </p:cNvPr>
-          <p:cNvSpPr txBox="1"/>
-          <p:nvPr/>
-        </p:nvSpPr>
-        <p:spPr>
-          <a:xfrm>
-            <a:off x="4756484" y="4348453"/>
-            <a:ext cx="1898148" cy="307777"/>
-          </a:xfrm>
-          <a:prstGeom prst="rect">
-            <a:avLst/>
-          </a:prstGeom>
-          <a:noFill/>
-        </p:spPr>
-        <p:txBody>
-          <a:bodyPr wrap="none" rtlCol="0">
-            <a:spAutoFit/>
-          </a:bodyPr>
-          <a:lstStyle/>
-          <a:p>
-            <a:r>
-              <a:rPr kumimoji="1" lang="en-US" altLang="ko-KR" sz="1400" dirty="0">
-                <a:solidFill>
-                  <a:schemeClr val="bg2">
-                    <a:lumMod val="50000"/>
-                  </a:schemeClr>
-                </a:solidFill>
-                <a:latin typeface="+mj-ea"/>
-                <a:ea typeface="+mj-ea"/>
-              </a:rPr>
-              <a:t>1-2.</a:t>
-            </a:r>
-            <a:r>
-              <a:rPr kumimoji="1" lang="ko-KR" altLang="en-US" sz="1400" dirty="0">
-                <a:solidFill>
-                  <a:schemeClr val="bg2">
-                    <a:lumMod val="50000"/>
-                  </a:schemeClr>
-                </a:solidFill>
-                <a:latin typeface="+mj-ea"/>
-                <a:ea typeface="+mj-ea"/>
-              </a:rPr>
-              <a:t> </a:t>
-            </a:r>
-            <a:r>
-              <a:rPr kumimoji="1" lang="en-US" altLang="ko-KR" sz="1400" dirty="0" err="1" smtClean="0">
-                <a:solidFill>
-                  <a:schemeClr val="bg2">
-                    <a:lumMod val="50000"/>
-                  </a:schemeClr>
-                </a:solidFill>
-                <a:latin typeface="+mj-ea"/>
-              </a:rPr>
-              <a:t>SourceTeee</a:t>
-            </a:r>
-            <a:r>
-              <a:rPr kumimoji="1" lang="en-US" altLang="ko-KR" sz="1400" dirty="0" smtClean="0">
-                <a:solidFill>
-                  <a:schemeClr val="bg2">
-                    <a:lumMod val="50000"/>
-                  </a:schemeClr>
-                </a:solidFill>
-                <a:latin typeface="+mj-ea"/>
-              </a:rPr>
-              <a:t> </a:t>
-            </a:r>
-            <a:r>
-              <a:rPr kumimoji="1" lang="ko-KR" altLang="en-US" sz="1400" dirty="0" smtClean="0">
-                <a:solidFill>
-                  <a:schemeClr val="bg2">
-                    <a:lumMod val="50000"/>
-                  </a:schemeClr>
-                </a:solidFill>
-                <a:latin typeface="+mj-ea"/>
-              </a:rPr>
-              <a:t>소개</a:t>
-            </a:r>
-            <a:endParaRPr kumimoji="1" lang="en-US" altLang="ko-KR" sz="1400" dirty="0">
-              <a:solidFill>
-                <a:schemeClr val="bg2">
-                  <a:lumMod val="50000"/>
-                </a:schemeClr>
-              </a:solidFill>
-              <a:latin typeface="+mj-ea"/>
-            </a:endParaRPr>
-          </a:p>
-        </p:txBody>
-      </p:sp>
-      <p:sp>
-        <p:nvSpPr>
-          <p:cNvPr id="26" name="TextBox 25">
-            <a:extLst>
-              <a:ext uri="{FF2B5EF4-FFF2-40B4-BE49-F238E27FC236}">
-                <a16:creationId xmlns="" xmlns:a16="http://schemas.microsoft.com/office/drawing/2014/main" id="{A5983FD4-BA29-1C4D-831E-900D8295DDE0}"/>
-              </a:ext>
-            </a:extLst>
-          </p:cNvPr>
-          <p:cNvSpPr txBox="1"/>
-          <p:nvPr/>
-        </p:nvSpPr>
-        <p:spPr>
-          <a:xfrm>
-            <a:off x="4756484" y="4622769"/>
-            <a:ext cx="2206951" cy="307777"/>
-          </a:xfrm>
-          <a:prstGeom prst="rect">
-            <a:avLst/>
-          </a:prstGeom>
-          <a:noFill/>
-        </p:spPr>
-        <p:txBody>
-          <a:bodyPr wrap="none" rtlCol="0">
-            <a:spAutoFit/>
-          </a:bodyPr>
-          <a:lstStyle/>
-          <a:p>
-            <a:r>
-              <a:rPr kumimoji="1" lang="en-US" altLang="ko-KR" sz="1400" dirty="0">
-                <a:solidFill>
-                  <a:schemeClr val="bg2">
-                    <a:lumMod val="50000"/>
-                  </a:schemeClr>
-                </a:solidFill>
-                <a:latin typeface="+mj-ea"/>
-                <a:ea typeface="+mj-ea"/>
-              </a:rPr>
-              <a:t>1-3.</a:t>
-            </a:r>
-            <a:r>
-              <a:rPr kumimoji="1" lang="ko-KR" altLang="en-US" sz="1400" dirty="0">
-                <a:solidFill>
-                  <a:schemeClr val="bg2">
-                    <a:lumMod val="50000"/>
-                  </a:schemeClr>
-                </a:solidFill>
-                <a:latin typeface="+mj-ea"/>
-                <a:ea typeface="+mj-ea"/>
-              </a:rPr>
-              <a:t> </a:t>
-            </a:r>
-            <a:r>
-              <a:rPr kumimoji="1" lang="en-US" altLang="ko-KR" sz="1400" dirty="0" smtClean="0">
-                <a:solidFill>
-                  <a:schemeClr val="bg2">
-                    <a:lumMod val="50000"/>
-                  </a:schemeClr>
-                </a:solidFill>
-                <a:latin typeface="+mn-ea"/>
-              </a:rPr>
-              <a:t>Repository </a:t>
-            </a:r>
-            <a:r>
-              <a:rPr kumimoji="1" lang="ko-KR" altLang="en-US" sz="1400" dirty="0" smtClean="0">
-                <a:solidFill>
-                  <a:schemeClr val="bg2">
-                    <a:lumMod val="50000"/>
-                  </a:schemeClr>
-                </a:solidFill>
-                <a:latin typeface="+mn-ea"/>
-              </a:rPr>
-              <a:t>생성하기</a:t>
-            </a:r>
-            <a:endParaRPr kumimoji="1" lang="en-US" altLang="ko-KR" sz="1400" dirty="0">
-              <a:solidFill>
-                <a:schemeClr val="bg2">
-                  <a:lumMod val="50000"/>
-                </a:schemeClr>
-              </a:solidFill>
-              <a:latin typeface="+mj-ea"/>
-              <a:ea typeface="+mj-ea"/>
-            </a:endParaRPr>
-          </a:p>
-        </p:txBody>
-      </p:sp>
-      <p:sp>
-        <p:nvSpPr>
-          <p:cNvPr id="27" name="TextBox 26">
-            <a:extLst>
-              <a:ext uri="{FF2B5EF4-FFF2-40B4-BE49-F238E27FC236}">
-                <a16:creationId xmlns="" xmlns:a16="http://schemas.microsoft.com/office/drawing/2014/main" id="{EBF1EFA3-3789-9142-BAF5-8849CB0EB256}"/>
-              </a:ext>
-            </a:extLst>
-          </p:cNvPr>
-          <p:cNvSpPr txBox="1"/>
-          <p:nvPr/>
-        </p:nvSpPr>
-        <p:spPr>
-          <a:xfrm>
-            <a:off x="4756484" y="4897084"/>
-            <a:ext cx="2770310" cy="307777"/>
-          </a:xfrm>
-          <a:prstGeom prst="rect">
-            <a:avLst/>
-          </a:prstGeom>
-          <a:noFill/>
-        </p:spPr>
-        <p:txBody>
-          <a:bodyPr wrap="none" rtlCol="0">
-            <a:spAutoFit/>
-          </a:bodyPr>
-          <a:lstStyle/>
-          <a:p>
-            <a:r>
-              <a:rPr kumimoji="1" lang="en-US" altLang="ko-KR" sz="1400" dirty="0">
-                <a:solidFill>
-                  <a:schemeClr val="bg2">
-                    <a:lumMod val="50000"/>
-                  </a:schemeClr>
-                </a:solidFill>
-                <a:latin typeface="+mj-ea"/>
-                <a:ea typeface="+mj-ea"/>
-              </a:rPr>
-              <a:t>1-4.</a:t>
-            </a:r>
-            <a:r>
-              <a:rPr kumimoji="1" lang="ko-KR" altLang="en-US" sz="1400" dirty="0">
-                <a:solidFill>
-                  <a:schemeClr val="bg2">
-                    <a:lumMod val="50000"/>
-                  </a:schemeClr>
-                </a:solidFill>
-                <a:latin typeface="+mj-ea"/>
-                <a:ea typeface="+mj-ea"/>
-              </a:rPr>
-              <a:t> </a:t>
-            </a:r>
-            <a:r>
-              <a:rPr kumimoji="1" lang="en-US" altLang="ko-KR" sz="1400" dirty="0" smtClean="0">
-                <a:solidFill>
-                  <a:schemeClr val="bg2">
-                    <a:lumMod val="50000"/>
-                  </a:schemeClr>
-                </a:solidFill>
-                <a:latin typeface="+mj-ea"/>
-                <a:ea typeface="+mj-ea"/>
-              </a:rPr>
-              <a:t>Eclipse </a:t>
-            </a:r>
-            <a:r>
-              <a:rPr kumimoji="1" lang="ko-KR" altLang="en-US" sz="1400" dirty="0" smtClean="0">
-                <a:solidFill>
-                  <a:schemeClr val="bg2">
-                    <a:lumMod val="50000"/>
-                  </a:schemeClr>
-                </a:solidFill>
-                <a:latin typeface="+mj-ea"/>
-                <a:ea typeface="+mj-ea"/>
-              </a:rPr>
-              <a:t>와 </a:t>
-            </a:r>
-            <a:r>
-              <a:rPr kumimoji="1" lang="en-US" altLang="ko-KR" sz="1400" dirty="0" smtClean="0">
-                <a:solidFill>
-                  <a:schemeClr val="bg2">
-                    <a:lumMod val="50000"/>
-                  </a:schemeClr>
-                </a:solidFill>
-                <a:latin typeface="+mj-ea"/>
-                <a:ea typeface="+mj-ea"/>
-              </a:rPr>
-              <a:t>GitHub </a:t>
-            </a:r>
-            <a:r>
-              <a:rPr kumimoji="1" lang="ko-KR" altLang="en-US" sz="1400" dirty="0" smtClean="0">
-                <a:solidFill>
-                  <a:schemeClr val="bg2">
-                    <a:lumMod val="50000"/>
-                  </a:schemeClr>
-                </a:solidFill>
-                <a:latin typeface="+mj-ea"/>
-                <a:ea typeface="+mj-ea"/>
-              </a:rPr>
-              <a:t>연동하기</a:t>
-            </a:r>
-            <a:endParaRPr kumimoji="1" lang="en-US" altLang="ko-KR" sz="1400" dirty="0">
-              <a:solidFill>
-                <a:schemeClr val="bg2">
-                  <a:lumMod val="50000"/>
-                </a:schemeClr>
-              </a:solidFill>
-              <a:latin typeface="+mj-ea"/>
-              <a:ea typeface="+mj-ea"/>
-            </a:endParaRPr>
-          </a:p>
-        </p:txBody>
-      </p:sp>
-      <p:sp>
-        <p:nvSpPr>
-          <p:cNvPr id="28" name="TextBox 27">
-            <a:extLst>
-              <a:ext uri="{FF2B5EF4-FFF2-40B4-BE49-F238E27FC236}">
-                <a16:creationId xmlns="" xmlns:a16="http://schemas.microsoft.com/office/drawing/2014/main" id="{C814569F-626F-6B4D-8F38-7A7C6D7CD523}"/>
-              </a:ext>
-            </a:extLst>
-          </p:cNvPr>
-          <p:cNvSpPr txBox="1"/>
-          <p:nvPr/>
-        </p:nvSpPr>
-        <p:spPr>
-          <a:xfrm>
-            <a:off x="4756484" y="5445715"/>
-            <a:ext cx="3001591" cy="307777"/>
-          </a:xfrm>
-          <a:prstGeom prst="rect">
-            <a:avLst/>
-          </a:prstGeom>
-          <a:noFill/>
-        </p:spPr>
-        <p:txBody>
-          <a:bodyPr wrap="none" rtlCol="0">
-            <a:spAutoFit/>
-          </a:bodyPr>
-          <a:lstStyle/>
-          <a:p>
-            <a:r>
-              <a:rPr kumimoji="1" lang="en-US" altLang="ko-KR" sz="1400" dirty="0" smtClean="0">
-                <a:solidFill>
-                  <a:schemeClr val="bg2">
-                    <a:lumMod val="50000"/>
-                  </a:schemeClr>
-                </a:solidFill>
-                <a:latin typeface="+mj-ea"/>
-                <a:ea typeface="+mj-ea"/>
-              </a:rPr>
-              <a:t>1-6.</a:t>
-            </a:r>
-            <a:r>
-              <a:rPr kumimoji="1" lang="ko-KR" altLang="en-US" sz="1400" dirty="0" smtClean="0">
-                <a:solidFill>
-                  <a:schemeClr val="bg2">
-                    <a:lumMod val="50000"/>
-                  </a:schemeClr>
-                </a:solidFill>
-                <a:latin typeface="+mj-ea"/>
-                <a:ea typeface="+mj-ea"/>
-              </a:rPr>
-              <a:t> </a:t>
-            </a:r>
-            <a:r>
-              <a:rPr kumimoji="1" lang="en-US" altLang="ko-KR" sz="1400" dirty="0" smtClean="0">
-                <a:solidFill>
-                  <a:schemeClr val="bg2">
-                    <a:lumMod val="50000"/>
-                  </a:schemeClr>
-                </a:solidFill>
-                <a:latin typeface="+mn-ea"/>
-              </a:rPr>
-              <a:t>GitHub </a:t>
-            </a:r>
-            <a:r>
-              <a:rPr kumimoji="1" lang="ko-KR" altLang="en-US" sz="1400" dirty="0" smtClean="0">
-                <a:solidFill>
-                  <a:schemeClr val="bg2">
-                    <a:lumMod val="50000"/>
-                  </a:schemeClr>
-                </a:solidFill>
-                <a:latin typeface="+mn-ea"/>
-              </a:rPr>
-              <a:t>와 </a:t>
-            </a:r>
-            <a:r>
-              <a:rPr kumimoji="1" lang="en-US" altLang="ko-KR" sz="1400" dirty="0" err="1" smtClean="0">
-                <a:solidFill>
-                  <a:schemeClr val="bg2">
-                    <a:lumMod val="50000"/>
-                  </a:schemeClr>
-                </a:solidFill>
-                <a:latin typeface="+mn-ea"/>
-              </a:rPr>
-              <a:t>SorceTree</a:t>
-            </a:r>
-            <a:r>
-              <a:rPr kumimoji="1" lang="en-US" altLang="ko-KR" sz="1400" dirty="0" smtClean="0">
-                <a:solidFill>
-                  <a:schemeClr val="bg2">
-                    <a:lumMod val="50000"/>
-                  </a:schemeClr>
-                </a:solidFill>
-                <a:latin typeface="+mn-ea"/>
-              </a:rPr>
-              <a:t> </a:t>
-            </a:r>
-            <a:r>
-              <a:rPr kumimoji="1" lang="ko-KR" altLang="en-US" sz="1400" dirty="0" smtClean="0">
-                <a:solidFill>
-                  <a:schemeClr val="bg2">
-                    <a:lumMod val="50000"/>
-                  </a:schemeClr>
-                </a:solidFill>
-                <a:latin typeface="+mn-ea"/>
-              </a:rPr>
-              <a:t>연동하기</a:t>
-            </a:r>
-            <a:endParaRPr kumimoji="1" lang="en-US" altLang="ko-KR" sz="1400" dirty="0">
-              <a:solidFill>
-                <a:schemeClr val="bg2">
-                  <a:lumMod val="50000"/>
-                </a:schemeClr>
-              </a:solidFill>
-              <a:latin typeface="+mj-ea"/>
-              <a:ea typeface="+mj-ea"/>
-            </a:endParaRPr>
-          </a:p>
-        </p:txBody>
-      </p:sp>
-      <p:sp>
-        <p:nvSpPr>
-          <p:cNvPr id="29" name="TextBox 28">
-            <a:extLst>
-              <a:ext uri="{FF2B5EF4-FFF2-40B4-BE49-F238E27FC236}">
-                <a16:creationId xmlns="" xmlns:a16="http://schemas.microsoft.com/office/drawing/2014/main" id="{C814569F-626F-6B4D-8F38-7A7C6D7CD523}"/>
-              </a:ext>
-            </a:extLst>
-          </p:cNvPr>
-          <p:cNvSpPr txBox="1"/>
-          <p:nvPr/>
-        </p:nvSpPr>
-        <p:spPr>
-          <a:xfrm>
-            <a:off x="4756483" y="5164599"/>
-            <a:ext cx="3662477" cy="307777"/>
-          </a:xfrm>
-          <a:prstGeom prst="rect">
-            <a:avLst/>
-          </a:prstGeom>
-          <a:noFill/>
-        </p:spPr>
-        <p:txBody>
-          <a:bodyPr wrap="none" rtlCol="0">
-            <a:spAutoFit/>
-          </a:bodyPr>
-          <a:lstStyle/>
-          <a:p>
-            <a:r>
-              <a:rPr kumimoji="1" lang="en-US" altLang="ko-KR" sz="1400" dirty="0" smtClean="0">
-                <a:solidFill>
-                  <a:schemeClr val="bg2">
-                    <a:lumMod val="50000"/>
-                  </a:schemeClr>
-                </a:solidFill>
-                <a:latin typeface="+mj-ea"/>
-                <a:ea typeface="+mj-ea"/>
-              </a:rPr>
-              <a:t>1-5.</a:t>
-            </a:r>
-            <a:r>
-              <a:rPr kumimoji="1" lang="ko-KR" altLang="en-US" sz="1400" dirty="0" smtClean="0">
-                <a:solidFill>
-                  <a:schemeClr val="bg2">
-                    <a:lumMod val="50000"/>
-                  </a:schemeClr>
-                </a:solidFill>
-                <a:latin typeface="+mj-ea"/>
-                <a:ea typeface="+mj-ea"/>
-              </a:rPr>
-              <a:t> </a:t>
-            </a:r>
-            <a:r>
-              <a:rPr kumimoji="1" lang="en-US" altLang="ko-KR" sz="1400" dirty="0" smtClean="0">
-                <a:solidFill>
-                  <a:schemeClr val="bg2">
-                    <a:lumMod val="50000"/>
-                  </a:schemeClr>
-                </a:solidFill>
-                <a:latin typeface="+mj-ea"/>
-                <a:ea typeface="+mj-ea"/>
-              </a:rPr>
-              <a:t>Eclipse </a:t>
-            </a:r>
-            <a:r>
-              <a:rPr kumimoji="1" lang="ko-KR" altLang="en-US" sz="1400" dirty="0" smtClean="0">
-                <a:solidFill>
-                  <a:schemeClr val="bg2">
-                    <a:lumMod val="50000"/>
-                  </a:schemeClr>
-                </a:solidFill>
-                <a:latin typeface="+mj-ea"/>
-                <a:ea typeface="+mj-ea"/>
-              </a:rPr>
-              <a:t>에 연동된 </a:t>
-            </a:r>
-            <a:r>
-              <a:rPr kumimoji="1" lang="en-US" altLang="ko-KR" sz="1400" dirty="0" smtClean="0">
-                <a:solidFill>
-                  <a:schemeClr val="bg2">
-                    <a:lumMod val="50000"/>
-                  </a:schemeClr>
-                </a:solidFill>
-                <a:latin typeface="+mj-ea"/>
-                <a:ea typeface="+mj-ea"/>
-              </a:rPr>
-              <a:t>Repository </a:t>
-            </a:r>
-            <a:r>
-              <a:rPr kumimoji="1" lang="ko-KR" altLang="en-US" sz="1400" dirty="0" smtClean="0">
-                <a:solidFill>
-                  <a:schemeClr val="bg2">
-                    <a:lumMod val="50000"/>
-                  </a:schemeClr>
-                </a:solidFill>
-                <a:latin typeface="+mj-ea"/>
-                <a:ea typeface="+mj-ea"/>
-              </a:rPr>
-              <a:t>삭제하기</a:t>
-            </a:r>
-            <a:endParaRPr kumimoji="1" lang="en-US" altLang="ko-KR" sz="1400" dirty="0">
-              <a:solidFill>
-                <a:schemeClr val="bg2">
-                  <a:lumMod val="50000"/>
-                </a:schemeClr>
-              </a:solidFill>
-              <a:latin typeface="+mj-ea"/>
-              <a:ea typeface="+mj-ea"/>
-            </a:endParaRPr>
-          </a:p>
-        </p:txBody>
-      </p:sp>
-    </p:spTree>
-    <p:extLst>
-      <p:ext uri="{BB962C8B-B14F-4D97-AF65-F5344CB8AC3E}">
-        <p14:creationId xmlns:p14="http://schemas.microsoft.com/office/powerpoint/2010/main" val="1741159009"/>
-      </p:ext>
-    </p:extLst>
-  </p:cSld>
-  <p:clrMapOvr>
-    <a:masterClrMapping/>
-  </p:clrMapOvr>
-  <p:timing>
-    <p:tnLst>
-      <p:par>
-        <p:cTn id="1" dur="indefinite" restart="never" nodeType="tmRoot"/>
-      </p:par>
-    </p:tnLst>
-  </p:timing>
-</p:sld>
-</file>
-
-<file path=ppt/slides/slide30.xml><?xml version="1.0" encoding="utf-8"?>
+<file path=ppt/slides/slide31.xml><?xml version="1.0" encoding="utf-8"?>
 <p:sld xmlns:a="http://schemas.openxmlformats.org/drawingml/2006/main" xmlns:r="http://schemas.openxmlformats.org/officeDocument/2006/relationships" xmlns:p="http://schemas.openxmlformats.org/presentationml/2006/main">
   <p:cSld>
     <p:spTree>
@@ -34280,317 +35003,6 @@
 </p:sld>
 </file>
 
-<file path=ppt/slides/slide31.xml><?xml version="1.0" encoding="utf-8"?>
-<p:sld xmlns:a="http://schemas.openxmlformats.org/drawingml/2006/main" xmlns:r="http://schemas.openxmlformats.org/officeDocument/2006/relationships" xmlns:p="http://schemas.openxmlformats.org/presentationml/2006/main">
-  <p:cSld>
-    <p:spTree>
-      <p:nvGrpSpPr>
-        <p:cNvPr id="1" name=""/>
-        <p:cNvGrpSpPr/>
-        <p:nvPr/>
-      </p:nvGrpSpPr>
-      <p:grpSpPr>
-        <a:xfrm>
-          <a:off x="0" y="0"/>
-          <a:ext cx="0" cy="0"/>
-          <a:chOff x="0" y="0"/>
-          <a:chExt cx="0" cy="0"/>
-        </a:xfrm>
-      </p:grpSpPr>
-      <p:sp>
-        <p:nvSpPr>
-          <p:cNvPr id="8" name="내용 개체 틀 7"/>
-          <p:cNvSpPr>
-            <a:spLocks noGrp="1"/>
-          </p:cNvSpPr>
-          <p:nvPr>
-            <p:ph sz="quarter" idx="10"/>
-          </p:nvPr>
-        </p:nvSpPr>
-        <p:spPr>
-          <a:xfrm>
-            <a:off x="283285" y="450743"/>
-            <a:ext cx="6152684" cy="252348"/>
-          </a:xfrm>
-        </p:spPr>
-        <p:txBody>
-          <a:bodyPr>
-            <a:normAutofit fontScale="92500" lnSpcReduction="10000"/>
-          </a:bodyPr>
-          <a:lstStyle/>
-          <a:p>
-            <a:r>
-              <a:rPr kumimoji="1" lang="en-US" altLang="ko-KR" dirty="0">
-                <a:solidFill>
-                  <a:schemeClr val="bg2">
-                    <a:lumMod val="50000"/>
-                  </a:schemeClr>
-                </a:solidFill>
-              </a:rPr>
-              <a:t>Conflict </a:t>
-            </a:r>
-            <a:r>
-              <a:rPr kumimoji="1" lang="ko-KR" altLang="en-US" dirty="0">
-                <a:solidFill>
-                  <a:schemeClr val="bg2">
-                    <a:lumMod val="50000"/>
-                  </a:schemeClr>
-                </a:solidFill>
-              </a:rPr>
-              <a:t>해결하기</a:t>
-            </a:r>
-            <a:endParaRPr kumimoji="1" lang="en-US" altLang="ko-KR" dirty="0">
-              <a:solidFill>
-                <a:schemeClr val="bg2">
-                  <a:lumMod val="50000"/>
-                </a:schemeClr>
-              </a:solidFill>
-              <a:latin typeface="+mj-ea"/>
-            </a:endParaRPr>
-          </a:p>
-        </p:txBody>
-      </p:sp>
-      <p:sp>
-        <p:nvSpPr>
-          <p:cNvPr id="10" name="내용 개체 틀 9"/>
-          <p:cNvSpPr>
-            <a:spLocks noGrp="1"/>
-          </p:cNvSpPr>
-          <p:nvPr>
-            <p:ph sz="quarter" idx="14"/>
-          </p:nvPr>
-        </p:nvSpPr>
-        <p:spPr/>
-        <p:txBody>
-          <a:bodyPr>
-            <a:normAutofit fontScale="92500" lnSpcReduction="10000"/>
-          </a:bodyPr>
-          <a:lstStyle/>
-          <a:p>
-            <a:r>
-              <a:rPr lang="en-US" altLang="ko-KR" dirty="0"/>
-              <a:t>Conflict </a:t>
-            </a:r>
-            <a:r>
-              <a:rPr lang="ko-KR" altLang="en-US" dirty="0"/>
-              <a:t>해결하기</a:t>
-            </a:r>
-          </a:p>
-        </p:txBody>
-      </p:sp>
-      <p:sp>
-        <p:nvSpPr>
-          <p:cNvPr id="9" name="내용 개체 틀 8"/>
-          <p:cNvSpPr>
-            <a:spLocks noGrp="1"/>
-          </p:cNvSpPr>
-          <p:nvPr>
-            <p:ph sz="quarter" idx="13"/>
-          </p:nvPr>
-        </p:nvSpPr>
-        <p:spPr/>
-        <p:txBody>
-          <a:bodyPr/>
-          <a:lstStyle/>
-          <a:p>
-            <a:r>
-              <a:rPr lang="en-US" altLang="ko-KR" dirty="0" smtClean="0"/>
-              <a:t>03 </a:t>
-            </a:r>
-            <a:r>
-              <a:rPr kumimoji="1" lang="en-US" altLang="ko-KR" dirty="0"/>
-              <a:t>Branch </a:t>
-            </a:r>
-            <a:r>
-              <a:rPr kumimoji="1" lang="ko-KR" altLang="en-US" dirty="0"/>
-              <a:t>생성 및 </a:t>
-            </a:r>
-            <a:r>
-              <a:rPr kumimoji="1" lang="ko-KR" altLang="en-US" dirty="0" smtClean="0"/>
-              <a:t>관리</a:t>
-            </a:r>
-            <a:endParaRPr kumimoji="1" lang="en-US" altLang="ko-KR" dirty="0"/>
-          </a:p>
-        </p:txBody>
-      </p:sp>
-      <p:sp>
-        <p:nvSpPr>
-          <p:cNvPr id="2" name="내용 개체 틀 1"/>
-          <p:cNvSpPr>
-            <a:spLocks noGrp="1"/>
-          </p:cNvSpPr>
-          <p:nvPr>
-            <p:ph sz="quarter" idx="15"/>
-          </p:nvPr>
-        </p:nvSpPr>
-        <p:spPr>
-          <a:xfrm>
-            <a:off x="395605" y="1692731"/>
-            <a:ext cx="11713998" cy="4995452"/>
-          </a:xfrm>
-        </p:spPr>
-        <p:txBody>
-          <a:bodyPr/>
-          <a:lstStyle/>
-          <a:p>
-            <a:pPr marL="171450" indent="-171450">
-              <a:buFont typeface="Arial" panose="020B0604020202020204" pitchFamily="34" charset="0"/>
-              <a:buChar char="•"/>
-            </a:pPr>
-            <a:r>
-              <a:rPr lang="ko-KR" altLang="en-US" dirty="0" smtClean="0"/>
-              <a:t>기준 </a:t>
-            </a:r>
-            <a:r>
-              <a:rPr lang="ko-KR" altLang="en-US" dirty="0" err="1" smtClean="0"/>
-              <a:t>브랜치와</a:t>
-            </a:r>
-            <a:r>
-              <a:rPr lang="ko-KR" altLang="en-US" dirty="0" smtClean="0"/>
-              <a:t> 대상 </a:t>
-            </a:r>
-            <a:r>
-              <a:rPr lang="ko-KR" altLang="en-US" dirty="0" err="1" smtClean="0"/>
-              <a:t>브랜치가</a:t>
-            </a:r>
-            <a:r>
-              <a:rPr lang="ko-KR" altLang="en-US" dirty="0" smtClean="0"/>
-              <a:t> 같은 파일의 같은 부분을 수정하면 충돌이 발생한다</a:t>
-            </a:r>
-            <a:r>
-              <a:rPr lang="en-US" altLang="ko-KR" dirty="0" smtClean="0"/>
-              <a:t>.</a:t>
-            </a:r>
-          </a:p>
-          <a:p>
-            <a:pPr marL="171450" indent="-171450">
-              <a:buFont typeface="Arial" panose="020B0604020202020204" pitchFamily="34" charset="0"/>
-              <a:buChar char="•"/>
-            </a:pPr>
-            <a:r>
-              <a:rPr lang="en-US" altLang="ko-KR" dirty="0" smtClean="0"/>
-              <a:t>“</a:t>
-            </a:r>
-            <a:r>
-              <a:rPr lang="ko-KR" altLang="en-US" dirty="0" err="1" smtClean="0"/>
-              <a:t>내것</a:t>
-            </a:r>
-            <a:r>
-              <a:rPr lang="en-US" altLang="ko-KR" dirty="0" smtClean="0"/>
-              <a:t>”</a:t>
-            </a:r>
-            <a:r>
-              <a:rPr lang="ko-KR" altLang="en-US" dirty="0" smtClean="0"/>
-              <a:t>을 이용해 해결 </a:t>
-            </a:r>
-            <a:r>
-              <a:rPr lang="en-US" altLang="ko-KR" dirty="0" smtClean="0"/>
-              <a:t>: </a:t>
-            </a:r>
-            <a:r>
-              <a:rPr lang="ko-KR" altLang="en-US" dirty="0" smtClean="0"/>
-              <a:t>로컬에서 작업한 내용으로 원격에 있는 내용을 덮어 쓴다</a:t>
-            </a:r>
-            <a:r>
-              <a:rPr lang="en-US" altLang="ko-KR" dirty="0"/>
-              <a:t>.</a:t>
-            </a:r>
-            <a:endParaRPr lang="en-US" altLang="ko-KR" dirty="0" smtClean="0"/>
-          </a:p>
-          <a:p>
-            <a:pPr marL="171450" indent="-171450">
-              <a:buFont typeface="Arial" panose="020B0604020202020204" pitchFamily="34" charset="0"/>
-              <a:buChar char="•"/>
-            </a:pPr>
-            <a:r>
-              <a:rPr lang="en-US" altLang="ko-KR" dirty="0" smtClean="0"/>
-              <a:t>“</a:t>
-            </a:r>
-            <a:r>
-              <a:rPr lang="ko-KR" altLang="en-US" dirty="0" smtClean="0"/>
-              <a:t>저장소</a:t>
-            </a:r>
-            <a:r>
-              <a:rPr lang="en-US" altLang="ko-KR" dirty="0" smtClean="0"/>
-              <a:t>＂</a:t>
-            </a:r>
-            <a:r>
-              <a:rPr lang="ko-KR" altLang="en-US" dirty="0" smtClean="0"/>
-              <a:t>것을 사용하여 해결 </a:t>
-            </a:r>
-            <a:r>
-              <a:rPr lang="en-US" altLang="ko-KR" dirty="0" smtClean="0"/>
-              <a:t>: </a:t>
-            </a:r>
-            <a:r>
-              <a:rPr lang="ko-KR" altLang="en-US" dirty="0" smtClean="0"/>
-              <a:t>원격에 있는 내용으로 </a:t>
-            </a:r>
-            <a:r>
-              <a:rPr lang="ko-KR" altLang="en-US" dirty="0"/>
-              <a:t>로</a:t>
-            </a:r>
-            <a:r>
-              <a:rPr lang="ko-KR" altLang="en-US" dirty="0" smtClean="0"/>
-              <a:t>컬에서 작업한 내용을 덮어 쓴다</a:t>
-            </a:r>
-            <a:r>
-              <a:rPr lang="en-US" altLang="ko-KR" dirty="0" smtClean="0"/>
-              <a:t>.</a:t>
-            </a:r>
-          </a:p>
-          <a:p>
-            <a:pPr marL="171450" indent="-171450">
-              <a:buFont typeface="Arial" panose="020B0604020202020204" pitchFamily="34" charset="0"/>
-              <a:buChar char="•"/>
-            </a:pPr>
-            <a:endParaRPr lang="en-US" altLang="ko-KR" dirty="0"/>
-          </a:p>
-        </p:txBody>
-      </p:sp>
-      <p:pic>
-        <p:nvPicPr>
-          <p:cNvPr id="3" name="그림 2"/>
-          <p:cNvPicPr>
-            <a:picLocks noChangeAspect="1"/>
-          </p:cNvPicPr>
-          <p:nvPr/>
-        </p:nvPicPr>
-        <p:blipFill rotWithShape="1">
-          <a:blip r:embed="rId3"/>
-          <a:srcRect l="394"/>
-          <a:stretch/>
-        </p:blipFill>
-        <p:spPr>
-          <a:xfrm>
-            <a:off x="430306" y="4844023"/>
-            <a:ext cx="8766399" cy="1419225"/>
-          </a:xfrm>
-          <a:prstGeom prst="rect">
-            <a:avLst/>
-          </a:prstGeom>
-        </p:spPr>
-      </p:pic>
-    </p:spTree>
-    <p:extLst>
-      <p:ext uri="{BB962C8B-B14F-4D97-AF65-F5344CB8AC3E}">
-        <p14:creationId xmlns:p14="http://schemas.microsoft.com/office/powerpoint/2010/main" val="2743282386"/>
-      </p:ext>
-    </p:extLst>
-  </p:cSld>
-  <p:clrMapOvr>
-    <a:masterClrMapping/>
-  </p:clrMapOvr>
-  <p:timing>
-    <p:tnLst>
-      <p:par>
-        <p:cTn id="1" dur="indefinite" restart="never" nodeType="tmRoot"/>
-      </p:par>
-    </p:tnLst>
-  </p:timing>
-</p:sld>
-</file>
-
 <file path=ppt/slides/slide32.xml><?xml version="1.0" encoding="utf-8"?>
 <p:sld xmlns:a="http://schemas.openxmlformats.org/drawingml/2006/main" xmlns:r="http://schemas.openxmlformats.org/officeDocument/2006/relationships" xmlns:p="http://schemas.openxmlformats.org/presentationml/2006/main">
   <p:cSld>
@@ -34638,7 +35050,17 @@
                   </a:schemeClr>
                 </a:solidFill>
               </a:rPr>
-              <a:t>branch Rebase</a:t>
+              <a:t>Conflict </a:t>
+            </a:r>
+            <a:r>
+              <a:rPr kumimoji="1" lang="ko-KR" altLang="en-US" dirty="0">
+                <a:solidFill>
+                  <a:schemeClr val="bg2">
+                    <a:lumMod val="50000"/>
+                  </a:schemeClr>
+                </a:solidFill>
+              </a:rPr>
+              <a:t>해결하기</a:t>
             </a:r>
             <a:endParaRPr kumimoji="1" lang="en-US" altLang="ko-KR" dirty="0">
               <a:solidFill>
@@ -34670,7 +35092,11 @@
           <a:p>
             <a:r>
               <a:rPr lang="en-US" altLang="ko-KR" dirty="0"/>
-              <a:t>branch Rebase</a:t>
+              <a:t>Conflict </a:t>
+            </a:r>
+            <a:r>
+              <a:rPr lang="ko-KR" altLang="en-US" dirty="0"/>
+              <a:t>해결하기</a:t>
             </a:r>
           </a:p>
         </p:txBody>
@@ -34735,62 +35161,105 @@
               <a:buChar char="•"/>
             </a:pPr>
             <a:r>
+              <a:rPr lang="ko-KR" altLang="en-US" dirty="0" smtClean="0"/>
+              <a:t>기준 </a:t>
+            </a:r>
+            <a:r>
+              <a:rPr lang="ko-KR" altLang="en-US" dirty="0" err="1" smtClean="0"/>
+              <a:t>브랜치와</a:t>
+            </a:r>
+            <a:r>
+              <a:rPr lang="ko-KR" altLang="en-US" dirty="0" smtClean="0"/>
+              <a:t> 대상 </a:t>
+            </a:r>
+            <a:r>
+              <a:rPr lang="ko-KR" altLang="en-US" dirty="0" err="1" smtClean="0"/>
+              <a:t>브랜치가</a:t>
+            </a:r>
+            <a:r>
+              <a:rPr lang="ko-KR" altLang="en-US" dirty="0" smtClean="0"/>
+              <a:t> 같은 파일의 같은 부분을 수정하면 충돌이 발생한다</a:t>
+            </a:r>
+            <a:r>
               <a:rPr lang="en-US" altLang="ko-KR" dirty="0" smtClean="0"/>
-              <a:t>Rebase:</a:t>
-            </a:r>
-          </a:p>
-          <a:p>
-            <a:r>
-              <a:rPr lang="en-US" altLang="ko-KR" b="1" dirty="0"/>
-              <a:t>[</a:t>
-            </a:r>
-            <a:r>
-              <a:rPr lang="ko-KR" altLang="en-US" b="1" dirty="0"/>
-              <a:t>주의</a:t>
-            </a:r>
-            <a:r>
-              <a:rPr lang="en-US" altLang="ko-KR" b="1" dirty="0"/>
-              <a:t>] </a:t>
-            </a:r>
+              <a:t>.</a:t>
+            </a:r>
+          </a:p>
+          <a:p>
+            <a:pPr marL="171450" indent="-171450">
+              <a:buFont typeface="Arial" panose="020B0604020202020204" pitchFamily="34" charset="0"/>
+              <a:buChar char="•"/>
+            </a:pPr>
             <a:r>
               <a:rPr lang="en-US" altLang="ko-KR" dirty="0" smtClean="0"/>
-              <a:t>Rebase </a:t>
+              <a:t>“</a:t>
+            </a:r>
+            <a:r>
+              <a:rPr lang="ko-KR" altLang="en-US" dirty="0" err="1" smtClean="0"/>
+              <a:t>내것</a:t>
+            </a:r>
+            <a:r>
+              <a:rPr lang="en-US" altLang="ko-KR" dirty="0" smtClean="0"/>
+              <a:t>”</a:t>
             </a:r>
             <a:r>
               <a:rPr lang="ko-KR" altLang="en-US" dirty="0" smtClean="0"/>
-              <a:t>작업을 </a:t>
+              <a:t>을 이용해 해결 </a:t>
+            </a:r>
+            <a:r>
+              <a:rPr lang="en-US" altLang="ko-KR" dirty="0" smtClean="0"/>
+              <a:t>: </a:t>
+            </a:r>
+            <a:r>
+              <a:rPr lang="ko-KR" altLang="en-US" dirty="0" smtClean="0"/>
+              <a:t>로컬에서 작업한 내용으로 원격에 있는 내용을 덮어 쓴다</a:t>
+            </a:r>
+            <a:r>
+              <a:rPr lang="en-US" altLang="ko-KR" dirty="0"/>
+              <a:t>.</a:t>
+            </a:r>
+            <a:endParaRPr lang="en-US" altLang="ko-KR" dirty="0" smtClean="0"/>
+          </a:p>
+          <a:p>
+            <a:pPr marL="171450" indent="-171450">
+              <a:buFont typeface="Arial" panose="020B0604020202020204" pitchFamily="34" charset="0"/>
+              <a:buChar char="•"/>
+            </a:pPr>
+            <a:r>
+              <a:rPr lang="en-US" altLang="ko-KR" dirty="0" smtClean="0"/>
+              <a:t>“</a:t>
+            </a:r>
+            <a:r>
+              <a:rPr lang="ko-KR" altLang="en-US" dirty="0" smtClean="0"/>
+              <a:t>저장소</a:t>
+            </a:r>
+            <a:r>
+              <a:rPr lang="en-US" altLang="ko-KR" dirty="0" smtClean="0"/>
+              <a:t>＂</a:t>
+            </a:r>
+            <a:r>
+              <a:rPr lang="ko-KR" altLang="en-US" dirty="0" smtClean="0"/>
+              <a:t>것을 사용하여 해결 </a:t>
+            </a:r>
+            <a:r>
+              <a:rPr lang="en-US" altLang="ko-KR" dirty="0" smtClean="0"/>
+              <a:t>: </a:t>
+            </a:r>
+            <a:r>
+              <a:rPr lang="ko-KR" altLang="en-US" dirty="0" smtClean="0"/>
+              <a:t>원격에 있는 내용으로 </a:t>
             </a:r>
             <a:r>
               <a:rPr lang="ko-KR" altLang="en-US" dirty="0"/>
-              <a:t>할 때에는 </a:t>
-            </a:r>
-            <a:r>
-              <a:rPr lang="ko-KR" altLang="en-US" b="1" dirty="0" smtClean="0"/>
-              <a:t>병합</a:t>
-            </a:r>
-            <a:r>
-              <a:rPr lang="ko-KR" altLang="en-US" b="1" dirty="0"/>
-              <a:t>될</a:t>
-            </a:r>
-            <a:r>
-              <a:rPr lang="ko-KR" altLang="en-US" b="1" dirty="0" smtClean="0"/>
-              <a:t> </a:t>
-            </a:r>
-            <a:r>
-              <a:rPr lang="ko-KR" altLang="en-US" b="1" dirty="0" err="1"/>
-              <a:t>브랜치</a:t>
-            </a:r>
-            <a:r>
-              <a:rPr lang="ko-KR" altLang="en-US" dirty="0" err="1"/>
               <a:t>로</a:t>
             </a:r>
             <a:r>
-              <a:rPr lang="ko-KR" altLang="en-US" dirty="0"/>
-              <a:t> 체크아웃 되어있어야 한다</a:t>
-            </a:r>
-            <a:r>
-              <a:rPr lang="en-US" altLang="ko-KR" dirty="0"/>
-              <a:t>. </a:t>
+              <a:rPr lang="ko-KR" altLang="en-US" dirty="0" smtClean="0"/>
+              <a:t>컬에서 작업한 내용을 덮어 쓴다</a:t>
+            </a:r>
+            <a:r>
+              <a:rPr lang="en-US" altLang="ko-KR" dirty="0" smtClean="0"/>
+              <a:t>.</a:t>
             </a:r>
           </a:p>
           <a:p>
@@ -34802,10 +35271,33 @@
           </a:p>
         </p:txBody>
       </p:sp>
+      <p:pic>
+        <p:nvPicPr>
+          <p:cNvPr id="3" name="그림 2"/>
+          <p:cNvPicPr>
+            <a:picLocks noChangeAspect="1"/>
+          </p:cNvPicPr>
+          <p:nvPr/>
+        </p:nvPicPr>
+        <p:blipFill rotWithShape="1">
+          <a:blip r:embed="rId3"/>
+          <a:srcRect l="394"/>
+          <a:stretch/>
+        </p:blipFill>
+        <p:spPr>
+          <a:xfrm>
+            <a:off x="430306" y="4844023"/>
+            <a:ext cx="8766399" cy="1419225"/>
+          </a:xfrm>
+          <a:prstGeom prst="rect">
+            <a:avLst/>
+          </a:prstGeom>
+        </p:spPr>
+      </p:pic>
     </p:spTree>
     <p:extLst>
       <p:ext uri="{BB962C8B-B14F-4D97-AF65-F5344CB8AC3E}">
-        <p14:creationId xmlns:p14="http://schemas.microsoft.com/office/powerpoint/2010/main" val="350010223"/>
+        <p14:creationId xmlns:p14="http://schemas.microsoft.com/office/powerpoint/2010/main" val="2743282386"/>
       </p:ext>
     </p:extLst>
   </p:cSld>
@@ -34868,10 +35360,17 @@
                     <a:lumMod val="50000"/>
                   </a:schemeClr>
                 </a:solidFill>
-                <a:latin typeface="+mj-ea"/>
               </a:rPr>
-              <a:t>Stash</a:t>
-            </a:r>
+              <a:t>branch Rebase</a:t>
+            </a:r>
+            <a:endParaRPr kumimoji="1" lang="en-US" altLang="ko-KR" dirty="0">
+              <a:solidFill>
+                <a:schemeClr val="bg2">
+                  <a:lumMod val="50000"/>
+                </a:schemeClr>
+              </a:solidFill>
+              <a:latin typeface="+mj-ea"/>
+            </a:endParaRPr>
           </a:p>
         </p:txBody>
       </p:sp>
@@ -34894,7 +35393,7 @@
           <a:p>
             <a:r>
               <a:rPr lang="en-US" altLang="ko-KR" dirty="0"/>
-              <a:t>Stash</a:t>
+              <a:t>branch Rebase</a:t>
             </a:r>
           </a:p>
         </p:txBody>
@@ -34960,27 +35459,61 @@
             </a:pPr>
             <a:r>
               <a:rPr lang="en-US" altLang="ko-KR" dirty="0" smtClean="0"/>
-              <a:t>Stash : </a:t>
-            </a:r>
-            <a:r>
-              <a:rPr lang="en-US" altLang="ko-KR" dirty="0" err="1" smtClean="0"/>
-              <a:t>Git</a:t>
+              <a:t>Rebase:</a:t>
+            </a:r>
+          </a:p>
+          <a:p>
+            <a:r>
+              <a:rPr lang="en-US" altLang="ko-KR" b="1" dirty="0"/>
+              <a:t>[</a:t>
+            </a:r>
+            <a:r>
+              <a:rPr lang="ko-KR" altLang="en-US" b="1" dirty="0"/>
+              <a:t>주의</a:t>
+            </a:r>
+            <a:r>
+              <a:rPr lang="en-US" altLang="ko-KR" b="1" dirty="0"/>
+              <a:t>] </a:t>
+            </a:r>
+            <a:r>
+              <a:rPr lang="en-US" altLang="ko-KR" dirty="0" smtClean="0"/>
+              <a:t>Rebase </a:t>
             </a:r>
             <a:r>
               <a:rPr lang="ko-KR" altLang="en-US" dirty="0" smtClean="0"/>
-              <a:t>에서 제공해주는 임시 인덱스 저장소이며</a:t>
-            </a:r>
-            <a:r>
-              <a:rPr lang="en-US" altLang="ko-KR" dirty="0" smtClean="0"/>
-              <a:t>, Stage Area (Index) </a:t>
-            </a:r>
-            <a:r>
-              <a:rPr lang="ko-KR" altLang="en-US" dirty="0" smtClean="0"/>
-              <a:t>에 있는 파일을 잠시 저장소에 둘 수 있는 저장소이다</a:t>
-            </a:r>
-            <a:r>
-              <a:rPr lang="en-US" altLang="ko-KR" dirty="0" smtClean="0"/>
-              <a:t>.</a:t>
+              <a:t>작업을 </a:t>
+            </a:r>
+            <a:r>
+              <a:rPr lang="ko-KR" altLang="en-US" dirty="0"/>
+              <a:t>할 때에는 </a:t>
+            </a:r>
+            <a:r>
+              <a:rPr lang="ko-KR" altLang="en-US" b="1" dirty="0" smtClean="0"/>
+              <a:t>병합</a:t>
+            </a:r>
+            <a:r>
+              <a:rPr lang="ko-KR" altLang="en-US" b="1" dirty="0"/>
+              <a:t>될</a:t>
+            </a:r>
+            <a:r>
+              <a:rPr lang="ko-KR" altLang="en-US" b="1" dirty="0" smtClean="0"/>
+              <a:t> </a:t>
+            </a:r>
+            <a:r>
+              <a:rPr lang="ko-KR" altLang="en-US" b="1" dirty="0" err="1"/>
+              <a:t>브랜치</a:t>
+            </a:r>
+            <a:r>
+              <a:rPr lang="ko-KR" altLang="en-US" dirty="0" err="1"/>
+              <a:t>로</a:t>
+            </a:r>
+            <a:r>
+              <a:rPr lang="ko-KR" altLang="en-US" dirty="0"/>
+              <a:t> 체크아웃 되어있어야 한다</a:t>
+            </a:r>
+            <a:r>
+              <a:rPr lang="en-US" altLang="ko-KR" dirty="0"/>
+              <a:t>. </a:t>
             </a:r>
           </a:p>
           <a:p>
@@ -34988,33 +35521,14 @@
               <a:buFont typeface="Arial" panose="020B0604020202020204" pitchFamily="34" charset="0"/>
               <a:buChar char="•"/>
             </a:pPr>
-            <a:r>
-              <a:rPr lang="en-US" altLang="ko-KR" dirty="0" smtClean="0"/>
-              <a:t>ex) branch </a:t>
-            </a:r>
-            <a:r>
-              <a:rPr lang="ko-KR" altLang="en-US" dirty="0" smtClean="0"/>
-              <a:t>를 급하게 옮겨야 할 경우가 생겼을 때 </a:t>
-            </a:r>
-            <a:r>
-              <a:rPr lang="en-US" altLang="ko-KR" dirty="0" smtClean="0"/>
-              <a:t>commit </a:t>
-            </a:r>
-            <a:r>
-              <a:rPr lang="ko-KR" altLang="en-US" dirty="0" smtClean="0"/>
-              <a:t>하지 않고 작업 하던 내용을 보관하는 방법으로 사용할 수 있다</a:t>
-            </a:r>
-            <a:r>
-              <a:rPr lang="en-US" altLang="ko-KR" dirty="0" smtClean="0"/>
-              <a:t>.</a:t>
-            </a:r>
+            <a:endParaRPr lang="en-US" altLang="ko-KR" dirty="0"/>
           </a:p>
         </p:txBody>
       </p:sp>
     </p:spTree>
     <p:extLst>
       <p:ext uri="{BB962C8B-B14F-4D97-AF65-F5344CB8AC3E}">
-        <p14:creationId xmlns:p14="http://schemas.microsoft.com/office/powerpoint/2010/main" val="1460547285"/>
+        <p14:creationId xmlns:p14="http://schemas.microsoft.com/office/powerpoint/2010/main" val="350010223"/>
       </p:ext>
     </p:extLst>
   </p:cSld>
@@ -35050,10 +35564,219 @@
       </p:grpSpPr>
       <p:sp>
         <p:nvSpPr>
+          <p:cNvPr id="8" name="내용 개체 틀 7"/>
+          <p:cNvSpPr>
+            <a:spLocks noGrp="1"/>
+          </p:cNvSpPr>
+          <p:nvPr>
+            <p:ph sz="quarter" idx="10"/>
+          </p:nvPr>
+        </p:nvSpPr>
+        <p:spPr>
+          <a:xfrm>
+            <a:off x="283285" y="450743"/>
+            <a:ext cx="6152684" cy="252348"/>
+          </a:xfrm>
+        </p:spPr>
+        <p:txBody>
+          <a:bodyPr>
+            <a:normAutofit fontScale="92500" lnSpcReduction="10000"/>
+          </a:bodyPr>
+          <a:lstStyle/>
+          <a:p>
+            <a:r>
+              <a:rPr kumimoji="1" lang="en-US" altLang="ko-KR" dirty="0">
+                <a:solidFill>
+                  <a:schemeClr val="bg2">
+                    <a:lumMod val="50000"/>
+                  </a:schemeClr>
+                </a:solidFill>
+                <a:latin typeface="+mj-ea"/>
+              </a:rPr>
+              <a:t>Stash</a:t>
+            </a:r>
+          </a:p>
+        </p:txBody>
+      </p:sp>
+      <p:sp>
+        <p:nvSpPr>
+          <p:cNvPr id="10" name="내용 개체 틀 9"/>
+          <p:cNvSpPr>
+            <a:spLocks noGrp="1"/>
+          </p:cNvSpPr>
+          <p:nvPr>
+            <p:ph sz="quarter" idx="14"/>
+          </p:nvPr>
+        </p:nvSpPr>
+        <p:spPr/>
+        <p:txBody>
+          <a:bodyPr>
+            <a:normAutofit fontScale="92500" lnSpcReduction="10000"/>
+          </a:bodyPr>
+          <a:lstStyle/>
+          <a:p>
+            <a:r>
+              <a:rPr lang="en-US" altLang="ko-KR" dirty="0"/>
+              <a:t>Stash</a:t>
+            </a:r>
+          </a:p>
+        </p:txBody>
+      </p:sp>
+      <p:sp>
+        <p:nvSpPr>
+          <p:cNvPr id="9" name="내용 개체 틀 8"/>
+          <p:cNvSpPr>
+            <a:spLocks noGrp="1"/>
+          </p:cNvSpPr>
+          <p:nvPr>
+            <p:ph sz="quarter" idx="13"/>
+          </p:nvPr>
+        </p:nvSpPr>
+        <p:spPr/>
+        <p:txBody>
+          <a:bodyPr/>
+          <a:lstStyle/>
+          <a:p>
+            <a:r>
+              <a:rPr lang="en-US" altLang="ko-KR" dirty="0" smtClean="0"/>
+              <a:t>03 </a:t>
+            </a:r>
+            <a:r>
+              <a:rPr kumimoji="1" lang="en-US" altLang="ko-KR" dirty="0"/>
+              <a:t>Branch </a:t>
+            </a:r>
+            <a:r>
+              <a:rPr kumimoji="1" lang="ko-KR" altLang="en-US" dirty="0"/>
+              <a:t>생성 및 </a:t>
+            </a:r>
+            <a:r>
+              <a:rPr kumimoji="1" lang="ko-KR" altLang="en-US" dirty="0" smtClean="0"/>
+              <a:t>관리</a:t>
+            </a:r>
+            <a:endParaRPr kumimoji="1" lang="en-US" altLang="ko-KR" dirty="0"/>
+          </a:p>
+        </p:txBody>
+      </p:sp>
+      <p:sp>
+        <p:nvSpPr>
+          <p:cNvPr id="2" name="내용 개체 틀 1"/>
+          <p:cNvSpPr>
+            <a:spLocks noGrp="1"/>
+          </p:cNvSpPr>
+          <p:nvPr>
+            <p:ph sz="quarter" idx="15"/>
+          </p:nvPr>
+        </p:nvSpPr>
+        <p:spPr>
+          <a:xfrm>
+            <a:off x="395605" y="1692731"/>
+            <a:ext cx="11713998" cy="4995452"/>
+          </a:xfrm>
+        </p:spPr>
+        <p:txBody>
+          <a:bodyPr/>
+          <a:lstStyle/>
+          <a:p>
+            <a:pPr marL="171450" indent="-171450">
+              <a:buFont typeface="Arial" panose="020B0604020202020204" pitchFamily="34" charset="0"/>
+              <a:buChar char="•"/>
+            </a:pPr>
+            <a:r>
+              <a:rPr lang="en-US" altLang="ko-KR" dirty="0" smtClean="0"/>
+              <a:t>Stash : </a:t>
+            </a:r>
+            <a:r>
+              <a:rPr lang="en-US" altLang="ko-KR" dirty="0" err="1" smtClean="0"/>
+              <a:t>Git</a:t>
+            </a:r>
+            <a:r>
+              <a:rPr lang="ko-KR" altLang="en-US" dirty="0" smtClean="0"/>
+              <a:t>에서 제공해주는 임시 인덱스 저장소이며</a:t>
+            </a:r>
+            <a:r>
+              <a:rPr lang="en-US" altLang="ko-KR" dirty="0" smtClean="0"/>
+              <a:t>, Stage Area (Index) </a:t>
+            </a:r>
+            <a:r>
+              <a:rPr lang="ko-KR" altLang="en-US" dirty="0" smtClean="0"/>
+              <a:t>에 있는 파일을 잠시 저장소에 둘 수 있는 저장소이다</a:t>
+            </a:r>
+            <a:r>
+              <a:rPr lang="en-US" altLang="ko-KR" dirty="0" smtClean="0"/>
+              <a:t>.</a:t>
+            </a:r>
+          </a:p>
+          <a:p>
+            <a:pPr marL="171450" indent="-171450">
+              <a:buFont typeface="Arial" panose="020B0604020202020204" pitchFamily="34" charset="0"/>
+              <a:buChar char="•"/>
+            </a:pPr>
+            <a:r>
+              <a:rPr lang="en-US" altLang="ko-KR" dirty="0" smtClean="0"/>
+              <a:t>ex) branch </a:t>
+            </a:r>
+            <a:r>
+              <a:rPr lang="ko-KR" altLang="en-US" dirty="0" smtClean="0"/>
+              <a:t>를 급하게 옮겨야 할 경우가 생겼을 때 </a:t>
+            </a:r>
+            <a:r>
+              <a:rPr lang="en-US" altLang="ko-KR" dirty="0" smtClean="0"/>
+              <a:t>commit </a:t>
+            </a:r>
+            <a:r>
+              <a:rPr lang="ko-KR" altLang="en-US" dirty="0" smtClean="0"/>
+              <a:t>하지 않고 작업 하던 내용을 보관하는 방법으로 사용할 수 있다</a:t>
+            </a:r>
+            <a:r>
+              <a:rPr lang="en-US" altLang="ko-KR" dirty="0" smtClean="0"/>
+              <a:t>.</a:t>
+            </a:r>
+          </a:p>
+        </p:txBody>
+      </p:sp>
+    </p:spTree>
+    <p:extLst>
+      <p:ext uri="{BB962C8B-B14F-4D97-AF65-F5344CB8AC3E}">
+        <p14:creationId xmlns:p14="http://schemas.microsoft.com/office/powerpoint/2010/main" val="1460547285"/>
+      </p:ext>
+    </p:extLst>
+  </p:cSld>
+  <p:clrMapOvr>
+    <a:masterClrMapping/>
+  </p:clrMapOvr>
+  <p:timing>
+    <p:tnLst>
+      <p:par>
+        <p:cTn id="1" dur="indefinite" restart="never" nodeType="tmRoot"/>
+      </p:par>
+    </p:tnLst>
+  </p:timing>
+</p:sld>
+</file>
+
+<file path=ppt/slides/slide35.xml><?xml version="1.0" encoding="utf-8"?>
+<p:sld xmlns:a="http://schemas.openxmlformats.org/drawingml/2006/main" xmlns:r="http://schemas.openxmlformats.org/officeDocument/2006/relationships" xmlns:p="http://schemas.openxmlformats.org/presentationml/2006/main">
+  <p:cSld>
+    <p:spTree>
+      <p:nvGrpSpPr>
+        <p:cNvPr id="1" name=""/>
+        <p:cNvGrpSpPr/>
+        <p:nvPr/>
+      </p:nvGrpSpPr>
+      <p:grpSpPr>
+        <a:xfrm>
+          <a:off x="0" y="0"/>
+          <a:ext cx="0" cy="0"/>
+          <a:chOff x="0" y="0"/>
+          <a:chExt cx="0" cy="0"/>
+        </a:xfrm>
+      </p:grpSpPr>
+      <p:sp>
+        <p:nvSpPr>
           <p:cNvPr id="11" name="내용 개체 틀 10">
             <a:extLst>
               <a:ext uri="{FF2B5EF4-FFF2-40B4-BE49-F238E27FC236}">
-                <a16:creationId xmlns="" xmlns:a16="http://schemas.microsoft.com/office/drawing/2014/main" id="{5B63096A-AE1A-694F-9B03-569398D3215F}"/>
+                <a16:creationId xmlns:a16="http://schemas.microsoft.com/office/drawing/2014/main" xmlns="" id="{5B63096A-AE1A-694F-9B03-569398D3215F}"/>
               </a:ext>
             </a:extLst>
           </p:cNvPr>
@@ -35091,7 +35814,7 @@
           <p:cNvPr id="12" name="내용 개체 틀 11">
             <a:extLst>
               <a:ext uri="{FF2B5EF4-FFF2-40B4-BE49-F238E27FC236}">
-                <a16:creationId xmlns="" xmlns:a16="http://schemas.microsoft.com/office/drawing/2014/main" id="{DA403F0B-7EF1-B640-81F1-099EE858F5FD}"/>
+                <a16:creationId xmlns:a16="http://schemas.microsoft.com/office/drawing/2014/main" xmlns="" id="{DA403F0B-7EF1-B640-81F1-099EE858F5FD}"/>
               </a:ext>
             </a:extLst>
           </p:cNvPr>
@@ -35122,7 +35845,7 @@
           <p:cNvPr id="20" name="TextBox 19">
             <a:extLst>
               <a:ext uri="{FF2B5EF4-FFF2-40B4-BE49-F238E27FC236}">
-                <a16:creationId xmlns="" xmlns:a16="http://schemas.microsoft.com/office/drawing/2014/main" id="{F5883B05-423B-F04A-AC5D-558F9DB4F5F1}"/>
+                <a16:creationId xmlns:a16="http://schemas.microsoft.com/office/drawing/2014/main" xmlns="" id="{F5883B05-423B-F04A-AC5D-558F9DB4F5F1}"/>
               </a:ext>
             </a:extLst>
           </p:cNvPr>
@@ -35210,7 +35933,7 @@
           <p:cNvPr id="21" name="TextBox 20">
             <a:extLst>
               <a:ext uri="{FF2B5EF4-FFF2-40B4-BE49-F238E27FC236}">
-                <a16:creationId xmlns="" xmlns:a16="http://schemas.microsoft.com/office/drawing/2014/main" id="{E2244F08-78EC-534D-B19C-37C9BFEC6950}"/>
+                <a16:creationId xmlns:a16="http://schemas.microsoft.com/office/drawing/2014/main" xmlns="" id="{E2244F08-78EC-534D-B19C-37C9BFEC6950}"/>
               </a:ext>
             </a:extLst>
           </p:cNvPr>
@@ -35297,7 +36020,7 @@
           <p:cNvPr id="22" name="TextBox 21">
             <a:extLst>
               <a:ext uri="{FF2B5EF4-FFF2-40B4-BE49-F238E27FC236}">
-                <a16:creationId xmlns="" xmlns:a16="http://schemas.microsoft.com/office/drawing/2014/main" id="{91DC52D9-0F39-ED41-A979-3C5B75B9AD94}"/>
+                <a16:creationId xmlns:a16="http://schemas.microsoft.com/office/drawing/2014/main" xmlns="" id="{91DC52D9-0F39-ED41-A979-3C5B75B9AD94}"/>
               </a:ext>
             </a:extLst>
           </p:cNvPr>
@@ -35399,7 +36122,7 @@
 </p:sld>
 </file>
 
-<file path=ppt/slides/slide35.xml><?xml version="1.0" encoding="utf-8"?>
+<file path=ppt/slides/slide36.xml><?xml version="1.0" encoding="utf-8"?>
 <p:sld xmlns:a="http://schemas.openxmlformats.org/drawingml/2006/main" xmlns:r="http://schemas.openxmlformats.org/officeDocument/2006/relationships" xmlns:p="http://schemas.openxmlformats.org/presentationml/2006/main">
   <p:cSld>
     <p:spTree>
@@ -35974,7 +36697,7 @@
 </p:sld>
 </file>
 
-<file path=ppt/slides/slide36.xml><?xml version="1.0" encoding="utf-8"?>
+<file path=ppt/slides/slide37.xml><?xml version="1.0" encoding="utf-8"?>
 <p:sld xmlns:a="http://schemas.openxmlformats.org/drawingml/2006/main" xmlns:r="http://schemas.openxmlformats.org/officeDocument/2006/relationships" xmlns:p="http://schemas.openxmlformats.org/presentationml/2006/main">
   <p:cSld>
     <p:spTree>
@@ -36023,7 +36746,7 @@
           <p:cNvPr id="30" name="그림 29">
             <a:extLst>
               <a:ext uri="{FF2B5EF4-FFF2-40B4-BE49-F238E27FC236}">
-                <a16:creationId xmlns="" xmlns:a16="http://schemas.microsoft.com/office/drawing/2014/main" id="{E77DC236-A665-E44D-A0BE-98FEBA2CEA04}"/>
+                <a16:creationId xmlns:a16="http://schemas.microsoft.com/office/drawing/2014/main" xmlns="" id="{E77DC236-A665-E44D-A0BE-98FEBA2CEA04}"/>
               </a:ext>
             </a:extLst>
           </p:cNvPr>
